--- a/MR2.4/MR2.4_Full.pptx
+++ b/MR2.4/MR2.4_Full.pptx
@@ -5,11 +5,13 @@
     <p:sldMasterId id="2147483720" r:id="rId1"/>
   </p:sldMasterIdLst>
   <p:notesMasterIdLst>
-    <p:notesMasterId r:id="rId4"/>
+    <p:notesMasterId r:id="rId6"/>
   </p:notesMasterIdLst>
   <p:sldIdLst>
     <p:sldId id="268" r:id="rId2"/>
     <p:sldId id="267" r:id="rId3"/>
+    <p:sldId id="270" r:id="rId4"/>
+    <p:sldId id="269" r:id="rId5"/>
   </p:sldIdLst>
   <p:sldSz cx="5659438" cy="7543800"/>
   <p:notesSz cx="9144000" cy="6858000"/>
@@ -115,6 +117,8 @@
           <p14:sldIdLst>
             <p14:sldId id="268"/>
             <p14:sldId id="267"/>
+            <p14:sldId id="270"/>
+            <p14:sldId id="269"/>
           </p14:sldIdLst>
         </p14:section>
       </p14:sectionLst>
@@ -563,6 +567,192 @@
     <p:extLst>
       <p:ext uri="{BB962C8B-B14F-4D97-AF65-F5344CB8AC3E}">
         <p14:creationId xmlns:p14="http://schemas.microsoft.com/office/powerpoint/2010/main" val="2243938189"/>
+      </p:ext>
+    </p:extLst>
+  </p:cSld>
+  <p:clrMapOvr>
+    <a:masterClrMapping/>
+  </p:clrMapOvr>
+</p:notes>
+</file>
+
+<file path=ppt/notesSlides/notesSlide2.xml><?xml version="1.0" encoding="utf-8"?>
+<p:notes xmlns:a="http://schemas.openxmlformats.org/drawingml/2006/main" xmlns:r="http://schemas.openxmlformats.org/officeDocument/2006/relationships" xmlns:p="http://schemas.openxmlformats.org/presentationml/2006/main">
+  <p:cSld>
+    <p:spTree>
+      <p:nvGrpSpPr>
+        <p:cNvPr id="1" name=""/>
+        <p:cNvGrpSpPr/>
+        <p:nvPr/>
+      </p:nvGrpSpPr>
+      <p:grpSpPr>
+        <a:xfrm>
+          <a:off x="0" y="0"/>
+          <a:ext cx="0" cy="0"/>
+          <a:chOff x="0" y="0"/>
+          <a:chExt cx="0" cy="0"/>
+        </a:xfrm>
+      </p:grpSpPr>
+      <p:sp>
+        <p:nvSpPr>
+          <p:cNvPr id="2" name="Slide Image Placeholder 1"/>
+          <p:cNvSpPr>
+            <a:spLocks noGrp="1" noRot="1" noChangeAspect="1"/>
+          </p:cNvSpPr>
+          <p:nvPr>
+            <p:ph type="sldImg"/>
+          </p:nvPr>
+        </p:nvSpPr>
+        <p:spPr>
+          <a:xfrm>
+            <a:off x="3703638" y="857250"/>
+            <a:ext cx="1736725" cy="2314575"/>
+          </a:xfrm>
+        </p:spPr>
+      </p:sp>
+      <p:sp>
+        <p:nvSpPr>
+          <p:cNvPr id="3" name="Notes Placeholder 2"/>
+          <p:cNvSpPr>
+            <a:spLocks noGrp="1"/>
+          </p:cNvSpPr>
+          <p:nvPr>
+            <p:ph type="body" idx="1"/>
+          </p:nvPr>
+        </p:nvSpPr>
+        <p:spPr/>
+        <p:txBody>
+          <a:bodyPr/>
+          <a:lstStyle/>
+          <a:p>
+            <a:r>
+              <a:rPr lang="hu-HU" dirty="0" err="1"/>
+              <a:t>WhiteBoard</a:t>
+            </a:r>
+            <a:endParaRPr lang="hu-HU" dirty="0"/>
+          </a:p>
+        </p:txBody>
+      </p:sp>
+      <p:sp>
+        <p:nvSpPr>
+          <p:cNvPr id="4" name="Slide Number Placeholder 3"/>
+          <p:cNvSpPr>
+            <a:spLocks noGrp="1"/>
+          </p:cNvSpPr>
+          <p:nvPr>
+            <p:ph type="sldNum" sz="quarter" idx="5"/>
+          </p:nvPr>
+        </p:nvSpPr>
+        <p:spPr/>
+        <p:txBody>
+          <a:bodyPr/>
+          <a:lstStyle/>
+          <a:p>
+            <a:fld id="{91BF0FD7-3BBC-48BF-9046-F1A751293F8C}" type="slidenum">
+              <a:rPr lang="hu-HU" smtClean="0"/>
+              <a:t>3</a:t>
+            </a:fld>
+            <a:endParaRPr lang="hu-HU"/>
+          </a:p>
+        </p:txBody>
+      </p:sp>
+    </p:spTree>
+    <p:extLst>
+      <p:ext uri="{BB962C8B-B14F-4D97-AF65-F5344CB8AC3E}">
+        <p14:creationId xmlns:p14="http://schemas.microsoft.com/office/powerpoint/2010/main" val="1376131145"/>
+      </p:ext>
+    </p:extLst>
+  </p:cSld>
+  <p:clrMapOvr>
+    <a:masterClrMapping/>
+  </p:clrMapOvr>
+</p:notes>
+</file>
+
+<file path=ppt/notesSlides/notesSlide3.xml><?xml version="1.0" encoding="utf-8"?>
+<p:notes xmlns:a="http://schemas.openxmlformats.org/drawingml/2006/main" xmlns:r="http://schemas.openxmlformats.org/officeDocument/2006/relationships" xmlns:p="http://schemas.openxmlformats.org/presentationml/2006/main">
+  <p:cSld>
+    <p:spTree>
+      <p:nvGrpSpPr>
+        <p:cNvPr id="1" name=""/>
+        <p:cNvGrpSpPr/>
+        <p:nvPr/>
+      </p:nvGrpSpPr>
+      <p:grpSpPr>
+        <a:xfrm>
+          <a:off x="0" y="0"/>
+          <a:ext cx="0" cy="0"/>
+          <a:chOff x="0" y="0"/>
+          <a:chExt cx="0" cy="0"/>
+        </a:xfrm>
+      </p:grpSpPr>
+      <p:sp>
+        <p:nvSpPr>
+          <p:cNvPr id="2" name="Slide Image Placeholder 1"/>
+          <p:cNvSpPr>
+            <a:spLocks noGrp="1" noRot="1" noChangeAspect="1"/>
+          </p:cNvSpPr>
+          <p:nvPr>
+            <p:ph type="sldImg"/>
+          </p:nvPr>
+        </p:nvSpPr>
+        <p:spPr>
+          <a:xfrm>
+            <a:off x="3703638" y="857250"/>
+            <a:ext cx="1736725" cy="2314575"/>
+          </a:xfrm>
+        </p:spPr>
+      </p:sp>
+      <p:sp>
+        <p:nvSpPr>
+          <p:cNvPr id="3" name="Notes Placeholder 2"/>
+          <p:cNvSpPr>
+            <a:spLocks noGrp="1"/>
+          </p:cNvSpPr>
+          <p:nvPr>
+            <p:ph type="body" idx="1"/>
+          </p:nvPr>
+        </p:nvSpPr>
+        <p:spPr/>
+        <p:txBody>
+          <a:bodyPr/>
+          <a:lstStyle/>
+          <a:p>
+            <a:r>
+              <a:rPr lang="hu-HU" dirty="0" err="1"/>
+              <a:t>WhiteBoard</a:t>
+            </a:r>
+            <a:endParaRPr lang="hu-HU" dirty="0"/>
+          </a:p>
+        </p:txBody>
+      </p:sp>
+      <p:sp>
+        <p:nvSpPr>
+          <p:cNvPr id="4" name="Slide Number Placeholder 3"/>
+          <p:cNvSpPr>
+            <a:spLocks noGrp="1"/>
+          </p:cNvSpPr>
+          <p:nvPr>
+            <p:ph type="sldNum" sz="quarter" idx="5"/>
+          </p:nvPr>
+        </p:nvSpPr>
+        <p:spPr/>
+        <p:txBody>
+          <a:bodyPr/>
+          <a:lstStyle/>
+          <a:p>
+            <a:fld id="{91BF0FD7-3BBC-48BF-9046-F1A751293F8C}" type="slidenum">
+              <a:rPr lang="hu-HU" smtClean="0"/>
+              <a:t>4</a:t>
+            </a:fld>
+            <a:endParaRPr lang="hu-HU"/>
+          </a:p>
+        </p:txBody>
+      </p:sp>
+    </p:spTree>
+    <p:extLst>
+      <p:ext uri="{BB962C8B-B14F-4D97-AF65-F5344CB8AC3E}">
+        <p14:creationId xmlns:p14="http://schemas.microsoft.com/office/powerpoint/2010/main" val="990728582"/>
       </p:ext>
     </p:extLst>
   </p:cSld>
@@ -3155,8 +3345,8 @@
         </p:nvSpPr>
         <p:spPr>
           <a:xfrm>
-            <a:off x="1499556" y="-32084"/>
-            <a:ext cx="3826943" cy="729060"/>
+            <a:off x="2165684" y="-32084"/>
+            <a:ext cx="3160815" cy="729060"/>
           </a:xfrm>
           <a:prstGeom prst="rect">
             <a:avLst/>
@@ -3450,7 +3640,7 @@
         <p:spPr>
           <a:xfrm>
             <a:off x="479725" y="33243"/>
-            <a:ext cx="1019831" cy="461665"/>
+            <a:ext cx="1759200" cy="461665"/>
           </a:xfrm>
           <a:prstGeom prst="rect">
             <a:avLst/>
@@ -3465,7 +3655,15 @@
           <a:p>
             <a:r>
               <a:rPr lang="hu-HU" sz="2400" b="1" dirty="0"/>
-              <a:t>MR2.4</a:t>
+              <a:t>MR2.4 </a:t>
+            </a:r>
+            <a:r>
+              <a:rPr lang="hu-HU" sz="2400" b="1" dirty="0" err="1"/>
+              <a:t>Pack</a:t>
+            </a:r>
+            <a:r>
+              <a:rPr lang="hu-HU" sz="2400" b="1" dirty="0"/>
+              <a:t>:</a:t>
             </a:r>
           </a:p>
         </p:txBody>
@@ -3793,31 +3991,6 @@
       </p:grpSpPr>
       <p:sp>
         <p:nvSpPr>
-          <p:cNvPr id="2" name="Title 1">
-            <a:extLst>
-              <a:ext uri="{FF2B5EF4-FFF2-40B4-BE49-F238E27FC236}">
-                <a16:creationId xmlns:a16="http://schemas.microsoft.com/office/drawing/2014/main" id="{6D118D74-B9AA-FBEB-D049-8B3BCEBAA24F}"/>
-              </a:ext>
-            </a:extLst>
-          </p:cNvPr>
-          <p:cNvSpPr>
-            <a:spLocks noGrp="1"/>
-          </p:cNvSpPr>
-          <p:nvPr>
-            <p:ph type="title"/>
-          </p:nvPr>
-        </p:nvSpPr>
-        <p:spPr/>
-        <p:txBody>
-          <a:bodyPr/>
-          <a:lstStyle/>
-          <a:p>
-            <a:endParaRPr lang="hu-HU"/>
-          </a:p>
-        </p:txBody>
-      </p:sp>
-      <p:sp>
-        <p:nvSpPr>
           <p:cNvPr id="3" name="Content Placeholder 2">
             <a:extLst>
               <a:ext uri="{FF2B5EF4-FFF2-40B4-BE49-F238E27FC236}">
@@ -3833,6 +4006,36 @@
           </p:nvPr>
         </p:nvSpPr>
         <p:spPr/>
+        <p:txBody>
+          <a:bodyPr/>
+          <a:lstStyle/>
+          <a:p>
+            <a:endParaRPr lang="hu-HU"/>
+          </a:p>
+        </p:txBody>
+      </p:sp>
+      <p:sp>
+        <p:nvSpPr>
+          <p:cNvPr id="5" name="Title 4">
+            <a:extLst>
+              <a:ext uri="{FF2B5EF4-FFF2-40B4-BE49-F238E27FC236}">
+                <a16:creationId xmlns:a16="http://schemas.microsoft.com/office/drawing/2014/main" id="{5F9D5649-7DFE-3110-C092-DF7F659FE28D}"/>
+              </a:ext>
+            </a:extLst>
+          </p:cNvPr>
+          <p:cNvSpPr>
+            <a:spLocks noGrp="1"/>
+          </p:cNvSpPr>
+          <p:nvPr>
+            <p:ph type="title"/>
+          </p:nvPr>
+        </p:nvSpPr>
+        <p:spPr>
+          <a:xfrm>
+            <a:off x="2213361" y="-48765"/>
+            <a:ext cx="3187408" cy="617034"/>
+          </a:xfrm>
+        </p:spPr>
         <p:txBody>
           <a:bodyPr/>
           <a:lstStyle/>
@@ -3889,8 +4092,7680 @@
         </p:nvSpPr>
         <p:spPr>
           <a:xfrm>
-            <a:off x="1521151" y="-48765"/>
-            <a:ext cx="3879618" cy="617034"/>
+            <a:off x="2179177" y="-48765"/>
+            <a:ext cx="3221591" cy="617034"/>
+          </a:xfrm>
+          <a:prstGeom prst="rect">
+            <a:avLst/>
+          </a:prstGeom>
+        </p:spPr>
+        <p:txBody>
+          <a:bodyPr/>
+          <a:lstStyle/>
+          <a:p>
+            <a:endParaRPr lang="hu-HU" dirty="0"/>
+          </a:p>
+        </p:txBody>
+      </p:sp>
+      <p:graphicFrame>
+        <p:nvGraphicFramePr>
+          <p:cNvPr id="3" name="Table 4">
+            <a:extLst>
+              <a:ext uri="{FF2B5EF4-FFF2-40B4-BE49-F238E27FC236}">
+                <a16:creationId xmlns:a16="http://schemas.microsoft.com/office/drawing/2014/main" id="{4C07258F-C478-7C4B-8EB4-D2E61812A6C1}"/>
+              </a:ext>
+            </a:extLst>
+          </p:cNvPr>
+          <p:cNvGraphicFramePr>
+            <a:graphicFrameLocks noGrp="1"/>
+          </p:cNvGraphicFramePr>
+          <p:nvPr>
+            <p:extLst>
+              <p:ext uri="{D42A27DB-BD31-4B8C-83A1-F6EECF244321}">
+                <p14:modId xmlns:p14="http://schemas.microsoft.com/office/powerpoint/2010/main" val="148880028"/>
+              </p:ext>
+            </p:extLst>
+          </p:nvPr>
+        </p:nvGraphicFramePr>
+        <p:xfrm>
+          <a:off x="17011" y="568269"/>
+          <a:ext cx="5580485" cy="6975527"/>
+        </p:xfrm>
+        <a:graphic>
+          <a:graphicData uri="http://schemas.openxmlformats.org/drawingml/2006/table">
+            <a:tbl>
+              <a:tblPr firstRow="1" bandRow="1">
+                <a:tableStyleId>{5C22544A-7EE6-4342-B048-85BDC9FD1C3A}</a:tableStyleId>
+              </a:tblPr>
+              <a:tblGrid>
+                <a:gridCol w="233680">
+                  <a:extLst>
+                    <a:ext uri="{9D8B030D-6E8A-4147-A177-3AD203B41FA5}">
+                      <a16:colId xmlns:a16="http://schemas.microsoft.com/office/drawing/2014/main" val="739881487"/>
+                    </a:ext>
+                  </a:extLst>
+                </a:gridCol>
+                <a:gridCol w="3192510">
+                  <a:extLst>
+                    <a:ext uri="{9D8B030D-6E8A-4147-A177-3AD203B41FA5}">
+                      <a16:colId xmlns:a16="http://schemas.microsoft.com/office/drawing/2014/main" val="430590996"/>
+                    </a:ext>
+                  </a:extLst>
+                </a:gridCol>
+                <a:gridCol w="692144">
+                  <a:extLst>
+                    <a:ext uri="{9D8B030D-6E8A-4147-A177-3AD203B41FA5}">
+                      <a16:colId xmlns:a16="http://schemas.microsoft.com/office/drawing/2014/main" val="3399180806"/>
+                    </a:ext>
+                  </a:extLst>
+                </a:gridCol>
+                <a:gridCol w="1462151">
+                  <a:extLst>
+                    <a:ext uri="{9D8B030D-6E8A-4147-A177-3AD203B41FA5}">
+                      <a16:colId xmlns:a16="http://schemas.microsoft.com/office/drawing/2014/main" val="770106357"/>
+                    </a:ext>
+                  </a:extLst>
+                </a:gridCol>
+              </a:tblGrid>
+              <a:tr h="367133">
+                <a:tc>
+                  <a:txBody>
+                    <a:bodyPr/>
+                    <a:lstStyle/>
+                    <a:p>
+                      <a:endParaRPr lang="hu-HU" dirty="0"/>
+                    </a:p>
+                  </a:txBody>
+                  <a:tcPr>
+                    <a:lnB w="12700" cap="flat" cmpd="sng" algn="ctr">
+                      <a:solidFill>
+                        <a:schemeClr val="tx1"/>
+                      </a:solidFill>
+                      <a:prstDash val="solid"/>
+                      <a:round/>
+                      <a:headEnd type="none" w="med" len="med"/>
+                      <a:tailEnd type="none" w="med" len="med"/>
+                    </a:lnB>
+                    <a:solidFill>
+                      <a:srgbClr val="3F4346"/>
+                    </a:solidFill>
+                  </a:tcPr>
+                </a:tc>
+                <a:tc>
+                  <a:txBody>
+                    <a:bodyPr/>
+                    <a:lstStyle/>
+                    <a:p>
+                      <a:r>
+                        <a:rPr lang="hu-HU" dirty="0">
+                          <a:solidFill>
+                            <a:schemeClr val="bg1"/>
+                          </a:solidFill>
+                        </a:rPr>
+                        <a:t>TOPIC</a:t>
+                      </a:r>
+                    </a:p>
+                  </a:txBody>
+                  <a:tcPr>
+                    <a:lnB w="12700" cap="flat" cmpd="sng" algn="ctr">
+                      <a:solidFill>
+                        <a:schemeClr val="tx1"/>
+                      </a:solidFill>
+                      <a:prstDash val="solid"/>
+                      <a:round/>
+                      <a:headEnd type="none" w="med" len="med"/>
+                      <a:tailEnd type="none" w="med" len="med"/>
+                    </a:lnB>
+                    <a:solidFill>
+                      <a:srgbClr val="3F4346"/>
+                    </a:solidFill>
+                  </a:tcPr>
+                </a:tc>
+                <a:tc>
+                  <a:txBody>
+                    <a:bodyPr/>
+                    <a:lstStyle/>
+                    <a:p>
+                      <a:r>
+                        <a:rPr lang="hu-HU" dirty="0" err="1">
+                          <a:solidFill>
+                            <a:schemeClr val="bg1"/>
+                          </a:solidFill>
+                        </a:rPr>
+                        <a:t>Date</a:t>
+                      </a:r>
+                      <a:endParaRPr lang="hu-HU" dirty="0">
+                        <a:solidFill>
+                          <a:schemeClr val="bg1"/>
+                        </a:solidFill>
+                      </a:endParaRPr>
+                    </a:p>
+                  </a:txBody>
+                  <a:tcPr>
+                    <a:lnB w="12700" cap="flat" cmpd="sng" algn="ctr">
+                      <a:solidFill>
+                        <a:schemeClr val="tx1"/>
+                      </a:solidFill>
+                      <a:prstDash val="solid"/>
+                      <a:round/>
+                      <a:headEnd type="none" w="med" len="med"/>
+                      <a:tailEnd type="none" w="med" len="med"/>
+                    </a:lnB>
+                    <a:solidFill>
+                      <a:srgbClr val="3F4346"/>
+                    </a:solidFill>
+                  </a:tcPr>
+                </a:tc>
+                <a:tc>
+                  <a:txBody>
+                    <a:bodyPr/>
+                    <a:lstStyle/>
+                    <a:p>
+                      <a:r>
+                        <a:rPr lang="hu-HU" dirty="0" err="1">
+                          <a:solidFill>
+                            <a:schemeClr val="bg1"/>
+                          </a:solidFill>
+                        </a:rPr>
+                        <a:t>Remarks</a:t>
+                      </a:r>
+                      <a:endParaRPr lang="hu-HU" dirty="0">
+                        <a:solidFill>
+                          <a:schemeClr val="bg1"/>
+                        </a:solidFill>
+                      </a:endParaRPr>
+                    </a:p>
+                  </a:txBody>
+                  <a:tcPr>
+                    <a:lnB w="12700" cap="flat" cmpd="sng" algn="ctr">
+                      <a:solidFill>
+                        <a:schemeClr val="tx1"/>
+                      </a:solidFill>
+                      <a:prstDash val="solid"/>
+                      <a:round/>
+                      <a:headEnd type="none" w="med" len="med"/>
+                      <a:tailEnd type="none" w="med" len="med"/>
+                    </a:lnB>
+                    <a:solidFill>
+                      <a:srgbClr val="3F4346"/>
+                    </a:solidFill>
+                  </a:tcPr>
+                </a:tc>
+                <a:extLst>
+                  <a:ext uri="{0D108BD9-81ED-4DB2-BD59-A6C34878D82A}">
+                    <a16:rowId xmlns:a16="http://schemas.microsoft.com/office/drawing/2014/main" val="1023182469"/>
+                  </a:ext>
+                </a:extLst>
+              </a:tr>
+              <a:tr h="367133">
+                <a:tc>
+                  <a:txBody>
+                    <a:bodyPr/>
+                    <a:lstStyle/>
+                    <a:p>
+                      <a:endParaRPr lang="hu-HU" dirty="0"/>
+                    </a:p>
+                  </a:txBody>
+                  <a:tcPr>
+                    <a:lnL w="12700" cap="flat" cmpd="sng" algn="ctr">
+                      <a:solidFill>
+                        <a:schemeClr val="tx1"/>
+                      </a:solidFill>
+                      <a:prstDash val="solid"/>
+                      <a:round/>
+                      <a:headEnd type="none" w="med" len="med"/>
+                      <a:tailEnd type="none" w="med" len="med"/>
+                    </a:lnL>
+                    <a:lnR w="12700" cap="flat" cmpd="sng" algn="ctr">
+                      <a:solidFill>
+                        <a:schemeClr val="tx1"/>
+                      </a:solidFill>
+                      <a:prstDash val="solid"/>
+                      <a:round/>
+                      <a:headEnd type="none" w="med" len="med"/>
+                      <a:tailEnd type="none" w="med" len="med"/>
+                    </a:lnR>
+                    <a:lnT w="12700" cap="flat" cmpd="sng" algn="ctr">
+                      <a:solidFill>
+                        <a:schemeClr val="tx1"/>
+                      </a:solidFill>
+                      <a:prstDash val="solid"/>
+                      <a:round/>
+                      <a:headEnd type="none" w="med" len="med"/>
+                      <a:tailEnd type="none" w="med" len="med"/>
+                    </a:lnT>
+                    <a:lnB w="12700" cap="flat" cmpd="sng" algn="ctr">
+                      <a:solidFill>
+                        <a:schemeClr val="tx1"/>
+                      </a:solidFill>
+                      <a:prstDash val="solid"/>
+                      <a:round/>
+                      <a:headEnd type="none" w="med" len="med"/>
+                      <a:tailEnd type="none" w="med" len="med"/>
+                    </a:lnB>
+                    <a:noFill/>
+                  </a:tcPr>
+                </a:tc>
+                <a:tc>
+                  <a:txBody>
+                    <a:bodyPr/>
+                    <a:lstStyle/>
+                    <a:p>
+                      <a:endParaRPr lang="hu-HU" dirty="0"/>
+                    </a:p>
+                  </a:txBody>
+                  <a:tcPr>
+                    <a:lnL w="12700" cap="flat" cmpd="sng" algn="ctr">
+                      <a:solidFill>
+                        <a:schemeClr val="tx1"/>
+                      </a:solidFill>
+                      <a:prstDash val="solid"/>
+                      <a:round/>
+                      <a:headEnd type="none" w="med" len="med"/>
+                      <a:tailEnd type="none" w="med" len="med"/>
+                    </a:lnL>
+                    <a:lnR w="12700" cap="flat" cmpd="sng" algn="ctr">
+                      <a:solidFill>
+                        <a:schemeClr val="tx1"/>
+                      </a:solidFill>
+                      <a:prstDash val="solid"/>
+                      <a:round/>
+                      <a:headEnd type="none" w="med" len="med"/>
+                      <a:tailEnd type="none" w="med" len="med"/>
+                    </a:lnR>
+                    <a:lnT w="12700" cap="flat" cmpd="sng" algn="ctr">
+                      <a:solidFill>
+                        <a:schemeClr val="tx1"/>
+                      </a:solidFill>
+                      <a:prstDash val="solid"/>
+                      <a:round/>
+                      <a:headEnd type="none" w="med" len="med"/>
+                      <a:tailEnd type="none" w="med" len="med"/>
+                    </a:lnT>
+                    <a:lnB w="12700" cap="flat" cmpd="sng" algn="ctr">
+                      <a:solidFill>
+                        <a:schemeClr val="tx1"/>
+                      </a:solidFill>
+                      <a:prstDash val="solid"/>
+                      <a:round/>
+                      <a:headEnd type="none" w="med" len="med"/>
+                      <a:tailEnd type="none" w="med" len="med"/>
+                    </a:lnB>
+                    <a:noFill/>
+                  </a:tcPr>
+                </a:tc>
+                <a:tc>
+                  <a:txBody>
+                    <a:bodyPr/>
+                    <a:lstStyle/>
+                    <a:p>
+                      <a:endParaRPr lang="hu-HU" dirty="0"/>
+                    </a:p>
+                  </a:txBody>
+                  <a:tcPr>
+                    <a:lnL w="12700" cap="flat" cmpd="sng" algn="ctr">
+                      <a:solidFill>
+                        <a:schemeClr val="tx1"/>
+                      </a:solidFill>
+                      <a:prstDash val="solid"/>
+                      <a:round/>
+                      <a:headEnd type="none" w="med" len="med"/>
+                      <a:tailEnd type="none" w="med" len="med"/>
+                    </a:lnL>
+                    <a:lnR w="12700" cap="flat" cmpd="sng" algn="ctr">
+                      <a:solidFill>
+                        <a:schemeClr val="tx1"/>
+                      </a:solidFill>
+                      <a:prstDash val="solid"/>
+                      <a:round/>
+                      <a:headEnd type="none" w="med" len="med"/>
+                      <a:tailEnd type="none" w="med" len="med"/>
+                    </a:lnR>
+                    <a:lnT w="12700" cap="flat" cmpd="sng" algn="ctr">
+                      <a:solidFill>
+                        <a:schemeClr val="tx1"/>
+                      </a:solidFill>
+                      <a:prstDash val="solid"/>
+                      <a:round/>
+                      <a:headEnd type="none" w="med" len="med"/>
+                      <a:tailEnd type="none" w="med" len="med"/>
+                    </a:lnT>
+                    <a:lnB w="12700" cap="flat" cmpd="sng" algn="ctr">
+                      <a:solidFill>
+                        <a:schemeClr val="tx1"/>
+                      </a:solidFill>
+                      <a:prstDash val="solid"/>
+                      <a:round/>
+                      <a:headEnd type="none" w="med" len="med"/>
+                      <a:tailEnd type="none" w="med" len="med"/>
+                    </a:lnB>
+                    <a:noFill/>
+                  </a:tcPr>
+                </a:tc>
+                <a:tc>
+                  <a:txBody>
+                    <a:bodyPr/>
+                    <a:lstStyle/>
+                    <a:p>
+                      <a:endParaRPr lang="hu-HU"/>
+                    </a:p>
+                  </a:txBody>
+                  <a:tcPr>
+                    <a:lnL w="12700" cap="flat" cmpd="sng" algn="ctr">
+                      <a:solidFill>
+                        <a:schemeClr val="tx1"/>
+                      </a:solidFill>
+                      <a:prstDash val="solid"/>
+                      <a:round/>
+                      <a:headEnd type="none" w="med" len="med"/>
+                      <a:tailEnd type="none" w="med" len="med"/>
+                    </a:lnL>
+                    <a:lnR w="12700" cap="flat" cmpd="sng" algn="ctr">
+                      <a:solidFill>
+                        <a:schemeClr val="tx1"/>
+                      </a:solidFill>
+                      <a:prstDash val="solid"/>
+                      <a:round/>
+                      <a:headEnd type="none" w="med" len="med"/>
+                      <a:tailEnd type="none" w="med" len="med"/>
+                    </a:lnR>
+                    <a:lnT w="12700" cap="flat" cmpd="sng" algn="ctr">
+                      <a:solidFill>
+                        <a:schemeClr val="tx1"/>
+                      </a:solidFill>
+                      <a:prstDash val="solid"/>
+                      <a:round/>
+                      <a:headEnd type="none" w="med" len="med"/>
+                      <a:tailEnd type="none" w="med" len="med"/>
+                    </a:lnT>
+                    <a:lnB w="12700" cap="flat" cmpd="sng" algn="ctr">
+                      <a:solidFill>
+                        <a:schemeClr val="tx1"/>
+                      </a:solidFill>
+                      <a:prstDash val="solid"/>
+                      <a:round/>
+                      <a:headEnd type="none" w="med" len="med"/>
+                      <a:tailEnd type="none" w="med" len="med"/>
+                    </a:lnB>
+                    <a:noFill/>
+                  </a:tcPr>
+                </a:tc>
+                <a:extLst>
+                  <a:ext uri="{0D108BD9-81ED-4DB2-BD59-A6C34878D82A}">
+                    <a16:rowId xmlns:a16="http://schemas.microsoft.com/office/drawing/2014/main" val="1326901305"/>
+                  </a:ext>
+                </a:extLst>
+              </a:tr>
+              <a:tr h="367133">
+                <a:tc>
+                  <a:txBody>
+                    <a:bodyPr/>
+                    <a:lstStyle/>
+                    <a:p>
+                      <a:endParaRPr lang="hu-HU" dirty="0"/>
+                    </a:p>
+                  </a:txBody>
+                  <a:tcPr>
+                    <a:lnL w="12700" cap="flat" cmpd="sng" algn="ctr">
+                      <a:solidFill>
+                        <a:schemeClr val="tx1"/>
+                      </a:solidFill>
+                      <a:prstDash val="solid"/>
+                      <a:round/>
+                      <a:headEnd type="none" w="med" len="med"/>
+                      <a:tailEnd type="none" w="med" len="med"/>
+                    </a:lnL>
+                    <a:lnR w="12700" cap="flat" cmpd="sng" algn="ctr">
+                      <a:solidFill>
+                        <a:schemeClr val="tx1"/>
+                      </a:solidFill>
+                      <a:prstDash val="solid"/>
+                      <a:round/>
+                      <a:headEnd type="none" w="med" len="med"/>
+                      <a:tailEnd type="none" w="med" len="med"/>
+                    </a:lnR>
+                    <a:lnT w="12700" cap="flat" cmpd="sng" algn="ctr">
+                      <a:solidFill>
+                        <a:schemeClr val="tx1"/>
+                      </a:solidFill>
+                      <a:prstDash val="solid"/>
+                      <a:round/>
+                      <a:headEnd type="none" w="med" len="med"/>
+                      <a:tailEnd type="none" w="med" len="med"/>
+                    </a:lnT>
+                    <a:lnB w="12700" cap="flat" cmpd="sng" algn="ctr">
+                      <a:solidFill>
+                        <a:schemeClr val="tx1"/>
+                      </a:solidFill>
+                      <a:prstDash val="solid"/>
+                      <a:round/>
+                      <a:headEnd type="none" w="med" len="med"/>
+                      <a:tailEnd type="none" w="med" len="med"/>
+                    </a:lnB>
+                    <a:noFill/>
+                  </a:tcPr>
+                </a:tc>
+                <a:tc>
+                  <a:txBody>
+                    <a:bodyPr/>
+                    <a:lstStyle/>
+                    <a:p>
+                      <a:endParaRPr lang="hu-HU"/>
+                    </a:p>
+                  </a:txBody>
+                  <a:tcPr>
+                    <a:lnL w="12700" cap="flat" cmpd="sng" algn="ctr">
+                      <a:solidFill>
+                        <a:schemeClr val="tx1"/>
+                      </a:solidFill>
+                      <a:prstDash val="solid"/>
+                      <a:round/>
+                      <a:headEnd type="none" w="med" len="med"/>
+                      <a:tailEnd type="none" w="med" len="med"/>
+                    </a:lnL>
+                    <a:lnR w="12700" cap="flat" cmpd="sng" algn="ctr">
+                      <a:solidFill>
+                        <a:schemeClr val="tx1"/>
+                      </a:solidFill>
+                      <a:prstDash val="solid"/>
+                      <a:round/>
+                      <a:headEnd type="none" w="med" len="med"/>
+                      <a:tailEnd type="none" w="med" len="med"/>
+                    </a:lnR>
+                    <a:lnT w="12700" cap="flat" cmpd="sng" algn="ctr">
+                      <a:solidFill>
+                        <a:schemeClr val="tx1"/>
+                      </a:solidFill>
+                      <a:prstDash val="solid"/>
+                      <a:round/>
+                      <a:headEnd type="none" w="med" len="med"/>
+                      <a:tailEnd type="none" w="med" len="med"/>
+                    </a:lnT>
+                    <a:lnB w="12700" cap="flat" cmpd="sng" algn="ctr">
+                      <a:solidFill>
+                        <a:schemeClr val="tx1"/>
+                      </a:solidFill>
+                      <a:prstDash val="solid"/>
+                      <a:round/>
+                      <a:headEnd type="none" w="med" len="med"/>
+                      <a:tailEnd type="none" w="med" len="med"/>
+                    </a:lnB>
+                    <a:noFill/>
+                  </a:tcPr>
+                </a:tc>
+                <a:tc>
+                  <a:txBody>
+                    <a:bodyPr/>
+                    <a:lstStyle/>
+                    <a:p>
+                      <a:endParaRPr lang="hu-HU" dirty="0"/>
+                    </a:p>
+                  </a:txBody>
+                  <a:tcPr>
+                    <a:lnL w="12700" cap="flat" cmpd="sng" algn="ctr">
+                      <a:solidFill>
+                        <a:schemeClr val="tx1"/>
+                      </a:solidFill>
+                      <a:prstDash val="solid"/>
+                      <a:round/>
+                      <a:headEnd type="none" w="med" len="med"/>
+                      <a:tailEnd type="none" w="med" len="med"/>
+                    </a:lnL>
+                    <a:lnR w="12700" cap="flat" cmpd="sng" algn="ctr">
+                      <a:solidFill>
+                        <a:schemeClr val="tx1"/>
+                      </a:solidFill>
+                      <a:prstDash val="solid"/>
+                      <a:round/>
+                      <a:headEnd type="none" w="med" len="med"/>
+                      <a:tailEnd type="none" w="med" len="med"/>
+                    </a:lnR>
+                    <a:lnT w="12700" cap="flat" cmpd="sng" algn="ctr">
+                      <a:solidFill>
+                        <a:schemeClr val="tx1"/>
+                      </a:solidFill>
+                      <a:prstDash val="solid"/>
+                      <a:round/>
+                      <a:headEnd type="none" w="med" len="med"/>
+                      <a:tailEnd type="none" w="med" len="med"/>
+                    </a:lnT>
+                    <a:lnB w="12700" cap="flat" cmpd="sng" algn="ctr">
+                      <a:solidFill>
+                        <a:schemeClr val="tx1"/>
+                      </a:solidFill>
+                      <a:prstDash val="solid"/>
+                      <a:round/>
+                      <a:headEnd type="none" w="med" len="med"/>
+                      <a:tailEnd type="none" w="med" len="med"/>
+                    </a:lnB>
+                    <a:noFill/>
+                  </a:tcPr>
+                </a:tc>
+                <a:tc>
+                  <a:txBody>
+                    <a:bodyPr/>
+                    <a:lstStyle/>
+                    <a:p>
+                      <a:endParaRPr lang="hu-HU" dirty="0"/>
+                    </a:p>
+                  </a:txBody>
+                  <a:tcPr>
+                    <a:lnL w="12700" cap="flat" cmpd="sng" algn="ctr">
+                      <a:solidFill>
+                        <a:schemeClr val="tx1"/>
+                      </a:solidFill>
+                      <a:prstDash val="solid"/>
+                      <a:round/>
+                      <a:headEnd type="none" w="med" len="med"/>
+                      <a:tailEnd type="none" w="med" len="med"/>
+                    </a:lnL>
+                    <a:lnR w="12700" cap="flat" cmpd="sng" algn="ctr">
+                      <a:solidFill>
+                        <a:schemeClr val="tx1"/>
+                      </a:solidFill>
+                      <a:prstDash val="solid"/>
+                      <a:round/>
+                      <a:headEnd type="none" w="med" len="med"/>
+                      <a:tailEnd type="none" w="med" len="med"/>
+                    </a:lnR>
+                    <a:lnT w="12700" cap="flat" cmpd="sng" algn="ctr">
+                      <a:solidFill>
+                        <a:schemeClr val="tx1"/>
+                      </a:solidFill>
+                      <a:prstDash val="solid"/>
+                      <a:round/>
+                      <a:headEnd type="none" w="med" len="med"/>
+                      <a:tailEnd type="none" w="med" len="med"/>
+                    </a:lnT>
+                    <a:lnB w="12700" cap="flat" cmpd="sng" algn="ctr">
+                      <a:solidFill>
+                        <a:schemeClr val="tx1"/>
+                      </a:solidFill>
+                      <a:prstDash val="solid"/>
+                      <a:round/>
+                      <a:headEnd type="none" w="med" len="med"/>
+                      <a:tailEnd type="none" w="med" len="med"/>
+                    </a:lnB>
+                    <a:noFill/>
+                  </a:tcPr>
+                </a:tc>
+                <a:extLst>
+                  <a:ext uri="{0D108BD9-81ED-4DB2-BD59-A6C34878D82A}">
+                    <a16:rowId xmlns:a16="http://schemas.microsoft.com/office/drawing/2014/main" val="2547771267"/>
+                  </a:ext>
+                </a:extLst>
+              </a:tr>
+              <a:tr h="367133">
+                <a:tc>
+                  <a:txBody>
+                    <a:bodyPr/>
+                    <a:lstStyle/>
+                    <a:p>
+                      <a:endParaRPr lang="hu-HU"/>
+                    </a:p>
+                  </a:txBody>
+                  <a:tcPr>
+                    <a:lnL w="12700" cap="flat" cmpd="sng" algn="ctr">
+                      <a:solidFill>
+                        <a:schemeClr val="tx1"/>
+                      </a:solidFill>
+                      <a:prstDash val="solid"/>
+                      <a:round/>
+                      <a:headEnd type="none" w="med" len="med"/>
+                      <a:tailEnd type="none" w="med" len="med"/>
+                    </a:lnL>
+                    <a:lnR w="12700" cap="flat" cmpd="sng" algn="ctr">
+                      <a:solidFill>
+                        <a:schemeClr val="tx1"/>
+                      </a:solidFill>
+                      <a:prstDash val="solid"/>
+                      <a:round/>
+                      <a:headEnd type="none" w="med" len="med"/>
+                      <a:tailEnd type="none" w="med" len="med"/>
+                    </a:lnR>
+                    <a:lnT w="12700" cap="flat" cmpd="sng" algn="ctr">
+                      <a:solidFill>
+                        <a:schemeClr val="tx1"/>
+                      </a:solidFill>
+                      <a:prstDash val="solid"/>
+                      <a:round/>
+                      <a:headEnd type="none" w="med" len="med"/>
+                      <a:tailEnd type="none" w="med" len="med"/>
+                    </a:lnT>
+                    <a:lnB w="12700" cap="flat" cmpd="sng" algn="ctr">
+                      <a:solidFill>
+                        <a:schemeClr val="tx1"/>
+                      </a:solidFill>
+                      <a:prstDash val="solid"/>
+                      <a:round/>
+                      <a:headEnd type="none" w="med" len="med"/>
+                      <a:tailEnd type="none" w="med" len="med"/>
+                    </a:lnB>
+                    <a:noFill/>
+                  </a:tcPr>
+                </a:tc>
+                <a:tc>
+                  <a:txBody>
+                    <a:bodyPr/>
+                    <a:lstStyle/>
+                    <a:p>
+                      <a:endParaRPr lang="hu-HU"/>
+                    </a:p>
+                  </a:txBody>
+                  <a:tcPr>
+                    <a:lnL w="12700" cap="flat" cmpd="sng" algn="ctr">
+                      <a:solidFill>
+                        <a:schemeClr val="tx1"/>
+                      </a:solidFill>
+                      <a:prstDash val="solid"/>
+                      <a:round/>
+                      <a:headEnd type="none" w="med" len="med"/>
+                      <a:tailEnd type="none" w="med" len="med"/>
+                    </a:lnL>
+                    <a:lnR w="12700" cap="flat" cmpd="sng" algn="ctr">
+                      <a:solidFill>
+                        <a:schemeClr val="tx1"/>
+                      </a:solidFill>
+                      <a:prstDash val="solid"/>
+                      <a:round/>
+                      <a:headEnd type="none" w="med" len="med"/>
+                      <a:tailEnd type="none" w="med" len="med"/>
+                    </a:lnR>
+                    <a:lnT w="12700" cap="flat" cmpd="sng" algn="ctr">
+                      <a:solidFill>
+                        <a:schemeClr val="tx1"/>
+                      </a:solidFill>
+                      <a:prstDash val="solid"/>
+                      <a:round/>
+                      <a:headEnd type="none" w="med" len="med"/>
+                      <a:tailEnd type="none" w="med" len="med"/>
+                    </a:lnT>
+                    <a:lnB w="12700" cap="flat" cmpd="sng" algn="ctr">
+                      <a:solidFill>
+                        <a:schemeClr val="tx1"/>
+                      </a:solidFill>
+                      <a:prstDash val="solid"/>
+                      <a:round/>
+                      <a:headEnd type="none" w="med" len="med"/>
+                      <a:tailEnd type="none" w="med" len="med"/>
+                    </a:lnB>
+                    <a:noFill/>
+                  </a:tcPr>
+                </a:tc>
+                <a:tc>
+                  <a:txBody>
+                    <a:bodyPr/>
+                    <a:lstStyle/>
+                    <a:p>
+                      <a:endParaRPr lang="hu-HU" dirty="0"/>
+                    </a:p>
+                  </a:txBody>
+                  <a:tcPr>
+                    <a:lnL w="12700" cap="flat" cmpd="sng" algn="ctr">
+                      <a:solidFill>
+                        <a:schemeClr val="tx1"/>
+                      </a:solidFill>
+                      <a:prstDash val="solid"/>
+                      <a:round/>
+                      <a:headEnd type="none" w="med" len="med"/>
+                      <a:tailEnd type="none" w="med" len="med"/>
+                    </a:lnL>
+                    <a:lnR w="12700" cap="flat" cmpd="sng" algn="ctr">
+                      <a:solidFill>
+                        <a:schemeClr val="tx1"/>
+                      </a:solidFill>
+                      <a:prstDash val="solid"/>
+                      <a:round/>
+                      <a:headEnd type="none" w="med" len="med"/>
+                      <a:tailEnd type="none" w="med" len="med"/>
+                    </a:lnR>
+                    <a:lnT w="12700" cap="flat" cmpd="sng" algn="ctr">
+                      <a:solidFill>
+                        <a:schemeClr val="tx1"/>
+                      </a:solidFill>
+                      <a:prstDash val="solid"/>
+                      <a:round/>
+                      <a:headEnd type="none" w="med" len="med"/>
+                      <a:tailEnd type="none" w="med" len="med"/>
+                    </a:lnT>
+                    <a:lnB w="12700" cap="flat" cmpd="sng" algn="ctr">
+                      <a:solidFill>
+                        <a:schemeClr val="tx1"/>
+                      </a:solidFill>
+                      <a:prstDash val="solid"/>
+                      <a:round/>
+                      <a:headEnd type="none" w="med" len="med"/>
+                      <a:tailEnd type="none" w="med" len="med"/>
+                    </a:lnB>
+                    <a:noFill/>
+                  </a:tcPr>
+                </a:tc>
+                <a:tc>
+                  <a:txBody>
+                    <a:bodyPr/>
+                    <a:lstStyle/>
+                    <a:p>
+                      <a:endParaRPr lang="hu-HU" dirty="0"/>
+                    </a:p>
+                  </a:txBody>
+                  <a:tcPr>
+                    <a:lnL w="12700" cap="flat" cmpd="sng" algn="ctr">
+                      <a:solidFill>
+                        <a:schemeClr val="tx1"/>
+                      </a:solidFill>
+                      <a:prstDash val="solid"/>
+                      <a:round/>
+                      <a:headEnd type="none" w="med" len="med"/>
+                      <a:tailEnd type="none" w="med" len="med"/>
+                    </a:lnL>
+                    <a:lnR w="12700" cap="flat" cmpd="sng" algn="ctr">
+                      <a:solidFill>
+                        <a:schemeClr val="tx1"/>
+                      </a:solidFill>
+                      <a:prstDash val="solid"/>
+                      <a:round/>
+                      <a:headEnd type="none" w="med" len="med"/>
+                      <a:tailEnd type="none" w="med" len="med"/>
+                    </a:lnR>
+                    <a:lnT w="12700" cap="flat" cmpd="sng" algn="ctr">
+                      <a:solidFill>
+                        <a:schemeClr val="tx1"/>
+                      </a:solidFill>
+                      <a:prstDash val="solid"/>
+                      <a:round/>
+                      <a:headEnd type="none" w="med" len="med"/>
+                      <a:tailEnd type="none" w="med" len="med"/>
+                    </a:lnT>
+                    <a:lnB w="12700" cap="flat" cmpd="sng" algn="ctr">
+                      <a:solidFill>
+                        <a:schemeClr val="tx1"/>
+                      </a:solidFill>
+                      <a:prstDash val="solid"/>
+                      <a:round/>
+                      <a:headEnd type="none" w="med" len="med"/>
+                      <a:tailEnd type="none" w="med" len="med"/>
+                    </a:lnB>
+                    <a:noFill/>
+                  </a:tcPr>
+                </a:tc>
+                <a:extLst>
+                  <a:ext uri="{0D108BD9-81ED-4DB2-BD59-A6C34878D82A}">
+                    <a16:rowId xmlns:a16="http://schemas.microsoft.com/office/drawing/2014/main" val="3898403291"/>
+                  </a:ext>
+                </a:extLst>
+              </a:tr>
+              <a:tr h="367133">
+                <a:tc>
+                  <a:txBody>
+                    <a:bodyPr/>
+                    <a:lstStyle/>
+                    <a:p>
+                      <a:endParaRPr lang="hu-HU" dirty="0"/>
+                    </a:p>
+                  </a:txBody>
+                  <a:tcPr>
+                    <a:lnL w="12700" cap="flat" cmpd="sng" algn="ctr">
+                      <a:solidFill>
+                        <a:schemeClr val="tx1"/>
+                      </a:solidFill>
+                      <a:prstDash val="solid"/>
+                      <a:round/>
+                      <a:headEnd type="none" w="med" len="med"/>
+                      <a:tailEnd type="none" w="med" len="med"/>
+                    </a:lnL>
+                    <a:lnR w="12700" cap="flat" cmpd="sng" algn="ctr">
+                      <a:solidFill>
+                        <a:schemeClr val="tx1"/>
+                      </a:solidFill>
+                      <a:prstDash val="solid"/>
+                      <a:round/>
+                      <a:headEnd type="none" w="med" len="med"/>
+                      <a:tailEnd type="none" w="med" len="med"/>
+                    </a:lnR>
+                    <a:lnT w="12700" cap="flat" cmpd="sng" algn="ctr">
+                      <a:solidFill>
+                        <a:schemeClr val="tx1"/>
+                      </a:solidFill>
+                      <a:prstDash val="solid"/>
+                      <a:round/>
+                      <a:headEnd type="none" w="med" len="med"/>
+                      <a:tailEnd type="none" w="med" len="med"/>
+                    </a:lnT>
+                    <a:lnB w="12700" cap="flat" cmpd="sng" algn="ctr">
+                      <a:solidFill>
+                        <a:schemeClr val="tx1"/>
+                      </a:solidFill>
+                      <a:prstDash val="solid"/>
+                      <a:round/>
+                      <a:headEnd type="none" w="med" len="med"/>
+                      <a:tailEnd type="none" w="med" len="med"/>
+                    </a:lnB>
+                    <a:noFill/>
+                  </a:tcPr>
+                </a:tc>
+                <a:tc>
+                  <a:txBody>
+                    <a:bodyPr/>
+                    <a:lstStyle/>
+                    <a:p>
+                      <a:endParaRPr lang="hu-HU"/>
+                    </a:p>
+                  </a:txBody>
+                  <a:tcPr>
+                    <a:lnL w="12700" cap="flat" cmpd="sng" algn="ctr">
+                      <a:solidFill>
+                        <a:schemeClr val="tx1"/>
+                      </a:solidFill>
+                      <a:prstDash val="solid"/>
+                      <a:round/>
+                      <a:headEnd type="none" w="med" len="med"/>
+                      <a:tailEnd type="none" w="med" len="med"/>
+                    </a:lnL>
+                    <a:lnR w="12700" cap="flat" cmpd="sng" algn="ctr">
+                      <a:solidFill>
+                        <a:schemeClr val="tx1"/>
+                      </a:solidFill>
+                      <a:prstDash val="solid"/>
+                      <a:round/>
+                      <a:headEnd type="none" w="med" len="med"/>
+                      <a:tailEnd type="none" w="med" len="med"/>
+                    </a:lnR>
+                    <a:lnT w="12700" cap="flat" cmpd="sng" algn="ctr">
+                      <a:solidFill>
+                        <a:schemeClr val="tx1"/>
+                      </a:solidFill>
+                      <a:prstDash val="solid"/>
+                      <a:round/>
+                      <a:headEnd type="none" w="med" len="med"/>
+                      <a:tailEnd type="none" w="med" len="med"/>
+                    </a:lnT>
+                    <a:lnB w="12700" cap="flat" cmpd="sng" algn="ctr">
+                      <a:solidFill>
+                        <a:schemeClr val="tx1"/>
+                      </a:solidFill>
+                      <a:prstDash val="solid"/>
+                      <a:round/>
+                      <a:headEnd type="none" w="med" len="med"/>
+                      <a:tailEnd type="none" w="med" len="med"/>
+                    </a:lnB>
+                    <a:noFill/>
+                  </a:tcPr>
+                </a:tc>
+                <a:tc>
+                  <a:txBody>
+                    <a:bodyPr/>
+                    <a:lstStyle/>
+                    <a:p>
+                      <a:endParaRPr lang="hu-HU"/>
+                    </a:p>
+                  </a:txBody>
+                  <a:tcPr>
+                    <a:lnL w="12700" cap="flat" cmpd="sng" algn="ctr">
+                      <a:solidFill>
+                        <a:schemeClr val="tx1"/>
+                      </a:solidFill>
+                      <a:prstDash val="solid"/>
+                      <a:round/>
+                      <a:headEnd type="none" w="med" len="med"/>
+                      <a:tailEnd type="none" w="med" len="med"/>
+                    </a:lnL>
+                    <a:lnR w="12700" cap="flat" cmpd="sng" algn="ctr">
+                      <a:solidFill>
+                        <a:schemeClr val="tx1"/>
+                      </a:solidFill>
+                      <a:prstDash val="solid"/>
+                      <a:round/>
+                      <a:headEnd type="none" w="med" len="med"/>
+                      <a:tailEnd type="none" w="med" len="med"/>
+                    </a:lnR>
+                    <a:lnT w="12700" cap="flat" cmpd="sng" algn="ctr">
+                      <a:solidFill>
+                        <a:schemeClr val="tx1"/>
+                      </a:solidFill>
+                      <a:prstDash val="solid"/>
+                      <a:round/>
+                      <a:headEnd type="none" w="med" len="med"/>
+                      <a:tailEnd type="none" w="med" len="med"/>
+                    </a:lnT>
+                    <a:lnB w="12700" cap="flat" cmpd="sng" algn="ctr">
+                      <a:solidFill>
+                        <a:schemeClr val="tx1"/>
+                      </a:solidFill>
+                      <a:prstDash val="solid"/>
+                      <a:round/>
+                      <a:headEnd type="none" w="med" len="med"/>
+                      <a:tailEnd type="none" w="med" len="med"/>
+                    </a:lnB>
+                    <a:noFill/>
+                  </a:tcPr>
+                </a:tc>
+                <a:tc>
+                  <a:txBody>
+                    <a:bodyPr/>
+                    <a:lstStyle/>
+                    <a:p>
+                      <a:endParaRPr lang="hu-HU" dirty="0"/>
+                    </a:p>
+                  </a:txBody>
+                  <a:tcPr>
+                    <a:lnL w="12700" cap="flat" cmpd="sng" algn="ctr">
+                      <a:solidFill>
+                        <a:schemeClr val="tx1"/>
+                      </a:solidFill>
+                      <a:prstDash val="solid"/>
+                      <a:round/>
+                      <a:headEnd type="none" w="med" len="med"/>
+                      <a:tailEnd type="none" w="med" len="med"/>
+                    </a:lnL>
+                    <a:lnR w="12700" cap="flat" cmpd="sng" algn="ctr">
+                      <a:solidFill>
+                        <a:schemeClr val="tx1"/>
+                      </a:solidFill>
+                      <a:prstDash val="solid"/>
+                      <a:round/>
+                      <a:headEnd type="none" w="med" len="med"/>
+                      <a:tailEnd type="none" w="med" len="med"/>
+                    </a:lnR>
+                    <a:lnT w="12700" cap="flat" cmpd="sng" algn="ctr">
+                      <a:solidFill>
+                        <a:schemeClr val="tx1"/>
+                      </a:solidFill>
+                      <a:prstDash val="solid"/>
+                      <a:round/>
+                      <a:headEnd type="none" w="med" len="med"/>
+                      <a:tailEnd type="none" w="med" len="med"/>
+                    </a:lnT>
+                    <a:lnB w="12700" cap="flat" cmpd="sng" algn="ctr">
+                      <a:solidFill>
+                        <a:schemeClr val="tx1"/>
+                      </a:solidFill>
+                      <a:prstDash val="solid"/>
+                      <a:round/>
+                      <a:headEnd type="none" w="med" len="med"/>
+                      <a:tailEnd type="none" w="med" len="med"/>
+                    </a:lnB>
+                    <a:noFill/>
+                  </a:tcPr>
+                </a:tc>
+                <a:extLst>
+                  <a:ext uri="{0D108BD9-81ED-4DB2-BD59-A6C34878D82A}">
+                    <a16:rowId xmlns:a16="http://schemas.microsoft.com/office/drawing/2014/main" val="1359770925"/>
+                  </a:ext>
+                </a:extLst>
+              </a:tr>
+              <a:tr h="367133">
+                <a:tc>
+                  <a:txBody>
+                    <a:bodyPr/>
+                    <a:lstStyle/>
+                    <a:p>
+                      <a:endParaRPr lang="hu-HU" dirty="0"/>
+                    </a:p>
+                  </a:txBody>
+                  <a:tcPr>
+                    <a:lnL w="12700" cap="flat" cmpd="sng" algn="ctr">
+                      <a:solidFill>
+                        <a:schemeClr val="tx1"/>
+                      </a:solidFill>
+                      <a:prstDash val="solid"/>
+                      <a:round/>
+                      <a:headEnd type="none" w="med" len="med"/>
+                      <a:tailEnd type="none" w="med" len="med"/>
+                    </a:lnL>
+                    <a:lnR w="12700" cap="flat" cmpd="sng" algn="ctr">
+                      <a:solidFill>
+                        <a:schemeClr val="tx1"/>
+                      </a:solidFill>
+                      <a:prstDash val="solid"/>
+                      <a:round/>
+                      <a:headEnd type="none" w="med" len="med"/>
+                      <a:tailEnd type="none" w="med" len="med"/>
+                    </a:lnR>
+                    <a:lnT w="12700" cap="flat" cmpd="sng" algn="ctr">
+                      <a:solidFill>
+                        <a:schemeClr val="tx1"/>
+                      </a:solidFill>
+                      <a:prstDash val="solid"/>
+                      <a:round/>
+                      <a:headEnd type="none" w="med" len="med"/>
+                      <a:tailEnd type="none" w="med" len="med"/>
+                    </a:lnT>
+                    <a:lnB w="12700" cap="flat" cmpd="sng" algn="ctr">
+                      <a:solidFill>
+                        <a:schemeClr val="tx1"/>
+                      </a:solidFill>
+                      <a:prstDash val="solid"/>
+                      <a:round/>
+                      <a:headEnd type="none" w="med" len="med"/>
+                      <a:tailEnd type="none" w="med" len="med"/>
+                    </a:lnB>
+                    <a:noFill/>
+                  </a:tcPr>
+                </a:tc>
+                <a:tc>
+                  <a:txBody>
+                    <a:bodyPr/>
+                    <a:lstStyle/>
+                    <a:p>
+                      <a:endParaRPr lang="hu-HU"/>
+                    </a:p>
+                  </a:txBody>
+                  <a:tcPr>
+                    <a:lnL w="12700" cap="flat" cmpd="sng" algn="ctr">
+                      <a:solidFill>
+                        <a:schemeClr val="tx1"/>
+                      </a:solidFill>
+                      <a:prstDash val="solid"/>
+                      <a:round/>
+                      <a:headEnd type="none" w="med" len="med"/>
+                      <a:tailEnd type="none" w="med" len="med"/>
+                    </a:lnL>
+                    <a:lnR w="12700" cap="flat" cmpd="sng" algn="ctr">
+                      <a:solidFill>
+                        <a:schemeClr val="tx1"/>
+                      </a:solidFill>
+                      <a:prstDash val="solid"/>
+                      <a:round/>
+                      <a:headEnd type="none" w="med" len="med"/>
+                      <a:tailEnd type="none" w="med" len="med"/>
+                    </a:lnR>
+                    <a:lnT w="12700" cap="flat" cmpd="sng" algn="ctr">
+                      <a:solidFill>
+                        <a:schemeClr val="tx1"/>
+                      </a:solidFill>
+                      <a:prstDash val="solid"/>
+                      <a:round/>
+                      <a:headEnd type="none" w="med" len="med"/>
+                      <a:tailEnd type="none" w="med" len="med"/>
+                    </a:lnT>
+                    <a:lnB w="12700" cap="flat" cmpd="sng" algn="ctr">
+                      <a:solidFill>
+                        <a:schemeClr val="tx1"/>
+                      </a:solidFill>
+                      <a:prstDash val="solid"/>
+                      <a:round/>
+                      <a:headEnd type="none" w="med" len="med"/>
+                      <a:tailEnd type="none" w="med" len="med"/>
+                    </a:lnB>
+                    <a:noFill/>
+                  </a:tcPr>
+                </a:tc>
+                <a:tc>
+                  <a:txBody>
+                    <a:bodyPr/>
+                    <a:lstStyle/>
+                    <a:p>
+                      <a:endParaRPr lang="hu-HU"/>
+                    </a:p>
+                  </a:txBody>
+                  <a:tcPr>
+                    <a:lnL w="12700" cap="flat" cmpd="sng" algn="ctr">
+                      <a:solidFill>
+                        <a:schemeClr val="tx1"/>
+                      </a:solidFill>
+                      <a:prstDash val="solid"/>
+                      <a:round/>
+                      <a:headEnd type="none" w="med" len="med"/>
+                      <a:tailEnd type="none" w="med" len="med"/>
+                    </a:lnL>
+                    <a:lnR w="12700" cap="flat" cmpd="sng" algn="ctr">
+                      <a:solidFill>
+                        <a:schemeClr val="tx1"/>
+                      </a:solidFill>
+                      <a:prstDash val="solid"/>
+                      <a:round/>
+                      <a:headEnd type="none" w="med" len="med"/>
+                      <a:tailEnd type="none" w="med" len="med"/>
+                    </a:lnR>
+                    <a:lnT w="12700" cap="flat" cmpd="sng" algn="ctr">
+                      <a:solidFill>
+                        <a:schemeClr val="tx1"/>
+                      </a:solidFill>
+                      <a:prstDash val="solid"/>
+                      <a:round/>
+                      <a:headEnd type="none" w="med" len="med"/>
+                      <a:tailEnd type="none" w="med" len="med"/>
+                    </a:lnT>
+                    <a:lnB w="12700" cap="flat" cmpd="sng" algn="ctr">
+                      <a:solidFill>
+                        <a:schemeClr val="tx1"/>
+                      </a:solidFill>
+                      <a:prstDash val="solid"/>
+                      <a:round/>
+                      <a:headEnd type="none" w="med" len="med"/>
+                      <a:tailEnd type="none" w="med" len="med"/>
+                    </a:lnB>
+                    <a:noFill/>
+                  </a:tcPr>
+                </a:tc>
+                <a:tc>
+                  <a:txBody>
+                    <a:bodyPr/>
+                    <a:lstStyle/>
+                    <a:p>
+                      <a:endParaRPr lang="hu-HU" dirty="0"/>
+                    </a:p>
+                  </a:txBody>
+                  <a:tcPr>
+                    <a:lnL w="12700" cap="flat" cmpd="sng" algn="ctr">
+                      <a:solidFill>
+                        <a:schemeClr val="tx1"/>
+                      </a:solidFill>
+                      <a:prstDash val="solid"/>
+                      <a:round/>
+                      <a:headEnd type="none" w="med" len="med"/>
+                      <a:tailEnd type="none" w="med" len="med"/>
+                    </a:lnL>
+                    <a:lnR w="12700" cap="flat" cmpd="sng" algn="ctr">
+                      <a:solidFill>
+                        <a:schemeClr val="tx1"/>
+                      </a:solidFill>
+                      <a:prstDash val="solid"/>
+                      <a:round/>
+                      <a:headEnd type="none" w="med" len="med"/>
+                      <a:tailEnd type="none" w="med" len="med"/>
+                    </a:lnR>
+                    <a:lnT w="12700" cap="flat" cmpd="sng" algn="ctr">
+                      <a:solidFill>
+                        <a:schemeClr val="tx1"/>
+                      </a:solidFill>
+                      <a:prstDash val="solid"/>
+                      <a:round/>
+                      <a:headEnd type="none" w="med" len="med"/>
+                      <a:tailEnd type="none" w="med" len="med"/>
+                    </a:lnT>
+                    <a:lnB w="12700" cap="flat" cmpd="sng" algn="ctr">
+                      <a:solidFill>
+                        <a:schemeClr val="tx1"/>
+                      </a:solidFill>
+                      <a:prstDash val="solid"/>
+                      <a:round/>
+                      <a:headEnd type="none" w="med" len="med"/>
+                      <a:tailEnd type="none" w="med" len="med"/>
+                    </a:lnB>
+                    <a:noFill/>
+                  </a:tcPr>
+                </a:tc>
+                <a:extLst>
+                  <a:ext uri="{0D108BD9-81ED-4DB2-BD59-A6C34878D82A}">
+                    <a16:rowId xmlns:a16="http://schemas.microsoft.com/office/drawing/2014/main" val="3564233044"/>
+                  </a:ext>
+                </a:extLst>
+              </a:tr>
+              <a:tr h="367133">
+                <a:tc>
+                  <a:txBody>
+                    <a:bodyPr/>
+                    <a:lstStyle/>
+                    <a:p>
+                      <a:endParaRPr lang="hu-HU"/>
+                    </a:p>
+                  </a:txBody>
+                  <a:tcPr>
+                    <a:lnL w="12700" cap="flat" cmpd="sng" algn="ctr">
+                      <a:solidFill>
+                        <a:schemeClr val="tx1"/>
+                      </a:solidFill>
+                      <a:prstDash val="solid"/>
+                      <a:round/>
+                      <a:headEnd type="none" w="med" len="med"/>
+                      <a:tailEnd type="none" w="med" len="med"/>
+                    </a:lnL>
+                    <a:lnR w="12700" cap="flat" cmpd="sng" algn="ctr">
+                      <a:solidFill>
+                        <a:schemeClr val="tx1"/>
+                      </a:solidFill>
+                      <a:prstDash val="solid"/>
+                      <a:round/>
+                      <a:headEnd type="none" w="med" len="med"/>
+                      <a:tailEnd type="none" w="med" len="med"/>
+                    </a:lnR>
+                    <a:lnT w="12700" cap="flat" cmpd="sng" algn="ctr">
+                      <a:solidFill>
+                        <a:schemeClr val="tx1"/>
+                      </a:solidFill>
+                      <a:prstDash val="solid"/>
+                      <a:round/>
+                      <a:headEnd type="none" w="med" len="med"/>
+                      <a:tailEnd type="none" w="med" len="med"/>
+                    </a:lnT>
+                    <a:lnB w="12700" cap="flat" cmpd="sng" algn="ctr">
+                      <a:solidFill>
+                        <a:schemeClr val="tx1"/>
+                      </a:solidFill>
+                      <a:prstDash val="solid"/>
+                      <a:round/>
+                      <a:headEnd type="none" w="med" len="med"/>
+                      <a:tailEnd type="none" w="med" len="med"/>
+                    </a:lnB>
+                    <a:noFill/>
+                  </a:tcPr>
+                </a:tc>
+                <a:tc>
+                  <a:txBody>
+                    <a:bodyPr/>
+                    <a:lstStyle/>
+                    <a:p>
+                      <a:endParaRPr lang="hu-HU"/>
+                    </a:p>
+                  </a:txBody>
+                  <a:tcPr>
+                    <a:lnL w="12700" cap="flat" cmpd="sng" algn="ctr">
+                      <a:solidFill>
+                        <a:schemeClr val="tx1"/>
+                      </a:solidFill>
+                      <a:prstDash val="solid"/>
+                      <a:round/>
+                      <a:headEnd type="none" w="med" len="med"/>
+                      <a:tailEnd type="none" w="med" len="med"/>
+                    </a:lnL>
+                    <a:lnR w="12700" cap="flat" cmpd="sng" algn="ctr">
+                      <a:solidFill>
+                        <a:schemeClr val="tx1"/>
+                      </a:solidFill>
+                      <a:prstDash val="solid"/>
+                      <a:round/>
+                      <a:headEnd type="none" w="med" len="med"/>
+                      <a:tailEnd type="none" w="med" len="med"/>
+                    </a:lnR>
+                    <a:lnT w="12700" cap="flat" cmpd="sng" algn="ctr">
+                      <a:solidFill>
+                        <a:schemeClr val="tx1"/>
+                      </a:solidFill>
+                      <a:prstDash val="solid"/>
+                      <a:round/>
+                      <a:headEnd type="none" w="med" len="med"/>
+                      <a:tailEnd type="none" w="med" len="med"/>
+                    </a:lnT>
+                    <a:lnB w="12700" cap="flat" cmpd="sng" algn="ctr">
+                      <a:solidFill>
+                        <a:schemeClr val="tx1"/>
+                      </a:solidFill>
+                      <a:prstDash val="solid"/>
+                      <a:round/>
+                      <a:headEnd type="none" w="med" len="med"/>
+                      <a:tailEnd type="none" w="med" len="med"/>
+                    </a:lnB>
+                    <a:noFill/>
+                  </a:tcPr>
+                </a:tc>
+                <a:tc>
+                  <a:txBody>
+                    <a:bodyPr/>
+                    <a:lstStyle/>
+                    <a:p>
+                      <a:endParaRPr lang="hu-HU"/>
+                    </a:p>
+                  </a:txBody>
+                  <a:tcPr>
+                    <a:lnL w="12700" cap="flat" cmpd="sng" algn="ctr">
+                      <a:solidFill>
+                        <a:schemeClr val="tx1"/>
+                      </a:solidFill>
+                      <a:prstDash val="solid"/>
+                      <a:round/>
+                      <a:headEnd type="none" w="med" len="med"/>
+                      <a:tailEnd type="none" w="med" len="med"/>
+                    </a:lnL>
+                    <a:lnR w="12700" cap="flat" cmpd="sng" algn="ctr">
+                      <a:solidFill>
+                        <a:schemeClr val="tx1"/>
+                      </a:solidFill>
+                      <a:prstDash val="solid"/>
+                      <a:round/>
+                      <a:headEnd type="none" w="med" len="med"/>
+                      <a:tailEnd type="none" w="med" len="med"/>
+                    </a:lnR>
+                    <a:lnT w="12700" cap="flat" cmpd="sng" algn="ctr">
+                      <a:solidFill>
+                        <a:schemeClr val="tx1"/>
+                      </a:solidFill>
+                      <a:prstDash val="solid"/>
+                      <a:round/>
+                      <a:headEnd type="none" w="med" len="med"/>
+                      <a:tailEnd type="none" w="med" len="med"/>
+                    </a:lnT>
+                    <a:lnB w="12700" cap="flat" cmpd="sng" algn="ctr">
+                      <a:solidFill>
+                        <a:schemeClr val="tx1"/>
+                      </a:solidFill>
+                      <a:prstDash val="solid"/>
+                      <a:round/>
+                      <a:headEnd type="none" w="med" len="med"/>
+                      <a:tailEnd type="none" w="med" len="med"/>
+                    </a:lnB>
+                    <a:noFill/>
+                  </a:tcPr>
+                </a:tc>
+                <a:tc>
+                  <a:txBody>
+                    <a:bodyPr/>
+                    <a:lstStyle/>
+                    <a:p>
+                      <a:endParaRPr lang="hu-HU" dirty="0"/>
+                    </a:p>
+                  </a:txBody>
+                  <a:tcPr>
+                    <a:lnL w="12700" cap="flat" cmpd="sng" algn="ctr">
+                      <a:solidFill>
+                        <a:schemeClr val="tx1"/>
+                      </a:solidFill>
+                      <a:prstDash val="solid"/>
+                      <a:round/>
+                      <a:headEnd type="none" w="med" len="med"/>
+                      <a:tailEnd type="none" w="med" len="med"/>
+                    </a:lnL>
+                    <a:lnR w="12700" cap="flat" cmpd="sng" algn="ctr">
+                      <a:solidFill>
+                        <a:schemeClr val="tx1"/>
+                      </a:solidFill>
+                      <a:prstDash val="solid"/>
+                      <a:round/>
+                      <a:headEnd type="none" w="med" len="med"/>
+                      <a:tailEnd type="none" w="med" len="med"/>
+                    </a:lnR>
+                    <a:lnT w="12700" cap="flat" cmpd="sng" algn="ctr">
+                      <a:solidFill>
+                        <a:schemeClr val="tx1"/>
+                      </a:solidFill>
+                      <a:prstDash val="solid"/>
+                      <a:round/>
+                      <a:headEnd type="none" w="med" len="med"/>
+                      <a:tailEnd type="none" w="med" len="med"/>
+                    </a:lnT>
+                    <a:lnB w="12700" cap="flat" cmpd="sng" algn="ctr">
+                      <a:solidFill>
+                        <a:schemeClr val="tx1"/>
+                      </a:solidFill>
+                      <a:prstDash val="solid"/>
+                      <a:round/>
+                      <a:headEnd type="none" w="med" len="med"/>
+                      <a:tailEnd type="none" w="med" len="med"/>
+                    </a:lnB>
+                    <a:noFill/>
+                  </a:tcPr>
+                </a:tc>
+                <a:extLst>
+                  <a:ext uri="{0D108BD9-81ED-4DB2-BD59-A6C34878D82A}">
+                    <a16:rowId xmlns:a16="http://schemas.microsoft.com/office/drawing/2014/main" val="3176419281"/>
+                  </a:ext>
+                </a:extLst>
+              </a:tr>
+              <a:tr h="367133">
+                <a:tc>
+                  <a:txBody>
+                    <a:bodyPr/>
+                    <a:lstStyle/>
+                    <a:p>
+                      <a:endParaRPr lang="hu-HU"/>
+                    </a:p>
+                  </a:txBody>
+                  <a:tcPr>
+                    <a:lnL w="12700" cap="flat" cmpd="sng" algn="ctr">
+                      <a:solidFill>
+                        <a:schemeClr val="tx1"/>
+                      </a:solidFill>
+                      <a:prstDash val="solid"/>
+                      <a:round/>
+                      <a:headEnd type="none" w="med" len="med"/>
+                      <a:tailEnd type="none" w="med" len="med"/>
+                    </a:lnL>
+                    <a:lnR w="12700" cap="flat" cmpd="sng" algn="ctr">
+                      <a:solidFill>
+                        <a:schemeClr val="tx1"/>
+                      </a:solidFill>
+                      <a:prstDash val="solid"/>
+                      <a:round/>
+                      <a:headEnd type="none" w="med" len="med"/>
+                      <a:tailEnd type="none" w="med" len="med"/>
+                    </a:lnR>
+                    <a:lnT w="12700" cap="flat" cmpd="sng" algn="ctr">
+                      <a:solidFill>
+                        <a:schemeClr val="tx1"/>
+                      </a:solidFill>
+                      <a:prstDash val="solid"/>
+                      <a:round/>
+                      <a:headEnd type="none" w="med" len="med"/>
+                      <a:tailEnd type="none" w="med" len="med"/>
+                    </a:lnT>
+                    <a:lnB w="12700" cap="flat" cmpd="sng" algn="ctr">
+                      <a:solidFill>
+                        <a:schemeClr val="tx1"/>
+                      </a:solidFill>
+                      <a:prstDash val="solid"/>
+                      <a:round/>
+                      <a:headEnd type="none" w="med" len="med"/>
+                      <a:tailEnd type="none" w="med" len="med"/>
+                    </a:lnB>
+                    <a:noFill/>
+                  </a:tcPr>
+                </a:tc>
+                <a:tc>
+                  <a:txBody>
+                    <a:bodyPr/>
+                    <a:lstStyle/>
+                    <a:p>
+                      <a:endParaRPr lang="hu-HU"/>
+                    </a:p>
+                  </a:txBody>
+                  <a:tcPr>
+                    <a:lnL w="12700" cap="flat" cmpd="sng" algn="ctr">
+                      <a:solidFill>
+                        <a:schemeClr val="tx1"/>
+                      </a:solidFill>
+                      <a:prstDash val="solid"/>
+                      <a:round/>
+                      <a:headEnd type="none" w="med" len="med"/>
+                      <a:tailEnd type="none" w="med" len="med"/>
+                    </a:lnL>
+                    <a:lnR w="12700" cap="flat" cmpd="sng" algn="ctr">
+                      <a:solidFill>
+                        <a:schemeClr val="tx1"/>
+                      </a:solidFill>
+                      <a:prstDash val="solid"/>
+                      <a:round/>
+                      <a:headEnd type="none" w="med" len="med"/>
+                      <a:tailEnd type="none" w="med" len="med"/>
+                    </a:lnR>
+                    <a:lnT w="12700" cap="flat" cmpd="sng" algn="ctr">
+                      <a:solidFill>
+                        <a:schemeClr val="tx1"/>
+                      </a:solidFill>
+                      <a:prstDash val="solid"/>
+                      <a:round/>
+                      <a:headEnd type="none" w="med" len="med"/>
+                      <a:tailEnd type="none" w="med" len="med"/>
+                    </a:lnT>
+                    <a:lnB w="12700" cap="flat" cmpd="sng" algn="ctr">
+                      <a:solidFill>
+                        <a:schemeClr val="tx1"/>
+                      </a:solidFill>
+                      <a:prstDash val="solid"/>
+                      <a:round/>
+                      <a:headEnd type="none" w="med" len="med"/>
+                      <a:tailEnd type="none" w="med" len="med"/>
+                    </a:lnB>
+                    <a:noFill/>
+                  </a:tcPr>
+                </a:tc>
+                <a:tc>
+                  <a:txBody>
+                    <a:bodyPr/>
+                    <a:lstStyle/>
+                    <a:p>
+                      <a:endParaRPr lang="hu-HU"/>
+                    </a:p>
+                  </a:txBody>
+                  <a:tcPr>
+                    <a:lnL w="12700" cap="flat" cmpd="sng" algn="ctr">
+                      <a:solidFill>
+                        <a:schemeClr val="tx1"/>
+                      </a:solidFill>
+                      <a:prstDash val="solid"/>
+                      <a:round/>
+                      <a:headEnd type="none" w="med" len="med"/>
+                      <a:tailEnd type="none" w="med" len="med"/>
+                    </a:lnL>
+                    <a:lnR w="12700" cap="flat" cmpd="sng" algn="ctr">
+                      <a:solidFill>
+                        <a:schemeClr val="tx1"/>
+                      </a:solidFill>
+                      <a:prstDash val="solid"/>
+                      <a:round/>
+                      <a:headEnd type="none" w="med" len="med"/>
+                      <a:tailEnd type="none" w="med" len="med"/>
+                    </a:lnR>
+                    <a:lnT w="12700" cap="flat" cmpd="sng" algn="ctr">
+                      <a:solidFill>
+                        <a:schemeClr val="tx1"/>
+                      </a:solidFill>
+                      <a:prstDash val="solid"/>
+                      <a:round/>
+                      <a:headEnd type="none" w="med" len="med"/>
+                      <a:tailEnd type="none" w="med" len="med"/>
+                    </a:lnT>
+                    <a:lnB w="12700" cap="flat" cmpd="sng" algn="ctr">
+                      <a:solidFill>
+                        <a:schemeClr val="tx1"/>
+                      </a:solidFill>
+                      <a:prstDash val="solid"/>
+                      <a:round/>
+                      <a:headEnd type="none" w="med" len="med"/>
+                      <a:tailEnd type="none" w="med" len="med"/>
+                    </a:lnB>
+                    <a:noFill/>
+                  </a:tcPr>
+                </a:tc>
+                <a:tc>
+                  <a:txBody>
+                    <a:bodyPr/>
+                    <a:lstStyle/>
+                    <a:p>
+                      <a:endParaRPr lang="hu-HU" dirty="0"/>
+                    </a:p>
+                  </a:txBody>
+                  <a:tcPr>
+                    <a:lnL w="12700" cap="flat" cmpd="sng" algn="ctr">
+                      <a:solidFill>
+                        <a:schemeClr val="tx1"/>
+                      </a:solidFill>
+                      <a:prstDash val="solid"/>
+                      <a:round/>
+                      <a:headEnd type="none" w="med" len="med"/>
+                      <a:tailEnd type="none" w="med" len="med"/>
+                    </a:lnL>
+                    <a:lnR w="12700" cap="flat" cmpd="sng" algn="ctr">
+                      <a:solidFill>
+                        <a:schemeClr val="tx1"/>
+                      </a:solidFill>
+                      <a:prstDash val="solid"/>
+                      <a:round/>
+                      <a:headEnd type="none" w="med" len="med"/>
+                      <a:tailEnd type="none" w="med" len="med"/>
+                    </a:lnR>
+                    <a:lnT w="12700" cap="flat" cmpd="sng" algn="ctr">
+                      <a:solidFill>
+                        <a:schemeClr val="tx1"/>
+                      </a:solidFill>
+                      <a:prstDash val="solid"/>
+                      <a:round/>
+                      <a:headEnd type="none" w="med" len="med"/>
+                      <a:tailEnd type="none" w="med" len="med"/>
+                    </a:lnT>
+                    <a:lnB w="12700" cap="flat" cmpd="sng" algn="ctr">
+                      <a:solidFill>
+                        <a:schemeClr val="tx1"/>
+                      </a:solidFill>
+                      <a:prstDash val="solid"/>
+                      <a:round/>
+                      <a:headEnd type="none" w="med" len="med"/>
+                      <a:tailEnd type="none" w="med" len="med"/>
+                    </a:lnB>
+                    <a:noFill/>
+                  </a:tcPr>
+                </a:tc>
+                <a:extLst>
+                  <a:ext uri="{0D108BD9-81ED-4DB2-BD59-A6C34878D82A}">
+                    <a16:rowId xmlns:a16="http://schemas.microsoft.com/office/drawing/2014/main" val="1815855849"/>
+                  </a:ext>
+                </a:extLst>
+              </a:tr>
+              <a:tr h="367133">
+                <a:tc>
+                  <a:txBody>
+                    <a:bodyPr/>
+                    <a:lstStyle/>
+                    <a:p>
+                      <a:endParaRPr lang="hu-HU"/>
+                    </a:p>
+                  </a:txBody>
+                  <a:tcPr>
+                    <a:lnL w="12700" cap="flat" cmpd="sng" algn="ctr">
+                      <a:solidFill>
+                        <a:schemeClr val="tx1"/>
+                      </a:solidFill>
+                      <a:prstDash val="solid"/>
+                      <a:round/>
+                      <a:headEnd type="none" w="med" len="med"/>
+                      <a:tailEnd type="none" w="med" len="med"/>
+                    </a:lnL>
+                    <a:lnR w="12700" cap="flat" cmpd="sng" algn="ctr">
+                      <a:solidFill>
+                        <a:schemeClr val="tx1"/>
+                      </a:solidFill>
+                      <a:prstDash val="solid"/>
+                      <a:round/>
+                      <a:headEnd type="none" w="med" len="med"/>
+                      <a:tailEnd type="none" w="med" len="med"/>
+                    </a:lnR>
+                    <a:lnT w="12700" cap="flat" cmpd="sng" algn="ctr">
+                      <a:solidFill>
+                        <a:schemeClr val="tx1"/>
+                      </a:solidFill>
+                      <a:prstDash val="solid"/>
+                      <a:round/>
+                      <a:headEnd type="none" w="med" len="med"/>
+                      <a:tailEnd type="none" w="med" len="med"/>
+                    </a:lnT>
+                    <a:lnB w="12700" cap="flat" cmpd="sng" algn="ctr">
+                      <a:solidFill>
+                        <a:schemeClr val="tx1"/>
+                      </a:solidFill>
+                      <a:prstDash val="solid"/>
+                      <a:round/>
+                      <a:headEnd type="none" w="med" len="med"/>
+                      <a:tailEnd type="none" w="med" len="med"/>
+                    </a:lnB>
+                    <a:noFill/>
+                  </a:tcPr>
+                </a:tc>
+                <a:tc>
+                  <a:txBody>
+                    <a:bodyPr/>
+                    <a:lstStyle/>
+                    <a:p>
+                      <a:endParaRPr lang="hu-HU"/>
+                    </a:p>
+                  </a:txBody>
+                  <a:tcPr>
+                    <a:lnL w="12700" cap="flat" cmpd="sng" algn="ctr">
+                      <a:solidFill>
+                        <a:schemeClr val="tx1"/>
+                      </a:solidFill>
+                      <a:prstDash val="solid"/>
+                      <a:round/>
+                      <a:headEnd type="none" w="med" len="med"/>
+                      <a:tailEnd type="none" w="med" len="med"/>
+                    </a:lnL>
+                    <a:lnR w="12700" cap="flat" cmpd="sng" algn="ctr">
+                      <a:solidFill>
+                        <a:schemeClr val="tx1"/>
+                      </a:solidFill>
+                      <a:prstDash val="solid"/>
+                      <a:round/>
+                      <a:headEnd type="none" w="med" len="med"/>
+                      <a:tailEnd type="none" w="med" len="med"/>
+                    </a:lnR>
+                    <a:lnT w="12700" cap="flat" cmpd="sng" algn="ctr">
+                      <a:solidFill>
+                        <a:schemeClr val="tx1"/>
+                      </a:solidFill>
+                      <a:prstDash val="solid"/>
+                      <a:round/>
+                      <a:headEnd type="none" w="med" len="med"/>
+                      <a:tailEnd type="none" w="med" len="med"/>
+                    </a:lnT>
+                    <a:lnB w="12700" cap="flat" cmpd="sng" algn="ctr">
+                      <a:solidFill>
+                        <a:schemeClr val="tx1"/>
+                      </a:solidFill>
+                      <a:prstDash val="solid"/>
+                      <a:round/>
+                      <a:headEnd type="none" w="med" len="med"/>
+                      <a:tailEnd type="none" w="med" len="med"/>
+                    </a:lnB>
+                    <a:noFill/>
+                  </a:tcPr>
+                </a:tc>
+                <a:tc>
+                  <a:txBody>
+                    <a:bodyPr/>
+                    <a:lstStyle/>
+                    <a:p>
+                      <a:endParaRPr lang="hu-HU"/>
+                    </a:p>
+                  </a:txBody>
+                  <a:tcPr>
+                    <a:lnL w="12700" cap="flat" cmpd="sng" algn="ctr">
+                      <a:solidFill>
+                        <a:schemeClr val="tx1"/>
+                      </a:solidFill>
+                      <a:prstDash val="solid"/>
+                      <a:round/>
+                      <a:headEnd type="none" w="med" len="med"/>
+                      <a:tailEnd type="none" w="med" len="med"/>
+                    </a:lnL>
+                    <a:lnR w="12700" cap="flat" cmpd="sng" algn="ctr">
+                      <a:solidFill>
+                        <a:schemeClr val="tx1"/>
+                      </a:solidFill>
+                      <a:prstDash val="solid"/>
+                      <a:round/>
+                      <a:headEnd type="none" w="med" len="med"/>
+                      <a:tailEnd type="none" w="med" len="med"/>
+                    </a:lnR>
+                    <a:lnT w="12700" cap="flat" cmpd="sng" algn="ctr">
+                      <a:solidFill>
+                        <a:schemeClr val="tx1"/>
+                      </a:solidFill>
+                      <a:prstDash val="solid"/>
+                      <a:round/>
+                      <a:headEnd type="none" w="med" len="med"/>
+                      <a:tailEnd type="none" w="med" len="med"/>
+                    </a:lnT>
+                    <a:lnB w="12700" cap="flat" cmpd="sng" algn="ctr">
+                      <a:solidFill>
+                        <a:schemeClr val="tx1"/>
+                      </a:solidFill>
+                      <a:prstDash val="solid"/>
+                      <a:round/>
+                      <a:headEnd type="none" w="med" len="med"/>
+                      <a:tailEnd type="none" w="med" len="med"/>
+                    </a:lnB>
+                    <a:noFill/>
+                  </a:tcPr>
+                </a:tc>
+                <a:tc>
+                  <a:txBody>
+                    <a:bodyPr/>
+                    <a:lstStyle/>
+                    <a:p>
+                      <a:endParaRPr lang="hu-HU" dirty="0"/>
+                    </a:p>
+                  </a:txBody>
+                  <a:tcPr>
+                    <a:lnL w="12700" cap="flat" cmpd="sng" algn="ctr">
+                      <a:solidFill>
+                        <a:schemeClr val="tx1"/>
+                      </a:solidFill>
+                      <a:prstDash val="solid"/>
+                      <a:round/>
+                      <a:headEnd type="none" w="med" len="med"/>
+                      <a:tailEnd type="none" w="med" len="med"/>
+                    </a:lnL>
+                    <a:lnR w="12700" cap="flat" cmpd="sng" algn="ctr">
+                      <a:solidFill>
+                        <a:schemeClr val="tx1"/>
+                      </a:solidFill>
+                      <a:prstDash val="solid"/>
+                      <a:round/>
+                      <a:headEnd type="none" w="med" len="med"/>
+                      <a:tailEnd type="none" w="med" len="med"/>
+                    </a:lnR>
+                    <a:lnT w="12700" cap="flat" cmpd="sng" algn="ctr">
+                      <a:solidFill>
+                        <a:schemeClr val="tx1"/>
+                      </a:solidFill>
+                      <a:prstDash val="solid"/>
+                      <a:round/>
+                      <a:headEnd type="none" w="med" len="med"/>
+                      <a:tailEnd type="none" w="med" len="med"/>
+                    </a:lnT>
+                    <a:lnB w="12700" cap="flat" cmpd="sng" algn="ctr">
+                      <a:solidFill>
+                        <a:schemeClr val="tx1"/>
+                      </a:solidFill>
+                      <a:prstDash val="solid"/>
+                      <a:round/>
+                      <a:headEnd type="none" w="med" len="med"/>
+                      <a:tailEnd type="none" w="med" len="med"/>
+                    </a:lnB>
+                    <a:noFill/>
+                  </a:tcPr>
+                </a:tc>
+                <a:extLst>
+                  <a:ext uri="{0D108BD9-81ED-4DB2-BD59-A6C34878D82A}">
+                    <a16:rowId xmlns:a16="http://schemas.microsoft.com/office/drawing/2014/main" val="887397601"/>
+                  </a:ext>
+                </a:extLst>
+              </a:tr>
+              <a:tr h="367133">
+                <a:tc>
+                  <a:txBody>
+                    <a:bodyPr/>
+                    <a:lstStyle/>
+                    <a:p>
+                      <a:endParaRPr lang="hu-HU"/>
+                    </a:p>
+                  </a:txBody>
+                  <a:tcPr>
+                    <a:lnL w="12700" cap="flat" cmpd="sng" algn="ctr">
+                      <a:solidFill>
+                        <a:schemeClr val="tx1"/>
+                      </a:solidFill>
+                      <a:prstDash val="solid"/>
+                      <a:round/>
+                      <a:headEnd type="none" w="med" len="med"/>
+                      <a:tailEnd type="none" w="med" len="med"/>
+                    </a:lnL>
+                    <a:lnR w="12700" cap="flat" cmpd="sng" algn="ctr">
+                      <a:solidFill>
+                        <a:schemeClr val="tx1"/>
+                      </a:solidFill>
+                      <a:prstDash val="solid"/>
+                      <a:round/>
+                      <a:headEnd type="none" w="med" len="med"/>
+                      <a:tailEnd type="none" w="med" len="med"/>
+                    </a:lnR>
+                    <a:lnT w="12700" cap="flat" cmpd="sng" algn="ctr">
+                      <a:solidFill>
+                        <a:schemeClr val="tx1"/>
+                      </a:solidFill>
+                      <a:prstDash val="solid"/>
+                      <a:round/>
+                      <a:headEnd type="none" w="med" len="med"/>
+                      <a:tailEnd type="none" w="med" len="med"/>
+                    </a:lnT>
+                    <a:lnB w="12700" cap="flat" cmpd="sng" algn="ctr">
+                      <a:solidFill>
+                        <a:schemeClr val="tx1"/>
+                      </a:solidFill>
+                      <a:prstDash val="solid"/>
+                      <a:round/>
+                      <a:headEnd type="none" w="med" len="med"/>
+                      <a:tailEnd type="none" w="med" len="med"/>
+                    </a:lnB>
+                    <a:noFill/>
+                  </a:tcPr>
+                </a:tc>
+                <a:tc>
+                  <a:txBody>
+                    <a:bodyPr/>
+                    <a:lstStyle/>
+                    <a:p>
+                      <a:endParaRPr lang="hu-HU"/>
+                    </a:p>
+                  </a:txBody>
+                  <a:tcPr>
+                    <a:lnL w="12700" cap="flat" cmpd="sng" algn="ctr">
+                      <a:solidFill>
+                        <a:schemeClr val="tx1"/>
+                      </a:solidFill>
+                      <a:prstDash val="solid"/>
+                      <a:round/>
+                      <a:headEnd type="none" w="med" len="med"/>
+                      <a:tailEnd type="none" w="med" len="med"/>
+                    </a:lnL>
+                    <a:lnR w="12700" cap="flat" cmpd="sng" algn="ctr">
+                      <a:solidFill>
+                        <a:schemeClr val="tx1"/>
+                      </a:solidFill>
+                      <a:prstDash val="solid"/>
+                      <a:round/>
+                      <a:headEnd type="none" w="med" len="med"/>
+                      <a:tailEnd type="none" w="med" len="med"/>
+                    </a:lnR>
+                    <a:lnT w="12700" cap="flat" cmpd="sng" algn="ctr">
+                      <a:solidFill>
+                        <a:schemeClr val="tx1"/>
+                      </a:solidFill>
+                      <a:prstDash val="solid"/>
+                      <a:round/>
+                      <a:headEnd type="none" w="med" len="med"/>
+                      <a:tailEnd type="none" w="med" len="med"/>
+                    </a:lnT>
+                    <a:lnB w="12700" cap="flat" cmpd="sng" algn="ctr">
+                      <a:solidFill>
+                        <a:schemeClr val="tx1"/>
+                      </a:solidFill>
+                      <a:prstDash val="solid"/>
+                      <a:round/>
+                      <a:headEnd type="none" w="med" len="med"/>
+                      <a:tailEnd type="none" w="med" len="med"/>
+                    </a:lnB>
+                    <a:noFill/>
+                  </a:tcPr>
+                </a:tc>
+                <a:tc>
+                  <a:txBody>
+                    <a:bodyPr/>
+                    <a:lstStyle/>
+                    <a:p>
+                      <a:endParaRPr lang="hu-HU"/>
+                    </a:p>
+                  </a:txBody>
+                  <a:tcPr>
+                    <a:lnL w="12700" cap="flat" cmpd="sng" algn="ctr">
+                      <a:solidFill>
+                        <a:schemeClr val="tx1"/>
+                      </a:solidFill>
+                      <a:prstDash val="solid"/>
+                      <a:round/>
+                      <a:headEnd type="none" w="med" len="med"/>
+                      <a:tailEnd type="none" w="med" len="med"/>
+                    </a:lnL>
+                    <a:lnR w="12700" cap="flat" cmpd="sng" algn="ctr">
+                      <a:solidFill>
+                        <a:schemeClr val="tx1"/>
+                      </a:solidFill>
+                      <a:prstDash val="solid"/>
+                      <a:round/>
+                      <a:headEnd type="none" w="med" len="med"/>
+                      <a:tailEnd type="none" w="med" len="med"/>
+                    </a:lnR>
+                    <a:lnT w="12700" cap="flat" cmpd="sng" algn="ctr">
+                      <a:solidFill>
+                        <a:schemeClr val="tx1"/>
+                      </a:solidFill>
+                      <a:prstDash val="solid"/>
+                      <a:round/>
+                      <a:headEnd type="none" w="med" len="med"/>
+                      <a:tailEnd type="none" w="med" len="med"/>
+                    </a:lnT>
+                    <a:lnB w="12700" cap="flat" cmpd="sng" algn="ctr">
+                      <a:solidFill>
+                        <a:schemeClr val="tx1"/>
+                      </a:solidFill>
+                      <a:prstDash val="solid"/>
+                      <a:round/>
+                      <a:headEnd type="none" w="med" len="med"/>
+                      <a:tailEnd type="none" w="med" len="med"/>
+                    </a:lnB>
+                    <a:noFill/>
+                  </a:tcPr>
+                </a:tc>
+                <a:tc>
+                  <a:txBody>
+                    <a:bodyPr/>
+                    <a:lstStyle/>
+                    <a:p>
+                      <a:endParaRPr lang="hu-HU" dirty="0"/>
+                    </a:p>
+                  </a:txBody>
+                  <a:tcPr>
+                    <a:lnL w="12700" cap="flat" cmpd="sng" algn="ctr">
+                      <a:solidFill>
+                        <a:schemeClr val="tx1"/>
+                      </a:solidFill>
+                      <a:prstDash val="solid"/>
+                      <a:round/>
+                      <a:headEnd type="none" w="med" len="med"/>
+                      <a:tailEnd type="none" w="med" len="med"/>
+                    </a:lnL>
+                    <a:lnR w="12700" cap="flat" cmpd="sng" algn="ctr">
+                      <a:solidFill>
+                        <a:schemeClr val="tx1"/>
+                      </a:solidFill>
+                      <a:prstDash val="solid"/>
+                      <a:round/>
+                      <a:headEnd type="none" w="med" len="med"/>
+                      <a:tailEnd type="none" w="med" len="med"/>
+                    </a:lnR>
+                    <a:lnT w="12700" cap="flat" cmpd="sng" algn="ctr">
+                      <a:solidFill>
+                        <a:schemeClr val="tx1"/>
+                      </a:solidFill>
+                      <a:prstDash val="solid"/>
+                      <a:round/>
+                      <a:headEnd type="none" w="med" len="med"/>
+                      <a:tailEnd type="none" w="med" len="med"/>
+                    </a:lnT>
+                    <a:lnB w="12700" cap="flat" cmpd="sng" algn="ctr">
+                      <a:solidFill>
+                        <a:schemeClr val="tx1"/>
+                      </a:solidFill>
+                      <a:prstDash val="solid"/>
+                      <a:round/>
+                      <a:headEnd type="none" w="med" len="med"/>
+                      <a:tailEnd type="none" w="med" len="med"/>
+                    </a:lnB>
+                    <a:noFill/>
+                  </a:tcPr>
+                </a:tc>
+                <a:extLst>
+                  <a:ext uri="{0D108BD9-81ED-4DB2-BD59-A6C34878D82A}">
+                    <a16:rowId xmlns:a16="http://schemas.microsoft.com/office/drawing/2014/main" val="1495997952"/>
+                  </a:ext>
+                </a:extLst>
+              </a:tr>
+              <a:tr h="367133">
+                <a:tc>
+                  <a:txBody>
+                    <a:bodyPr/>
+                    <a:lstStyle/>
+                    <a:p>
+                      <a:endParaRPr lang="hu-HU"/>
+                    </a:p>
+                  </a:txBody>
+                  <a:tcPr>
+                    <a:lnL w="12700" cap="flat" cmpd="sng" algn="ctr">
+                      <a:solidFill>
+                        <a:schemeClr val="tx1"/>
+                      </a:solidFill>
+                      <a:prstDash val="solid"/>
+                      <a:round/>
+                      <a:headEnd type="none" w="med" len="med"/>
+                      <a:tailEnd type="none" w="med" len="med"/>
+                    </a:lnL>
+                    <a:lnR w="12700" cap="flat" cmpd="sng" algn="ctr">
+                      <a:solidFill>
+                        <a:schemeClr val="tx1"/>
+                      </a:solidFill>
+                      <a:prstDash val="solid"/>
+                      <a:round/>
+                      <a:headEnd type="none" w="med" len="med"/>
+                      <a:tailEnd type="none" w="med" len="med"/>
+                    </a:lnR>
+                    <a:lnT w="12700" cap="flat" cmpd="sng" algn="ctr">
+                      <a:solidFill>
+                        <a:schemeClr val="tx1"/>
+                      </a:solidFill>
+                      <a:prstDash val="solid"/>
+                      <a:round/>
+                      <a:headEnd type="none" w="med" len="med"/>
+                      <a:tailEnd type="none" w="med" len="med"/>
+                    </a:lnT>
+                    <a:lnB w="12700" cap="flat" cmpd="sng" algn="ctr">
+                      <a:solidFill>
+                        <a:schemeClr val="tx1"/>
+                      </a:solidFill>
+                      <a:prstDash val="solid"/>
+                      <a:round/>
+                      <a:headEnd type="none" w="med" len="med"/>
+                      <a:tailEnd type="none" w="med" len="med"/>
+                    </a:lnB>
+                    <a:noFill/>
+                  </a:tcPr>
+                </a:tc>
+                <a:tc>
+                  <a:txBody>
+                    <a:bodyPr/>
+                    <a:lstStyle/>
+                    <a:p>
+                      <a:endParaRPr lang="hu-HU"/>
+                    </a:p>
+                  </a:txBody>
+                  <a:tcPr>
+                    <a:lnL w="12700" cap="flat" cmpd="sng" algn="ctr">
+                      <a:solidFill>
+                        <a:schemeClr val="tx1"/>
+                      </a:solidFill>
+                      <a:prstDash val="solid"/>
+                      <a:round/>
+                      <a:headEnd type="none" w="med" len="med"/>
+                      <a:tailEnd type="none" w="med" len="med"/>
+                    </a:lnL>
+                    <a:lnR w="12700" cap="flat" cmpd="sng" algn="ctr">
+                      <a:solidFill>
+                        <a:schemeClr val="tx1"/>
+                      </a:solidFill>
+                      <a:prstDash val="solid"/>
+                      <a:round/>
+                      <a:headEnd type="none" w="med" len="med"/>
+                      <a:tailEnd type="none" w="med" len="med"/>
+                    </a:lnR>
+                    <a:lnT w="12700" cap="flat" cmpd="sng" algn="ctr">
+                      <a:solidFill>
+                        <a:schemeClr val="tx1"/>
+                      </a:solidFill>
+                      <a:prstDash val="solid"/>
+                      <a:round/>
+                      <a:headEnd type="none" w="med" len="med"/>
+                      <a:tailEnd type="none" w="med" len="med"/>
+                    </a:lnT>
+                    <a:lnB w="12700" cap="flat" cmpd="sng" algn="ctr">
+                      <a:solidFill>
+                        <a:schemeClr val="tx1"/>
+                      </a:solidFill>
+                      <a:prstDash val="solid"/>
+                      <a:round/>
+                      <a:headEnd type="none" w="med" len="med"/>
+                      <a:tailEnd type="none" w="med" len="med"/>
+                    </a:lnB>
+                    <a:noFill/>
+                  </a:tcPr>
+                </a:tc>
+                <a:tc>
+                  <a:txBody>
+                    <a:bodyPr/>
+                    <a:lstStyle/>
+                    <a:p>
+                      <a:endParaRPr lang="hu-HU"/>
+                    </a:p>
+                  </a:txBody>
+                  <a:tcPr>
+                    <a:lnL w="12700" cap="flat" cmpd="sng" algn="ctr">
+                      <a:solidFill>
+                        <a:schemeClr val="tx1"/>
+                      </a:solidFill>
+                      <a:prstDash val="solid"/>
+                      <a:round/>
+                      <a:headEnd type="none" w="med" len="med"/>
+                      <a:tailEnd type="none" w="med" len="med"/>
+                    </a:lnL>
+                    <a:lnR w="12700" cap="flat" cmpd="sng" algn="ctr">
+                      <a:solidFill>
+                        <a:schemeClr val="tx1"/>
+                      </a:solidFill>
+                      <a:prstDash val="solid"/>
+                      <a:round/>
+                      <a:headEnd type="none" w="med" len="med"/>
+                      <a:tailEnd type="none" w="med" len="med"/>
+                    </a:lnR>
+                    <a:lnT w="12700" cap="flat" cmpd="sng" algn="ctr">
+                      <a:solidFill>
+                        <a:schemeClr val="tx1"/>
+                      </a:solidFill>
+                      <a:prstDash val="solid"/>
+                      <a:round/>
+                      <a:headEnd type="none" w="med" len="med"/>
+                      <a:tailEnd type="none" w="med" len="med"/>
+                    </a:lnT>
+                    <a:lnB w="12700" cap="flat" cmpd="sng" algn="ctr">
+                      <a:solidFill>
+                        <a:schemeClr val="tx1"/>
+                      </a:solidFill>
+                      <a:prstDash val="solid"/>
+                      <a:round/>
+                      <a:headEnd type="none" w="med" len="med"/>
+                      <a:tailEnd type="none" w="med" len="med"/>
+                    </a:lnB>
+                    <a:noFill/>
+                  </a:tcPr>
+                </a:tc>
+                <a:tc>
+                  <a:txBody>
+                    <a:bodyPr/>
+                    <a:lstStyle/>
+                    <a:p>
+                      <a:endParaRPr lang="hu-HU" dirty="0"/>
+                    </a:p>
+                  </a:txBody>
+                  <a:tcPr>
+                    <a:lnL w="12700" cap="flat" cmpd="sng" algn="ctr">
+                      <a:solidFill>
+                        <a:schemeClr val="tx1"/>
+                      </a:solidFill>
+                      <a:prstDash val="solid"/>
+                      <a:round/>
+                      <a:headEnd type="none" w="med" len="med"/>
+                      <a:tailEnd type="none" w="med" len="med"/>
+                    </a:lnL>
+                    <a:lnR w="12700" cap="flat" cmpd="sng" algn="ctr">
+                      <a:solidFill>
+                        <a:schemeClr val="tx1"/>
+                      </a:solidFill>
+                      <a:prstDash val="solid"/>
+                      <a:round/>
+                      <a:headEnd type="none" w="med" len="med"/>
+                      <a:tailEnd type="none" w="med" len="med"/>
+                    </a:lnR>
+                    <a:lnT w="12700" cap="flat" cmpd="sng" algn="ctr">
+                      <a:solidFill>
+                        <a:schemeClr val="tx1"/>
+                      </a:solidFill>
+                      <a:prstDash val="solid"/>
+                      <a:round/>
+                      <a:headEnd type="none" w="med" len="med"/>
+                      <a:tailEnd type="none" w="med" len="med"/>
+                    </a:lnT>
+                    <a:lnB w="12700" cap="flat" cmpd="sng" algn="ctr">
+                      <a:solidFill>
+                        <a:schemeClr val="tx1"/>
+                      </a:solidFill>
+                      <a:prstDash val="solid"/>
+                      <a:round/>
+                      <a:headEnd type="none" w="med" len="med"/>
+                      <a:tailEnd type="none" w="med" len="med"/>
+                    </a:lnB>
+                    <a:noFill/>
+                  </a:tcPr>
+                </a:tc>
+                <a:extLst>
+                  <a:ext uri="{0D108BD9-81ED-4DB2-BD59-A6C34878D82A}">
+                    <a16:rowId xmlns:a16="http://schemas.microsoft.com/office/drawing/2014/main" val="766758480"/>
+                  </a:ext>
+                </a:extLst>
+              </a:tr>
+              <a:tr h="367133">
+                <a:tc>
+                  <a:txBody>
+                    <a:bodyPr/>
+                    <a:lstStyle/>
+                    <a:p>
+                      <a:endParaRPr lang="hu-HU"/>
+                    </a:p>
+                  </a:txBody>
+                  <a:tcPr>
+                    <a:lnL w="12700" cap="flat" cmpd="sng" algn="ctr">
+                      <a:solidFill>
+                        <a:schemeClr val="tx1"/>
+                      </a:solidFill>
+                      <a:prstDash val="solid"/>
+                      <a:round/>
+                      <a:headEnd type="none" w="med" len="med"/>
+                      <a:tailEnd type="none" w="med" len="med"/>
+                    </a:lnL>
+                    <a:lnR w="12700" cap="flat" cmpd="sng" algn="ctr">
+                      <a:solidFill>
+                        <a:schemeClr val="tx1"/>
+                      </a:solidFill>
+                      <a:prstDash val="solid"/>
+                      <a:round/>
+                      <a:headEnd type="none" w="med" len="med"/>
+                      <a:tailEnd type="none" w="med" len="med"/>
+                    </a:lnR>
+                    <a:lnT w="12700" cap="flat" cmpd="sng" algn="ctr">
+                      <a:solidFill>
+                        <a:schemeClr val="tx1"/>
+                      </a:solidFill>
+                      <a:prstDash val="solid"/>
+                      <a:round/>
+                      <a:headEnd type="none" w="med" len="med"/>
+                      <a:tailEnd type="none" w="med" len="med"/>
+                    </a:lnT>
+                    <a:lnB w="12700" cap="flat" cmpd="sng" algn="ctr">
+                      <a:solidFill>
+                        <a:schemeClr val="tx1"/>
+                      </a:solidFill>
+                      <a:prstDash val="solid"/>
+                      <a:round/>
+                      <a:headEnd type="none" w="med" len="med"/>
+                      <a:tailEnd type="none" w="med" len="med"/>
+                    </a:lnB>
+                    <a:noFill/>
+                  </a:tcPr>
+                </a:tc>
+                <a:tc>
+                  <a:txBody>
+                    <a:bodyPr/>
+                    <a:lstStyle/>
+                    <a:p>
+                      <a:endParaRPr lang="hu-HU"/>
+                    </a:p>
+                  </a:txBody>
+                  <a:tcPr>
+                    <a:lnL w="12700" cap="flat" cmpd="sng" algn="ctr">
+                      <a:solidFill>
+                        <a:schemeClr val="tx1"/>
+                      </a:solidFill>
+                      <a:prstDash val="solid"/>
+                      <a:round/>
+                      <a:headEnd type="none" w="med" len="med"/>
+                      <a:tailEnd type="none" w="med" len="med"/>
+                    </a:lnL>
+                    <a:lnR w="12700" cap="flat" cmpd="sng" algn="ctr">
+                      <a:solidFill>
+                        <a:schemeClr val="tx1"/>
+                      </a:solidFill>
+                      <a:prstDash val="solid"/>
+                      <a:round/>
+                      <a:headEnd type="none" w="med" len="med"/>
+                      <a:tailEnd type="none" w="med" len="med"/>
+                    </a:lnR>
+                    <a:lnT w="12700" cap="flat" cmpd="sng" algn="ctr">
+                      <a:solidFill>
+                        <a:schemeClr val="tx1"/>
+                      </a:solidFill>
+                      <a:prstDash val="solid"/>
+                      <a:round/>
+                      <a:headEnd type="none" w="med" len="med"/>
+                      <a:tailEnd type="none" w="med" len="med"/>
+                    </a:lnT>
+                    <a:lnB w="12700" cap="flat" cmpd="sng" algn="ctr">
+                      <a:solidFill>
+                        <a:schemeClr val="tx1"/>
+                      </a:solidFill>
+                      <a:prstDash val="solid"/>
+                      <a:round/>
+                      <a:headEnd type="none" w="med" len="med"/>
+                      <a:tailEnd type="none" w="med" len="med"/>
+                    </a:lnB>
+                    <a:noFill/>
+                  </a:tcPr>
+                </a:tc>
+                <a:tc>
+                  <a:txBody>
+                    <a:bodyPr/>
+                    <a:lstStyle/>
+                    <a:p>
+                      <a:endParaRPr lang="hu-HU"/>
+                    </a:p>
+                  </a:txBody>
+                  <a:tcPr>
+                    <a:lnL w="12700" cap="flat" cmpd="sng" algn="ctr">
+                      <a:solidFill>
+                        <a:schemeClr val="tx1"/>
+                      </a:solidFill>
+                      <a:prstDash val="solid"/>
+                      <a:round/>
+                      <a:headEnd type="none" w="med" len="med"/>
+                      <a:tailEnd type="none" w="med" len="med"/>
+                    </a:lnL>
+                    <a:lnR w="12700" cap="flat" cmpd="sng" algn="ctr">
+                      <a:solidFill>
+                        <a:schemeClr val="tx1"/>
+                      </a:solidFill>
+                      <a:prstDash val="solid"/>
+                      <a:round/>
+                      <a:headEnd type="none" w="med" len="med"/>
+                      <a:tailEnd type="none" w="med" len="med"/>
+                    </a:lnR>
+                    <a:lnT w="12700" cap="flat" cmpd="sng" algn="ctr">
+                      <a:solidFill>
+                        <a:schemeClr val="tx1"/>
+                      </a:solidFill>
+                      <a:prstDash val="solid"/>
+                      <a:round/>
+                      <a:headEnd type="none" w="med" len="med"/>
+                      <a:tailEnd type="none" w="med" len="med"/>
+                    </a:lnT>
+                    <a:lnB w="12700" cap="flat" cmpd="sng" algn="ctr">
+                      <a:solidFill>
+                        <a:schemeClr val="tx1"/>
+                      </a:solidFill>
+                      <a:prstDash val="solid"/>
+                      <a:round/>
+                      <a:headEnd type="none" w="med" len="med"/>
+                      <a:tailEnd type="none" w="med" len="med"/>
+                    </a:lnB>
+                    <a:noFill/>
+                  </a:tcPr>
+                </a:tc>
+                <a:tc>
+                  <a:txBody>
+                    <a:bodyPr/>
+                    <a:lstStyle/>
+                    <a:p>
+                      <a:endParaRPr lang="hu-HU" dirty="0"/>
+                    </a:p>
+                  </a:txBody>
+                  <a:tcPr>
+                    <a:lnL w="12700" cap="flat" cmpd="sng" algn="ctr">
+                      <a:solidFill>
+                        <a:schemeClr val="tx1"/>
+                      </a:solidFill>
+                      <a:prstDash val="solid"/>
+                      <a:round/>
+                      <a:headEnd type="none" w="med" len="med"/>
+                      <a:tailEnd type="none" w="med" len="med"/>
+                    </a:lnL>
+                    <a:lnR w="12700" cap="flat" cmpd="sng" algn="ctr">
+                      <a:solidFill>
+                        <a:schemeClr val="tx1"/>
+                      </a:solidFill>
+                      <a:prstDash val="solid"/>
+                      <a:round/>
+                      <a:headEnd type="none" w="med" len="med"/>
+                      <a:tailEnd type="none" w="med" len="med"/>
+                    </a:lnR>
+                    <a:lnT w="12700" cap="flat" cmpd="sng" algn="ctr">
+                      <a:solidFill>
+                        <a:schemeClr val="tx1"/>
+                      </a:solidFill>
+                      <a:prstDash val="solid"/>
+                      <a:round/>
+                      <a:headEnd type="none" w="med" len="med"/>
+                      <a:tailEnd type="none" w="med" len="med"/>
+                    </a:lnT>
+                    <a:lnB w="12700" cap="flat" cmpd="sng" algn="ctr">
+                      <a:solidFill>
+                        <a:schemeClr val="tx1"/>
+                      </a:solidFill>
+                      <a:prstDash val="solid"/>
+                      <a:round/>
+                      <a:headEnd type="none" w="med" len="med"/>
+                      <a:tailEnd type="none" w="med" len="med"/>
+                    </a:lnB>
+                    <a:noFill/>
+                  </a:tcPr>
+                </a:tc>
+                <a:extLst>
+                  <a:ext uri="{0D108BD9-81ED-4DB2-BD59-A6C34878D82A}">
+                    <a16:rowId xmlns:a16="http://schemas.microsoft.com/office/drawing/2014/main" val="2554207846"/>
+                  </a:ext>
+                </a:extLst>
+              </a:tr>
+              <a:tr h="367133">
+                <a:tc>
+                  <a:txBody>
+                    <a:bodyPr/>
+                    <a:lstStyle/>
+                    <a:p>
+                      <a:endParaRPr lang="hu-HU"/>
+                    </a:p>
+                  </a:txBody>
+                  <a:tcPr>
+                    <a:lnL w="12700" cap="flat" cmpd="sng" algn="ctr">
+                      <a:solidFill>
+                        <a:schemeClr val="tx1"/>
+                      </a:solidFill>
+                      <a:prstDash val="solid"/>
+                      <a:round/>
+                      <a:headEnd type="none" w="med" len="med"/>
+                      <a:tailEnd type="none" w="med" len="med"/>
+                    </a:lnL>
+                    <a:lnR w="12700" cap="flat" cmpd="sng" algn="ctr">
+                      <a:solidFill>
+                        <a:schemeClr val="tx1"/>
+                      </a:solidFill>
+                      <a:prstDash val="solid"/>
+                      <a:round/>
+                      <a:headEnd type="none" w="med" len="med"/>
+                      <a:tailEnd type="none" w="med" len="med"/>
+                    </a:lnR>
+                    <a:lnT w="12700" cap="flat" cmpd="sng" algn="ctr">
+                      <a:solidFill>
+                        <a:schemeClr val="tx1"/>
+                      </a:solidFill>
+                      <a:prstDash val="solid"/>
+                      <a:round/>
+                      <a:headEnd type="none" w="med" len="med"/>
+                      <a:tailEnd type="none" w="med" len="med"/>
+                    </a:lnT>
+                    <a:lnB w="12700" cap="flat" cmpd="sng" algn="ctr">
+                      <a:solidFill>
+                        <a:schemeClr val="tx1"/>
+                      </a:solidFill>
+                      <a:prstDash val="solid"/>
+                      <a:round/>
+                      <a:headEnd type="none" w="med" len="med"/>
+                      <a:tailEnd type="none" w="med" len="med"/>
+                    </a:lnB>
+                    <a:noFill/>
+                  </a:tcPr>
+                </a:tc>
+                <a:tc>
+                  <a:txBody>
+                    <a:bodyPr/>
+                    <a:lstStyle/>
+                    <a:p>
+                      <a:endParaRPr lang="hu-HU"/>
+                    </a:p>
+                  </a:txBody>
+                  <a:tcPr>
+                    <a:lnL w="12700" cap="flat" cmpd="sng" algn="ctr">
+                      <a:solidFill>
+                        <a:schemeClr val="tx1"/>
+                      </a:solidFill>
+                      <a:prstDash val="solid"/>
+                      <a:round/>
+                      <a:headEnd type="none" w="med" len="med"/>
+                      <a:tailEnd type="none" w="med" len="med"/>
+                    </a:lnL>
+                    <a:lnR w="12700" cap="flat" cmpd="sng" algn="ctr">
+                      <a:solidFill>
+                        <a:schemeClr val="tx1"/>
+                      </a:solidFill>
+                      <a:prstDash val="solid"/>
+                      <a:round/>
+                      <a:headEnd type="none" w="med" len="med"/>
+                      <a:tailEnd type="none" w="med" len="med"/>
+                    </a:lnR>
+                    <a:lnT w="12700" cap="flat" cmpd="sng" algn="ctr">
+                      <a:solidFill>
+                        <a:schemeClr val="tx1"/>
+                      </a:solidFill>
+                      <a:prstDash val="solid"/>
+                      <a:round/>
+                      <a:headEnd type="none" w="med" len="med"/>
+                      <a:tailEnd type="none" w="med" len="med"/>
+                    </a:lnT>
+                    <a:lnB w="12700" cap="flat" cmpd="sng" algn="ctr">
+                      <a:solidFill>
+                        <a:schemeClr val="tx1"/>
+                      </a:solidFill>
+                      <a:prstDash val="solid"/>
+                      <a:round/>
+                      <a:headEnd type="none" w="med" len="med"/>
+                      <a:tailEnd type="none" w="med" len="med"/>
+                    </a:lnB>
+                    <a:noFill/>
+                  </a:tcPr>
+                </a:tc>
+                <a:tc>
+                  <a:txBody>
+                    <a:bodyPr/>
+                    <a:lstStyle/>
+                    <a:p>
+                      <a:endParaRPr lang="hu-HU"/>
+                    </a:p>
+                  </a:txBody>
+                  <a:tcPr>
+                    <a:lnL w="12700" cap="flat" cmpd="sng" algn="ctr">
+                      <a:solidFill>
+                        <a:schemeClr val="tx1"/>
+                      </a:solidFill>
+                      <a:prstDash val="solid"/>
+                      <a:round/>
+                      <a:headEnd type="none" w="med" len="med"/>
+                      <a:tailEnd type="none" w="med" len="med"/>
+                    </a:lnL>
+                    <a:lnR w="12700" cap="flat" cmpd="sng" algn="ctr">
+                      <a:solidFill>
+                        <a:schemeClr val="tx1"/>
+                      </a:solidFill>
+                      <a:prstDash val="solid"/>
+                      <a:round/>
+                      <a:headEnd type="none" w="med" len="med"/>
+                      <a:tailEnd type="none" w="med" len="med"/>
+                    </a:lnR>
+                    <a:lnT w="12700" cap="flat" cmpd="sng" algn="ctr">
+                      <a:solidFill>
+                        <a:schemeClr val="tx1"/>
+                      </a:solidFill>
+                      <a:prstDash val="solid"/>
+                      <a:round/>
+                      <a:headEnd type="none" w="med" len="med"/>
+                      <a:tailEnd type="none" w="med" len="med"/>
+                    </a:lnT>
+                    <a:lnB w="12700" cap="flat" cmpd="sng" algn="ctr">
+                      <a:solidFill>
+                        <a:schemeClr val="tx1"/>
+                      </a:solidFill>
+                      <a:prstDash val="solid"/>
+                      <a:round/>
+                      <a:headEnd type="none" w="med" len="med"/>
+                      <a:tailEnd type="none" w="med" len="med"/>
+                    </a:lnB>
+                    <a:noFill/>
+                  </a:tcPr>
+                </a:tc>
+                <a:tc>
+                  <a:txBody>
+                    <a:bodyPr/>
+                    <a:lstStyle/>
+                    <a:p>
+                      <a:endParaRPr lang="hu-HU" dirty="0"/>
+                    </a:p>
+                  </a:txBody>
+                  <a:tcPr>
+                    <a:lnL w="12700" cap="flat" cmpd="sng" algn="ctr">
+                      <a:solidFill>
+                        <a:schemeClr val="tx1"/>
+                      </a:solidFill>
+                      <a:prstDash val="solid"/>
+                      <a:round/>
+                      <a:headEnd type="none" w="med" len="med"/>
+                      <a:tailEnd type="none" w="med" len="med"/>
+                    </a:lnL>
+                    <a:lnR w="12700" cap="flat" cmpd="sng" algn="ctr">
+                      <a:solidFill>
+                        <a:schemeClr val="tx1"/>
+                      </a:solidFill>
+                      <a:prstDash val="solid"/>
+                      <a:round/>
+                      <a:headEnd type="none" w="med" len="med"/>
+                      <a:tailEnd type="none" w="med" len="med"/>
+                    </a:lnR>
+                    <a:lnT w="12700" cap="flat" cmpd="sng" algn="ctr">
+                      <a:solidFill>
+                        <a:schemeClr val="tx1"/>
+                      </a:solidFill>
+                      <a:prstDash val="solid"/>
+                      <a:round/>
+                      <a:headEnd type="none" w="med" len="med"/>
+                      <a:tailEnd type="none" w="med" len="med"/>
+                    </a:lnT>
+                    <a:lnB w="12700" cap="flat" cmpd="sng" algn="ctr">
+                      <a:solidFill>
+                        <a:schemeClr val="tx1"/>
+                      </a:solidFill>
+                      <a:prstDash val="solid"/>
+                      <a:round/>
+                      <a:headEnd type="none" w="med" len="med"/>
+                      <a:tailEnd type="none" w="med" len="med"/>
+                    </a:lnB>
+                    <a:noFill/>
+                  </a:tcPr>
+                </a:tc>
+                <a:extLst>
+                  <a:ext uri="{0D108BD9-81ED-4DB2-BD59-A6C34878D82A}">
+                    <a16:rowId xmlns:a16="http://schemas.microsoft.com/office/drawing/2014/main" val="4076061792"/>
+                  </a:ext>
+                </a:extLst>
+              </a:tr>
+              <a:tr h="367133">
+                <a:tc>
+                  <a:txBody>
+                    <a:bodyPr/>
+                    <a:lstStyle/>
+                    <a:p>
+                      <a:endParaRPr lang="hu-HU"/>
+                    </a:p>
+                  </a:txBody>
+                  <a:tcPr>
+                    <a:lnL w="12700" cap="flat" cmpd="sng" algn="ctr">
+                      <a:solidFill>
+                        <a:schemeClr val="tx1"/>
+                      </a:solidFill>
+                      <a:prstDash val="solid"/>
+                      <a:round/>
+                      <a:headEnd type="none" w="med" len="med"/>
+                      <a:tailEnd type="none" w="med" len="med"/>
+                    </a:lnL>
+                    <a:lnR w="12700" cap="flat" cmpd="sng" algn="ctr">
+                      <a:solidFill>
+                        <a:schemeClr val="tx1"/>
+                      </a:solidFill>
+                      <a:prstDash val="solid"/>
+                      <a:round/>
+                      <a:headEnd type="none" w="med" len="med"/>
+                      <a:tailEnd type="none" w="med" len="med"/>
+                    </a:lnR>
+                    <a:lnT w="12700" cap="flat" cmpd="sng" algn="ctr">
+                      <a:solidFill>
+                        <a:schemeClr val="tx1"/>
+                      </a:solidFill>
+                      <a:prstDash val="solid"/>
+                      <a:round/>
+                      <a:headEnd type="none" w="med" len="med"/>
+                      <a:tailEnd type="none" w="med" len="med"/>
+                    </a:lnT>
+                    <a:lnB w="12700" cap="flat" cmpd="sng" algn="ctr">
+                      <a:solidFill>
+                        <a:schemeClr val="tx1"/>
+                      </a:solidFill>
+                      <a:prstDash val="solid"/>
+                      <a:round/>
+                      <a:headEnd type="none" w="med" len="med"/>
+                      <a:tailEnd type="none" w="med" len="med"/>
+                    </a:lnB>
+                    <a:noFill/>
+                  </a:tcPr>
+                </a:tc>
+                <a:tc>
+                  <a:txBody>
+                    <a:bodyPr/>
+                    <a:lstStyle/>
+                    <a:p>
+                      <a:endParaRPr lang="hu-HU"/>
+                    </a:p>
+                  </a:txBody>
+                  <a:tcPr>
+                    <a:lnL w="12700" cap="flat" cmpd="sng" algn="ctr">
+                      <a:solidFill>
+                        <a:schemeClr val="tx1"/>
+                      </a:solidFill>
+                      <a:prstDash val="solid"/>
+                      <a:round/>
+                      <a:headEnd type="none" w="med" len="med"/>
+                      <a:tailEnd type="none" w="med" len="med"/>
+                    </a:lnL>
+                    <a:lnR w="12700" cap="flat" cmpd="sng" algn="ctr">
+                      <a:solidFill>
+                        <a:schemeClr val="tx1"/>
+                      </a:solidFill>
+                      <a:prstDash val="solid"/>
+                      <a:round/>
+                      <a:headEnd type="none" w="med" len="med"/>
+                      <a:tailEnd type="none" w="med" len="med"/>
+                    </a:lnR>
+                    <a:lnT w="12700" cap="flat" cmpd="sng" algn="ctr">
+                      <a:solidFill>
+                        <a:schemeClr val="tx1"/>
+                      </a:solidFill>
+                      <a:prstDash val="solid"/>
+                      <a:round/>
+                      <a:headEnd type="none" w="med" len="med"/>
+                      <a:tailEnd type="none" w="med" len="med"/>
+                    </a:lnT>
+                    <a:lnB w="12700" cap="flat" cmpd="sng" algn="ctr">
+                      <a:solidFill>
+                        <a:schemeClr val="tx1"/>
+                      </a:solidFill>
+                      <a:prstDash val="solid"/>
+                      <a:round/>
+                      <a:headEnd type="none" w="med" len="med"/>
+                      <a:tailEnd type="none" w="med" len="med"/>
+                    </a:lnB>
+                    <a:noFill/>
+                  </a:tcPr>
+                </a:tc>
+                <a:tc>
+                  <a:txBody>
+                    <a:bodyPr/>
+                    <a:lstStyle/>
+                    <a:p>
+                      <a:endParaRPr lang="hu-HU"/>
+                    </a:p>
+                  </a:txBody>
+                  <a:tcPr>
+                    <a:lnL w="12700" cap="flat" cmpd="sng" algn="ctr">
+                      <a:solidFill>
+                        <a:schemeClr val="tx1"/>
+                      </a:solidFill>
+                      <a:prstDash val="solid"/>
+                      <a:round/>
+                      <a:headEnd type="none" w="med" len="med"/>
+                      <a:tailEnd type="none" w="med" len="med"/>
+                    </a:lnL>
+                    <a:lnR w="12700" cap="flat" cmpd="sng" algn="ctr">
+                      <a:solidFill>
+                        <a:schemeClr val="tx1"/>
+                      </a:solidFill>
+                      <a:prstDash val="solid"/>
+                      <a:round/>
+                      <a:headEnd type="none" w="med" len="med"/>
+                      <a:tailEnd type="none" w="med" len="med"/>
+                    </a:lnR>
+                    <a:lnT w="12700" cap="flat" cmpd="sng" algn="ctr">
+                      <a:solidFill>
+                        <a:schemeClr val="tx1"/>
+                      </a:solidFill>
+                      <a:prstDash val="solid"/>
+                      <a:round/>
+                      <a:headEnd type="none" w="med" len="med"/>
+                      <a:tailEnd type="none" w="med" len="med"/>
+                    </a:lnT>
+                    <a:lnB w="12700" cap="flat" cmpd="sng" algn="ctr">
+                      <a:solidFill>
+                        <a:schemeClr val="tx1"/>
+                      </a:solidFill>
+                      <a:prstDash val="solid"/>
+                      <a:round/>
+                      <a:headEnd type="none" w="med" len="med"/>
+                      <a:tailEnd type="none" w="med" len="med"/>
+                    </a:lnB>
+                    <a:noFill/>
+                  </a:tcPr>
+                </a:tc>
+                <a:tc>
+                  <a:txBody>
+                    <a:bodyPr/>
+                    <a:lstStyle/>
+                    <a:p>
+                      <a:endParaRPr lang="hu-HU" dirty="0"/>
+                    </a:p>
+                  </a:txBody>
+                  <a:tcPr>
+                    <a:lnL w="12700" cap="flat" cmpd="sng" algn="ctr">
+                      <a:solidFill>
+                        <a:schemeClr val="tx1"/>
+                      </a:solidFill>
+                      <a:prstDash val="solid"/>
+                      <a:round/>
+                      <a:headEnd type="none" w="med" len="med"/>
+                      <a:tailEnd type="none" w="med" len="med"/>
+                    </a:lnL>
+                    <a:lnR w="12700" cap="flat" cmpd="sng" algn="ctr">
+                      <a:solidFill>
+                        <a:schemeClr val="tx1"/>
+                      </a:solidFill>
+                      <a:prstDash val="solid"/>
+                      <a:round/>
+                      <a:headEnd type="none" w="med" len="med"/>
+                      <a:tailEnd type="none" w="med" len="med"/>
+                    </a:lnR>
+                    <a:lnT w="12700" cap="flat" cmpd="sng" algn="ctr">
+                      <a:solidFill>
+                        <a:schemeClr val="tx1"/>
+                      </a:solidFill>
+                      <a:prstDash val="solid"/>
+                      <a:round/>
+                      <a:headEnd type="none" w="med" len="med"/>
+                      <a:tailEnd type="none" w="med" len="med"/>
+                    </a:lnT>
+                    <a:lnB w="12700" cap="flat" cmpd="sng" algn="ctr">
+                      <a:solidFill>
+                        <a:schemeClr val="tx1"/>
+                      </a:solidFill>
+                      <a:prstDash val="solid"/>
+                      <a:round/>
+                      <a:headEnd type="none" w="med" len="med"/>
+                      <a:tailEnd type="none" w="med" len="med"/>
+                    </a:lnB>
+                    <a:noFill/>
+                  </a:tcPr>
+                </a:tc>
+                <a:extLst>
+                  <a:ext uri="{0D108BD9-81ED-4DB2-BD59-A6C34878D82A}">
+                    <a16:rowId xmlns:a16="http://schemas.microsoft.com/office/drawing/2014/main" val="565551508"/>
+                  </a:ext>
+                </a:extLst>
+              </a:tr>
+              <a:tr h="367133">
+                <a:tc>
+                  <a:txBody>
+                    <a:bodyPr/>
+                    <a:lstStyle/>
+                    <a:p>
+                      <a:endParaRPr lang="hu-HU"/>
+                    </a:p>
+                  </a:txBody>
+                  <a:tcPr>
+                    <a:lnL w="12700" cap="flat" cmpd="sng" algn="ctr">
+                      <a:solidFill>
+                        <a:schemeClr val="tx1"/>
+                      </a:solidFill>
+                      <a:prstDash val="solid"/>
+                      <a:round/>
+                      <a:headEnd type="none" w="med" len="med"/>
+                      <a:tailEnd type="none" w="med" len="med"/>
+                    </a:lnL>
+                    <a:lnR w="12700" cap="flat" cmpd="sng" algn="ctr">
+                      <a:solidFill>
+                        <a:schemeClr val="tx1"/>
+                      </a:solidFill>
+                      <a:prstDash val="solid"/>
+                      <a:round/>
+                      <a:headEnd type="none" w="med" len="med"/>
+                      <a:tailEnd type="none" w="med" len="med"/>
+                    </a:lnR>
+                    <a:lnT w="12700" cap="flat" cmpd="sng" algn="ctr">
+                      <a:solidFill>
+                        <a:schemeClr val="tx1"/>
+                      </a:solidFill>
+                      <a:prstDash val="solid"/>
+                      <a:round/>
+                      <a:headEnd type="none" w="med" len="med"/>
+                      <a:tailEnd type="none" w="med" len="med"/>
+                    </a:lnT>
+                    <a:lnB w="12700" cap="flat" cmpd="sng" algn="ctr">
+                      <a:solidFill>
+                        <a:schemeClr val="tx1"/>
+                      </a:solidFill>
+                      <a:prstDash val="solid"/>
+                      <a:round/>
+                      <a:headEnd type="none" w="med" len="med"/>
+                      <a:tailEnd type="none" w="med" len="med"/>
+                    </a:lnB>
+                    <a:noFill/>
+                  </a:tcPr>
+                </a:tc>
+                <a:tc>
+                  <a:txBody>
+                    <a:bodyPr/>
+                    <a:lstStyle/>
+                    <a:p>
+                      <a:endParaRPr lang="hu-HU"/>
+                    </a:p>
+                  </a:txBody>
+                  <a:tcPr>
+                    <a:lnL w="12700" cap="flat" cmpd="sng" algn="ctr">
+                      <a:solidFill>
+                        <a:schemeClr val="tx1"/>
+                      </a:solidFill>
+                      <a:prstDash val="solid"/>
+                      <a:round/>
+                      <a:headEnd type="none" w="med" len="med"/>
+                      <a:tailEnd type="none" w="med" len="med"/>
+                    </a:lnL>
+                    <a:lnR w="12700" cap="flat" cmpd="sng" algn="ctr">
+                      <a:solidFill>
+                        <a:schemeClr val="tx1"/>
+                      </a:solidFill>
+                      <a:prstDash val="solid"/>
+                      <a:round/>
+                      <a:headEnd type="none" w="med" len="med"/>
+                      <a:tailEnd type="none" w="med" len="med"/>
+                    </a:lnR>
+                    <a:lnT w="12700" cap="flat" cmpd="sng" algn="ctr">
+                      <a:solidFill>
+                        <a:schemeClr val="tx1"/>
+                      </a:solidFill>
+                      <a:prstDash val="solid"/>
+                      <a:round/>
+                      <a:headEnd type="none" w="med" len="med"/>
+                      <a:tailEnd type="none" w="med" len="med"/>
+                    </a:lnT>
+                    <a:lnB w="12700" cap="flat" cmpd="sng" algn="ctr">
+                      <a:solidFill>
+                        <a:schemeClr val="tx1"/>
+                      </a:solidFill>
+                      <a:prstDash val="solid"/>
+                      <a:round/>
+                      <a:headEnd type="none" w="med" len="med"/>
+                      <a:tailEnd type="none" w="med" len="med"/>
+                    </a:lnB>
+                    <a:noFill/>
+                  </a:tcPr>
+                </a:tc>
+                <a:tc>
+                  <a:txBody>
+                    <a:bodyPr/>
+                    <a:lstStyle/>
+                    <a:p>
+                      <a:endParaRPr lang="hu-HU"/>
+                    </a:p>
+                  </a:txBody>
+                  <a:tcPr>
+                    <a:lnL w="12700" cap="flat" cmpd="sng" algn="ctr">
+                      <a:solidFill>
+                        <a:schemeClr val="tx1"/>
+                      </a:solidFill>
+                      <a:prstDash val="solid"/>
+                      <a:round/>
+                      <a:headEnd type="none" w="med" len="med"/>
+                      <a:tailEnd type="none" w="med" len="med"/>
+                    </a:lnL>
+                    <a:lnR w="12700" cap="flat" cmpd="sng" algn="ctr">
+                      <a:solidFill>
+                        <a:schemeClr val="tx1"/>
+                      </a:solidFill>
+                      <a:prstDash val="solid"/>
+                      <a:round/>
+                      <a:headEnd type="none" w="med" len="med"/>
+                      <a:tailEnd type="none" w="med" len="med"/>
+                    </a:lnR>
+                    <a:lnT w="12700" cap="flat" cmpd="sng" algn="ctr">
+                      <a:solidFill>
+                        <a:schemeClr val="tx1"/>
+                      </a:solidFill>
+                      <a:prstDash val="solid"/>
+                      <a:round/>
+                      <a:headEnd type="none" w="med" len="med"/>
+                      <a:tailEnd type="none" w="med" len="med"/>
+                    </a:lnT>
+                    <a:lnB w="12700" cap="flat" cmpd="sng" algn="ctr">
+                      <a:solidFill>
+                        <a:schemeClr val="tx1"/>
+                      </a:solidFill>
+                      <a:prstDash val="solid"/>
+                      <a:round/>
+                      <a:headEnd type="none" w="med" len="med"/>
+                      <a:tailEnd type="none" w="med" len="med"/>
+                    </a:lnB>
+                    <a:noFill/>
+                  </a:tcPr>
+                </a:tc>
+                <a:tc>
+                  <a:txBody>
+                    <a:bodyPr/>
+                    <a:lstStyle/>
+                    <a:p>
+                      <a:endParaRPr lang="hu-HU" dirty="0"/>
+                    </a:p>
+                  </a:txBody>
+                  <a:tcPr>
+                    <a:lnL w="12700" cap="flat" cmpd="sng" algn="ctr">
+                      <a:solidFill>
+                        <a:schemeClr val="tx1"/>
+                      </a:solidFill>
+                      <a:prstDash val="solid"/>
+                      <a:round/>
+                      <a:headEnd type="none" w="med" len="med"/>
+                      <a:tailEnd type="none" w="med" len="med"/>
+                    </a:lnL>
+                    <a:lnR w="12700" cap="flat" cmpd="sng" algn="ctr">
+                      <a:solidFill>
+                        <a:schemeClr val="tx1"/>
+                      </a:solidFill>
+                      <a:prstDash val="solid"/>
+                      <a:round/>
+                      <a:headEnd type="none" w="med" len="med"/>
+                      <a:tailEnd type="none" w="med" len="med"/>
+                    </a:lnR>
+                    <a:lnT w="12700" cap="flat" cmpd="sng" algn="ctr">
+                      <a:solidFill>
+                        <a:schemeClr val="tx1"/>
+                      </a:solidFill>
+                      <a:prstDash val="solid"/>
+                      <a:round/>
+                      <a:headEnd type="none" w="med" len="med"/>
+                      <a:tailEnd type="none" w="med" len="med"/>
+                    </a:lnT>
+                    <a:lnB w="12700" cap="flat" cmpd="sng" algn="ctr">
+                      <a:solidFill>
+                        <a:schemeClr val="tx1"/>
+                      </a:solidFill>
+                      <a:prstDash val="solid"/>
+                      <a:round/>
+                      <a:headEnd type="none" w="med" len="med"/>
+                      <a:tailEnd type="none" w="med" len="med"/>
+                    </a:lnB>
+                    <a:noFill/>
+                  </a:tcPr>
+                </a:tc>
+                <a:extLst>
+                  <a:ext uri="{0D108BD9-81ED-4DB2-BD59-A6C34878D82A}">
+                    <a16:rowId xmlns:a16="http://schemas.microsoft.com/office/drawing/2014/main" val="4214848835"/>
+                  </a:ext>
+                </a:extLst>
+              </a:tr>
+              <a:tr h="367133">
+                <a:tc>
+                  <a:txBody>
+                    <a:bodyPr/>
+                    <a:lstStyle/>
+                    <a:p>
+                      <a:endParaRPr lang="hu-HU"/>
+                    </a:p>
+                  </a:txBody>
+                  <a:tcPr>
+                    <a:lnL w="12700" cap="flat" cmpd="sng" algn="ctr">
+                      <a:solidFill>
+                        <a:schemeClr val="tx1"/>
+                      </a:solidFill>
+                      <a:prstDash val="solid"/>
+                      <a:round/>
+                      <a:headEnd type="none" w="med" len="med"/>
+                      <a:tailEnd type="none" w="med" len="med"/>
+                    </a:lnL>
+                    <a:lnR w="12700" cap="flat" cmpd="sng" algn="ctr">
+                      <a:solidFill>
+                        <a:schemeClr val="tx1"/>
+                      </a:solidFill>
+                      <a:prstDash val="solid"/>
+                      <a:round/>
+                      <a:headEnd type="none" w="med" len="med"/>
+                      <a:tailEnd type="none" w="med" len="med"/>
+                    </a:lnR>
+                    <a:lnT w="12700" cap="flat" cmpd="sng" algn="ctr">
+                      <a:solidFill>
+                        <a:schemeClr val="tx1"/>
+                      </a:solidFill>
+                      <a:prstDash val="solid"/>
+                      <a:round/>
+                      <a:headEnd type="none" w="med" len="med"/>
+                      <a:tailEnd type="none" w="med" len="med"/>
+                    </a:lnT>
+                    <a:lnB w="12700" cap="flat" cmpd="sng" algn="ctr">
+                      <a:solidFill>
+                        <a:schemeClr val="tx1"/>
+                      </a:solidFill>
+                      <a:prstDash val="solid"/>
+                      <a:round/>
+                      <a:headEnd type="none" w="med" len="med"/>
+                      <a:tailEnd type="none" w="med" len="med"/>
+                    </a:lnB>
+                    <a:noFill/>
+                  </a:tcPr>
+                </a:tc>
+                <a:tc>
+                  <a:txBody>
+                    <a:bodyPr/>
+                    <a:lstStyle/>
+                    <a:p>
+                      <a:endParaRPr lang="hu-HU"/>
+                    </a:p>
+                  </a:txBody>
+                  <a:tcPr>
+                    <a:lnL w="12700" cap="flat" cmpd="sng" algn="ctr">
+                      <a:solidFill>
+                        <a:schemeClr val="tx1"/>
+                      </a:solidFill>
+                      <a:prstDash val="solid"/>
+                      <a:round/>
+                      <a:headEnd type="none" w="med" len="med"/>
+                      <a:tailEnd type="none" w="med" len="med"/>
+                    </a:lnL>
+                    <a:lnR w="12700" cap="flat" cmpd="sng" algn="ctr">
+                      <a:solidFill>
+                        <a:schemeClr val="tx1"/>
+                      </a:solidFill>
+                      <a:prstDash val="solid"/>
+                      <a:round/>
+                      <a:headEnd type="none" w="med" len="med"/>
+                      <a:tailEnd type="none" w="med" len="med"/>
+                    </a:lnR>
+                    <a:lnT w="12700" cap="flat" cmpd="sng" algn="ctr">
+                      <a:solidFill>
+                        <a:schemeClr val="tx1"/>
+                      </a:solidFill>
+                      <a:prstDash val="solid"/>
+                      <a:round/>
+                      <a:headEnd type="none" w="med" len="med"/>
+                      <a:tailEnd type="none" w="med" len="med"/>
+                    </a:lnT>
+                    <a:lnB w="12700" cap="flat" cmpd="sng" algn="ctr">
+                      <a:solidFill>
+                        <a:schemeClr val="tx1"/>
+                      </a:solidFill>
+                      <a:prstDash val="solid"/>
+                      <a:round/>
+                      <a:headEnd type="none" w="med" len="med"/>
+                      <a:tailEnd type="none" w="med" len="med"/>
+                    </a:lnB>
+                    <a:noFill/>
+                  </a:tcPr>
+                </a:tc>
+                <a:tc>
+                  <a:txBody>
+                    <a:bodyPr/>
+                    <a:lstStyle/>
+                    <a:p>
+                      <a:endParaRPr lang="hu-HU"/>
+                    </a:p>
+                  </a:txBody>
+                  <a:tcPr>
+                    <a:lnL w="12700" cap="flat" cmpd="sng" algn="ctr">
+                      <a:solidFill>
+                        <a:schemeClr val="tx1"/>
+                      </a:solidFill>
+                      <a:prstDash val="solid"/>
+                      <a:round/>
+                      <a:headEnd type="none" w="med" len="med"/>
+                      <a:tailEnd type="none" w="med" len="med"/>
+                    </a:lnL>
+                    <a:lnR w="12700" cap="flat" cmpd="sng" algn="ctr">
+                      <a:solidFill>
+                        <a:schemeClr val="tx1"/>
+                      </a:solidFill>
+                      <a:prstDash val="solid"/>
+                      <a:round/>
+                      <a:headEnd type="none" w="med" len="med"/>
+                      <a:tailEnd type="none" w="med" len="med"/>
+                    </a:lnR>
+                    <a:lnT w="12700" cap="flat" cmpd="sng" algn="ctr">
+                      <a:solidFill>
+                        <a:schemeClr val="tx1"/>
+                      </a:solidFill>
+                      <a:prstDash val="solid"/>
+                      <a:round/>
+                      <a:headEnd type="none" w="med" len="med"/>
+                      <a:tailEnd type="none" w="med" len="med"/>
+                    </a:lnT>
+                    <a:lnB w="12700" cap="flat" cmpd="sng" algn="ctr">
+                      <a:solidFill>
+                        <a:schemeClr val="tx1"/>
+                      </a:solidFill>
+                      <a:prstDash val="solid"/>
+                      <a:round/>
+                      <a:headEnd type="none" w="med" len="med"/>
+                      <a:tailEnd type="none" w="med" len="med"/>
+                    </a:lnB>
+                    <a:noFill/>
+                  </a:tcPr>
+                </a:tc>
+                <a:tc>
+                  <a:txBody>
+                    <a:bodyPr/>
+                    <a:lstStyle/>
+                    <a:p>
+                      <a:endParaRPr lang="hu-HU" dirty="0"/>
+                    </a:p>
+                  </a:txBody>
+                  <a:tcPr>
+                    <a:lnL w="12700" cap="flat" cmpd="sng" algn="ctr">
+                      <a:solidFill>
+                        <a:schemeClr val="tx1"/>
+                      </a:solidFill>
+                      <a:prstDash val="solid"/>
+                      <a:round/>
+                      <a:headEnd type="none" w="med" len="med"/>
+                      <a:tailEnd type="none" w="med" len="med"/>
+                    </a:lnL>
+                    <a:lnR w="12700" cap="flat" cmpd="sng" algn="ctr">
+                      <a:solidFill>
+                        <a:schemeClr val="tx1"/>
+                      </a:solidFill>
+                      <a:prstDash val="solid"/>
+                      <a:round/>
+                      <a:headEnd type="none" w="med" len="med"/>
+                      <a:tailEnd type="none" w="med" len="med"/>
+                    </a:lnR>
+                    <a:lnT w="12700" cap="flat" cmpd="sng" algn="ctr">
+                      <a:solidFill>
+                        <a:schemeClr val="tx1"/>
+                      </a:solidFill>
+                      <a:prstDash val="solid"/>
+                      <a:round/>
+                      <a:headEnd type="none" w="med" len="med"/>
+                      <a:tailEnd type="none" w="med" len="med"/>
+                    </a:lnT>
+                    <a:lnB w="12700" cap="flat" cmpd="sng" algn="ctr">
+                      <a:solidFill>
+                        <a:schemeClr val="tx1"/>
+                      </a:solidFill>
+                      <a:prstDash val="solid"/>
+                      <a:round/>
+                      <a:headEnd type="none" w="med" len="med"/>
+                      <a:tailEnd type="none" w="med" len="med"/>
+                    </a:lnB>
+                    <a:noFill/>
+                  </a:tcPr>
+                </a:tc>
+                <a:extLst>
+                  <a:ext uri="{0D108BD9-81ED-4DB2-BD59-A6C34878D82A}">
+                    <a16:rowId xmlns:a16="http://schemas.microsoft.com/office/drawing/2014/main" val="1006759766"/>
+                  </a:ext>
+                </a:extLst>
+              </a:tr>
+              <a:tr h="367133">
+                <a:tc>
+                  <a:txBody>
+                    <a:bodyPr/>
+                    <a:lstStyle/>
+                    <a:p>
+                      <a:endParaRPr lang="hu-HU"/>
+                    </a:p>
+                  </a:txBody>
+                  <a:tcPr>
+                    <a:lnL w="12700" cap="flat" cmpd="sng" algn="ctr">
+                      <a:solidFill>
+                        <a:schemeClr val="tx1"/>
+                      </a:solidFill>
+                      <a:prstDash val="solid"/>
+                      <a:round/>
+                      <a:headEnd type="none" w="med" len="med"/>
+                      <a:tailEnd type="none" w="med" len="med"/>
+                    </a:lnL>
+                    <a:lnR w="12700" cap="flat" cmpd="sng" algn="ctr">
+                      <a:solidFill>
+                        <a:schemeClr val="tx1"/>
+                      </a:solidFill>
+                      <a:prstDash val="solid"/>
+                      <a:round/>
+                      <a:headEnd type="none" w="med" len="med"/>
+                      <a:tailEnd type="none" w="med" len="med"/>
+                    </a:lnR>
+                    <a:lnT w="12700" cap="flat" cmpd="sng" algn="ctr">
+                      <a:solidFill>
+                        <a:schemeClr val="tx1"/>
+                      </a:solidFill>
+                      <a:prstDash val="solid"/>
+                      <a:round/>
+                      <a:headEnd type="none" w="med" len="med"/>
+                      <a:tailEnd type="none" w="med" len="med"/>
+                    </a:lnT>
+                    <a:lnB w="12700" cap="flat" cmpd="sng" algn="ctr">
+                      <a:solidFill>
+                        <a:schemeClr val="tx1"/>
+                      </a:solidFill>
+                      <a:prstDash val="solid"/>
+                      <a:round/>
+                      <a:headEnd type="none" w="med" len="med"/>
+                      <a:tailEnd type="none" w="med" len="med"/>
+                    </a:lnB>
+                    <a:noFill/>
+                  </a:tcPr>
+                </a:tc>
+                <a:tc>
+                  <a:txBody>
+                    <a:bodyPr/>
+                    <a:lstStyle/>
+                    <a:p>
+                      <a:endParaRPr lang="hu-HU"/>
+                    </a:p>
+                  </a:txBody>
+                  <a:tcPr>
+                    <a:lnL w="12700" cap="flat" cmpd="sng" algn="ctr">
+                      <a:solidFill>
+                        <a:schemeClr val="tx1"/>
+                      </a:solidFill>
+                      <a:prstDash val="solid"/>
+                      <a:round/>
+                      <a:headEnd type="none" w="med" len="med"/>
+                      <a:tailEnd type="none" w="med" len="med"/>
+                    </a:lnL>
+                    <a:lnR w="12700" cap="flat" cmpd="sng" algn="ctr">
+                      <a:solidFill>
+                        <a:schemeClr val="tx1"/>
+                      </a:solidFill>
+                      <a:prstDash val="solid"/>
+                      <a:round/>
+                      <a:headEnd type="none" w="med" len="med"/>
+                      <a:tailEnd type="none" w="med" len="med"/>
+                    </a:lnR>
+                    <a:lnT w="12700" cap="flat" cmpd="sng" algn="ctr">
+                      <a:solidFill>
+                        <a:schemeClr val="tx1"/>
+                      </a:solidFill>
+                      <a:prstDash val="solid"/>
+                      <a:round/>
+                      <a:headEnd type="none" w="med" len="med"/>
+                      <a:tailEnd type="none" w="med" len="med"/>
+                    </a:lnT>
+                    <a:lnB w="12700" cap="flat" cmpd="sng" algn="ctr">
+                      <a:solidFill>
+                        <a:schemeClr val="tx1"/>
+                      </a:solidFill>
+                      <a:prstDash val="solid"/>
+                      <a:round/>
+                      <a:headEnd type="none" w="med" len="med"/>
+                      <a:tailEnd type="none" w="med" len="med"/>
+                    </a:lnB>
+                    <a:noFill/>
+                  </a:tcPr>
+                </a:tc>
+                <a:tc>
+                  <a:txBody>
+                    <a:bodyPr/>
+                    <a:lstStyle/>
+                    <a:p>
+                      <a:endParaRPr lang="hu-HU"/>
+                    </a:p>
+                  </a:txBody>
+                  <a:tcPr>
+                    <a:lnL w="12700" cap="flat" cmpd="sng" algn="ctr">
+                      <a:solidFill>
+                        <a:schemeClr val="tx1"/>
+                      </a:solidFill>
+                      <a:prstDash val="solid"/>
+                      <a:round/>
+                      <a:headEnd type="none" w="med" len="med"/>
+                      <a:tailEnd type="none" w="med" len="med"/>
+                    </a:lnL>
+                    <a:lnR w="12700" cap="flat" cmpd="sng" algn="ctr">
+                      <a:solidFill>
+                        <a:schemeClr val="tx1"/>
+                      </a:solidFill>
+                      <a:prstDash val="solid"/>
+                      <a:round/>
+                      <a:headEnd type="none" w="med" len="med"/>
+                      <a:tailEnd type="none" w="med" len="med"/>
+                    </a:lnR>
+                    <a:lnT w="12700" cap="flat" cmpd="sng" algn="ctr">
+                      <a:solidFill>
+                        <a:schemeClr val="tx1"/>
+                      </a:solidFill>
+                      <a:prstDash val="solid"/>
+                      <a:round/>
+                      <a:headEnd type="none" w="med" len="med"/>
+                      <a:tailEnd type="none" w="med" len="med"/>
+                    </a:lnT>
+                    <a:lnB w="12700" cap="flat" cmpd="sng" algn="ctr">
+                      <a:solidFill>
+                        <a:schemeClr val="tx1"/>
+                      </a:solidFill>
+                      <a:prstDash val="solid"/>
+                      <a:round/>
+                      <a:headEnd type="none" w="med" len="med"/>
+                      <a:tailEnd type="none" w="med" len="med"/>
+                    </a:lnB>
+                    <a:noFill/>
+                  </a:tcPr>
+                </a:tc>
+                <a:tc>
+                  <a:txBody>
+                    <a:bodyPr/>
+                    <a:lstStyle/>
+                    <a:p>
+                      <a:endParaRPr lang="hu-HU" dirty="0"/>
+                    </a:p>
+                  </a:txBody>
+                  <a:tcPr>
+                    <a:lnL w="12700" cap="flat" cmpd="sng" algn="ctr">
+                      <a:solidFill>
+                        <a:schemeClr val="tx1"/>
+                      </a:solidFill>
+                      <a:prstDash val="solid"/>
+                      <a:round/>
+                      <a:headEnd type="none" w="med" len="med"/>
+                      <a:tailEnd type="none" w="med" len="med"/>
+                    </a:lnL>
+                    <a:lnR w="12700" cap="flat" cmpd="sng" algn="ctr">
+                      <a:solidFill>
+                        <a:schemeClr val="tx1"/>
+                      </a:solidFill>
+                      <a:prstDash val="solid"/>
+                      <a:round/>
+                      <a:headEnd type="none" w="med" len="med"/>
+                      <a:tailEnd type="none" w="med" len="med"/>
+                    </a:lnR>
+                    <a:lnT w="12700" cap="flat" cmpd="sng" algn="ctr">
+                      <a:solidFill>
+                        <a:schemeClr val="tx1"/>
+                      </a:solidFill>
+                      <a:prstDash val="solid"/>
+                      <a:round/>
+                      <a:headEnd type="none" w="med" len="med"/>
+                      <a:tailEnd type="none" w="med" len="med"/>
+                    </a:lnT>
+                    <a:lnB w="12700" cap="flat" cmpd="sng" algn="ctr">
+                      <a:solidFill>
+                        <a:schemeClr val="tx1"/>
+                      </a:solidFill>
+                      <a:prstDash val="solid"/>
+                      <a:round/>
+                      <a:headEnd type="none" w="med" len="med"/>
+                      <a:tailEnd type="none" w="med" len="med"/>
+                    </a:lnB>
+                    <a:noFill/>
+                  </a:tcPr>
+                </a:tc>
+                <a:extLst>
+                  <a:ext uri="{0D108BD9-81ED-4DB2-BD59-A6C34878D82A}">
+                    <a16:rowId xmlns:a16="http://schemas.microsoft.com/office/drawing/2014/main" val="2953565527"/>
+                  </a:ext>
+                </a:extLst>
+              </a:tr>
+              <a:tr h="367133">
+                <a:tc>
+                  <a:txBody>
+                    <a:bodyPr/>
+                    <a:lstStyle/>
+                    <a:p>
+                      <a:endParaRPr lang="hu-HU"/>
+                    </a:p>
+                  </a:txBody>
+                  <a:tcPr>
+                    <a:lnL w="12700" cap="flat" cmpd="sng" algn="ctr">
+                      <a:solidFill>
+                        <a:schemeClr val="tx1"/>
+                      </a:solidFill>
+                      <a:prstDash val="solid"/>
+                      <a:round/>
+                      <a:headEnd type="none" w="med" len="med"/>
+                      <a:tailEnd type="none" w="med" len="med"/>
+                    </a:lnL>
+                    <a:lnR w="12700" cap="flat" cmpd="sng" algn="ctr">
+                      <a:solidFill>
+                        <a:schemeClr val="tx1"/>
+                      </a:solidFill>
+                      <a:prstDash val="solid"/>
+                      <a:round/>
+                      <a:headEnd type="none" w="med" len="med"/>
+                      <a:tailEnd type="none" w="med" len="med"/>
+                    </a:lnR>
+                    <a:lnT w="12700" cap="flat" cmpd="sng" algn="ctr">
+                      <a:solidFill>
+                        <a:schemeClr val="tx1"/>
+                      </a:solidFill>
+                      <a:prstDash val="solid"/>
+                      <a:round/>
+                      <a:headEnd type="none" w="med" len="med"/>
+                      <a:tailEnd type="none" w="med" len="med"/>
+                    </a:lnT>
+                    <a:lnB w="12700" cap="flat" cmpd="sng" algn="ctr">
+                      <a:solidFill>
+                        <a:schemeClr val="tx1"/>
+                      </a:solidFill>
+                      <a:prstDash val="solid"/>
+                      <a:round/>
+                      <a:headEnd type="none" w="med" len="med"/>
+                      <a:tailEnd type="none" w="med" len="med"/>
+                    </a:lnB>
+                    <a:noFill/>
+                  </a:tcPr>
+                </a:tc>
+                <a:tc>
+                  <a:txBody>
+                    <a:bodyPr/>
+                    <a:lstStyle/>
+                    <a:p>
+                      <a:endParaRPr lang="hu-HU"/>
+                    </a:p>
+                  </a:txBody>
+                  <a:tcPr>
+                    <a:lnL w="12700" cap="flat" cmpd="sng" algn="ctr">
+                      <a:solidFill>
+                        <a:schemeClr val="tx1"/>
+                      </a:solidFill>
+                      <a:prstDash val="solid"/>
+                      <a:round/>
+                      <a:headEnd type="none" w="med" len="med"/>
+                      <a:tailEnd type="none" w="med" len="med"/>
+                    </a:lnL>
+                    <a:lnR w="12700" cap="flat" cmpd="sng" algn="ctr">
+                      <a:solidFill>
+                        <a:schemeClr val="tx1"/>
+                      </a:solidFill>
+                      <a:prstDash val="solid"/>
+                      <a:round/>
+                      <a:headEnd type="none" w="med" len="med"/>
+                      <a:tailEnd type="none" w="med" len="med"/>
+                    </a:lnR>
+                    <a:lnT w="12700" cap="flat" cmpd="sng" algn="ctr">
+                      <a:solidFill>
+                        <a:schemeClr val="tx1"/>
+                      </a:solidFill>
+                      <a:prstDash val="solid"/>
+                      <a:round/>
+                      <a:headEnd type="none" w="med" len="med"/>
+                      <a:tailEnd type="none" w="med" len="med"/>
+                    </a:lnT>
+                    <a:lnB w="12700" cap="flat" cmpd="sng" algn="ctr">
+                      <a:solidFill>
+                        <a:schemeClr val="tx1"/>
+                      </a:solidFill>
+                      <a:prstDash val="solid"/>
+                      <a:round/>
+                      <a:headEnd type="none" w="med" len="med"/>
+                      <a:tailEnd type="none" w="med" len="med"/>
+                    </a:lnB>
+                    <a:noFill/>
+                  </a:tcPr>
+                </a:tc>
+                <a:tc>
+                  <a:txBody>
+                    <a:bodyPr/>
+                    <a:lstStyle/>
+                    <a:p>
+                      <a:endParaRPr lang="hu-HU"/>
+                    </a:p>
+                  </a:txBody>
+                  <a:tcPr>
+                    <a:lnL w="12700" cap="flat" cmpd="sng" algn="ctr">
+                      <a:solidFill>
+                        <a:schemeClr val="tx1"/>
+                      </a:solidFill>
+                      <a:prstDash val="solid"/>
+                      <a:round/>
+                      <a:headEnd type="none" w="med" len="med"/>
+                      <a:tailEnd type="none" w="med" len="med"/>
+                    </a:lnL>
+                    <a:lnR w="12700" cap="flat" cmpd="sng" algn="ctr">
+                      <a:solidFill>
+                        <a:schemeClr val="tx1"/>
+                      </a:solidFill>
+                      <a:prstDash val="solid"/>
+                      <a:round/>
+                      <a:headEnd type="none" w="med" len="med"/>
+                      <a:tailEnd type="none" w="med" len="med"/>
+                    </a:lnR>
+                    <a:lnT w="12700" cap="flat" cmpd="sng" algn="ctr">
+                      <a:solidFill>
+                        <a:schemeClr val="tx1"/>
+                      </a:solidFill>
+                      <a:prstDash val="solid"/>
+                      <a:round/>
+                      <a:headEnd type="none" w="med" len="med"/>
+                      <a:tailEnd type="none" w="med" len="med"/>
+                    </a:lnT>
+                    <a:lnB w="12700" cap="flat" cmpd="sng" algn="ctr">
+                      <a:solidFill>
+                        <a:schemeClr val="tx1"/>
+                      </a:solidFill>
+                      <a:prstDash val="solid"/>
+                      <a:round/>
+                      <a:headEnd type="none" w="med" len="med"/>
+                      <a:tailEnd type="none" w="med" len="med"/>
+                    </a:lnB>
+                    <a:noFill/>
+                  </a:tcPr>
+                </a:tc>
+                <a:tc>
+                  <a:txBody>
+                    <a:bodyPr/>
+                    <a:lstStyle/>
+                    <a:p>
+                      <a:endParaRPr lang="hu-HU" dirty="0"/>
+                    </a:p>
+                  </a:txBody>
+                  <a:tcPr>
+                    <a:lnL w="12700" cap="flat" cmpd="sng" algn="ctr">
+                      <a:solidFill>
+                        <a:schemeClr val="tx1"/>
+                      </a:solidFill>
+                      <a:prstDash val="solid"/>
+                      <a:round/>
+                      <a:headEnd type="none" w="med" len="med"/>
+                      <a:tailEnd type="none" w="med" len="med"/>
+                    </a:lnL>
+                    <a:lnR w="12700" cap="flat" cmpd="sng" algn="ctr">
+                      <a:solidFill>
+                        <a:schemeClr val="tx1"/>
+                      </a:solidFill>
+                      <a:prstDash val="solid"/>
+                      <a:round/>
+                      <a:headEnd type="none" w="med" len="med"/>
+                      <a:tailEnd type="none" w="med" len="med"/>
+                    </a:lnR>
+                    <a:lnT w="12700" cap="flat" cmpd="sng" algn="ctr">
+                      <a:solidFill>
+                        <a:schemeClr val="tx1"/>
+                      </a:solidFill>
+                      <a:prstDash val="solid"/>
+                      <a:round/>
+                      <a:headEnd type="none" w="med" len="med"/>
+                      <a:tailEnd type="none" w="med" len="med"/>
+                    </a:lnT>
+                    <a:lnB w="12700" cap="flat" cmpd="sng" algn="ctr">
+                      <a:solidFill>
+                        <a:schemeClr val="tx1"/>
+                      </a:solidFill>
+                      <a:prstDash val="solid"/>
+                      <a:round/>
+                      <a:headEnd type="none" w="med" len="med"/>
+                      <a:tailEnd type="none" w="med" len="med"/>
+                    </a:lnB>
+                    <a:noFill/>
+                  </a:tcPr>
+                </a:tc>
+                <a:extLst>
+                  <a:ext uri="{0D108BD9-81ED-4DB2-BD59-A6C34878D82A}">
+                    <a16:rowId xmlns:a16="http://schemas.microsoft.com/office/drawing/2014/main" val="2119100365"/>
+                  </a:ext>
+                </a:extLst>
+              </a:tr>
+              <a:tr h="367133">
+                <a:tc>
+                  <a:txBody>
+                    <a:bodyPr/>
+                    <a:lstStyle/>
+                    <a:p>
+                      <a:endParaRPr lang="hu-HU"/>
+                    </a:p>
+                  </a:txBody>
+                  <a:tcPr>
+                    <a:lnL w="12700" cap="flat" cmpd="sng" algn="ctr">
+                      <a:solidFill>
+                        <a:schemeClr val="tx1"/>
+                      </a:solidFill>
+                      <a:prstDash val="solid"/>
+                      <a:round/>
+                      <a:headEnd type="none" w="med" len="med"/>
+                      <a:tailEnd type="none" w="med" len="med"/>
+                    </a:lnL>
+                    <a:lnR w="12700" cap="flat" cmpd="sng" algn="ctr">
+                      <a:solidFill>
+                        <a:schemeClr val="tx1"/>
+                      </a:solidFill>
+                      <a:prstDash val="solid"/>
+                      <a:round/>
+                      <a:headEnd type="none" w="med" len="med"/>
+                      <a:tailEnd type="none" w="med" len="med"/>
+                    </a:lnR>
+                    <a:lnT w="12700" cap="flat" cmpd="sng" algn="ctr">
+                      <a:solidFill>
+                        <a:schemeClr val="tx1"/>
+                      </a:solidFill>
+                      <a:prstDash val="solid"/>
+                      <a:round/>
+                      <a:headEnd type="none" w="med" len="med"/>
+                      <a:tailEnd type="none" w="med" len="med"/>
+                    </a:lnT>
+                    <a:lnB w="12700" cap="flat" cmpd="sng" algn="ctr">
+                      <a:solidFill>
+                        <a:schemeClr val="tx1"/>
+                      </a:solidFill>
+                      <a:prstDash val="solid"/>
+                      <a:round/>
+                      <a:headEnd type="none" w="med" len="med"/>
+                      <a:tailEnd type="none" w="med" len="med"/>
+                    </a:lnB>
+                    <a:noFill/>
+                  </a:tcPr>
+                </a:tc>
+                <a:tc>
+                  <a:txBody>
+                    <a:bodyPr/>
+                    <a:lstStyle/>
+                    <a:p>
+                      <a:endParaRPr lang="hu-HU"/>
+                    </a:p>
+                  </a:txBody>
+                  <a:tcPr>
+                    <a:lnL w="12700" cap="flat" cmpd="sng" algn="ctr">
+                      <a:solidFill>
+                        <a:schemeClr val="tx1"/>
+                      </a:solidFill>
+                      <a:prstDash val="solid"/>
+                      <a:round/>
+                      <a:headEnd type="none" w="med" len="med"/>
+                      <a:tailEnd type="none" w="med" len="med"/>
+                    </a:lnL>
+                    <a:lnR w="12700" cap="flat" cmpd="sng" algn="ctr">
+                      <a:solidFill>
+                        <a:schemeClr val="tx1"/>
+                      </a:solidFill>
+                      <a:prstDash val="solid"/>
+                      <a:round/>
+                      <a:headEnd type="none" w="med" len="med"/>
+                      <a:tailEnd type="none" w="med" len="med"/>
+                    </a:lnR>
+                    <a:lnT w="12700" cap="flat" cmpd="sng" algn="ctr">
+                      <a:solidFill>
+                        <a:schemeClr val="tx1"/>
+                      </a:solidFill>
+                      <a:prstDash val="solid"/>
+                      <a:round/>
+                      <a:headEnd type="none" w="med" len="med"/>
+                      <a:tailEnd type="none" w="med" len="med"/>
+                    </a:lnT>
+                    <a:lnB w="12700" cap="flat" cmpd="sng" algn="ctr">
+                      <a:solidFill>
+                        <a:schemeClr val="tx1"/>
+                      </a:solidFill>
+                      <a:prstDash val="solid"/>
+                      <a:round/>
+                      <a:headEnd type="none" w="med" len="med"/>
+                      <a:tailEnd type="none" w="med" len="med"/>
+                    </a:lnB>
+                    <a:noFill/>
+                  </a:tcPr>
+                </a:tc>
+                <a:tc>
+                  <a:txBody>
+                    <a:bodyPr/>
+                    <a:lstStyle/>
+                    <a:p>
+                      <a:endParaRPr lang="hu-HU"/>
+                    </a:p>
+                  </a:txBody>
+                  <a:tcPr>
+                    <a:lnL w="12700" cap="flat" cmpd="sng" algn="ctr">
+                      <a:solidFill>
+                        <a:schemeClr val="tx1"/>
+                      </a:solidFill>
+                      <a:prstDash val="solid"/>
+                      <a:round/>
+                      <a:headEnd type="none" w="med" len="med"/>
+                      <a:tailEnd type="none" w="med" len="med"/>
+                    </a:lnL>
+                    <a:lnR w="12700" cap="flat" cmpd="sng" algn="ctr">
+                      <a:solidFill>
+                        <a:schemeClr val="tx1"/>
+                      </a:solidFill>
+                      <a:prstDash val="solid"/>
+                      <a:round/>
+                      <a:headEnd type="none" w="med" len="med"/>
+                      <a:tailEnd type="none" w="med" len="med"/>
+                    </a:lnR>
+                    <a:lnT w="12700" cap="flat" cmpd="sng" algn="ctr">
+                      <a:solidFill>
+                        <a:schemeClr val="tx1"/>
+                      </a:solidFill>
+                      <a:prstDash val="solid"/>
+                      <a:round/>
+                      <a:headEnd type="none" w="med" len="med"/>
+                      <a:tailEnd type="none" w="med" len="med"/>
+                    </a:lnT>
+                    <a:lnB w="12700" cap="flat" cmpd="sng" algn="ctr">
+                      <a:solidFill>
+                        <a:schemeClr val="tx1"/>
+                      </a:solidFill>
+                      <a:prstDash val="solid"/>
+                      <a:round/>
+                      <a:headEnd type="none" w="med" len="med"/>
+                      <a:tailEnd type="none" w="med" len="med"/>
+                    </a:lnB>
+                    <a:noFill/>
+                  </a:tcPr>
+                </a:tc>
+                <a:tc>
+                  <a:txBody>
+                    <a:bodyPr/>
+                    <a:lstStyle/>
+                    <a:p>
+                      <a:endParaRPr lang="hu-HU" dirty="0"/>
+                    </a:p>
+                  </a:txBody>
+                  <a:tcPr>
+                    <a:lnL w="12700" cap="flat" cmpd="sng" algn="ctr">
+                      <a:solidFill>
+                        <a:schemeClr val="tx1"/>
+                      </a:solidFill>
+                      <a:prstDash val="solid"/>
+                      <a:round/>
+                      <a:headEnd type="none" w="med" len="med"/>
+                      <a:tailEnd type="none" w="med" len="med"/>
+                    </a:lnL>
+                    <a:lnR w="12700" cap="flat" cmpd="sng" algn="ctr">
+                      <a:solidFill>
+                        <a:schemeClr val="tx1"/>
+                      </a:solidFill>
+                      <a:prstDash val="solid"/>
+                      <a:round/>
+                      <a:headEnd type="none" w="med" len="med"/>
+                      <a:tailEnd type="none" w="med" len="med"/>
+                    </a:lnR>
+                    <a:lnT w="12700" cap="flat" cmpd="sng" algn="ctr">
+                      <a:solidFill>
+                        <a:schemeClr val="tx1"/>
+                      </a:solidFill>
+                      <a:prstDash val="solid"/>
+                      <a:round/>
+                      <a:headEnd type="none" w="med" len="med"/>
+                      <a:tailEnd type="none" w="med" len="med"/>
+                    </a:lnT>
+                    <a:lnB w="12700" cap="flat" cmpd="sng" algn="ctr">
+                      <a:solidFill>
+                        <a:schemeClr val="tx1"/>
+                      </a:solidFill>
+                      <a:prstDash val="solid"/>
+                      <a:round/>
+                      <a:headEnd type="none" w="med" len="med"/>
+                      <a:tailEnd type="none" w="med" len="med"/>
+                    </a:lnB>
+                    <a:noFill/>
+                  </a:tcPr>
+                </a:tc>
+                <a:extLst>
+                  <a:ext uri="{0D108BD9-81ED-4DB2-BD59-A6C34878D82A}">
+                    <a16:rowId xmlns:a16="http://schemas.microsoft.com/office/drawing/2014/main" val="446137462"/>
+                  </a:ext>
+                </a:extLst>
+              </a:tr>
+            </a:tbl>
+          </a:graphicData>
+        </a:graphic>
+      </p:graphicFrame>
+    </p:spTree>
+    <p:extLst>
+      <p:ext uri="{BB962C8B-B14F-4D97-AF65-F5344CB8AC3E}">
+        <p14:creationId xmlns:p14="http://schemas.microsoft.com/office/powerpoint/2010/main" val="2976902371"/>
+      </p:ext>
+    </p:extLst>
+  </p:cSld>
+  <p:clrMapOvr>
+    <a:masterClrMapping/>
+  </p:clrMapOvr>
+</p:sld>
+</file>
+
+<file path=ppt/slides/slide3.xml><?xml version="1.0" encoding="utf-8"?>
+<p:sld xmlns:a="http://schemas.openxmlformats.org/drawingml/2006/main" xmlns:r="http://schemas.openxmlformats.org/officeDocument/2006/relationships" xmlns:p="http://schemas.openxmlformats.org/presentationml/2006/main">
+  <p:cSld>
+    <p:spTree>
+      <p:nvGrpSpPr>
+        <p:cNvPr id="1" name=""/>
+        <p:cNvGrpSpPr/>
+        <p:nvPr/>
+      </p:nvGrpSpPr>
+      <p:grpSpPr>
+        <a:xfrm>
+          <a:off x="0" y="0"/>
+          <a:ext cx="0" cy="0"/>
+          <a:chOff x="0" y="0"/>
+          <a:chExt cx="0" cy="0"/>
+        </a:xfrm>
+      </p:grpSpPr>
+      <p:sp>
+        <p:nvSpPr>
+          <p:cNvPr id="2" name="Title 1">
+            <a:extLst>
+              <a:ext uri="{FF2B5EF4-FFF2-40B4-BE49-F238E27FC236}">
+                <a16:creationId xmlns:a16="http://schemas.microsoft.com/office/drawing/2014/main" id="{8994F8C8-26A8-AC0E-F6CC-BC9D61E02A34}"/>
+              </a:ext>
+            </a:extLst>
+          </p:cNvPr>
+          <p:cNvSpPr>
+            <a:spLocks noGrp="1"/>
+          </p:cNvSpPr>
+          <p:nvPr>
+            <p:ph type="title"/>
+          </p:nvPr>
+        </p:nvSpPr>
+        <p:spPr>
+          <a:xfrm>
+            <a:off x="2179177" y="-48765"/>
+            <a:ext cx="3221591" cy="617034"/>
+          </a:xfrm>
+          <a:prstGeom prst="rect">
+            <a:avLst/>
+          </a:prstGeom>
+        </p:spPr>
+        <p:txBody>
+          <a:bodyPr/>
+          <a:lstStyle/>
+          <a:p>
+            <a:endParaRPr lang="hu-HU" dirty="0"/>
+          </a:p>
+        </p:txBody>
+      </p:sp>
+      <p:graphicFrame>
+        <p:nvGraphicFramePr>
+          <p:cNvPr id="3" name="Table 4">
+            <a:extLst>
+              <a:ext uri="{FF2B5EF4-FFF2-40B4-BE49-F238E27FC236}">
+                <a16:creationId xmlns:a16="http://schemas.microsoft.com/office/drawing/2014/main" id="{4C07258F-C478-7C4B-8EB4-D2E61812A6C1}"/>
+              </a:ext>
+            </a:extLst>
+          </p:cNvPr>
+          <p:cNvGraphicFramePr>
+            <a:graphicFrameLocks noGrp="1"/>
+          </p:cNvGraphicFramePr>
+          <p:nvPr/>
+        </p:nvGraphicFramePr>
+        <p:xfrm>
+          <a:off x="17011" y="568269"/>
+          <a:ext cx="5580485" cy="6975527"/>
+        </p:xfrm>
+        <a:graphic>
+          <a:graphicData uri="http://schemas.openxmlformats.org/drawingml/2006/table">
+            <a:tbl>
+              <a:tblPr firstRow="1" bandRow="1">
+                <a:tableStyleId>{5C22544A-7EE6-4342-B048-85BDC9FD1C3A}</a:tableStyleId>
+              </a:tblPr>
+              <a:tblGrid>
+                <a:gridCol w="233680">
+                  <a:extLst>
+                    <a:ext uri="{9D8B030D-6E8A-4147-A177-3AD203B41FA5}">
+                      <a16:colId xmlns:a16="http://schemas.microsoft.com/office/drawing/2014/main" val="739881487"/>
+                    </a:ext>
+                  </a:extLst>
+                </a:gridCol>
+                <a:gridCol w="3192510">
+                  <a:extLst>
+                    <a:ext uri="{9D8B030D-6E8A-4147-A177-3AD203B41FA5}">
+                      <a16:colId xmlns:a16="http://schemas.microsoft.com/office/drawing/2014/main" val="430590996"/>
+                    </a:ext>
+                  </a:extLst>
+                </a:gridCol>
+                <a:gridCol w="692144">
+                  <a:extLst>
+                    <a:ext uri="{9D8B030D-6E8A-4147-A177-3AD203B41FA5}">
+                      <a16:colId xmlns:a16="http://schemas.microsoft.com/office/drawing/2014/main" val="3399180806"/>
+                    </a:ext>
+                  </a:extLst>
+                </a:gridCol>
+                <a:gridCol w="1462151">
+                  <a:extLst>
+                    <a:ext uri="{9D8B030D-6E8A-4147-A177-3AD203B41FA5}">
+                      <a16:colId xmlns:a16="http://schemas.microsoft.com/office/drawing/2014/main" val="770106357"/>
+                    </a:ext>
+                  </a:extLst>
+                </a:gridCol>
+              </a:tblGrid>
+              <a:tr h="367133">
+                <a:tc>
+                  <a:txBody>
+                    <a:bodyPr/>
+                    <a:lstStyle/>
+                    <a:p>
+                      <a:endParaRPr lang="hu-HU" dirty="0"/>
+                    </a:p>
+                  </a:txBody>
+                  <a:tcPr>
+                    <a:lnB w="12700" cap="flat" cmpd="sng" algn="ctr">
+                      <a:solidFill>
+                        <a:schemeClr val="tx1"/>
+                      </a:solidFill>
+                      <a:prstDash val="solid"/>
+                      <a:round/>
+                      <a:headEnd type="none" w="med" len="med"/>
+                      <a:tailEnd type="none" w="med" len="med"/>
+                    </a:lnB>
+                    <a:solidFill>
+                      <a:srgbClr val="3F4346"/>
+                    </a:solidFill>
+                  </a:tcPr>
+                </a:tc>
+                <a:tc>
+                  <a:txBody>
+                    <a:bodyPr/>
+                    <a:lstStyle/>
+                    <a:p>
+                      <a:r>
+                        <a:rPr lang="hu-HU" dirty="0">
+                          <a:solidFill>
+                            <a:schemeClr val="bg1"/>
+                          </a:solidFill>
+                        </a:rPr>
+                        <a:t>TOPIC</a:t>
+                      </a:r>
+                    </a:p>
+                  </a:txBody>
+                  <a:tcPr>
+                    <a:lnB w="12700" cap="flat" cmpd="sng" algn="ctr">
+                      <a:solidFill>
+                        <a:schemeClr val="tx1"/>
+                      </a:solidFill>
+                      <a:prstDash val="solid"/>
+                      <a:round/>
+                      <a:headEnd type="none" w="med" len="med"/>
+                      <a:tailEnd type="none" w="med" len="med"/>
+                    </a:lnB>
+                    <a:solidFill>
+                      <a:srgbClr val="3F4346"/>
+                    </a:solidFill>
+                  </a:tcPr>
+                </a:tc>
+                <a:tc>
+                  <a:txBody>
+                    <a:bodyPr/>
+                    <a:lstStyle/>
+                    <a:p>
+                      <a:r>
+                        <a:rPr lang="hu-HU" dirty="0" err="1">
+                          <a:solidFill>
+                            <a:schemeClr val="bg1"/>
+                          </a:solidFill>
+                        </a:rPr>
+                        <a:t>Date</a:t>
+                      </a:r>
+                      <a:endParaRPr lang="hu-HU" dirty="0">
+                        <a:solidFill>
+                          <a:schemeClr val="bg1"/>
+                        </a:solidFill>
+                      </a:endParaRPr>
+                    </a:p>
+                  </a:txBody>
+                  <a:tcPr>
+                    <a:lnB w="12700" cap="flat" cmpd="sng" algn="ctr">
+                      <a:solidFill>
+                        <a:schemeClr val="tx1"/>
+                      </a:solidFill>
+                      <a:prstDash val="solid"/>
+                      <a:round/>
+                      <a:headEnd type="none" w="med" len="med"/>
+                      <a:tailEnd type="none" w="med" len="med"/>
+                    </a:lnB>
+                    <a:solidFill>
+                      <a:srgbClr val="3F4346"/>
+                    </a:solidFill>
+                  </a:tcPr>
+                </a:tc>
+                <a:tc>
+                  <a:txBody>
+                    <a:bodyPr/>
+                    <a:lstStyle/>
+                    <a:p>
+                      <a:r>
+                        <a:rPr lang="hu-HU" dirty="0" err="1">
+                          <a:solidFill>
+                            <a:schemeClr val="bg1"/>
+                          </a:solidFill>
+                        </a:rPr>
+                        <a:t>Remarks</a:t>
+                      </a:r>
+                      <a:endParaRPr lang="hu-HU" dirty="0">
+                        <a:solidFill>
+                          <a:schemeClr val="bg1"/>
+                        </a:solidFill>
+                      </a:endParaRPr>
+                    </a:p>
+                  </a:txBody>
+                  <a:tcPr>
+                    <a:lnB w="12700" cap="flat" cmpd="sng" algn="ctr">
+                      <a:solidFill>
+                        <a:schemeClr val="tx1"/>
+                      </a:solidFill>
+                      <a:prstDash val="solid"/>
+                      <a:round/>
+                      <a:headEnd type="none" w="med" len="med"/>
+                      <a:tailEnd type="none" w="med" len="med"/>
+                    </a:lnB>
+                    <a:solidFill>
+                      <a:srgbClr val="3F4346"/>
+                    </a:solidFill>
+                  </a:tcPr>
+                </a:tc>
+                <a:extLst>
+                  <a:ext uri="{0D108BD9-81ED-4DB2-BD59-A6C34878D82A}">
+                    <a16:rowId xmlns:a16="http://schemas.microsoft.com/office/drawing/2014/main" val="1023182469"/>
+                  </a:ext>
+                </a:extLst>
+              </a:tr>
+              <a:tr h="367133">
+                <a:tc>
+                  <a:txBody>
+                    <a:bodyPr/>
+                    <a:lstStyle/>
+                    <a:p>
+                      <a:endParaRPr lang="hu-HU" dirty="0"/>
+                    </a:p>
+                  </a:txBody>
+                  <a:tcPr>
+                    <a:lnL w="12700" cap="flat" cmpd="sng" algn="ctr">
+                      <a:solidFill>
+                        <a:schemeClr val="tx1"/>
+                      </a:solidFill>
+                      <a:prstDash val="solid"/>
+                      <a:round/>
+                      <a:headEnd type="none" w="med" len="med"/>
+                      <a:tailEnd type="none" w="med" len="med"/>
+                    </a:lnL>
+                    <a:lnR w="12700" cap="flat" cmpd="sng" algn="ctr">
+                      <a:solidFill>
+                        <a:schemeClr val="tx1"/>
+                      </a:solidFill>
+                      <a:prstDash val="solid"/>
+                      <a:round/>
+                      <a:headEnd type="none" w="med" len="med"/>
+                      <a:tailEnd type="none" w="med" len="med"/>
+                    </a:lnR>
+                    <a:lnT w="12700" cap="flat" cmpd="sng" algn="ctr">
+                      <a:solidFill>
+                        <a:schemeClr val="tx1"/>
+                      </a:solidFill>
+                      <a:prstDash val="solid"/>
+                      <a:round/>
+                      <a:headEnd type="none" w="med" len="med"/>
+                      <a:tailEnd type="none" w="med" len="med"/>
+                    </a:lnT>
+                    <a:lnB w="12700" cap="flat" cmpd="sng" algn="ctr">
+                      <a:solidFill>
+                        <a:schemeClr val="tx1"/>
+                      </a:solidFill>
+                      <a:prstDash val="solid"/>
+                      <a:round/>
+                      <a:headEnd type="none" w="med" len="med"/>
+                      <a:tailEnd type="none" w="med" len="med"/>
+                    </a:lnB>
+                    <a:noFill/>
+                  </a:tcPr>
+                </a:tc>
+                <a:tc>
+                  <a:txBody>
+                    <a:bodyPr/>
+                    <a:lstStyle/>
+                    <a:p>
+                      <a:endParaRPr lang="hu-HU" dirty="0"/>
+                    </a:p>
+                  </a:txBody>
+                  <a:tcPr>
+                    <a:lnL w="12700" cap="flat" cmpd="sng" algn="ctr">
+                      <a:solidFill>
+                        <a:schemeClr val="tx1"/>
+                      </a:solidFill>
+                      <a:prstDash val="solid"/>
+                      <a:round/>
+                      <a:headEnd type="none" w="med" len="med"/>
+                      <a:tailEnd type="none" w="med" len="med"/>
+                    </a:lnL>
+                    <a:lnR w="12700" cap="flat" cmpd="sng" algn="ctr">
+                      <a:solidFill>
+                        <a:schemeClr val="tx1"/>
+                      </a:solidFill>
+                      <a:prstDash val="solid"/>
+                      <a:round/>
+                      <a:headEnd type="none" w="med" len="med"/>
+                      <a:tailEnd type="none" w="med" len="med"/>
+                    </a:lnR>
+                    <a:lnT w="12700" cap="flat" cmpd="sng" algn="ctr">
+                      <a:solidFill>
+                        <a:schemeClr val="tx1"/>
+                      </a:solidFill>
+                      <a:prstDash val="solid"/>
+                      <a:round/>
+                      <a:headEnd type="none" w="med" len="med"/>
+                      <a:tailEnd type="none" w="med" len="med"/>
+                    </a:lnT>
+                    <a:lnB w="12700" cap="flat" cmpd="sng" algn="ctr">
+                      <a:solidFill>
+                        <a:schemeClr val="tx1"/>
+                      </a:solidFill>
+                      <a:prstDash val="solid"/>
+                      <a:round/>
+                      <a:headEnd type="none" w="med" len="med"/>
+                      <a:tailEnd type="none" w="med" len="med"/>
+                    </a:lnB>
+                    <a:noFill/>
+                  </a:tcPr>
+                </a:tc>
+                <a:tc>
+                  <a:txBody>
+                    <a:bodyPr/>
+                    <a:lstStyle/>
+                    <a:p>
+                      <a:endParaRPr lang="hu-HU" dirty="0"/>
+                    </a:p>
+                  </a:txBody>
+                  <a:tcPr>
+                    <a:lnL w="12700" cap="flat" cmpd="sng" algn="ctr">
+                      <a:solidFill>
+                        <a:schemeClr val="tx1"/>
+                      </a:solidFill>
+                      <a:prstDash val="solid"/>
+                      <a:round/>
+                      <a:headEnd type="none" w="med" len="med"/>
+                      <a:tailEnd type="none" w="med" len="med"/>
+                    </a:lnL>
+                    <a:lnR w="12700" cap="flat" cmpd="sng" algn="ctr">
+                      <a:solidFill>
+                        <a:schemeClr val="tx1"/>
+                      </a:solidFill>
+                      <a:prstDash val="solid"/>
+                      <a:round/>
+                      <a:headEnd type="none" w="med" len="med"/>
+                      <a:tailEnd type="none" w="med" len="med"/>
+                    </a:lnR>
+                    <a:lnT w="12700" cap="flat" cmpd="sng" algn="ctr">
+                      <a:solidFill>
+                        <a:schemeClr val="tx1"/>
+                      </a:solidFill>
+                      <a:prstDash val="solid"/>
+                      <a:round/>
+                      <a:headEnd type="none" w="med" len="med"/>
+                      <a:tailEnd type="none" w="med" len="med"/>
+                    </a:lnT>
+                    <a:lnB w="12700" cap="flat" cmpd="sng" algn="ctr">
+                      <a:solidFill>
+                        <a:schemeClr val="tx1"/>
+                      </a:solidFill>
+                      <a:prstDash val="solid"/>
+                      <a:round/>
+                      <a:headEnd type="none" w="med" len="med"/>
+                      <a:tailEnd type="none" w="med" len="med"/>
+                    </a:lnB>
+                    <a:noFill/>
+                  </a:tcPr>
+                </a:tc>
+                <a:tc>
+                  <a:txBody>
+                    <a:bodyPr/>
+                    <a:lstStyle/>
+                    <a:p>
+                      <a:endParaRPr lang="hu-HU"/>
+                    </a:p>
+                  </a:txBody>
+                  <a:tcPr>
+                    <a:lnL w="12700" cap="flat" cmpd="sng" algn="ctr">
+                      <a:solidFill>
+                        <a:schemeClr val="tx1"/>
+                      </a:solidFill>
+                      <a:prstDash val="solid"/>
+                      <a:round/>
+                      <a:headEnd type="none" w="med" len="med"/>
+                      <a:tailEnd type="none" w="med" len="med"/>
+                    </a:lnL>
+                    <a:lnR w="12700" cap="flat" cmpd="sng" algn="ctr">
+                      <a:solidFill>
+                        <a:schemeClr val="tx1"/>
+                      </a:solidFill>
+                      <a:prstDash val="solid"/>
+                      <a:round/>
+                      <a:headEnd type="none" w="med" len="med"/>
+                      <a:tailEnd type="none" w="med" len="med"/>
+                    </a:lnR>
+                    <a:lnT w="12700" cap="flat" cmpd="sng" algn="ctr">
+                      <a:solidFill>
+                        <a:schemeClr val="tx1"/>
+                      </a:solidFill>
+                      <a:prstDash val="solid"/>
+                      <a:round/>
+                      <a:headEnd type="none" w="med" len="med"/>
+                      <a:tailEnd type="none" w="med" len="med"/>
+                    </a:lnT>
+                    <a:lnB w="12700" cap="flat" cmpd="sng" algn="ctr">
+                      <a:solidFill>
+                        <a:schemeClr val="tx1"/>
+                      </a:solidFill>
+                      <a:prstDash val="solid"/>
+                      <a:round/>
+                      <a:headEnd type="none" w="med" len="med"/>
+                      <a:tailEnd type="none" w="med" len="med"/>
+                    </a:lnB>
+                    <a:noFill/>
+                  </a:tcPr>
+                </a:tc>
+                <a:extLst>
+                  <a:ext uri="{0D108BD9-81ED-4DB2-BD59-A6C34878D82A}">
+                    <a16:rowId xmlns:a16="http://schemas.microsoft.com/office/drawing/2014/main" val="1326901305"/>
+                  </a:ext>
+                </a:extLst>
+              </a:tr>
+              <a:tr h="367133">
+                <a:tc>
+                  <a:txBody>
+                    <a:bodyPr/>
+                    <a:lstStyle/>
+                    <a:p>
+                      <a:endParaRPr lang="hu-HU" dirty="0"/>
+                    </a:p>
+                  </a:txBody>
+                  <a:tcPr>
+                    <a:lnL w="12700" cap="flat" cmpd="sng" algn="ctr">
+                      <a:solidFill>
+                        <a:schemeClr val="tx1"/>
+                      </a:solidFill>
+                      <a:prstDash val="solid"/>
+                      <a:round/>
+                      <a:headEnd type="none" w="med" len="med"/>
+                      <a:tailEnd type="none" w="med" len="med"/>
+                    </a:lnL>
+                    <a:lnR w="12700" cap="flat" cmpd="sng" algn="ctr">
+                      <a:solidFill>
+                        <a:schemeClr val="tx1"/>
+                      </a:solidFill>
+                      <a:prstDash val="solid"/>
+                      <a:round/>
+                      <a:headEnd type="none" w="med" len="med"/>
+                      <a:tailEnd type="none" w="med" len="med"/>
+                    </a:lnR>
+                    <a:lnT w="12700" cap="flat" cmpd="sng" algn="ctr">
+                      <a:solidFill>
+                        <a:schemeClr val="tx1"/>
+                      </a:solidFill>
+                      <a:prstDash val="solid"/>
+                      <a:round/>
+                      <a:headEnd type="none" w="med" len="med"/>
+                      <a:tailEnd type="none" w="med" len="med"/>
+                    </a:lnT>
+                    <a:lnB w="12700" cap="flat" cmpd="sng" algn="ctr">
+                      <a:solidFill>
+                        <a:schemeClr val="tx1"/>
+                      </a:solidFill>
+                      <a:prstDash val="solid"/>
+                      <a:round/>
+                      <a:headEnd type="none" w="med" len="med"/>
+                      <a:tailEnd type="none" w="med" len="med"/>
+                    </a:lnB>
+                    <a:noFill/>
+                  </a:tcPr>
+                </a:tc>
+                <a:tc>
+                  <a:txBody>
+                    <a:bodyPr/>
+                    <a:lstStyle/>
+                    <a:p>
+                      <a:endParaRPr lang="hu-HU"/>
+                    </a:p>
+                  </a:txBody>
+                  <a:tcPr>
+                    <a:lnL w="12700" cap="flat" cmpd="sng" algn="ctr">
+                      <a:solidFill>
+                        <a:schemeClr val="tx1"/>
+                      </a:solidFill>
+                      <a:prstDash val="solid"/>
+                      <a:round/>
+                      <a:headEnd type="none" w="med" len="med"/>
+                      <a:tailEnd type="none" w="med" len="med"/>
+                    </a:lnL>
+                    <a:lnR w="12700" cap="flat" cmpd="sng" algn="ctr">
+                      <a:solidFill>
+                        <a:schemeClr val="tx1"/>
+                      </a:solidFill>
+                      <a:prstDash val="solid"/>
+                      <a:round/>
+                      <a:headEnd type="none" w="med" len="med"/>
+                      <a:tailEnd type="none" w="med" len="med"/>
+                    </a:lnR>
+                    <a:lnT w="12700" cap="flat" cmpd="sng" algn="ctr">
+                      <a:solidFill>
+                        <a:schemeClr val="tx1"/>
+                      </a:solidFill>
+                      <a:prstDash val="solid"/>
+                      <a:round/>
+                      <a:headEnd type="none" w="med" len="med"/>
+                      <a:tailEnd type="none" w="med" len="med"/>
+                    </a:lnT>
+                    <a:lnB w="12700" cap="flat" cmpd="sng" algn="ctr">
+                      <a:solidFill>
+                        <a:schemeClr val="tx1"/>
+                      </a:solidFill>
+                      <a:prstDash val="solid"/>
+                      <a:round/>
+                      <a:headEnd type="none" w="med" len="med"/>
+                      <a:tailEnd type="none" w="med" len="med"/>
+                    </a:lnB>
+                    <a:noFill/>
+                  </a:tcPr>
+                </a:tc>
+                <a:tc>
+                  <a:txBody>
+                    <a:bodyPr/>
+                    <a:lstStyle/>
+                    <a:p>
+                      <a:endParaRPr lang="hu-HU" dirty="0"/>
+                    </a:p>
+                  </a:txBody>
+                  <a:tcPr>
+                    <a:lnL w="12700" cap="flat" cmpd="sng" algn="ctr">
+                      <a:solidFill>
+                        <a:schemeClr val="tx1"/>
+                      </a:solidFill>
+                      <a:prstDash val="solid"/>
+                      <a:round/>
+                      <a:headEnd type="none" w="med" len="med"/>
+                      <a:tailEnd type="none" w="med" len="med"/>
+                    </a:lnL>
+                    <a:lnR w="12700" cap="flat" cmpd="sng" algn="ctr">
+                      <a:solidFill>
+                        <a:schemeClr val="tx1"/>
+                      </a:solidFill>
+                      <a:prstDash val="solid"/>
+                      <a:round/>
+                      <a:headEnd type="none" w="med" len="med"/>
+                      <a:tailEnd type="none" w="med" len="med"/>
+                    </a:lnR>
+                    <a:lnT w="12700" cap="flat" cmpd="sng" algn="ctr">
+                      <a:solidFill>
+                        <a:schemeClr val="tx1"/>
+                      </a:solidFill>
+                      <a:prstDash val="solid"/>
+                      <a:round/>
+                      <a:headEnd type="none" w="med" len="med"/>
+                      <a:tailEnd type="none" w="med" len="med"/>
+                    </a:lnT>
+                    <a:lnB w="12700" cap="flat" cmpd="sng" algn="ctr">
+                      <a:solidFill>
+                        <a:schemeClr val="tx1"/>
+                      </a:solidFill>
+                      <a:prstDash val="solid"/>
+                      <a:round/>
+                      <a:headEnd type="none" w="med" len="med"/>
+                      <a:tailEnd type="none" w="med" len="med"/>
+                    </a:lnB>
+                    <a:noFill/>
+                  </a:tcPr>
+                </a:tc>
+                <a:tc>
+                  <a:txBody>
+                    <a:bodyPr/>
+                    <a:lstStyle/>
+                    <a:p>
+                      <a:endParaRPr lang="hu-HU" dirty="0"/>
+                    </a:p>
+                  </a:txBody>
+                  <a:tcPr>
+                    <a:lnL w="12700" cap="flat" cmpd="sng" algn="ctr">
+                      <a:solidFill>
+                        <a:schemeClr val="tx1"/>
+                      </a:solidFill>
+                      <a:prstDash val="solid"/>
+                      <a:round/>
+                      <a:headEnd type="none" w="med" len="med"/>
+                      <a:tailEnd type="none" w="med" len="med"/>
+                    </a:lnL>
+                    <a:lnR w="12700" cap="flat" cmpd="sng" algn="ctr">
+                      <a:solidFill>
+                        <a:schemeClr val="tx1"/>
+                      </a:solidFill>
+                      <a:prstDash val="solid"/>
+                      <a:round/>
+                      <a:headEnd type="none" w="med" len="med"/>
+                      <a:tailEnd type="none" w="med" len="med"/>
+                    </a:lnR>
+                    <a:lnT w="12700" cap="flat" cmpd="sng" algn="ctr">
+                      <a:solidFill>
+                        <a:schemeClr val="tx1"/>
+                      </a:solidFill>
+                      <a:prstDash val="solid"/>
+                      <a:round/>
+                      <a:headEnd type="none" w="med" len="med"/>
+                      <a:tailEnd type="none" w="med" len="med"/>
+                    </a:lnT>
+                    <a:lnB w="12700" cap="flat" cmpd="sng" algn="ctr">
+                      <a:solidFill>
+                        <a:schemeClr val="tx1"/>
+                      </a:solidFill>
+                      <a:prstDash val="solid"/>
+                      <a:round/>
+                      <a:headEnd type="none" w="med" len="med"/>
+                      <a:tailEnd type="none" w="med" len="med"/>
+                    </a:lnB>
+                    <a:noFill/>
+                  </a:tcPr>
+                </a:tc>
+                <a:extLst>
+                  <a:ext uri="{0D108BD9-81ED-4DB2-BD59-A6C34878D82A}">
+                    <a16:rowId xmlns:a16="http://schemas.microsoft.com/office/drawing/2014/main" val="2547771267"/>
+                  </a:ext>
+                </a:extLst>
+              </a:tr>
+              <a:tr h="367133">
+                <a:tc>
+                  <a:txBody>
+                    <a:bodyPr/>
+                    <a:lstStyle/>
+                    <a:p>
+                      <a:endParaRPr lang="hu-HU"/>
+                    </a:p>
+                  </a:txBody>
+                  <a:tcPr>
+                    <a:lnL w="12700" cap="flat" cmpd="sng" algn="ctr">
+                      <a:solidFill>
+                        <a:schemeClr val="tx1"/>
+                      </a:solidFill>
+                      <a:prstDash val="solid"/>
+                      <a:round/>
+                      <a:headEnd type="none" w="med" len="med"/>
+                      <a:tailEnd type="none" w="med" len="med"/>
+                    </a:lnL>
+                    <a:lnR w="12700" cap="flat" cmpd="sng" algn="ctr">
+                      <a:solidFill>
+                        <a:schemeClr val="tx1"/>
+                      </a:solidFill>
+                      <a:prstDash val="solid"/>
+                      <a:round/>
+                      <a:headEnd type="none" w="med" len="med"/>
+                      <a:tailEnd type="none" w="med" len="med"/>
+                    </a:lnR>
+                    <a:lnT w="12700" cap="flat" cmpd="sng" algn="ctr">
+                      <a:solidFill>
+                        <a:schemeClr val="tx1"/>
+                      </a:solidFill>
+                      <a:prstDash val="solid"/>
+                      <a:round/>
+                      <a:headEnd type="none" w="med" len="med"/>
+                      <a:tailEnd type="none" w="med" len="med"/>
+                    </a:lnT>
+                    <a:lnB w="12700" cap="flat" cmpd="sng" algn="ctr">
+                      <a:solidFill>
+                        <a:schemeClr val="tx1"/>
+                      </a:solidFill>
+                      <a:prstDash val="solid"/>
+                      <a:round/>
+                      <a:headEnd type="none" w="med" len="med"/>
+                      <a:tailEnd type="none" w="med" len="med"/>
+                    </a:lnB>
+                    <a:noFill/>
+                  </a:tcPr>
+                </a:tc>
+                <a:tc>
+                  <a:txBody>
+                    <a:bodyPr/>
+                    <a:lstStyle/>
+                    <a:p>
+                      <a:endParaRPr lang="hu-HU"/>
+                    </a:p>
+                  </a:txBody>
+                  <a:tcPr>
+                    <a:lnL w="12700" cap="flat" cmpd="sng" algn="ctr">
+                      <a:solidFill>
+                        <a:schemeClr val="tx1"/>
+                      </a:solidFill>
+                      <a:prstDash val="solid"/>
+                      <a:round/>
+                      <a:headEnd type="none" w="med" len="med"/>
+                      <a:tailEnd type="none" w="med" len="med"/>
+                    </a:lnL>
+                    <a:lnR w="12700" cap="flat" cmpd="sng" algn="ctr">
+                      <a:solidFill>
+                        <a:schemeClr val="tx1"/>
+                      </a:solidFill>
+                      <a:prstDash val="solid"/>
+                      <a:round/>
+                      <a:headEnd type="none" w="med" len="med"/>
+                      <a:tailEnd type="none" w="med" len="med"/>
+                    </a:lnR>
+                    <a:lnT w="12700" cap="flat" cmpd="sng" algn="ctr">
+                      <a:solidFill>
+                        <a:schemeClr val="tx1"/>
+                      </a:solidFill>
+                      <a:prstDash val="solid"/>
+                      <a:round/>
+                      <a:headEnd type="none" w="med" len="med"/>
+                      <a:tailEnd type="none" w="med" len="med"/>
+                    </a:lnT>
+                    <a:lnB w="12700" cap="flat" cmpd="sng" algn="ctr">
+                      <a:solidFill>
+                        <a:schemeClr val="tx1"/>
+                      </a:solidFill>
+                      <a:prstDash val="solid"/>
+                      <a:round/>
+                      <a:headEnd type="none" w="med" len="med"/>
+                      <a:tailEnd type="none" w="med" len="med"/>
+                    </a:lnB>
+                    <a:noFill/>
+                  </a:tcPr>
+                </a:tc>
+                <a:tc>
+                  <a:txBody>
+                    <a:bodyPr/>
+                    <a:lstStyle/>
+                    <a:p>
+                      <a:endParaRPr lang="hu-HU" dirty="0"/>
+                    </a:p>
+                  </a:txBody>
+                  <a:tcPr>
+                    <a:lnL w="12700" cap="flat" cmpd="sng" algn="ctr">
+                      <a:solidFill>
+                        <a:schemeClr val="tx1"/>
+                      </a:solidFill>
+                      <a:prstDash val="solid"/>
+                      <a:round/>
+                      <a:headEnd type="none" w="med" len="med"/>
+                      <a:tailEnd type="none" w="med" len="med"/>
+                    </a:lnL>
+                    <a:lnR w="12700" cap="flat" cmpd="sng" algn="ctr">
+                      <a:solidFill>
+                        <a:schemeClr val="tx1"/>
+                      </a:solidFill>
+                      <a:prstDash val="solid"/>
+                      <a:round/>
+                      <a:headEnd type="none" w="med" len="med"/>
+                      <a:tailEnd type="none" w="med" len="med"/>
+                    </a:lnR>
+                    <a:lnT w="12700" cap="flat" cmpd="sng" algn="ctr">
+                      <a:solidFill>
+                        <a:schemeClr val="tx1"/>
+                      </a:solidFill>
+                      <a:prstDash val="solid"/>
+                      <a:round/>
+                      <a:headEnd type="none" w="med" len="med"/>
+                      <a:tailEnd type="none" w="med" len="med"/>
+                    </a:lnT>
+                    <a:lnB w="12700" cap="flat" cmpd="sng" algn="ctr">
+                      <a:solidFill>
+                        <a:schemeClr val="tx1"/>
+                      </a:solidFill>
+                      <a:prstDash val="solid"/>
+                      <a:round/>
+                      <a:headEnd type="none" w="med" len="med"/>
+                      <a:tailEnd type="none" w="med" len="med"/>
+                    </a:lnB>
+                    <a:noFill/>
+                  </a:tcPr>
+                </a:tc>
+                <a:tc>
+                  <a:txBody>
+                    <a:bodyPr/>
+                    <a:lstStyle/>
+                    <a:p>
+                      <a:endParaRPr lang="hu-HU" dirty="0"/>
+                    </a:p>
+                  </a:txBody>
+                  <a:tcPr>
+                    <a:lnL w="12700" cap="flat" cmpd="sng" algn="ctr">
+                      <a:solidFill>
+                        <a:schemeClr val="tx1"/>
+                      </a:solidFill>
+                      <a:prstDash val="solid"/>
+                      <a:round/>
+                      <a:headEnd type="none" w="med" len="med"/>
+                      <a:tailEnd type="none" w="med" len="med"/>
+                    </a:lnL>
+                    <a:lnR w="12700" cap="flat" cmpd="sng" algn="ctr">
+                      <a:solidFill>
+                        <a:schemeClr val="tx1"/>
+                      </a:solidFill>
+                      <a:prstDash val="solid"/>
+                      <a:round/>
+                      <a:headEnd type="none" w="med" len="med"/>
+                      <a:tailEnd type="none" w="med" len="med"/>
+                    </a:lnR>
+                    <a:lnT w="12700" cap="flat" cmpd="sng" algn="ctr">
+                      <a:solidFill>
+                        <a:schemeClr val="tx1"/>
+                      </a:solidFill>
+                      <a:prstDash val="solid"/>
+                      <a:round/>
+                      <a:headEnd type="none" w="med" len="med"/>
+                      <a:tailEnd type="none" w="med" len="med"/>
+                    </a:lnT>
+                    <a:lnB w="12700" cap="flat" cmpd="sng" algn="ctr">
+                      <a:solidFill>
+                        <a:schemeClr val="tx1"/>
+                      </a:solidFill>
+                      <a:prstDash val="solid"/>
+                      <a:round/>
+                      <a:headEnd type="none" w="med" len="med"/>
+                      <a:tailEnd type="none" w="med" len="med"/>
+                    </a:lnB>
+                    <a:noFill/>
+                  </a:tcPr>
+                </a:tc>
+                <a:extLst>
+                  <a:ext uri="{0D108BD9-81ED-4DB2-BD59-A6C34878D82A}">
+                    <a16:rowId xmlns:a16="http://schemas.microsoft.com/office/drawing/2014/main" val="3898403291"/>
+                  </a:ext>
+                </a:extLst>
+              </a:tr>
+              <a:tr h="367133">
+                <a:tc>
+                  <a:txBody>
+                    <a:bodyPr/>
+                    <a:lstStyle/>
+                    <a:p>
+                      <a:endParaRPr lang="hu-HU" dirty="0"/>
+                    </a:p>
+                  </a:txBody>
+                  <a:tcPr>
+                    <a:lnL w="12700" cap="flat" cmpd="sng" algn="ctr">
+                      <a:solidFill>
+                        <a:schemeClr val="tx1"/>
+                      </a:solidFill>
+                      <a:prstDash val="solid"/>
+                      <a:round/>
+                      <a:headEnd type="none" w="med" len="med"/>
+                      <a:tailEnd type="none" w="med" len="med"/>
+                    </a:lnL>
+                    <a:lnR w="12700" cap="flat" cmpd="sng" algn="ctr">
+                      <a:solidFill>
+                        <a:schemeClr val="tx1"/>
+                      </a:solidFill>
+                      <a:prstDash val="solid"/>
+                      <a:round/>
+                      <a:headEnd type="none" w="med" len="med"/>
+                      <a:tailEnd type="none" w="med" len="med"/>
+                    </a:lnR>
+                    <a:lnT w="12700" cap="flat" cmpd="sng" algn="ctr">
+                      <a:solidFill>
+                        <a:schemeClr val="tx1"/>
+                      </a:solidFill>
+                      <a:prstDash val="solid"/>
+                      <a:round/>
+                      <a:headEnd type="none" w="med" len="med"/>
+                      <a:tailEnd type="none" w="med" len="med"/>
+                    </a:lnT>
+                    <a:lnB w="12700" cap="flat" cmpd="sng" algn="ctr">
+                      <a:solidFill>
+                        <a:schemeClr val="tx1"/>
+                      </a:solidFill>
+                      <a:prstDash val="solid"/>
+                      <a:round/>
+                      <a:headEnd type="none" w="med" len="med"/>
+                      <a:tailEnd type="none" w="med" len="med"/>
+                    </a:lnB>
+                    <a:noFill/>
+                  </a:tcPr>
+                </a:tc>
+                <a:tc>
+                  <a:txBody>
+                    <a:bodyPr/>
+                    <a:lstStyle/>
+                    <a:p>
+                      <a:endParaRPr lang="hu-HU"/>
+                    </a:p>
+                  </a:txBody>
+                  <a:tcPr>
+                    <a:lnL w="12700" cap="flat" cmpd="sng" algn="ctr">
+                      <a:solidFill>
+                        <a:schemeClr val="tx1"/>
+                      </a:solidFill>
+                      <a:prstDash val="solid"/>
+                      <a:round/>
+                      <a:headEnd type="none" w="med" len="med"/>
+                      <a:tailEnd type="none" w="med" len="med"/>
+                    </a:lnL>
+                    <a:lnR w="12700" cap="flat" cmpd="sng" algn="ctr">
+                      <a:solidFill>
+                        <a:schemeClr val="tx1"/>
+                      </a:solidFill>
+                      <a:prstDash val="solid"/>
+                      <a:round/>
+                      <a:headEnd type="none" w="med" len="med"/>
+                      <a:tailEnd type="none" w="med" len="med"/>
+                    </a:lnR>
+                    <a:lnT w="12700" cap="flat" cmpd="sng" algn="ctr">
+                      <a:solidFill>
+                        <a:schemeClr val="tx1"/>
+                      </a:solidFill>
+                      <a:prstDash val="solid"/>
+                      <a:round/>
+                      <a:headEnd type="none" w="med" len="med"/>
+                      <a:tailEnd type="none" w="med" len="med"/>
+                    </a:lnT>
+                    <a:lnB w="12700" cap="flat" cmpd="sng" algn="ctr">
+                      <a:solidFill>
+                        <a:schemeClr val="tx1"/>
+                      </a:solidFill>
+                      <a:prstDash val="solid"/>
+                      <a:round/>
+                      <a:headEnd type="none" w="med" len="med"/>
+                      <a:tailEnd type="none" w="med" len="med"/>
+                    </a:lnB>
+                    <a:noFill/>
+                  </a:tcPr>
+                </a:tc>
+                <a:tc>
+                  <a:txBody>
+                    <a:bodyPr/>
+                    <a:lstStyle/>
+                    <a:p>
+                      <a:endParaRPr lang="hu-HU"/>
+                    </a:p>
+                  </a:txBody>
+                  <a:tcPr>
+                    <a:lnL w="12700" cap="flat" cmpd="sng" algn="ctr">
+                      <a:solidFill>
+                        <a:schemeClr val="tx1"/>
+                      </a:solidFill>
+                      <a:prstDash val="solid"/>
+                      <a:round/>
+                      <a:headEnd type="none" w="med" len="med"/>
+                      <a:tailEnd type="none" w="med" len="med"/>
+                    </a:lnL>
+                    <a:lnR w="12700" cap="flat" cmpd="sng" algn="ctr">
+                      <a:solidFill>
+                        <a:schemeClr val="tx1"/>
+                      </a:solidFill>
+                      <a:prstDash val="solid"/>
+                      <a:round/>
+                      <a:headEnd type="none" w="med" len="med"/>
+                      <a:tailEnd type="none" w="med" len="med"/>
+                    </a:lnR>
+                    <a:lnT w="12700" cap="flat" cmpd="sng" algn="ctr">
+                      <a:solidFill>
+                        <a:schemeClr val="tx1"/>
+                      </a:solidFill>
+                      <a:prstDash val="solid"/>
+                      <a:round/>
+                      <a:headEnd type="none" w="med" len="med"/>
+                      <a:tailEnd type="none" w="med" len="med"/>
+                    </a:lnT>
+                    <a:lnB w="12700" cap="flat" cmpd="sng" algn="ctr">
+                      <a:solidFill>
+                        <a:schemeClr val="tx1"/>
+                      </a:solidFill>
+                      <a:prstDash val="solid"/>
+                      <a:round/>
+                      <a:headEnd type="none" w="med" len="med"/>
+                      <a:tailEnd type="none" w="med" len="med"/>
+                    </a:lnB>
+                    <a:noFill/>
+                  </a:tcPr>
+                </a:tc>
+                <a:tc>
+                  <a:txBody>
+                    <a:bodyPr/>
+                    <a:lstStyle/>
+                    <a:p>
+                      <a:endParaRPr lang="hu-HU" dirty="0"/>
+                    </a:p>
+                  </a:txBody>
+                  <a:tcPr>
+                    <a:lnL w="12700" cap="flat" cmpd="sng" algn="ctr">
+                      <a:solidFill>
+                        <a:schemeClr val="tx1"/>
+                      </a:solidFill>
+                      <a:prstDash val="solid"/>
+                      <a:round/>
+                      <a:headEnd type="none" w="med" len="med"/>
+                      <a:tailEnd type="none" w="med" len="med"/>
+                    </a:lnL>
+                    <a:lnR w="12700" cap="flat" cmpd="sng" algn="ctr">
+                      <a:solidFill>
+                        <a:schemeClr val="tx1"/>
+                      </a:solidFill>
+                      <a:prstDash val="solid"/>
+                      <a:round/>
+                      <a:headEnd type="none" w="med" len="med"/>
+                      <a:tailEnd type="none" w="med" len="med"/>
+                    </a:lnR>
+                    <a:lnT w="12700" cap="flat" cmpd="sng" algn="ctr">
+                      <a:solidFill>
+                        <a:schemeClr val="tx1"/>
+                      </a:solidFill>
+                      <a:prstDash val="solid"/>
+                      <a:round/>
+                      <a:headEnd type="none" w="med" len="med"/>
+                      <a:tailEnd type="none" w="med" len="med"/>
+                    </a:lnT>
+                    <a:lnB w="12700" cap="flat" cmpd="sng" algn="ctr">
+                      <a:solidFill>
+                        <a:schemeClr val="tx1"/>
+                      </a:solidFill>
+                      <a:prstDash val="solid"/>
+                      <a:round/>
+                      <a:headEnd type="none" w="med" len="med"/>
+                      <a:tailEnd type="none" w="med" len="med"/>
+                    </a:lnB>
+                    <a:noFill/>
+                  </a:tcPr>
+                </a:tc>
+                <a:extLst>
+                  <a:ext uri="{0D108BD9-81ED-4DB2-BD59-A6C34878D82A}">
+                    <a16:rowId xmlns:a16="http://schemas.microsoft.com/office/drawing/2014/main" val="1359770925"/>
+                  </a:ext>
+                </a:extLst>
+              </a:tr>
+              <a:tr h="367133">
+                <a:tc>
+                  <a:txBody>
+                    <a:bodyPr/>
+                    <a:lstStyle/>
+                    <a:p>
+                      <a:endParaRPr lang="hu-HU" dirty="0"/>
+                    </a:p>
+                  </a:txBody>
+                  <a:tcPr>
+                    <a:lnL w="12700" cap="flat" cmpd="sng" algn="ctr">
+                      <a:solidFill>
+                        <a:schemeClr val="tx1"/>
+                      </a:solidFill>
+                      <a:prstDash val="solid"/>
+                      <a:round/>
+                      <a:headEnd type="none" w="med" len="med"/>
+                      <a:tailEnd type="none" w="med" len="med"/>
+                    </a:lnL>
+                    <a:lnR w="12700" cap="flat" cmpd="sng" algn="ctr">
+                      <a:solidFill>
+                        <a:schemeClr val="tx1"/>
+                      </a:solidFill>
+                      <a:prstDash val="solid"/>
+                      <a:round/>
+                      <a:headEnd type="none" w="med" len="med"/>
+                      <a:tailEnd type="none" w="med" len="med"/>
+                    </a:lnR>
+                    <a:lnT w="12700" cap="flat" cmpd="sng" algn="ctr">
+                      <a:solidFill>
+                        <a:schemeClr val="tx1"/>
+                      </a:solidFill>
+                      <a:prstDash val="solid"/>
+                      <a:round/>
+                      <a:headEnd type="none" w="med" len="med"/>
+                      <a:tailEnd type="none" w="med" len="med"/>
+                    </a:lnT>
+                    <a:lnB w="12700" cap="flat" cmpd="sng" algn="ctr">
+                      <a:solidFill>
+                        <a:schemeClr val="tx1"/>
+                      </a:solidFill>
+                      <a:prstDash val="solid"/>
+                      <a:round/>
+                      <a:headEnd type="none" w="med" len="med"/>
+                      <a:tailEnd type="none" w="med" len="med"/>
+                    </a:lnB>
+                    <a:noFill/>
+                  </a:tcPr>
+                </a:tc>
+                <a:tc>
+                  <a:txBody>
+                    <a:bodyPr/>
+                    <a:lstStyle/>
+                    <a:p>
+                      <a:endParaRPr lang="hu-HU"/>
+                    </a:p>
+                  </a:txBody>
+                  <a:tcPr>
+                    <a:lnL w="12700" cap="flat" cmpd="sng" algn="ctr">
+                      <a:solidFill>
+                        <a:schemeClr val="tx1"/>
+                      </a:solidFill>
+                      <a:prstDash val="solid"/>
+                      <a:round/>
+                      <a:headEnd type="none" w="med" len="med"/>
+                      <a:tailEnd type="none" w="med" len="med"/>
+                    </a:lnL>
+                    <a:lnR w="12700" cap="flat" cmpd="sng" algn="ctr">
+                      <a:solidFill>
+                        <a:schemeClr val="tx1"/>
+                      </a:solidFill>
+                      <a:prstDash val="solid"/>
+                      <a:round/>
+                      <a:headEnd type="none" w="med" len="med"/>
+                      <a:tailEnd type="none" w="med" len="med"/>
+                    </a:lnR>
+                    <a:lnT w="12700" cap="flat" cmpd="sng" algn="ctr">
+                      <a:solidFill>
+                        <a:schemeClr val="tx1"/>
+                      </a:solidFill>
+                      <a:prstDash val="solid"/>
+                      <a:round/>
+                      <a:headEnd type="none" w="med" len="med"/>
+                      <a:tailEnd type="none" w="med" len="med"/>
+                    </a:lnT>
+                    <a:lnB w="12700" cap="flat" cmpd="sng" algn="ctr">
+                      <a:solidFill>
+                        <a:schemeClr val="tx1"/>
+                      </a:solidFill>
+                      <a:prstDash val="solid"/>
+                      <a:round/>
+                      <a:headEnd type="none" w="med" len="med"/>
+                      <a:tailEnd type="none" w="med" len="med"/>
+                    </a:lnB>
+                    <a:noFill/>
+                  </a:tcPr>
+                </a:tc>
+                <a:tc>
+                  <a:txBody>
+                    <a:bodyPr/>
+                    <a:lstStyle/>
+                    <a:p>
+                      <a:endParaRPr lang="hu-HU"/>
+                    </a:p>
+                  </a:txBody>
+                  <a:tcPr>
+                    <a:lnL w="12700" cap="flat" cmpd="sng" algn="ctr">
+                      <a:solidFill>
+                        <a:schemeClr val="tx1"/>
+                      </a:solidFill>
+                      <a:prstDash val="solid"/>
+                      <a:round/>
+                      <a:headEnd type="none" w="med" len="med"/>
+                      <a:tailEnd type="none" w="med" len="med"/>
+                    </a:lnL>
+                    <a:lnR w="12700" cap="flat" cmpd="sng" algn="ctr">
+                      <a:solidFill>
+                        <a:schemeClr val="tx1"/>
+                      </a:solidFill>
+                      <a:prstDash val="solid"/>
+                      <a:round/>
+                      <a:headEnd type="none" w="med" len="med"/>
+                      <a:tailEnd type="none" w="med" len="med"/>
+                    </a:lnR>
+                    <a:lnT w="12700" cap="flat" cmpd="sng" algn="ctr">
+                      <a:solidFill>
+                        <a:schemeClr val="tx1"/>
+                      </a:solidFill>
+                      <a:prstDash val="solid"/>
+                      <a:round/>
+                      <a:headEnd type="none" w="med" len="med"/>
+                      <a:tailEnd type="none" w="med" len="med"/>
+                    </a:lnT>
+                    <a:lnB w="12700" cap="flat" cmpd="sng" algn="ctr">
+                      <a:solidFill>
+                        <a:schemeClr val="tx1"/>
+                      </a:solidFill>
+                      <a:prstDash val="solid"/>
+                      <a:round/>
+                      <a:headEnd type="none" w="med" len="med"/>
+                      <a:tailEnd type="none" w="med" len="med"/>
+                    </a:lnB>
+                    <a:noFill/>
+                  </a:tcPr>
+                </a:tc>
+                <a:tc>
+                  <a:txBody>
+                    <a:bodyPr/>
+                    <a:lstStyle/>
+                    <a:p>
+                      <a:endParaRPr lang="hu-HU" dirty="0"/>
+                    </a:p>
+                  </a:txBody>
+                  <a:tcPr>
+                    <a:lnL w="12700" cap="flat" cmpd="sng" algn="ctr">
+                      <a:solidFill>
+                        <a:schemeClr val="tx1"/>
+                      </a:solidFill>
+                      <a:prstDash val="solid"/>
+                      <a:round/>
+                      <a:headEnd type="none" w="med" len="med"/>
+                      <a:tailEnd type="none" w="med" len="med"/>
+                    </a:lnL>
+                    <a:lnR w="12700" cap="flat" cmpd="sng" algn="ctr">
+                      <a:solidFill>
+                        <a:schemeClr val="tx1"/>
+                      </a:solidFill>
+                      <a:prstDash val="solid"/>
+                      <a:round/>
+                      <a:headEnd type="none" w="med" len="med"/>
+                      <a:tailEnd type="none" w="med" len="med"/>
+                    </a:lnR>
+                    <a:lnT w="12700" cap="flat" cmpd="sng" algn="ctr">
+                      <a:solidFill>
+                        <a:schemeClr val="tx1"/>
+                      </a:solidFill>
+                      <a:prstDash val="solid"/>
+                      <a:round/>
+                      <a:headEnd type="none" w="med" len="med"/>
+                      <a:tailEnd type="none" w="med" len="med"/>
+                    </a:lnT>
+                    <a:lnB w="12700" cap="flat" cmpd="sng" algn="ctr">
+                      <a:solidFill>
+                        <a:schemeClr val="tx1"/>
+                      </a:solidFill>
+                      <a:prstDash val="solid"/>
+                      <a:round/>
+                      <a:headEnd type="none" w="med" len="med"/>
+                      <a:tailEnd type="none" w="med" len="med"/>
+                    </a:lnB>
+                    <a:noFill/>
+                  </a:tcPr>
+                </a:tc>
+                <a:extLst>
+                  <a:ext uri="{0D108BD9-81ED-4DB2-BD59-A6C34878D82A}">
+                    <a16:rowId xmlns:a16="http://schemas.microsoft.com/office/drawing/2014/main" val="3564233044"/>
+                  </a:ext>
+                </a:extLst>
+              </a:tr>
+              <a:tr h="367133">
+                <a:tc>
+                  <a:txBody>
+                    <a:bodyPr/>
+                    <a:lstStyle/>
+                    <a:p>
+                      <a:endParaRPr lang="hu-HU"/>
+                    </a:p>
+                  </a:txBody>
+                  <a:tcPr>
+                    <a:lnL w="12700" cap="flat" cmpd="sng" algn="ctr">
+                      <a:solidFill>
+                        <a:schemeClr val="tx1"/>
+                      </a:solidFill>
+                      <a:prstDash val="solid"/>
+                      <a:round/>
+                      <a:headEnd type="none" w="med" len="med"/>
+                      <a:tailEnd type="none" w="med" len="med"/>
+                    </a:lnL>
+                    <a:lnR w="12700" cap="flat" cmpd="sng" algn="ctr">
+                      <a:solidFill>
+                        <a:schemeClr val="tx1"/>
+                      </a:solidFill>
+                      <a:prstDash val="solid"/>
+                      <a:round/>
+                      <a:headEnd type="none" w="med" len="med"/>
+                      <a:tailEnd type="none" w="med" len="med"/>
+                    </a:lnR>
+                    <a:lnT w="12700" cap="flat" cmpd="sng" algn="ctr">
+                      <a:solidFill>
+                        <a:schemeClr val="tx1"/>
+                      </a:solidFill>
+                      <a:prstDash val="solid"/>
+                      <a:round/>
+                      <a:headEnd type="none" w="med" len="med"/>
+                      <a:tailEnd type="none" w="med" len="med"/>
+                    </a:lnT>
+                    <a:lnB w="12700" cap="flat" cmpd="sng" algn="ctr">
+                      <a:solidFill>
+                        <a:schemeClr val="tx1"/>
+                      </a:solidFill>
+                      <a:prstDash val="solid"/>
+                      <a:round/>
+                      <a:headEnd type="none" w="med" len="med"/>
+                      <a:tailEnd type="none" w="med" len="med"/>
+                    </a:lnB>
+                    <a:noFill/>
+                  </a:tcPr>
+                </a:tc>
+                <a:tc>
+                  <a:txBody>
+                    <a:bodyPr/>
+                    <a:lstStyle/>
+                    <a:p>
+                      <a:endParaRPr lang="hu-HU"/>
+                    </a:p>
+                  </a:txBody>
+                  <a:tcPr>
+                    <a:lnL w="12700" cap="flat" cmpd="sng" algn="ctr">
+                      <a:solidFill>
+                        <a:schemeClr val="tx1"/>
+                      </a:solidFill>
+                      <a:prstDash val="solid"/>
+                      <a:round/>
+                      <a:headEnd type="none" w="med" len="med"/>
+                      <a:tailEnd type="none" w="med" len="med"/>
+                    </a:lnL>
+                    <a:lnR w="12700" cap="flat" cmpd="sng" algn="ctr">
+                      <a:solidFill>
+                        <a:schemeClr val="tx1"/>
+                      </a:solidFill>
+                      <a:prstDash val="solid"/>
+                      <a:round/>
+                      <a:headEnd type="none" w="med" len="med"/>
+                      <a:tailEnd type="none" w="med" len="med"/>
+                    </a:lnR>
+                    <a:lnT w="12700" cap="flat" cmpd="sng" algn="ctr">
+                      <a:solidFill>
+                        <a:schemeClr val="tx1"/>
+                      </a:solidFill>
+                      <a:prstDash val="solid"/>
+                      <a:round/>
+                      <a:headEnd type="none" w="med" len="med"/>
+                      <a:tailEnd type="none" w="med" len="med"/>
+                    </a:lnT>
+                    <a:lnB w="12700" cap="flat" cmpd="sng" algn="ctr">
+                      <a:solidFill>
+                        <a:schemeClr val="tx1"/>
+                      </a:solidFill>
+                      <a:prstDash val="solid"/>
+                      <a:round/>
+                      <a:headEnd type="none" w="med" len="med"/>
+                      <a:tailEnd type="none" w="med" len="med"/>
+                    </a:lnB>
+                    <a:noFill/>
+                  </a:tcPr>
+                </a:tc>
+                <a:tc>
+                  <a:txBody>
+                    <a:bodyPr/>
+                    <a:lstStyle/>
+                    <a:p>
+                      <a:endParaRPr lang="hu-HU"/>
+                    </a:p>
+                  </a:txBody>
+                  <a:tcPr>
+                    <a:lnL w="12700" cap="flat" cmpd="sng" algn="ctr">
+                      <a:solidFill>
+                        <a:schemeClr val="tx1"/>
+                      </a:solidFill>
+                      <a:prstDash val="solid"/>
+                      <a:round/>
+                      <a:headEnd type="none" w="med" len="med"/>
+                      <a:tailEnd type="none" w="med" len="med"/>
+                    </a:lnL>
+                    <a:lnR w="12700" cap="flat" cmpd="sng" algn="ctr">
+                      <a:solidFill>
+                        <a:schemeClr val="tx1"/>
+                      </a:solidFill>
+                      <a:prstDash val="solid"/>
+                      <a:round/>
+                      <a:headEnd type="none" w="med" len="med"/>
+                      <a:tailEnd type="none" w="med" len="med"/>
+                    </a:lnR>
+                    <a:lnT w="12700" cap="flat" cmpd="sng" algn="ctr">
+                      <a:solidFill>
+                        <a:schemeClr val="tx1"/>
+                      </a:solidFill>
+                      <a:prstDash val="solid"/>
+                      <a:round/>
+                      <a:headEnd type="none" w="med" len="med"/>
+                      <a:tailEnd type="none" w="med" len="med"/>
+                    </a:lnT>
+                    <a:lnB w="12700" cap="flat" cmpd="sng" algn="ctr">
+                      <a:solidFill>
+                        <a:schemeClr val="tx1"/>
+                      </a:solidFill>
+                      <a:prstDash val="solid"/>
+                      <a:round/>
+                      <a:headEnd type="none" w="med" len="med"/>
+                      <a:tailEnd type="none" w="med" len="med"/>
+                    </a:lnB>
+                    <a:noFill/>
+                  </a:tcPr>
+                </a:tc>
+                <a:tc>
+                  <a:txBody>
+                    <a:bodyPr/>
+                    <a:lstStyle/>
+                    <a:p>
+                      <a:endParaRPr lang="hu-HU" dirty="0"/>
+                    </a:p>
+                  </a:txBody>
+                  <a:tcPr>
+                    <a:lnL w="12700" cap="flat" cmpd="sng" algn="ctr">
+                      <a:solidFill>
+                        <a:schemeClr val="tx1"/>
+                      </a:solidFill>
+                      <a:prstDash val="solid"/>
+                      <a:round/>
+                      <a:headEnd type="none" w="med" len="med"/>
+                      <a:tailEnd type="none" w="med" len="med"/>
+                    </a:lnL>
+                    <a:lnR w="12700" cap="flat" cmpd="sng" algn="ctr">
+                      <a:solidFill>
+                        <a:schemeClr val="tx1"/>
+                      </a:solidFill>
+                      <a:prstDash val="solid"/>
+                      <a:round/>
+                      <a:headEnd type="none" w="med" len="med"/>
+                      <a:tailEnd type="none" w="med" len="med"/>
+                    </a:lnR>
+                    <a:lnT w="12700" cap="flat" cmpd="sng" algn="ctr">
+                      <a:solidFill>
+                        <a:schemeClr val="tx1"/>
+                      </a:solidFill>
+                      <a:prstDash val="solid"/>
+                      <a:round/>
+                      <a:headEnd type="none" w="med" len="med"/>
+                      <a:tailEnd type="none" w="med" len="med"/>
+                    </a:lnT>
+                    <a:lnB w="12700" cap="flat" cmpd="sng" algn="ctr">
+                      <a:solidFill>
+                        <a:schemeClr val="tx1"/>
+                      </a:solidFill>
+                      <a:prstDash val="solid"/>
+                      <a:round/>
+                      <a:headEnd type="none" w="med" len="med"/>
+                      <a:tailEnd type="none" w="med" len="med"/>
+                    </a:lnB>
+                    <a:noFill/>
+                  </a:tcPr>
+                </a:tc>
+                <a:extLst>
+                  <a:ext uri="{0D108BD9-81ED-4DB2-BD59-A6C34878D82A}">
+                    <a16:rowId xmlns:a16="http://schemas.microsoft.com/office/drawing/2014/main" val="3176419281"/>
+                  </a:ext>
+                </a:extLst>
+              </a:tr>
+              <a:tr h="367133">
+                <a:tc>
+                  <a:txBody>
+                    <a:bodyPr/>
+                    <a:lstStyle/>
+                    <a:p>
+                      <a:endParaRPr lang="hu-HU"/>
+                    </a:p>
+                  </a:txBody>
+                  <a:tcPr>
+                    <a:lnL w="12700" cap="flat" cmpd="sng" algn="ctr">
+                      <a:solidFill>
+                        <a:schemeClr val="tx1"/>
+                      </a:solidFill>
+                      <a:prstDash val="solid"/>
+                      <a:round/>
+                      <a:headEnd type="none" w="med" len="med"/>
+                      <a:tailEnd type="none" w="med" len="med"/>
+                    </a:lnL>
+                    <a:lnR w="12700" cap="flat" cmpd="sng" algn="ctr">
+                      <a:solidFill>
+                        <a:schemeClr val="tx1"/>
+                      </a:solidFill>
+                      <a:prstDash val="solid"/>
+                      <a:round/>
+                      <a:headEnd type="none" w="med" len="med"/>
+                      <a:tailEnd type="none" w="med" len="med"/>
+                    </a:lnR>
+                    <a:lnT w="12700" cap="flat" cmpd="sng" algn="ctr">
+                      <a:solidFill>
+                        <a:schemeClr val="tx1"/>
+                      </a:solidFill>
+                      <a:prstDash val="solid"/>
+                      <a:round/>
+                      <a:headEnd type="none" w="med" len="med"/>
+                      <a:tailEnd type="none" w="med" len="med"/>
+                    </a:lnT>
+                    <a:lnB w="12700" cap="flat" cmpd="sng" algn="ctr">
+                      <a:solidFill>
+                        <a:schemeClr val="tx1"/>
+                      </a:solidFill>
+                      <a:prstDash val="solid"/>
+                      <a:round/>
+                      <a:headEnd type="none" w="med" len="med"/>
+                      <a:tailEnd type="none" w="med" len="med"/>
+                    </a:lnB>
+                    <a:noFill/>
+                  </a:tcPr>
+                </a:tc>
+                <a:tc>
+                  <a:txBody>
+                    <a:bodyPr/>
+                    <a:lstStyle/>
+                    <a:p>
+                      <a:endParaRPr lang="hu-HU"/>
+                    </a:p>
+                  </a:txBody>
+                  <a:tcPr>
+                    <a:lnL w="12700" cap="flat" cmpd="sng" algn="ctr">
+                      <a:solidFill>
+                        <a:schemeClr val="tx1"/>
+                      </a:solidFill>
+                      <a:prstDash val="solid"/>
+                      <a:round/>
+                      <a:headEnd type="none" w="med" len="med"/>
+                      <a:tailEnd type="none" w="med" len="med"/>
+                    </a:lnL>
+                    <a:lnR w="12700" cap="flat" cmpd="sng" algn="ctr">
+                      <a:solidFill>
+                        <a:schemeClr val="tx1"/>
+                      </a:solidFill>
+                      <a:prstDash val="solid"/>
+                      <a:round/>
+                      <a:headEnd type="none" w="med" len="med"/>
+                      <a:tailEnd type="none" w="med" len="med"/>
+                    </a:lnR>
+                    <a:lnT w="12700" cap="flat" cmpd="sng" algn="ctr">
+                      <a:solidFill>
+                        <a:schemeClr val="tx1"/>
+                      </a:solidFill>
+                      <a:prstDash val="solid"/>
+                      <a:round/>
+                      <a:headEnd type="none" w="med" len="med"/>
+                      <a:tailEnd type="none" w="med" len="med"/>
+                    </a:lnT>
+                    <a:lnB w="12700" cap="flat" cmpd="sng" algn="ctr">
+                      <a:solidFill>
+                        <a:schemeClr val="tx1"/>
+                      </a:solidFill>
+                      <a:prstDash val="solid"/>
+                      <a:round/>
+                      <a:headEnd type="none" w="med" len="med"/>
+                      <a:tailEnd type="none" w="med" len="med"/>
+                    </a:lnB>
+                    <a:noFill/>
+                  </a:tcPr>
+                </a:tc>
+                <a:tc>
+                  <a:txBody>
+                    <a:bodyPr/>
+                    <a:lstStyle/>
+                    <a:p>
+                      <a:endParaRPr lang="hu-HU"/>
+                    </a:p>
+                  </a:txBody>
+                  <a:tcPr>
+                    <a:lnL w="12700" cap="flat" cmpd="sng" algn="ctr">
+                      <a:solidFill>
+                        <a:schemeClr val="tx1"/>
+                      </a:solidFill>
+                      <a:prstDash val="solid"/>
+                      <a:round/>
+                      <a:headEnd type="none" w="med" len="med"/>
+                      <a:tailEnd type="none" w="med" len="med"/>
+                    </a:lnL>
+                    <a:lnR w="12700" cap="flat" cmpd="sng" algn="ctr">
+                      <a:solidFill>
+                        <a:schemeClr val="tx1"/>
+                      </a:solidFill>
+                      <a:prstDash val="solid"/>
+                      <a:round/>
+                      <a:headEnd type="none" w="med" len="med"/>
+                      <a:tailEnd type="none" w="med" len="med"/>
+                    </a:lnR>
+                    <a:lnT w="12700" cap="flat" cmpd="sng" algn="ctr">
+                      <a:solidFill>
+                        <a:schemeClr val="tx1"/>
+                      </a:solidFill>
+                      <a:prstDash val="solid"/>
+                      <a:round/>
+                      <a:headEnd type="none" w="med" len="med"/>
+                      <a:tailEnd type="none" w="med" len="med"/>
+                    </a:lnT>
+                    <a:lnB w="12700" cap="flat" cmpd="sng" algn="ctr">
+                      <a:solidFill>
+                        <a:schemeClr val="tx1"/>
+                      </a:solidFill>
+                      <a:prstDash val="solid"/>
+                      <a:round/>
+                      <a:headEnd type="none" w="med" len="med"/>
+                      <a:tailEnd type="none" w="med" len="med"/>
+                    </a:lnB>
+                    <a:noFill/>
+                  </a:tcPr>
+                </a:tc>
+                <a:tc>
+                  <a:txBody>
+                    <a:bodyPr/>
+                    <a:lstStyle/>
+                    <a:p>
+                      <a:endParaRPr lang="hu-HU" dirty="0"/>
+                    </a:p>
+                  </a:txBody>
+                  <a:tcPr>
+                    <a:lnL w="12700" cap="flat" cmpd="sng" algn="ctr">
+                      <a:solidFill>
+                        <a:schemeClr val="tx1"/>
+                      </a:solidFill>
+                      <a:prstDash val="solid"/>
+                      <a:round/>
+                      <a:headEnd type="none" w="med" len="med"/>
+                      <a:tailEnd type="none" w="med" len="med"/>
+                    </a:lnL>
+                    <a:lnR w="12700" cap="flat" cmpd="sng" algn="ctr">
+                      <a:solidFill>
+                        <a:schemeClr val="tx1"/>
+                      </a:solidFill>
+                      <a:prstDash val="solid"/>
+                      <a:round/>
+                      <a:headEnd type="none" w="med" len="med"/>
+                      <a:tailEnd type="none" w="med" len="med"/>
+                    </a:lnR>
+                    <a:lnT w="12700" cap="flat" cmpd="sng" algn="ctr">
+                      <a:solidFill>
+                        <a:schemeClr val="tx1"/>
+                      </a:solidFill>
+                      <a:prstDash val="solid"/>
+                      <a:round/>
+                      <a:headEnd type="none" w="med" len="med"/>
+                      <a:tailEnd type="none" w="med" len="med"/>
+                    </a:lnT>
+                    <a:lnB w="12700" cap="flat" cmpd="sng" algn="ctr">
+                      <a:solidFill>
+                        <a:schemeClr val="tx1"/>
+                      </a:solidFill>
+                      <a:prstDash val="solid"/>
+                      <a:round/>
+                      <a:headEnd type="none" w="med" len="med"/>
+                      <a:tailEnd type="none" w="med" len="med"/>
+                    </a:lnB>
+                    <a:noFill/>
+                  </a:tcPr>
+                </a:tc>
+                <a:extLst>
+                  <a:ext uri="{0D108BD9-81ED-4DB2-BD59-A6C34878D82A}">
+                    <a16:rowId xmlns:a16="http://schemas.microsoft.com/office/drawing/2014/main" val="1815855849"/>
+                  </a:ext>
+                </a:extLst>
+              </a:tr>
+              <a:tr h="367133">
+                <a:tc>
+                  <a:txBody>
+                    <a:bodyPr/>
+                    <a:lstStyle/>
+                    <a:p>
+                      <a:endParaRPr lang="hu-HU"/>
+                    </a:p>
+                  </a:txBody>
+                  <a:tcPr>
+                    <a:lnL w="12700" cap="flat" cmpd="sng" algn="ctr">
+                      <a:solidFill>
+                        <a:schemeClr val="tx1"/>
+                      </a:solidFill>
+                      <a:prstDash val="solid"/>
+                      <a:round/>
+                      <a:headEnd type="none" w="med" len="med"/>
+                      <a:tailEnd type="none" w="med" len="med"/>
+                    </a:lnL>
+                    <a:lnR w="12700" cap="flat" cmpd="sng" algn="ctr">
+                      <a:solidFill>
+                        <a:schemeClr val="tx1"/>
+                      </a:solidFill>
+                      <a:prstDash val="solid"/>
+                      <a:round/>
+                      <a:headEnd type="none" w="med" len="med"/>
+                      <a:tailEnd type="none" w="med" len="med"/>
+                    </a:lnR>
+                    <a:lnT w="12700" cap="flat" cmpd="sng" algn="ctr">
+                      <a:solidFill>
+                        <a:schemeClr val="tx1"/>
+                      </a:solidFill>
+                      <a:prstDash val="solid"/>
+                      <a:round/>
+                      <a:headEnd type="none" w="med" len="med"/>
+                      <a:tailEnd type="none" w="med" len="med"/>
+                    </a:lnT>
+                    <a:lnB w="12700" cap="flat" cmpd="sng" algn="ctr">
+                      <a:solidFill>
+                        <a:schemeClr val="tx1"/>
+                      </a:solidFill>
+                      <a:prstDash val="solid"/>
+                      <a:round/>
+                      <a:headEnd type="none" w="med" len="med"/>
+                      <a:tailEnd type="none" w="med" len="med"/>
+                    </a:lnB>
+                    <a:noFill/>
+                  </a:tcPr>
+                </a:tc>
+                <a:tc>
+                  <a:txBody>
+                    <a:bodyPr/>
+                    <a:lstStyle/>
+                    <a:p>
+                      <a:endParaRPr lang="hu-HU"/>
+                    </a:p>
+                  </a:txBody>
+                  <a:tcPr>
+                    <a:lnL w="12700" cap="flat" cmpd="sng" algn="ctr">
+                      <a:solidFill>
+                        <a:schemeClr val="tx1"/>
+                      </a:solidFill>
+                      <a:prstDash val="solid"/>
+                      <a:round/>
+                      <a:headEnd type="none" w="med" len="med"/>
+                      <a:tailEnd type="none" w="med" len="med"/>
+                    </a:lnL>
+                    <a:lnR w="12700" cap="flat" cmpd="sng" algn="ctr">
+                      <a:solidFill>
+                        <a:schemeClr val="tx1"/>
+                      </a:solidFill>
+                      <a:prstDash val="solid"/>
+                      <a:round/>
+                      <a:headEnd type="none" w="med" len="med"/>
+                      <a:tailEnd type="none" w="med" len="med"/>
+                    </a:lnR>
+                    <a:lnT w="12700" cap="flat" cmpd="sng" algn="ctr">
+                      <a:solidFill>
+                        <a:schemeClr val="tx1"/>
+                      </a:solidFill>
+                      <a:prstDash val="solid"/>
+                      <a:round/>
+                      <a:headEnd type="none" w="med" len="med"/>
+                      <a:tailEnd type="none" w="med" len="med"/>
+                    </a:lnT>
+                    <a:lnB w="12700" cap="flat" cmpd="sng" algn="ctr">
+                      <a:solidFill>
+                        <a:schemeClr val="tx1"/>
+                      </a:solidFill>
+                      <a:prstDash val="solid"/>
+                      <a:round/>
+                      <a:headEnd type="none" w="med" len="med"/>
+                      <a:tailEnd type="none" w="med" len="med"/>
+                    </a:lnB>
+                    <a:noFill/>
+                  </a:tcPr>
+                </a:tc>
+                <a:tc>
+                  <a:txBody>
+                    <a:bodyPr/>
+                    <a:lstStyle/>
+                    <a:p>
+                      <a:endParaRPr lang="hu-HU"/>
+                    </a:p>
+                  </a:txBody>
+                  <a:tcPr>
+                    <a:lnL w="12700" cap="flat" cmpd="sng" algn="ctr">
+                      <a:solidFill>
+                        <a:schemeClr val="tx1"/>
+                      </a:solidFill>
+                      <a:prstDash val="solid"/>
+                      <a:round/>
+                      <a:headEnd type="none" w="med" len="med"/>
+                      <a:tailEnd type="none" w="med" len="med"/>
+                    </a:lnL>
+                    <a:lnR w="12700" cap="flat" cmpd="sng" algn="ctr">
+                      <a:solidFill>
+                        <a:schemeClr val="tx1"/>
+                      </a:solidFill>
+                      <a:prstDash val="solid"/>
+                      <a:round/>
+                      <a:headEnd type="none" w="med" len="med"/>
+                      <a:tailEnd type="none" w="med" len="med"/>
+                    </a:lnR>
+                    <a:lnT w="12700" cap="flat" cmpd="sng" algn="ctr">
+                      <a:solidFill>
+                        <a:schemeClr val="tx1"/>
+                      </a:solidFill>
+                      <a:prstDash val="solid"/>
+                      <a:round/>
+                      <a:headEnd type="none" w="med" len="med"/>
+                      <a:tailEnd type="none" w="med" len="med"/>
+                    </a:lnT>
+                    <a:lnB w="12700" cap="flat" cmpd="sng" algn="ctr">
+                      <a:solidFill>
+                        <a:schemeClr val="tx1"/>
+                      </a:solidFill>
+                      <a:prstDash val="solid"/>
+                      <a:round/>
+                      <a:headEnd type="none" w="med" len="med"/>
+                      <a:tailEnd type="none" w="med" len="med"/>
+                    </a:lnB>
+                    <a:noFill/>
+                  </a:tcPr>
+                </a:tc>
+                <a:tc>
+                  <a:txBody>
+                    <a:bodyPr/>
+                    <a:lstStyle/>
+                    <a:p>
+                      <a:endParaRPr lang="hu-HU" dirty="0"/>
+                    </a:p>
+                  </a:txBody>
+                  <a:tcPr>
+                    <a:lnL w="12700" cap="flat" cmpd="sng" algn="ctr">
+                      <a:solidFill>
+                        <a:schemeClr val="tx1"/>
+                      </a:solidFill>
+                      <a:prstDash val="solid"/>
+                      <a:round/>
+                      <a:headEnd type="none" w="med" len="med"/>
+                      <a:tailEnd type="none" w="med" len="med"/>
+                    </a:lnL>
+                    <a:lnR w="12700" cap="flat" cmpd="sng" algn="ctr">
+                      <a:solidFill>
+                        <a:schemeClr val="tx1"/>
+                      </a:solidFill>
+                      <a:prstDash val="solid"/>
+                      <a:round/>
+                      <a:headEnd type="none" w="med" len="med"/>
+                      <a:tailEnd type="none" w="med" len="med"/>
+                    </a:lnR>
+                    <a:lnT w="12700" cap="flat" cmpd="sng" algn="ctr">
+                      <a:solidFill>
+                        <a:schemeClr val="tx1"/>
+                      </a:solidFill>
+                      <a:prstDash val="solid"/>
+                      <a:round/>
+                      <a:headEnd type="none" w="med" len="med"/>
+                      <a:tailEnd type="none" w="med" len="med"/>
+                    </a:lnT>
+                    <a:lnB w="12700" cap="flat" cmpd="sng" algn="ctr">
+                      <a:solidFill>
+                        <a:schemeClr val="tx1"/>
+                      </a:solidFill>
+                      <a:prstDash val="solid"/>
+                      <a:round/>
+                      <a:headEnd type="none" w="med" len="med"/>
+                      <a:tailEnd type="none" w="med" len="med"/>
+                    </a:lnB>
+                    <a:noFill/>
+                  </a:tcPr>
+                </a:tc>
+                <a:extLst>
+                  <a:ext uri="{0D108BD9-81ED-4DB2-BD59-A6C34878D82A}">
+                    <a16:rowId xmlns:a16="http://schemas.microsoft.com/office/drawing/2014/main" val="887397601"/>
+                  </a:ext>
+                </a:extLst>
+              </a:tr>
+              <a:tr h="367133">
+                <a:tc>
+                  <a:txBody>
+                    <a:bodyPr/>
+                    <a:lstStyle/>
+                    <a:p>
+                      <a:endParaRPr lang="hu-HU"/>
+                    </a:p>
+                  </a:txBody>
+                  <a:tcPr>
+                    <a:lnL w="12700" cap="flat" cmpd="sng" algn="ctr">
+                      <a:solidFill>
+                        <a:schemeClr val="tx1"/>
+                      </a:solidFill>
+                      <a:prstDash val="solid"/>
+                      <a:round/>
+                      <a:headEnd type="none" w="med" len="med"/>
+                      <a:tailEnd type="none" w="med" len="med"/>
+                    </a:lnL>
+                    <a:lnR w="12700" cap="flat" cmpd="sng" algn="ctr">
+                      <a:solidFill>
+                        <a:schemeClr val="tx1"/>
+                      </a:solidFill>
+                      <a:prstDash val="solid"/>
+                      <a:round/>
+                      <a:headEnd type="none" w="med" len="med"/>
+                      <a:tailEnd type="none" w="med" len="med"/>
+                    </a:lnR>
+                    <a:lnT w="12700" cap="flat" cmpd="sng" algn="ctr">
+                      <a:solidFill>
+                        <a:schemeClr val="tx1"/>
+                      </a:solidFill>
+                      <a:prstDash val="solid"/>
+                      <a:round/>
+                      <a:headEnd type="none" w="med" len="med"/>
+                      <a:tailEnd type="none" w="med" len="med"/>
+                    </a:lnT>
+                    <a:lnB w="12700" cap="flat" cmpd="sng" algn="ctr">
+                      <a:solidFill>
+                        <a:schemeClr val="tx1"/>
+                      </a:solidFill>
+                      <a:prstDash val="solid"/>
+                      <a:round/>
+                      <a:headEnd type="none" w="med" len="med"/>
+                      <a:tailEnd type="none" w="med" len="med"/>
+                    </a:lnB>
+                    <a:noFill/>
+                  </a:tcPr>
+                </a:tc>
+                <a:tc>
+                  <a:txBody>
+                    <a:bodyPr/>
+                    <a:lstStyle/>
+                    <a:p>
+                      <a:endParaRPr lang="hu-HU"/>
+                    </a:p>
+                  </a:txBody>
+                  <a:tcPr>
+                    <a:lnL w="12700" cap="flat" cmpd="sng" algn="ctr">
+                      <a:solidFill>
+                        <a:schemeClr val="tx1"/>
+                      </a:solidFill>
+                      <a:prstDash val="solid"/>
+                      <a:round/>
+                      <a:headEnd type="none" w="med" len="med"/>
+                      <a:tailEnd type="none" w="med" len="med"/>
+                    </a:lnL>
+                    <a:lnR w="12700" cap="flat" cmpd="sng" algn="ctr">
+                      <a:solidFill>
+                        <a:schemeClr val="tx1"/>
+                      </a:solidFill>
+                      <a:prstDash val="solid"/>
+                      <a:round/>
+                      <a:headEnd type="none" w="med" len="med"/>
+                      <a:tailEnd type="none" w="med" len="med"/>
+                    </a:lnR>
+                    <a:lnT w="12700" cap="flat" cmpd="sng" algn="ctr">
+                      <a:solidFill>
+                        <a:schemeClr val="tx1"/>
+                      </a:solidFill>
+                      <a:prstDash val="solid"/>
+                      <a:round/>
+                      <a:headEnd type="none" w="med" len="med"/>
+                      <a:tailEnd type="none" w="med" len="med"/>
+                    </a:lnT>
+                    <a:lnB w="12700" cap="flat" cmpd="sng" algn="ctr">
+                      <a:solidFill>
+                        <a:schemeClr val="tx1"/>
+                      </a:solidFill>
+                      <a:prstDash val="solid"/>
+                      <a:round/>
+                      <a:headEnd type="none" w="med" len="med"/>
+                      <a:tailEnd type="none" w="med" len="med"/>
+                    </a:lnB>
+                    <a:noFill/>
+                  </a:tcPr>
+                </a:tc>
+                <a:tc>
+                  <a:txBody>
+                    <a:bodyPr/>
+                    <a:lstStyle/>
+                    <a:p>
+                      <a:endParaRPr lang="hu-HU"/>
+                    </a:p>
+                  </a:txBody>
+                  <a:tcPr>
+                    <a:lnL w="12700" cap="flat" cmpd="sng" algn="ctr">
+                      <a:solidFill>
+                        <a:schemeClr val="tx1"/>
+                      </a:solidFill>
+                      <a:prstDash val="solid"/>
+                      <a:round/>
+                      <a:headEnd type="none" w="med" len="med"/>
+                      <a:tailEnd type="none" w="med" len="med"/>
+                    </a:lnL>
+                    <a:lnR w="12700" cap="flat" cmpd="sng" algn="ctr">
+                      <a:solidFill>
+                        <a:schemeClr val="tx1"/>
+                      </a:solidFill>
+                      <a:prstDash val="solid"/>
+                      <a:round/>
+                      <a:headEnd type="none" w="med" len="med"/>
+                      <a:tailEnd type="none" w="med" len="med"/>
+                    </a:lnR>
+                    <a:lnT w="12700" cap="flat" cmpd="sng" algn="ctr">
+                      <a:solidFill>
+                        <a:schemeClr val="tx1"/>
+                      </a:solidFill>
+                      <a:prstDash val="solid"/>
+                      <a:round/>
+                      <a:headEnd type="none" w="med" len="med"/>
+                      <a:tailEnd type="none" w="med" len="med"/>
+                    </a:lnT>
+                    <a:lnB w="12700" cap="flat" cmpd="sng" algn="ctr">
+                      <a:solidFill>
+                        <a:schemeClr val="tx1"/>
+                      </a:solidFill>
+                      <a:prstDash val="solid"/>
+                      <a:round/>
+                      <a:headEnd type="none" w="med" len="med"/>
+                      <a:tailEnd type="none" w="med" len="med"/>
+                    </a:lnB>
+                    <a:noFill/>
+                  </a:tcPr>
+                </a:tc>
+                <a:tc>
+                  <a:txBody>
+                    <a:bodyPr/>
+                    <a:lstStyle/>
+                    <a:p>
+                      <a:endParaRPr lang="hu-HU" dirty="0"/>
+                    </a:p>
+                  </a:txBody>
+                  <a:tcPr>
+                    <a:lnL w="12700" cap="flat" cmpd="sng" algn="ctr">
+                      <a:solidFill>
+                        <a:schemeClr val="tx1"/>
+                      </a:solidFill>
+                      <a:prstDash val="solid"/>
+                      <a:round/>
+                      <a:headEnd type="none" w="med" len="med"/>
+                      <a:tailEnd type="none" w="med" len="med"/>
+                    </a:lnL>
+                    <a:lnR w="12700" cap="flat" cmpd="sng" algn="ctr">
+                      <a:solidFill>
+                        <a:schemeClr val="tx1"/>
+                      </a:solidFill>
+                      <a:prstDash val="solid"/>
+                      <a:round/>
+                      <a:headEnd type="none" w="med" len="med"/>
+                      <a:tailEnd type="none" w="med" len="med"/>
+                    </a:lnR>
+                    <a:lnT w="12700" cap="flat" cmpd="sng" algn="ctr">
+                      <a:solidFill>
+                        <a:schemeClr val="tx1"/>
+                      </a:solidFill>
+                      <a:prstDash val="solid"/>
+                      <a:round/>
+                      <a:headEnd type="none" w="med" len="med"/>
+                      <a:tailEnd type="none" w="med" len="med"/>
+                    </a:lnT>
+                    <a:lnB w="12700" cap="flat" cmpd="sng" algn="ctr">
+                      <a:solidFill>
+                        <a:schemeClr val="tx1"/>
+                      </a:solidFill>
+                      <a:prstDash val="solid"/>
+                      <a:round/>
+                      <a:headEnd type="none" w="med" len="med"/>
+                      <a:tailEnd type="none" w="med" len="med"/>
+                    </a:lnB>
+                    <a:noFill/>
+                  </a:tcPr>
+                </a:tc>
+                <a:extLst>
+                  <a:ext uri="{0D108BD9-81ED-4DB2-BD59-A6C34878D82A}">
+                    <a16:rowId xmlns:a16="http://schemas.microsoft.com/office/drawing/2014/main" val="1495997952"/>
+                  </a:ext>
+                </a:extLst>
+              </a:tr>
+              <a:tr h="367133">
+                <a:tc>
+                  <a:txBody>
+                    <a:bodyPr/>
+                    <a:lstStyle/>
+                    <a:p>
+                      <a:endParaRPr lang="hu-HU"/>
+                    </a:p>
+                  </a:txBody>
+                  <a:tcPr>
+                    <a:lnL w="12700" cap="flat" cmpd="sng" algn="ctr">
+                      <a:solidFill>
+                        <a:schemeClr val="tx1"/>
+                      </a:solidFill>
+                      <a:prstDash val="solid"/>
+                      <a:round/>
+                      <a:headEnd type="none" w="med" len="med"/>
+                      <a:tailEnd type="none" w="med" len="med"/>
+                    </a:lnL>
+                    <a:lnR w="12700" cap="flat" cmpd="sng" algn="ctr">
+                      <a:solidFill>
+                        <a:schemeClr val="tx1"/>
+                      </a:solidFill>
+                      <a:prstDash val="solid"/>
+                      <a:round/>
+                      <a:headEnd type="none" w="med" len="med"/>
+                      <a:tailEnd type="none" w="med" len="med"/>
+                    </a:lnR>
+                    <a:lnT w="12700" cap="flat" cmpd="sng" algn="ctr">
+                      <a:solidFill>
+                        <a:schemeClr val="tx1"/>
+                      </a:solidFill>
+                      <a:prstDash val="solid"/>
+                      <a:round/>
+                      <a:headEnd type="none" w="med" len="med"/>
+                      <a:tailEnd type="none" w="med" len="med"/>
+                    </a:lnT>
+                    <a:lnB w="12700" cap="flat" cmpd="sng" algn="ctr">
+                      <a:solidFill>
+                        <a:schemeClr val="tx1"/>
+                      </a:solidFill>
+                      <a:prstDash val="solid"/>
+                      <a:round/>
+                      <a:headEnd type="none" w="med" len="med"/>
+                      <a:tailEnd type="none" w="med" len="med"/>
+                    </a:lnB>
+                    <a:noFill/>
+                  </a:tcPr>
+                </a:tc>
+                <a:tc>
+                  <a:txBody>
+                    <a:bodyPr/>
+                    <a:lstStyle/>
+                    <a:p>
+                      <a:endParaRPr lang="hu-HU"/>
+                    </a:p>
+                  </a:txBody>
+                  <a:tcPr>
+                    <a:lnL w="12700" cap="flat" cmpd="sng" algn="ctr">
+                      <a:solidFill>
+                        <a:schemeClr val="tx1"/>
+                      </a:solidFill>
+                      <a:prstDash val="solid"/>
+                      <a:round/>
+                      <a:headEnd type="none" w="med" len="med"/>
+                      <a:tailEnd type="none" w="med" len="med"/>
+                    </a:lnL>
+                    <a:lnR w="12700" cap="flat" cmpd="sng" algn="ctr">
+                      <a:solidFill>
+                        <a:schemeClr val="tx1"/>
+                      </a:solidFill>
+                      <a:prstDash val="solid"/>
+                      <a:round/>
+                      <a:headEnd type="none" w="med" len="med"/>
+                      <a:tailEnd type="none" w="med" len="med"/>
+                    </a:lnR>
+                    <a:lnT w="12700" cap="flat" cmpd="sng" algn="ctr">
+                      <a:solidFill>
+                        <a:schemeClr val="tx1"/>
+                      </a:solidFill>
+                      <a:prstDash val="solid"/>
+                      <a:round/>
+                      <a:headEnd type="none" w="med" len="med"/>
+                      <a:tailEnd type="none" w="med" len="med"/>
+                    </a:lnT>
+                    <a:lnB w="12700" cap="flat" cmpd="sng" algn="ctr">
+                      <a:solidFill>
+                        <a:schemeClr val="tx1"/>
+                      </a:solidFill>
+                      <a:prstDash val="solid"/>
+                      <a:round/>
+                      <a:headEnd type="none" w="med" len="med"/>
+                      <a:tailEnd type="none" w="med" len="med"/>
+                    </a:lnB>
+                    <a:noFill/>
+                  </a:tcPr>
+                </a:tc>
+                <a:tc>
+                  <a:txBody>
+                    <a:bodyPr/>
+                    <a:lstStyle/>
+                    <a:p>
+                      <a:endParaRPr lang="hu-HU"/>
+                    </a:p>
+                  </a:txBody>
+                  <a:tcPr>
+                    <a:lnL w="12700" cap="flat" cmpd="sng" algn="ctr">
+                      <a:solidFill>
+                        <a:schemeClr val="tx1"/>
+                      </a:solidFill>
+                      <a:prstDash val="solid"/>
+                      <a:round/>
+                      <a:headEnd type="none" w="med" len="med"/>
+                      <a:tailEnd type="none" w="med" len="med"/>
+                    </a:lnL>
+                    <a:lnR w="12700" cap="flat" cmpd="sng" algn="ctr">
+                      <a:solidFill>
+                        <a:schemeClr val="tx1"/>
+                      </a:solidFill>
+                      <a:prstDash val="solid"/>
+                      <a:round/>
+                      <a:headEnd type="none" w="med" len="med"/>
+                      <a:tailEnd type="none" w="med" len="med"/>
+                    </a:lnR>
+                    <a:lnT w="12700" cap="flat" cmpd="sng" algn="ctr">
+                      <a:solidFill>
+                        <a:schemeClr val="tx1"/>
+                      </a:solidFill>
+                      <a:prstDash val="solid"/>
+                      <a:round/>
+                      <a:headEnd type="none" w="med" len="med"/>
+                      <a:tailEnd type="none" w="med" len="med"/>
+                    </a:lnT>
+                    <a:lnB w="12700" cap="flat" cmpd="sng" algn="ctr">
+                      <a:solidFill>
+                        <a:schemeClr val="tx1"/>
+                      </a:solidFill>
+                      <a:prstDash val="solid"/>
+                      <a:round/>
+                      <a:headEnd type="none" w="med" len="med"/>
+                      <a:tailEnd type="none" w="med" len="med"/>
+                    </a:lnB>
+                    <a:noFill/>
+                  </a:tcPr>
+                </a:tc>
+                <a:tc>
+                  <a:txBody>
+                    <a:bodyPr/>
+                    <a:lstStyle/>
+                    <a:p>
+                      <a:endParaRPr lang="hu-HU" dirty="0"/>
+                    </a:p>
+                  </a:txBody>
+                  <a:tcPr>
+                    <a:lnL w="12700" cap="flat" cmpd="sng" algn="ctr">
+                      <a:solidFill>
+                        <a:schemeClr val="tx1"/>
+                      </a:solidFill>
+                      <a:prstDash val="solid"/>
+                      <a:round/>
+                      <a:headEnd type="none" w="med" len="med"/>
+                      <a:tailEnd type="none" w="med" len="med"/>
+                    </a:lnL>
+                    <a:lnR w="12700" cap="flat" cmpd="sng" algn="ctr">
+                      <a:solidFill>
+                        <a:schemeClr val="tx1"/>
+                      </a:solidFill>
+                      <a:prstDash val="solid"/>
+                      <a:round/>
+                      <a:headEnd type="none" w="med" len="med"/>
+                      <a:tailEnd type="none" w="med" len="med"/>
+                    </a:lnR>
+                    <a:lnT w="12700" cap="flat" cmpd="sng" algn="ctr">
+                      <a:solidFill>
+                        <a:schemeClr val="tx1"/>
+                      </a:solidFill>
+                      <a:prstDash val="solid"/>
+                      <a:round/>
+                      <a:headEnd type="none" w="med" len="med"/>
+                      <a:tailEnd type="none" w="med" len="med"/>
+                    </a:lnT>
+                    <a:lnB w="12700" cap="flat" cmpd="sng" algn="ctr">
+                      <a:solidFill>
+                        <a:schemeClr val="tx1"/>
+                      </a:solidFill>
+                      <a:prstDash val="solid"/>
+                      <a:round/>
+                      <a:headEnd type="none" w="med" len="med"/>
+                      <a:tailEnd type="none" w="med" len="med"/>
+                    </a:lnB>
+                    <a:noFill/>
+                  </a:tcPr>
+                </a:tc>
+                <a:extLst>
+                  <a:ext uri="{0D108BD9-81ED-4DB2-BD59-A6C34878D82A}">
+                    <a16:rowId xmlns:a16="http://schemas.microsoft.com/office/drawing/2014/main" val="766758480"/>
+                  </a:ext>
+                </a:extLst>
+              </a:tr>
+              <a:tr h="367133">
+                <a:tc>
+                  <a:txBody>
+                    <a:bodyPr/>
+                    <a:lstStyle/>
+                    <a:p>
+                      <a:endParaRPr lang="hu-HU"/>
+                    </a:p>
+                  </a:txBody>
+                  <a:tcPr>
+                    <a:lnL w="12700" cap="flat" cmpd="sng" algn="ctr">
+                      <a:solidFill>
+                        <a:schemeClr val="tx1"/>
+                      </a:solidFill>
+                      <a:prstDash val="solid"/>
+                      <a:round/>
+                      <a:headEnd type="none" w="med" len="med"/>
+                      <a:tailEnd type="none" w="med" len="med"/>
+                    </a:lnL>
+                    <a:lnR w="12700" cap="flat" cmpd="sng" algn="ctr">
+                      <a:solidFill>
+                        <a:schemeClr val="tx1"/>
+                      </a:solidFill>
+                      <a:prstDash val="solid"/>
+                      <a:round/>
+                      <a:headEnd type="none" w="med" len="med"/>
+                      <a:tailEnd type="none" w="med" len="med"/>
+                    </a:lnR>
+                    <a:lnT w="12700" cap="flat" cmpd="sng" algn="ctr">
+                      <a:solidFill>
+                        <a:schemeClr val="tx1"/>
+                      </a:solidFill>
+                      <a:prstDash val="solid"/>
+                      <a:round/>
+                      <a:headEnd type="none" w="med" len="med"/>
+                      <a:tailEnd type="none" w="med" len="med"/>
+                    </a:lnT>
+                    <a:lnB w="12700" cap="flat" cmpd="sng" algn="ctr">
+                      <a:solidFill>
+                        <a:schemeClr val="tx1"/>
+                      </a:solidFill>
+                      <a:prstDash val="solid"/>
+                      <a:round/>
+                      <a:headEnd type="none" w="med" len="med"/>
+                      <a:tailEnd type="none" w="med" len="med"/>
+                    </a:lnB>
+                    <a:noFill/>
+                  </a:tcPr>
+                </a:tc>
+                <a:tc>
+                  <a:txBody>
+                    <a:bodyPr/>
+                    <a:lstStyle/>
+                    <a:p>
+                      <a:endParaRPr lang="hu-HU"/>
+                    </a:p>
+                  </a:txBody>
+                  <a:tcPr>
+                    <a:lnL w="12700" cap="flat" cmpd="sng" algn="ctr">
+                      <a:solidFill>
+                        <a:schemeClr val="tx1"/>
+                      </a:solidFill>
+                      <a:prstDash val="solid"/>
+                      <a:round/>
+                      <a:headEnd type="none" w="med" len="med"/>
+                      <a:tailEnd type="none" w="med" len="med"/>
+                    </a:lnL>
+                    <a:lnR w="12700" cap="flat" cmpd="sng" algn="ctr">
+                      <a:solidFill>
+                        <a:schemeClr val="tx1"/>
+                      </a:solidFill>
+                      <a:prstDash val="solid"/>
+                      <a:round/>
+                      <a:headEnd type="none" w="med" len="med"/>
+                      <a:tailEnd type="none" w="med" len="med"/>
+                    </a:lnR>
+                    <a:lnT w="12700" cap="flat" cmpd="sng" algn="ctr">
+                      <a:solidFill>
+                        <a:schemeClr val="tx1"/>
+                      </a:solidFill>
+                      <a:prstDash val="solid"/>
+                      <a:round/>
+                      <a:headEnd type="none" w="med" len="med"/>
+                      <a:tailEnd type="none" w="med" len="med"/>
+                    </a:lnT>
+                    <a:lnB w="12700" cap="flat" cmpd="sng" algn="ctr">
+                      <a:solidFill>
+                        <a:schemeClr val="tx1"/>
+                      </a:solidFill>
+                      <a:prstDash val="solid"/>
+                      <a:round/>
+                      <a:headEnd type="none" w="med" len="med"/>
+                      <a:tailEnd type="none" w="med" len="med"/>
+                    </a:lnB>
+                    <a:noFill/>
+                  </a:tcPr>
+                </a:tc>
+                <a:tc>
+                  <a:txBody>
+                    <a:bodyPr/>
+                    <a:lstStyle/>
+                    <a:p>
+                      <a:endParaRPr lang="hu-HU"/>
+                    </a:p>
+                  </a:txBody>
+                  <a:tcPr>
+                    <a:lnL w="12700" cap="flat" cmpd="sng" algn="ctr">
+                      <a:solidFill>
+                        <a:schemeClr val="tx1"/>
+                      </a:solidFill>
+                      <a:prstDash val="solid"/>
+                      <a:round/>
+                      <a:headEnd type="none" w="med" len="med"/>
+                      <a:tailEnd type="none" w="med" len="med"/>
+                    </a:lnL>
+                    <a:lnR w="12700" cap="flat" cmpd="sng" algn="ctr">
+                      <a:solidFill>
+                        <a:schemeClr val="tx1"/>
+                      </a:solidFill>
+                      <a:prstDash val="solid"/>
+                      <a:round/>
+                      <a:headEnd type="none" w="med" len="med"/>
+                      <a:tailEnd type="none" w="med" len="med"/>
+                    </a:lnR>
+                    <a:lnT w="12700" cap="flat" cmpd="sng" algn="ctr">
+                      <a:solidFill>
+                        <a:schemeClr val="tx1"/>
+                      </a:solidFill>
+                      <a:prstDash val="solid"/>
+                      <a:round/>
+                      <a:headEnd type="none" w="med" len="med"/>
+                      <a:tailEnd type="none" w="med" len="med"/>
+                    </a:lnT>
+                    <a:lnB w="12700" cap="flat" cmpd="sng" algn="ctr">
+                      <a:solidFill>
+                        <a:schemeClr val="tx1"/>
+                      </a:solidFill>
+                      <a:prstDash val="solid"/>
+                      <a:round/>
+                      <a:headEnd type="none" w="med" len="med"/>
+                      <a:tailEnd type="none" w="med" len="med"/>
+                    </a:lnB>
+                    <a:noFill/>
+                  </a:tcPr>
+                </a:tc>
+                <a:tc>
+                  <a:txBody>
+                    <a:bodyPr/>
+                    <a:lstStyle/>
+                    <a:p>
+                      <a:endParaRPr lang="hu-HU" dirty="0"/>
+                    </a:p>
+                  </a:txBody>
+                  <a:tcPr>
+                    <a:lnL w="12700" cap="flat" cmpd="sng" algn="ctr">
+                      <a:solidFill>
+                        <a:schemeClr val="tx1"/>
+                      </a:solidFill>
+                      <a:prstDash val="solid"/>
+                      <a:round/>
+                      <a:headEnd type="none" w="med" len="med"/>
+                      <a:tailEnd type="none" w="med" len="med"/>
+                    </a:lnL>
+                    <a:lnR w="12700" cap="flat" cmpd="sng" algn="ctr">
+                      <a:solidFill>
+                        <a:schemeClr val="tx1"/>
+                      </a:solidFill>
+                      <a:prstDash val="solid"/>
+                      <a:round/>
+                      <a:headEnd type="none" w="med" len="med"/>
+                      <a:tailEnd type="none" w="med" len="med"/>
+                    </a:lnR>
+                    <a:lnT w="12700" cap="flat" cmpd="sng" algn="ctr">
+                      <a:solidFill>
+                        <a:schemeClr val="tx1"/>
+                      </a:solidFill>
+                      <a:prstDash val="solid"/>
+                      <a:round/>
+                      <a:headEnd type="none" w="med" len="med"/>
+                      <a:tailEnd type="none" w="med" len="med"/>
+                    </a:lnT>
+                    <a:lnB w="12700" cap="flat" cmpd="sng" algn="ctr">
+                      <a:solidFill>
+                        <a:schemeClr val="tx1"/>
+                      </a:solidFill>
+                      <a:prstDash val="solid"/>
+                      <a:round/>
+                      <a:headEnd type="none" w="med" len="med"/>
+                      <a:tailEnd type="none" w="med" len="med"/>
+                    </a:lnB>
+                    <a:noFill/>
+                  </a:tcPr>
+                </a:tc>
+                <a:extLst>
+                  <a:ext uri="{0D108BD9-81ED-4DB2-BD59-A6C34878D82A}">
+                    <a16:rowId xmlns:a16="http://schemas.microsoft.com/office/drawing/2014/main" val="2554207846"/>
+                  </a:ext>
+                </a:extLst>
+              </a:tr>
+              <a:tr h="367133">
+                <a:tc>
+                  <a:txBody>
+                    <a:bodyPr/>
+                    <a:lstStyle/>
+                    <a:p>
+                      <a:endParaRPr lang="hu-HU"/>
+                    </a:p>
+                  </a:txBody>
+                  <a:tcPr>
+                    <a:lnL w="12700" cap="flat" cmpd="sng" algn="ctr">
+                      <a:solidFill>
+                        <a:schemeClr val="tx1"/>
+                      </a:solidFill>
+                      <a:prstDash val="solid"/>
+                      <a:round/>
+                      <a:headEnd type="none" w="med" len="med"/>
+                      <a:tailEnd type="none" w="med" len="med"/>
+                    </a:lnL>
+                    <a:lnR w="12700" cap="flat" cmpd="sng" algn="ctr">
+                      <a:solidFill>
+                        <a:schemeClr val="tx1"/>
+                      </a:solidFill>
+                      <a:prstDash val="solid"/>
+                      <a:round/>
+                      <a:headEnd type="none" w="med" len="med"/>
+                      <a:tailEnd type="none" w="med" len="med"/>
+                    </a:lnR>
+                    <a:lnT w="12700" cap="flat" cmpd="sng" algn="ctr">
+                      <a:solidFill>
+                        <a:schemeClr val="tx1"/>
+                      </a:solidFill>
+                      <a:prstDash val="solid"/>
+                      <a:round/>
+                      <a:headEnd type="none" w="med" len="med"/>
+                      <a:tailEnd type="none" w="med" len="med"/>
+                    </a:lnT>
+                    <a:lnB w="12700" cap="flat" cmpd="sng" algn="ctr">
+                      <a:solidFill>
+                        <a:schemeClr val="tx1"/>
+                      </a:solidFill>
+                      <a:prstDash val="solid"/>
+                      <a:round/>
+                      <a:headEnd type="none" w="med" len="med"/>
+                      <a:tailEnd type="none" w="med" len="med"/>
+                    </a:lnB>
+                    <a:noFill/>
+                  </a:tcPr>
+                </a:tc>
+                <a:tc>
+                  <a:txBody>
+                    <a:bodyPr/>
+                    <a:lstStyle/>
+                    <a:p>
+                      <a:endParaRPr lang="hu-HU"/>
+                    </a:p>
+                  </a:txBody>
+                  <a:tcPr>
+                    <a:lnL w="12700" cap="flat" cmpd="sng" algn="ctr">
+                      <a:solidFill>
+                        <a:schemeClr val="tx1"/>
+                      </a:solidFill>
+                      <a:prstDash val="solid"/>
+                      <a:round/>
+                      <a:headEnd type="none" w="med" len="med"/>
+                      <a:tailEnd type="none" w="med" len="med"/>
+                    </a:lnL>
+                    <a:lnR w="12700" cap="flat" cmpd="sng" algn="ctr">
+                      <a:solidFill>
+                        <a:schemeClr val="tx1"/>
+                      </a:solidFill>
+                      <a:prstDash val="solid"/>
+                      <a:round/>
+                      <a:headEnd type="none" w="med" len="med"/>
+                      <a:tailEnd type="none" w="med" len="med"/>
+                    </a:lnR>
+                    <a:lnT w="12700" cap="flat" cmpd="sng" algn="ctr">
+                      <a:solidFill>
+                        <a:schemeClr val="tx1"/>
+                      </a:solidFill>
+                      <a:prstDash val="solid"/>
+                      <a:round/>
+                      <a:headEnd type="none" w="med" len="med"/>
+                      <a:tailEnd type="none" w="med" len="med"/>
+                    </a:lnT>
+                    <a:lnB w="12700" cap="flat" cmpd="sng" algn="ctr">
+                      <a:solidFill>
+                        <a:schemeClr val="tx1"/>
+                      </a:solidFill>
+                      <a:prstDash val="solid"/>
+                      <a:round/>
+                      <a:headEnd type="none" w="med" len="med"/>
+                      <a:tailEnd type="none" w="med" len="med"/>
+                    </a:lnB>
+                    <a:noFill/>
+                  </a:tcPr>
+                </a:tc>
+                <a:tc>
+                  <a:txBody>
+                    <a:bodyPr/>
+                    <a:lstStyle/>
+                    <a:p>
+                      <a:endParaRPr lang="hu-HU"/>
+                    </a:p>
+                  </a:txBody>
+                  <a:tcPr>
+                    <a:lnL w="12700" cap="flat" cmpd="sng" algn="ctr">
+                      <a:solidFill>
+                        <a:schemeClr val="tx1"/>
+                      </a:solidFill>
+                      <a:prstDash val="solid"/>
+                      <a:round/>
+                      <a:headEnd type="none" w="med" len="med"/>
+                      <a:tailEnd type="none" w="med" len="med"/>
+                    </a:lnL>
+                    <a:lnR w="12700" cap="flat" cmpd="sng" algn="ctr">
+                      <a:solidFill>
+                        <a:schemeClr val="tx1"/>
+                      </a:solidFill>
+                      <a:prstDash val="solid"/>
+                      <a:round/>
+                      <a:headEnd type="none" w="med" len="med"/>
+                      <a:tailEnd type="none" w="med" len="med"/>
+                    </a:lnR>
+                    <a:lnT w="12700" cap="flat" cmpd="sng" algn="ctr">
+                      <a:solidFill>
+                        <a:schemeClr val="tx1"/>
+                      </a:solidFill>
+                      <a:prstDash val="solid"/>
+                      <a:round/>
+                      <a:headEnd type="none" w="med" len="med"/>
+                      <a:tailEnd type="none" w="med" len="med"/>
+                    </a:lnT>
+                    <a:lnB w="12700" cap="flat" cmpd="sng" algn="ctr">
+                      <a:solidFill>
+                        <a:schemeClr val="tx1"/>
+                      </a:solidFill>
+                      <a:prstDash val="solid"/>
+                      <a:round/>
+                      <a:headEnd type="none" w="med" len="med"/>
+                      <a:tailEnd type="none" w="med" len="med"/>
+                    </a:lnB>
+                    <a:noFill/>
+                  </a:tcPr>
+                </a:tc>
+                <a:tc>
+                  <a:txBody>
+                    <a:bodyPr/>
+                    <a:lstStyle/>
+                    <a:p>
+                      <a:endParaRPr lang="hu-HU" dirty="0"/>
+                    </a:p>
+                  </a:txBody>
+                  <a:tcPr>
+                    <a:lnL w="12700" cap="flat" cmpd="sng" algn="ctr">
+                      <a:solidFill>
+                        <a:schemeClr val="tx1"/>
+                      </a:solidFill>
+                      <a:prstDash val="solid"/>
+                      <a:round/>
+                      <a:headEnd type="none" w="med" len="med"/>
+                      <a:tailEnd type="none" w="med" len="med"/>
+                    </a:lnL>
+                    <a:lnR w="12700" cap="flat" cmpd="sng" algn="ctr">
+                      <a:solidFill>
+                        <a:schemeClr val="tx1"/>
+                      </a:solidFill>
+                      <a:prstDash val="solid"/>
+                      <a:round/>
+                      <a:headEnd type="none" w="med" len="med"/>
+                      <a:tailEnd type="none" w="med" len="med"/>
+                    </a:lnR>
+                    <a:lnT w="12700" cap="flat" cmpd="sng" algn="ctr">
+                      <a:solidFill>
+                        <a:schemeClr val="tx1"/>
+                      </a:solidFill>
+                      <a:prstDash val="solid"/>
+                      <a:round/>
+                      <a:headEnd type="none" w="med" len="med"/>
+                      <a:tailEnd type="none" w="med" len="med"/>
+                    </a:lnT>
+                    <a:lnB w="12700" cap="flat" cmpd="sng" algn="ctr">
+                      <a:solidFill>
+                        <a:schemeClr val="tx1"/>
+                      </a:solidFill>
+                      <a:prstDash val="solid"/>
+                      <a:round/>
+                      <a:headEnd type="none" w="med" len="med"/>
+                      <a:tailEnd type="none" w="med" len="med"/>
+                    </a:lnB>
+                    <a:noFill/>
+                  </a:tcPr>
+                </a:tc>
+                <a:extLst>
+                  <a:ext uri="{0D108BD9-81ED-4DB2-BD59-A6C34878D82A}">
+                    <a16:rowId xmlns:a16="http://schemas.microsoft.com/office/drawing/2014/main" val="4076061792"/>
+                  </a:ext>
+                </a:extLst>
+              </a:tr>
+              <a:tr h="367133">
+                <a:tc>
+                  <a:txBody>
+                    <a:bodyPr/>
+                    <a:lstStyle/>
+                    <a:p>
+                      <a:endParaRPr lang="hu-HU"/>
+                    </a:p>
+                  </a:txBody>
+                  <a:tcPr>
+                    <a:lnL w="12700" cap="flat" cmpd="sng" algn="ctr">
+                      <a:solidFill>
+                        <a:schemeClr val="tx1"/>
+                      </a:solidFill>
+                      <a:prstDash val="solid"/>
+                      <a:round/>
+                      <a:headEnd type="none" w="med" len="med"/>
+                      <a:tailEnd type="none" w="med" len="med"/>
+                    </a:lnL>
+                    <a:lnR w="12700" cap="flat" cmpd="sng" algn="ctr">
+                      <a:solidFill>
+                        <a:schemeClr val="tx1"/>
+                      </a:solidFill>
+                      <a:prstDash val="solid"/>
+                      <a:round/>
+                      <a:headEnd type="none" w="med" len="med"/>
+                      <a:tailEnd type="none" w="med" len="med"/>
+                    </a:lnR>
+                    <a:lnT w="12700" cap="flat" cmpd="sng" algn="ctr">
+                      <a:solidFill>
+                        <a:schemeClr val="tx1"/>
+                      </a:solidFill>
+                      <a:prstDash val="solid"/>
+                      <a:round/>
+                      <a:headEnd type="none" w="med" len="med"/>
+                      <a:tailEnd type="none" w="med" len="med"/>
+                    </a:lnT>
+                    <a:lnB w="12700" cap="flat" cmpd="sng" algn="ctr">
+                      <a:solidFill>
+                        <a:schemeClr val="tx1"/>
+                      </a:solidFill>
+                      <a:prstDash val="solid"/>
+                      <a:round/>
+                      <a:headEnd type="none" w="med" len="med"/>
+                      <a:tailEnd type="none" w="med" len="med"/>
+                    </a:lnB>
+                    <a:noFill/>
+                  </a:tcPr>
+                </a:tc>
+                <a:tc>
+                  <a:txBody>
+                    <a:bodyPr/>
+                    <a:lstStyle/>
+                    <a:p>
+                      <a:endParaRPr lang="hu-HU"/>
+                    </a:p>
+                  </a:txBody>
+                  <a:tcPr>
+                    <a:lnL w="12700" cap="flat" cmpd="sng" algn="ctr">
+                      <a:solidFill>
+                        <a:schemeClr val="tx1"/>
+                      </a:solidFill>
+                      <a:prstDash val="solid"/>
+                      <a:round/>
+                      <a:headEnd type="none" w="med" len="med"/>
+                      <a:tailEnd type="none" w="med" len="med"/>
+                    </a:lnL>
+                    <a:lnR w="12700" cap="flat" cmpd="sng" algn="ctr">
+                      <a:solidFill>
+                        <a:schemeClr val="tx1"/>
+                      </a:solidFill>
+                      <a:prstDash val="solid"/>
+                      <a:round/>
+                      <a:headEnd type="none" w="med" len="med"/>
+                      <a:tailEnd type="none" w="med" len="med"/>
+                    </a:lnR>
+                    <a:lnT w="12700" cap="flat" cmpd="sng" algn="ctr">
+                      <a:solidFill>
+                        <a:schemeClr val="tx1"/>
+                      </a:solidFill>
+                      <a:prstDash val="solid"/>
+                      <a:round/>
+                      <a:headEnd type="none" w="med" len="med"/>
+                      <a:tailEnd type="none" w="med" len="med"/>
+                    </a:lnT>
+                    <a:lnB w="12700" cap="flat" cmpd="sng" algn="ctr">
+                      <a:solidFill>
+                        <a:schemeClr val="tx1"/>
+                      </a:solidFill>
+                      <a:prstDash val="solid"/>
+                      <a:round/>
+                      <a:headEnd type="none" w="med" len="med"/>
+                      <a:tailEnd type="none" w="med" len="med"/>
+                    </a:lnB>
+                    <a:noFill/>
+                  </a:tcPr>
+                </a:tc>
+                <a:tc>
+                  <a:txBody>
+                    <a:bodyPr/>
+                    <a:lstStyle/>
+                    <a:p>
+                      <a:endParaRPr lang="hu-HU"/>
+                    </a:p>
+                  </a:txBody>
+                  <a:tcPr>
+                    <a:lnL w="12700" cap="flat" cmpd="sng" algn="ctr">
+                      <a:solidFill>
+                        <a:schemeClr val="tx1"/>
+                      </a:solidFill>
+                      <a:prstDash val="solid"/>
+                      <a:round/>
+                      <a:headEnd type="none" w="med" len="med"/>
+                      <a:tailEnd type="none" w="med" len="med"/>
+                    </a:lnL>
+                    <a:lnR w="12700" cap="flat" cmpd="sng" algn="ctr">
+                      <a:solidFill>
+                        <a:schemeClr val="tx1"/>
+                      </a:solidFill>
+                      <a:prstDash val="solid"/>
+                      <a:round/>
+                      <a:headEnd type="none" w="med" len="med"/>
+                      <a:tailEnd type="none" w="med" len="med"/>
+                    </a:lnR>
+                    <a:lnT w="12700" cap="flat" cmpd="sng" algn="ctr">
+                      <a:solidFill>
+                        <a:schemeClr val="tx1"/>
+                      </a:solidFill>
+                      <a:prstDash val="solid"/>
+                      <a:round/>
+                      <a:headEnd type="none" w="med" len="med"/>
+                      <a:tailEnd type="none" w="med" len="med"/>
+                    </a:lnT>
+                    <a:lnB w="12700" cap="flat" cmpd="sng" algn="ctr">
+                      <a:solidFill>
+                        <a:schemeClr val="tx1"/>
+                      </a:solidFill>
+                      <a:prstDash val="solid"/>
+                      <a:round/>
+                      <a:headEnd type="none" w="med" len="med"/>
+                      <a:tailEnd type="none" w="med" len="med"/>
+                    </a:lnB>
+                    <a:noFill/>
+                  </a:tcPr>
+                </a:tc>
+                <a:tc>
+                  <a:txBody>
+                    <a:bodyPr/>
+                    <a:lstStyle/>
+                    <a:p>
+                      <a:endParaRPr lang="hu-HU" dirty="0"/>
+                    </a:p>
+                  </a:txBody>
+                  <a:tcPr>
+                    <a:lnL w="12700" cap="flat" cmpd="sng" algn="ctr">
+                      <a:solidFill>
+                        <a:schemeClr val="tx1"/>
+                      </a:solidFill>
+                      <a:prstDash val="solid"/>
+                      <a:round/>
+                      <a:headEnd type="none" w="med" len="med"/>
+                      <a:tailEnd type="none" w="med" len="med"/>
+                    </a:lnL>
+                    <a:lnR w="12700" cap="flat" cmpd="sng" algn="ctr">
+                      <a:solidFill>
+                        <a:schemeClr val="tx1"/>
+                      </a:solidFill>
+                      <a:prstDash val="solid"/>
+                      <a:round/>
+                      <a:headEnd type="none" w="med" len="med"/>
+                      <a:tailEnd type="none" w="med" len="med"/>
+                    </a:lnR>
+                    <a:lnT w="12700" cap="flat" cmpd="sng" algn="ctr">
+                      <a:solidFill>
+                        <a:schemeClr val="tx1"/>
+                      </a:solidFill>
+                      <a:prstDash val="solid"/>
+                      <a:round/>
+                      <a:headEnd type="none" w="med" len="med"/>
+                      <a:tailEnd type="none" w="med" len="med"/>
+                    </a:lnT>
+                    <a:lnB w="12700" cap="flat" cmpd="sng" algn="ctr">
+                      <a:solidFill>
+                        <a:schemeClr val="tx1"/>
+                      </a:solidFill>
+                      <a:prstDash val="solid"/>
+                      <a:round/>
+                      <a:headEnd type="none" w="med" len="med"/>
+                      <a:tailEnd type="none" w="med" len="med"/>
+                    </a:lnB>
+                    <a:noFill/>
+                  </a:tcPr>
+                </a:tc>
+                <a:extLst>
+                  <a:ext uri="{0D108BD9-81ED-4DB2-BD59-A6C34878D82A}">
+                    <a16:rowId xmlns:a16="http://schemas.microsoft.com/office/drawing/2014/main" val="565551508"/>
+                  </a:ext>
+                </a:extLst>
+              </a:tr>
+              <a:tr h="367133">
+                <a:tc>
+                  <a:txBody>
+                    <a:bodyPr/>
+                    <a:lstStyle/>
+                    <a:p>
+                      <a:endParaRPr lang="hu-HU"/>
+                    </a:p>
+                  </a:txBody>
+                  <a:tcPr>
+                    <a:lnL w="12700" cap="flat" cmpd="sng" algn="ctr">
+                      <a:solidFill>
+                        <a:schemeClr val="tx1"/>
+                      </a:solidFill>
+                      <a:prstDash val="solid"/>
+                      <a:round/>
+                      <a:headEnd type="none" w="med" len="med"/>
+                      <a:tailEnd type="none" w="med" len="med"/>
+                    </a:lnL>
+                    <a:lnR w="12700" cap="flat" cmpd="sng" algn="ctr">
+                      <a:solidFill>
+                        <a:schemeClr val="tx1"/>
+                      </a:solidFill>
+                      <a:prstDash val="solid"/>
+                      <a:round/>
+                      <a:headEnd type="none" w="med" len="med"/>
+                      <a:tailEnd type="none" w="med" len="med"/>
+                    </a:lnR>
+                    <a:lnT w="12700" cap="flat" cmpd="sng" algn="ctr">
+                      <a:solidFill>
+                        <a:schemeClr val="tx1"/>
+                      </a:solidFill>
+                      <a:prstDash val="solid"/>
+                      <a:round/>
+                      <a:headEnd type="none" w="med" len="med"/>
+                      <a:tailEnd type="none" w="med" len="med"/>
+                    </a:lnT>
+                    <a:lnB w="12700" cap="flat" cmpd="sng" algn="ctr">
+                      <a:solidFill>
+                        <a:schemeClr val="tx1"/>
+                      </a:solidFill>
+                      <a:prstDash val="solid"/>
+                      <a:round/>
+                      <a:headEnd type="none" w="med" len="med"/>
+                      <a:tailEnd type="none" w="med" len="med"/>
+                    </a:lnB>
+                    <a:noFill/>
+                  </a:tcPr>
+                </a:tc>
+                <a:tc>
+                  <a:txBody>
+                    <a:bodyPr/>
+                    <a:lstStyle/>
+                    <a:p>
+                      <a:endParaRPr lang="hu-HU"/>
+                    </a:p>
+                  </a:txBody>
+                  <a:tcPr>
+                    <a:lnL w="12700" cap="flat" cmpd="sng" algn="ctr">
+                      <a:solidFill>
+                        <a:schemeClr val="tx1"/>
+                      </a:solidFill>
+                      <a:prstDash val="solid"/>
+                      <a:round/>
+                      <a:headEnd type="none" w="med" len="med"/>
+                      <a:tailEnd type="none" w="med" len="med"/>
+                    </a:lnL>
+                    <a:lnR w="12700" cap="flat" cmpd="sng" algn="ctr">
+                      <a:solidFill>
+                        <a:schemeClr val="tx1"/>
+                      </a:solidFill>
+                      <a:prstDash val="solid"/>
+                      <a:round/>
+                      <a:headEnd type="none" w="med" len="med"/>
+                      <a:tailEnd type="none" w="med" len="med"/>
+                    </a:lnR>
+                    <a:lnT w="12700" cap="flat" cmpd="sng" algn="ctr">
+                      <a:solidFill>
+                        <a:schemeClr val="tx1"/>
+                      </a:solidFill>
+                      <a:prstDash val="solid"/>
+                      <a:round/>
+                      <a:headEnd type="none" w="med" len="med"/>
+                      <a:tailEnd type="none" w="med" len="med"/>
+                    </a:lnT>
+                    <a:lnB w="12700" cap="flat" cmpd="sng" algn="ctr">
+                      <a:solidFill>
+                        <a:schemeClr val="tx1"/>
+                      </a:solidFill>
+                      <a:prstDash val="solid"/>
+                      <a:round/>
+                      <a:headEnd type="none" w="med" len="med"/>
+                      <a:tailEnd type="none" w="med" len="med"/>
+                    </a:lnB>
+                    <a:noFill/>
+                  </a:tcPr>
+                </a:tc>
+                <a:tc>
+                  <a:txBody>
+                    <a:bodyPr/>
+                    <a:lstStyle/>
+                    <a:p>
+                      <a:endParaRPr lang="hu-HU"/>
+                    </a:p>
+                  </a:txBody>
+                  <a:tcPr>
+                    <a:lnL w="12700" cap="flat" cmpd="sng" algn="ctr">
+                      <a:solidFill>
+                        <a:schemeClr val="tx1"/>
+                      </a:solidFill>
+                      <a:prstDash val="solid"/>
+                      <a:round/>
+                      <a:headEnd type="none" w="med" len="med"/>
+                      <a:tailEnd type="none" w="med" len="med"/>
+                    </a:lnL>
+                    <a:lnR w="12700" cap="flat" cmpd="sng" algn="ctr">
+                      <a:solidFill>
+                        <a:schemeClr val="tx1"/>
+                      </a:solidFill>
+                      <a:prstDash val="solid"/>
+                      <a:round/>
+                      <a:headEnd type="none" w="med" len="med"/>
+                      <a:tailEnd type="none" w="med" len="med"/>
+                    </a:lnR>
+                    <a:lnT w="12700" cap="flat" cmpd="sng" algn="ctr">
+                      <a:solidFill>
+                        <a:schemeClr val="tx1"/>
+                      </a:solidFill>
+                      <a:prstDash val="solid"/>
+                      <a:round/>
+                      <a:headEnd type="none" w="med" len="med"/>
+                      <a:tailEnd type="none" w="med" len="med"/>
+                    </a:lnT>
+                    <a:lnB w="12700" cap="flat" cmpd="sng" algn="ctr">
+                      <a:solidFill>
+                        <a:schemeClr val="tx1"/>
+                      </a:solidFill>
+                      <a:prstDash val="solid"/>
+                      <a:round/>
+                      <a:headEnd type="none" w="med" len="med"/>
+                      <a:tailEnd type="none" w="med" len="med"/>
+                    </a:lnB>
+                    <a:noFill/>
+                  </a:tcPr>
+                </a:tc>
+                <a:tc>
+                  <a:txBody>
+                    <a:bodyPr/>
+                    <a:lstStyle/>
+                    <a:p>
+                      <a:endParaRPr lang="hu-HU" dirty="0"/>
+                    </a:p>
+                  </a:txBody>
+                  <a:tcPr>
+                    <a:lnL w="12700" cap="flat" cmpd="sng" algn="ctr">
+                      <a:solidFill>
+                        <a:schemeClr val="tx1"/>
+                      </a:solidFill>
+                      <a:prstDash val="solid"/>
+                      <a:round/>
+                      <a:headEnd type="none" w="med" len="med"/>
+                      <a:tailEnd type="none" w="med" len="med"/>
+                    </a:lnL>
+                    <a:lnR w="12700" cap="flat" cmpd="sng" algn="ctr">
+                      <a:solidFill>
+                        <a:schemeClr val="tx1"/>
+                      </a:solidFill>
+                      <a:prstDash val="solid"/>
+                      <a:round/>
+                      <a:headEnd type="none" w="med" len="med"/>
+                      <a:tailEnd type="none" w="med" len="med"/>
+                    </a:lnR>
+                    <a:lnT w="12700" cap="flat" cmpd="sng" algn="ctr">
+                      <a:solidFill>
+                        <a:schemeClr val="tx1"/>
+                      </a:solidFill>
+                      <a:prstDash val="solid"/>
+                      <a:round/>
+                      <a:headEnd type="none" w="med" len="med"/>
+                      <a:tailEnd type="none" w="med" len="med"/>
+                    </a:lnT>
+                    <a:lnB w="12700" cap="flat" cmpd="sng" algn="ctr">
+                      <a:solidFill>
+                        <a:schemeClr val="tx1"/>
+                      </a:solidFill>
+                      <a:prstDash val="solid"/>
+                      <a:round/>
+                      <a:headEnd type="none" w="med" len="med"/>
+                      <a:tailEnd type="none" w="med" len="med"/>
+                    </a:lnB>
+                    <a:noFill/>
+                  </a:tcPr>
+                </a:tc>
+                <a:extLst>
+                  <a:ext uri="{0D108BD9-81ED-4DB2-BD59-A6C34878D82A}">
+                    <a16:rowId xmlns:a16="http://schemas.microsoft.com/office/drawing/2014/main" val="4214848835"/>
+                  </a:ext>
+                </a:extLst>
+              </a:tr>
+              <a:tr h="367133">
+                <a:tc>
+                  <a:txBody>
+                    <a:bodyPr/>
+                    <a:lstStyle/>
+                    <a:p>
+                      <a:endParaRPr lang="hu-HU"/>
+                    </a:p>
+                  </a:txBody>
+                  <a:tcPr>
+                    <a:lnL w="12700" cap="flat" cmpd="sng" algn="ctr">
+                      <a:solidFill>
+                        <a:schemeClr val="tx1"/>
+                      </a:solidFill>
+                      <a:prstDash val="solid"/>
+                      <a:round/>
+                      <a:headEnd type="none" w="med" len="med"/>
+                      <a:tailEnd type="none" w="med" len="med"/>
+                    </a:lnL>
+                    <a:lnR w="12700" cap="flat" cmpd="sng" algn="ctr">
+                      <a:solidFill>
+                        <a:schemeClr val="tx1"/>
+                      </a:solidFill>
+                      <a:prstDash val="solid"/>
+                      <a:round/>
+                      <a:headEnd type="none" w="med" len="med"/>
+                      <a:tailEnd type="none" w="med" len="med"/>
+                    </a:lnR>
+                    <a:lnT w="12700" cap="flat" cmpd="sng" algn="ctr">
+                      <a:solidFill>
+                        <a:schemeClr val="tx1"/>
+                      </a:solidFill>
+                      <a:prstDash val="solid"/>
+                      <a:round/>
+                      <a:headEnd type="none" w="med" len="med"/>
+                      <a:tailEnd type="none" w="med" len="med"/>
+                    </a:lnT>
+                    <a:lnB w="12700" cap="flat" cmpd="sng" algn="ctr">
+                      <a:solidFill>
+                        <a:schemeClr val="tx1"/>
+                      </a:solidFill>
+                      <a:prstDash val="solid"/>
+                      <a:round/>
+                      <a:headEnd type="none" w="med" len="med"/>
+                      <a:tailEnd type="none" w="med" len="med"/>
+                    </a:lnB>
+                    <a:noFill/>
+                  </a:tcPr>
+                </a:tc>
+                <a:tc>
+                  <a:txBody>
+                    <a:bodyPr/>
+                    <a:lstStyle/>
+                    <a:p>
+                      <a:endParaRPr lang="hu-HU"/>
+                    </a:p>
+                  </a:txBody>
+                  <a:tcPr>
+                    <a:lnL w="12700" cap="flat" cmpd="sng" algn="ctr">
+                      <a:solidFill>
+                        <a:schemeClr val="tx1"/>
+                      </a:solidFill>
+                      <a:prstDash val="solid"/>
+                      <a:round/>
+                      <a:headEnd type="none" w="med" len="med"/>
+                      <a:tailEnd type="none" w="med" len="med"/>
+                    </a:lnL>
+                    <a:lnR w="12700" cap="flat" cmpd="sng" algn="ctr">
+                      <a:solidFill>
+                        <a:schemeClr val="tx1"/>
+                      </a:solidFill>
+                      <a:prstDash val="solid"/>
+                      <a:round/>
+                      <a:headEnd type="none" w="med" len="med"/>
+                      <a:tailEnd type="none" w="med" len="med"/>
+                    </a:lnR>
+                    <a:lnT w="12700" cap="flat" cmpd="sng" algn="ctr">
+                      <a:solidFill>
+                        <a:schemeClr val="tx1"/>
+                      </a:solidFill>
+                      <a:prstDash val="solid"/>
+                      <a:round/>
+                      <a:headEnd type="none" w="med" len="med"/>
+                      <a:tailEnd type="none" w="med" len="med"/>
+                    </a:lnT>
+                    <a:lnB w="12700" cap="flat" cmpd="sng" algn="ctr">
+                      <a:solidFill>
+                        <a:schemeClr val="tx1"/>
+                      </a:solidFill>
+                      <a:prstDash val="solid"/>
+                      <a:round/>
+                      <a:headEnd type="none" w="med" len="med"/>
+                      <a:tailEnd type="none" w="med" len="med"/>
+                    </a:lnB>
+                    <a:noFill/>
+                  </a:tcPr>
+                </a:tc>
+                <a:tc>
+                  <a:txBody>
+                    <a:bodyPr/>
+                    <a:lstStyle/>
+                    <a:p>
+                      <a:endParaRPr lang="hu-HU"/>
+                    </a:p>
+                  </a:txBody>
+                  <a:tcPr>
+                    <a:lnL w="12700" cap="flat" cmpd="sng" algn="ctr">
+                      <a:solidFill>
+                        <a:schemeClr val="tx1"/>
+                      </a:solidFill>
+                      <a:prstDash val="solid"/>
+                      <a:round/>
+                      <a:headEnd type="none" w="med" len="med"/>
+                      <a:tailEnd type="none" w="med" len="med"/>
+                    </a:lnL>
+                    <a:lnR w="12700" cap="flat" cmpd="sng" algn="ctr">
+                      <a:solidFill>
+                        <a:schemeClr val="tx1"/>
+                      </a:solidFill>
+                      <a:prstDash val="solid"/>
+                      <a:round/>
+                      <a:headEnd type="none" w="med" len="med"/>
+                      <a:tailEnd type="none" w="med" len="med"/>
+                    </a:lnR>
+                    <a:lnT w="12700" cap="flat" cmpd="sng" algn="ctr">
+                      <a:solidFill>
+                        <a:schemeClr val="tx1"/>
+                      </a:solidFill>
+                      <a:prstDash val="solid"/>
+                      <a:round/>
+                      <a:headEnd type="none" w="med" len="med"/>
+                      <a:tailEnd type="none" w="med" len="med"/>
+                    </a:lnT>
+                    <a:lnB w="12700" cap="flat" cmpd="sng" algn="ctr">
+                      <a:solidFill>
+                        <a:schemeClr val="tx1"/>
+                      </a:solidFill>
+                      <a:prstDash val="solid"/>
+                      <a:round/>
+                      <a:headEnd type="none" w="med" len="med"/>
+                      <a:tailEnd type="none" w="med" len="med"/>
+                    </a:lnB>
+                    <a:noFill/>
+                  </a:tcPr>
+                </a:tc>
+                <a:tc>
+                  <a:txBody>
+                    <a:bodyPr/>
+                    <a:lstStyle/>
+                    <a:p>
+                      <a:endParaRPr lang="hu-HU" dirty="0"/>
+                    </a:p>
+                  </a:txBody>
+                  <a:tcPr>
+                    <a:lnL w="12700" cap="flat" cmpd="sng" algn="ctr">
+                      <a:solidFill>
+                        <a:schemeClr val="tx1"/>
+                      </a:solidFill>
+                      <a:prstDash val="solid"/>
+                      <a:round/>
+                      <a:headEnd type="none" w="med" len="med"/>
+                      <a:tailEnd type="none" w="med" len="med"/>
+                    </a:lnL>
+                    <a:lnR w="12700" cap="flat" cmpd="sng" algn="ctr">
+                      <a:solidFill>
+                        <a:schemeClr val="tx1"/>
+                      </a:solidFill>
+                      <a:prstDash val="solid"/>
+                      <a:round/>
+                      <a:headEnd type="none" w="med" len="med"/>
+                      <a:tailEnd type="none" w="med" len="med"/>
+                    </a:lnR>
+                    <a:lnT w="12700" cap="flat" cmpd="sng" algn="ctr">
+                      <a:solidFill>
+                        <a:schemeClr val="tx1"/>
+                      </a:solidFill>
+                      <a:prstDash val="solid"/>
+                      <a:round/>
+                      <a:headEnd type="none" w="med" len="med"/>
+                      <a:tailEnd type="none" w="med" len="med"/>
+                    </a:lnT>
+                    <a:lnB w="12700" cap="flat" cmpd="sng" algn="ctr">
+                      <a:solidFill>
+                        <a:schemeClr val="tx1"/>
+                      </a:solidFill>
+                      <a:prstDash val="solid"/>
+                      <a:round/>
+                      <a:headEnd type="none" w="med" len="med"/>
+                      <a:tailEnd type="none" w="med" len="med"/>
+                    </a:lnB>
+                    <a:noFill/>
+                  </a:tcPr>
+                </a:tc>
+                <a:extLst>
+                  <a:ext uri="{0D108BD9-81ED-4DB2-BD59-A6C34878D82A}">
+                    <a16:rowId xmlns:a16="http://schemas.microsoft.com/office/drawing/2014/main" val="1006759766"/>
+                  </a:ext>
+                </a:extLst>
+              </a:tr>
+              <a:tr h="367133">
+                <a:tc>
+                  <a:txBody>
+                    <a:bodyPr/>
+                    <a:lstStyle/>
+                    <a:p>
+                      <a:endParaRPr lang="hu-HU"/>
+                    </a:p>
+                  </a:txBody>
+                  <a:tcPr>
+                    <a:lnL w="12700" cap="flat" cmpd="sng" algn="ctr">
+                      <a:solidFill>
+                        <a:schemeClr val="tx1"/>
+                      </a:solidFill>
+                      <a:prstDash val="solid"/>
+                      <a:round/>
+                      <a:headEnd type="none" w="med" len="med"/>
+                      <a:tailEnd type="none" w="med" len="med"/>
+                    </a:lnL>
+                    <a:lnR w="12700" cap="flat" cmpd="sng" algn="ctr">
+                      <a:solidFill>
+                        <a:schemeClr val="tx1"/>
+                      </a:solidFill>
+                      <a:prstDash val="solid"/>
+                      <a:round/>
+                      <a:headEnd type="none" w="med" len="med"/>
+                      <a:tailEnd type="none" w="med" len="med"/>
+                    </a:lnR>
+                    <a:lnT w="12700" cap="flat" cmpd="sng" algn="ctr">
+                      <a:solidFill>
+                        <a:schemeClr val="tx1"/>
+                      </a:solidFill>
+                      <a:prstDash val="solid"/>
+                      <a:round/>
+                      <a:headEnd type="none" w="med" len="med"/>
+                      <a:tailEnd type="none" w="med" len="med"/>
+                    </a:lnT>
+                    <a:lnB w="12700" cap="flat" cmpd="sng" algn="ctr">
+                      <a:solidFill>
+                        <a:schemeClr val="tx1"/>
+                      </a:solidFill>
+                      <a:prstDash val="solid"/>
+                      <a:round/>
+                      <a:headEnd type="none" w="med" len="med"/>
+                      <a:tailEnd type="none" w="med" len="med"/>
+                    </a:lnB>
+                    <a:noFill/>
+                  </a:tcPr>
+                </a:tc>
+                <a:tc>
+                  <a:txBody>
+                    <a:bodyPr/>
+                    <a:lstStyle/>
+                    <a:p>
+                      <a:endParaRPr lang="hu-HU"/>
+                    </a:p>
+                  </a:txBody>
+                  <a:tcPr>
+                    <a:lnL w="12700" cap="flat" cmpd="sng" algn="ctr">
+                      <a:solidFill>
+                        <a:schemeClr val="tx1"/>
+                      </a:solidFill>
+                      <a:prstDash val="solid"/>
+                      <a:round/>
+                      <a:headEnd type="none" w="med" len="med"/>
+                      <a:tailEnd type="none" w="med" len="med"/>
+                    </a:lnL>
+                    <a:lnR w="12700" cap="flat" cmpd="sng" algn="ctr">
+                      <a:solidFill>
+                        <a:schemeClr val="tx1"/>
+                      </a:solidFill>
+                      <a:prstDash val="solid"/>
+                      <a:round/>
+                      <a:headEnd type="none" w="med" len="med"/>
+                      <a:tailEnd type="none" w="med" len="med"/>
+                    </a:lnR>
+                    <a:lnT w="12700" cap="flat" cmpd="sng" algn="ctr">
+                      <a:solidFill>
+                        <a:schemeClr val="tx1"/>
+                      </a:solidFill>
+                      <a:prstDash val="solid"/>
+                      <a:round/>
+                      <a:headEnd type="none" w="med" len="med"/>
+                      <a:tailEnd type="none" w="med" len="med"/>
+                    </a:lnT>
+                    <a:lnB w="12700" cap="flat" cmpd="sng" algn="ctr">
+                      <a:solidFill>
+                        <a:schemeClr val="tx1"/>
+                      </a:solidFill>
+                      <a:prstDash val="solid"/>
+                      <a:round/>
+                      <a:headEnd type="none" w="med" len="med"/>
+                      <a:tailEnd type="none" w="med" len="med"/>
+                    </a:lnB>
+                    <a:noFill/>
+                  </a:tcPr>
+                </a:tc>
+                <a:tc>
+                  <a:txBody>
+                    <a:bodyPr/>
+                    <a:lstStyle/>
+                    <a:p>
+                      <a:endParaRPr lang="hu-HU"/>
+                    </a:p>
+                  </a:txBody>
+                  <a:tcPr>
+                    <a:lnL w="12700" cap="flat" cmpd="sng" algn="ctr">
+                      <a:solidFill>
+                        <a:schemeClr val="tx1"/>
+                      </a:solidFill>
+                      <a:prstDash val="solid"/>
+                      <a:round/>
+                      <a:headEnd type="none" w="med" len="med"/>
+                      <a:tailEnd type="none" w="med" len="med"/>
+                    </a:lnL>
+                    <a:lnR w="12700" cap="flat" cmpd="sng" algn="ctr">
+                      <a:solidFill>
+                        <a:schemeClr val="tx1"/>
+                      </a:solidFill>
+                      <a:prstDash val="solid"/>
+                      <a:round/>
+                      <a:headEnd type="none" w="med" len="med"/>
+                      <a:tailEnd type="none" w="med" len="med"/>
+                    </a:lnR>
+                    <a:lnT w="12700" cap="flat" cmpd="sng" algn="ctr">
+                      <a:solidFill>
+                        <a:schemeClr val="tx1"/>
+                      </a:solidFill>
+                      <a:prstDash val="solid"/>
+                      <a:round/>
+                      <a:headEnd type="none" w="med" len="med"/>
+                      <a:tailEnd type="none" w="med" len="med"/>
+                    </a:lnT>
+                    <a:lnB w="12700" cap="flat" cmpd="sng" algn="ctr">
+                      <a:solidFill>
+                        <a:schemeClr val="tx1"/>
+                      </a:solidFill>
+                      <a:prstDash val="solid"/>
+                      <a:round/>
+                      <a:headEnd type="none" w="med" len="med"/>
+                      <a:tailEnd type="none" w="med" len="med"/>
+                    </a:lnB>
+                    <a:noFill/>
+                  </a:tcPr>
+                </a:tc>
+                <a:tc>
+                  <a:txBody>
+                    <a:bodyPr/>
+                    <a:lstStyle/>
+                    <a:p>
+                      <a:endParaRPr lang="hu-HU" dirty="0"/>
+                    </a:p>
+                  </a:txBody>
+                  <a:tcPr>
+                    <a:lnL w="12700" cap="flat" cmpd="sng" algn="ctr">
+                      <a:solidFill>
+                        <a:schemeClr val="tx1"/>
+                      </a:solidFill>
+                      <a:prstDash val="solid"/>
+                      <a:round/>
+                      <a:headEnd type="none" w="med" len="med"/>
+                      <a:tailEnd type="none" w="med" len="med"/>
+                    </a:lnL>
+                    <a:lnR w="12700" cap="flat" cmpd="sng" algn="ctr">
+                      <a:solidFill>
+                        <a:schemeClr val="tx1"/>
+                      </a:solidFill>
+                      <a:prstDash val="solid"/>
+                      <a:round/>
+                      <a:headEnd type="none" w="med" len="med"/>
+                      <a:tailEnd type="none" w="med" len="med"/>
+                    </a:lnR>
+                    <a:lnT w="12700" cap="flat" cmpd="sng" algn="ctr">
+                      <a:solidFill>
+                        <a:schemeClr val="tx1"/>
+                      </a:solidFill>
+                      <a:prstDash val="solid"/>
+                      <a:round/>
+                      <a:headEnd type="none" w="med" len="med"/>
+                      <a:tailEnd type="none" w="med" len="med"/>
+                    </a:lnT>
+                    <a:lnB w="12700" cap="flat" cmpd="sng" algn="ctr">
+                      <a:solidFill>
+                        <a:schemeClr val="tx1"/>
+                      </a:solidFill>
+                      <a:prstDash val="solid"/>
+                      <a:round/>
+                      <a:headEnd type="none" w="med" len="med"/>
+                      <a:tailEnd type="none" w="med" len="med"/>
+                    </a:lnB>
+                    <a:noFill/>
+                  </a:tcPr>
+                </a:tc>
+                <a:extLst>
+                  <a:ext uri="{0D108BD9-81ED-4DB2-BD59-A6C34878D82A}">
+                    <a16:rowId xmlns:a16="http://schemas.microsoft.com/office/drawing/2014/main" val="2953565527"/>
+                  </a:ext>
+                </a:extLst>
+              </a:tr>
+              <a:tr h="367133">
+                <a:tc>
+                  <a:txBody>
+                    <a:bodyPr/>
+                    <a:lstStyle/>
+                    <a:p>
+                      <a:endParaRPr lang="hu-HU"/>
+                    </a:p>
+                  </a:txBody>
+                  <a:tcPr>
+                    <a:lnL w="12700" cap="flat" cmpd="sng" algn="ctr">
+                      <a:solidFill>
+                        <a:schemeClr val="tx1"/>
+                      </a:solidFill>
+                      <a:prstDash val="solid"/>
+                      <a:round/>
+                      <a:headEnd type="none" w="med" len="med"/>
+                      <a:tailEnd type="none" w="med" len="med"/>
+                    </a:lnL>
+                    <a:lnR w="12700" cap="flat" cmpd="sng" algn="ctr">
+                      <a:solidFill>
+                        <a:schemeClr val="tx1"/>
+                      </a:solidFill>
+                      <a:prstDash val="solid"/>
+                      <a:round/>
+                      <a:headEnd type="none" w="med" len="med"/>
+                      <a:tailEnd type="none" w="med" len="med"/>
+                    </a:lnR>
+                    <a:lnT w="12700" cap="flat" cmpd="sng" algn="ctr">
+                      <a:solidFill>
+                        <a:schemeClr val="tx1"/>
+                      </a:solidFill>
+                      <a:prstDash val="solid"/>
+                      <a:round/>
+                      <a:headEnd type="none" w="med" len="med"/>
+                      <a:tailEnd type="none" w="med" len="med"/>
+                    </a:lnT>
+                    <a:lnB w="12700" cap="flat" cmpd="sng" algn="ctr">
+                      <a:solidFill>
+                        <a:schemeClr val="tx1"/>
+                      </a:solidFill>
+                      <a:prstDash val="solid"/>
+                      <a:round/>
+                      <a:headEnd type="none" w="med" len="med"/>
+                      <a:tailEnd type="none" w="med" len="med"/>
+                    </a:lnB>
+                    <a:noFill/>
+                  </a:tcPr>
+                </a:tc>
+                <a:tc>
+                  <a:txBody>
+                    <a:bodyPr/>
+                    <a:lstStyle/>
+                    <a:p>
+                      <a:endParaRPr lang="hu-HU"/>
+                    </a:p>
+                  </a:txBody>
+                  <a:tcPr>
+                    <a:lnL w="12700" cap="flat" cmpd="sng" algn="ctr">
+                      <a:solidFill>
+                        <a:schemeClr val="tx1"/>
+                      </a:solidFill>
+                      <a:prstDash val="solid"/>
+                      <a:round/>
+                      <a:headEnd type="none" w="med" len="med"/>
+                      <a:tailEnd type="none" w="med" len="med"/>
+                    </a:lnL>
+                    <a:lnR w="12700" cap="flat" cmpd="sng" algn="ctr">
+                      <a:solidFill>
+                        <a:schemeClr val="tx1"/>
+                      </a:solidFill>
+                      <a:prstDash val="solid"/>
+                      <a:round/>
+                      <a:headEnd type="none" w="med" len="med"/>
+                      <a:tailEnd type="none" w="med" len="med"/>
+                    </a:lnR>
+                    <a:lnT w="12700" cap="flat" cmpd="sng" algn="ctr">
+                      <a:solidFill>
+                        <a:schemeClr val="tx1"/>
+                      </a:solidFill>
+                      <a:prstDash val="solid"/>
+                      <a:round/>
+                      <a:headEnd type="none" w="med" len="med"/>
+                      <a:tailEnd type="none" w="med" len="med"/>
+                    </a:lnT>
+                    <a:lnB w="12700" cap="flat" cmpd="sng" algn="ctr">
+                      <a:solidFill>
+                        <a:schemeClr val="tx1"/>
+                      </a:solidFill>
+                      <a:prstDash val="solid"/>
+                      <a:round/>
+                      <a:headEnd type="none" w="med" len="med"/>
+                      <a:tailEnd type="none" w="med" len="med"/>
+                    </a:lnB>
+                    <a:noFill/>
+                  </a:tcPr>
+                </a:tc>
+                <a:tc>
+                  <a:txBody>
+                    <a:bodyPr/>
+                    <a:lstStyle/>
+                    <a:p>
+                      <a:endParaRPr lang="hu-HU"/>
+                    </a:p>
+                  </a:txBody>
+                  <a:tcPr>
+                    <a:lnL w="12700" cap="flat" cmpd="sng" algn="ctr">
+                      <a:solidFill>
+                        <a:schemeClr val="tx1"/>
+                      </a:solidFill>
+                      <a:prstDash val="solid"/>
+                      <a:round/>
+                      <a:headEnd type="none" w="med" len="med"/>
+                      <a:tailEnd type="none" w="med" len="med"/>
+                    </a:lnL>
+                    <a:lnR w="12700" cap="flat" cmpd="sng" algn="ctr">
+                      <a:solidFill>
+                        <a:schemeClr val="tx1"/>
+                      </a:solidFill>
+                      <a:prstDash val="solid"/>
+                      <a:round/>
+                      <a:headEnd type="none" w="med" len="med"/>
+                      <a:tailEnd type="none" w="med" len="med"/>
+                    </a:lnR>
+                    <a:lnT w="12700" cap="flat" cmpd="sng" algn="ctr">
+                      <a:solidFill>
+                        <a:schemeClr val="tx1"/>
+                      </a:solidFill>
+                      <a:prstDash val="solid"/>
+                      <a:round/>
+                      <a:headEnd type="none" w="med" len="med"/>
+                      <a:tailEnd type="none" w="med" len="med"/>
+                    </a:lnT>
+                    <a:lnB w="12700" cap="flat" cmpd="sng" algn="ctr">
+                      <a:solidFill>
+                        <a:schemeClr val="tx1"/>
+                      </a:solidFill>
+                      <a:prstDash val="solid"/>
+                      <a:round/>
+                      <a:headEnd type="none" w="med" len="med"/>
+                      <a:tailEnd type="none" w="med" len="med"/>
+                    </a:lnB>
+                    <a:noFill/>
+                  </a:tcPr>
+                </a:tc>
+                <a:tc>
+                  <a:txBody>
+                    <a:bodyPr/>
+                    <a:lstStyle/>
+                    <a:p>
+                      <a:endParaRPr lang="hu-HU" dirty="0"/>
+                    </a:p>
+                  </a:txBody>
+                  <a:tcPr>
+                    <a:lnL w="12700" cap="flat" cmpd="sng" algn="ctr">
+                      <a:solidFill>
+                        <a:schemeClr val="tx1"/>
+                      </a:solidFill>
+                      <a:prstDash val="solid"/>
+                      <a:round/>
+                      <a:headEnd type="none" w="med" len="med"/>
+                      <a:tailEnd type="none" w="med" len="med"/>
+                    </a:lnL>
+                    <a:lnR w="12700" cap="flat" cmpd="sng" algn="ctr">
+                      <a:solidFill>
+                        <a:schemeClr val="tx1"/>
+                      </a:solidFill>
+                      <a:prstDash val="solid"/>
+                      <a:round/>
+                      <a:headEnd type="none" w="med" len="med"/>
+                      <a:tailEnd type="none" w="med" len="med"/>
+                    </a:lnR>
+                    <a:lnT w="12700" cap="flat" cmpd="sng" algn="ctr">
+                      <a:solidFill>
+                        <a:schemeClr val="tx1"/>
+                      </a:solidFill>
+                      <a:prstDash val="solid"/>
+                      <a:round/>
+                      <a:headEnd type="none" w="med" len="med"/>
+                      <a:tailEnd type="none" w="med" len="med"/>
+                    </a:lnT>
+                    <a:lnB w="12700" cap="flat" cmpd="sng" algn="ctr">
+                      <a:solidFill>
+                        <a:schemeClr val="tx1"/>
+                      </a:solidFill>
+                      <a:prstDash val="solid"/>
+                      <a:round/>
+                      <a:headEnd type="none" w="med" len="med"/>
+                      <a:tailEnd type="none" w="med" len="med"/>
+                    </a:lnB>
+                    <a:noFill/>
+                  </a:tcPr>
+                </a:tc>
+                <a:extLst>
+                  <a:ext uri="{0D108BD9-81ED-4DB2-BD59-A6C34878D82A}">
+                    <a16:rowId xmlns:a16="http://schemas.microsoft.com/office/drawing/2014/main" val="2119100365"/>
+                  </a:ext>
+                </a:extLst>
+              </a:tr>
+              <a:tr h="367133">
+                <a:tc>
+                  <a:txBody>
+                    <a:bodyPr/>
+                    <a:lstStyle/>
+                    <a:p>
+                      <a:endParaRPr lang="hu-HU"/>
+                    </a:p>
+                  </a:txBody>
+                  <a:tcPr>
+                    <a:lnL w="12700" cap="flat" cmpd="sng" algn="ctr">
+                      <a:solidFill>
+                        <a:schemeClr val="tx1"/>
+                      </a:solidFill>
+                      <a:prstDash val="solid"/>
+                      <a:round/>
+                      <a:headEnd type="none" w="med" len="med"/>
+                      <a:tailEnd type="none" w="med" len="med"/>
+                    </a:lnL>
+                    <a:lnR w="12700" cap="flat" cmpd="sng" algn="ctr">
+                      <a:solidFill>
+                        <a:schemeClr val="tx1"/>
+                      </a:solidFill>
+                      <a:prstDash val="solid"/>
+                      <a:round/>
+                      <a:headEnd type="none" w="med" len="med"/>
+                      <a:tailEnd type="none" w="med" len="med"/>
+                    </a:lnR>
+                    <a:lnT w="12700" cap="flat" cmpd="sng" algn="ctr">
+                      <a:solidFill>
+                        <a:schemeClr val="tx1"/>
+                      </a:solidFill>
+                      <a:prstDash val="solid"/>
+                      <a:round/>
+                      <a:headEnd type="none" w="med" len="med"/>
+                      <a:tailEnd type="none" w="med" len="med"/>
+                    </a:lnT>
+                    <a:lnB w="12700" cap="flat" cmpd="sng" algn="ctr">
+                      <a:solidFill>
+                        <a:schemeClr val="tx1"/>
+                      </a:solidFill>
+                      <a:prstDash val="solid"/>
+                      <a:round/>
+                      <a:headEnd type="none" w="med" len="med"/>
+                      <a:tailEnd type="none" w="med" len="med"/>
+                    </a:lnB>
+                    <a:noFill/>
+                  </a:tcPr>
+                </a:tc>
+                <a:tc>
+                  <a:txBody>
+                    <a:bodyPr/>
+                    <a:lstStyle/>
+                    <a:p>
+                      <a:endParaRPr lang="hu-HU"/>
+                    </a:p>
+                  </a:txBody>
+                  <a:tcPr>
+                    <a:lnL w="12700" cap="flat" cmpd="sng" algn="ctr">
+                      <a:solidFill>
+                        <a:schemeClr val="tx1"/>
+                      </a:solidFill>
+                      <a:prstDash val="solid"/>
+                      <a:round/>
+                      <a:headEnd type="none" w="med" len="med"/>
+                      <a:tailEnd type="none" w="med" len="med"/>
+                    </a:lnL>
+                    <a:lnR w="12700" cap="flat" cmpd="sng" algn="ctr">
+                      <a:solidFill>
+                        <a:schemeClr val="tx1"/>
+                      </a:solidFill>
+                      <a:prstDash val="solid"/>
+                      <a:round/>
+                      <a:headEnd type="none" w="med" len="med"/>
+                      <a:tailEnd type="none" w="med" len="med"/>
+                    </a:lnR>
+                    <a:lnT w="12700" cap="flat" cmpd="sng" algn="ctr">
+                      <a:solidFill>
+                        <a:schemeClr val="tx1"/>
+                      </a:solidFill>
+                      <a:prstDash val="solid"/>
+                      <a:round/>
+                      <a:headEnd type="none" w="med" len="med"/>
+                      <a:tailEnd type="none" w="med" len="med"/>
+                    </a:lnT>
+                    <a:lnB w="12700" cap="flat" cmpd="sng" algn="ctr">
+                      <a:solidFill>
+                        <a:schemeClr val="tx1"/>
+                      </a:solidFill>
+                      <a:prstDash val="solid"/>
+                      <a:round/>
+                      <a:headEnd type="none" w="med" len="med"/>
+                      <a:tailEnd type="none" w="med" len="med"/>
+                    </a:lnB>
+                    <a:noFill/>
+                  </a:tcPr>
+                </a:tc>
+                <a:tc>
+                  <a:txBody>
+                    <a:bodyPr/>
+                    <a:lstStyle/>
+                    <a:p>
+                      <a:endParaRPr lang="hu-HU"/>
+                    </a:p>
+                  </a:txBody>
+                  <a:tcPr>
+                    <a:lnL w="12700" cap="flat" cmpd="sng" algn="ctr">
+                      <a:solidFill>
+                        <a:schemeClr val="tx1"/>
+                      </a:solidFill>
+                      <a:prstDash val="solid"/>
+                      <a:round/>
+                      <a:headEnd type="none" w="med" len="med"/>
+                      <a:tailEnd type="none" w="med" len="med"/>
+                    </a:lnL>
+                    <a:lnR w="12700" cap="flat" cmpd="sng" algn="ctr">
+                      <a:solidFill>
+                        <a:schemeClr val="tx1"/>
+                      </a:solidFill>
+                      <a:prstDash val="solid"/>
+                      <a:round/>
+                      <a:headEnd type="none" w="med" len="med"/>
+                      <a:tailEnd type="none" w="med" len="med"/>
+                    </a:lnR>
+                    <a:lnT w="12700" cap="flat" cmpd="sng" algn="ctr">
+                      <a:solidFill>
+                        <a:schemeClr val="tx1"/>
+                      </a:solidFill>
+                      <a:prstDash val="solid"/>
+                      <a:round/>
+                      <a:headEnd type="none" w="med" len="med"/>
+                      <a:tailEnd type="none" w="med" len="med"/>
+                    </a:lnT>
+                    <a:lnB w="12700" cap="flat" cmpd="sng" algn="ctr">
+                      <a:solidFill>
+                        <a:schemeClr val="tx1"/>
+                      </a:solidFill>
+                      <a:prstDash val="solid"/>
+                      <a:round/>
+                      <a:headEnd type="none" w="med" len="med"/>
+                      <a:tailEnd type="none" w="med" len="med"/>
+                    </a:lnB>
+                    <a:noFill/>
+                  </a:tcPr>
+                </a:tc>
+                <a:tc>
+                  <a:txBody>
+                    <a:bodyPr/>
+                    <a:lstStyle/>
+                    <a:p>
+                      <a:endParaRPr lang="hu-HU" dirty="0"/>
+                    </a:p>
+                  </a:txBody>
+                  <a:tcPr>
+                    <a:lnL w="12700" cap="flat" cmpd="sng" algn="ctr">
+                      <a:solidFill>
+                        <a:schemeClr val="tx1"/>
+                      </a:solidFill>
+                      <a:prstDash val="solid"/>
+                      <a:round/>
+                      <a:headEnd type="none" w="med" len="med"/>
+                      <a:tailEnd type="none" w="med" len="med"/>
+                    </a:lnL>
+                    <a:lnR w="12700" cap="flat" cmpd="sng" algn="ctr">
+                      <a:solidFill>
+                        <a:schemeClr val="tx1"/>
+                      </a:solidFill>
+                      <a:prstDash val="solid"/>
+                      <a:round/>
+                      <a:headEnd type="none" w="med" len="med"/>
+                      <a:tailEnd type="none" w="med" len="med"/>
+                    </a:lnR>
+                    <a:lnT w="12700" cap="flat" cmpd="sng" algn="ctr">
+                      <a:solidFill>
+                        <a:schemeClr val="tx1"/>
+                      </a:solidFill>
+                      <a:prstDash val="solid"/>
+                      <a:round/>
+                      <a:headEnd type="none" w="med" len="med"/>
+                      <a:tailEnd type="none" w="med" len="med"/>
+                    </a:lnT>
+                    <a:lnB w="12700" cap="flat" cmpd="sng" algn="ctr">
+                      <a:solidFill>
+                        <a:schemeClr val="tx1"/>
+                      </a:solidFill>
+                      <a:prstDash val="solid"/>
+                      <a:round/>
+                      <a:headEnd type="none" w="med" len="med"/>
+                      <a:tailEnd type="none" w="med" len="med"/>
+                    </a:lnB>
+                    <a:noFill/>
+                  </a:tcPr>
+                </a:tc>
+                <a:extLst>
+                  <a:ext uri="{0D108BD9-81ED-4DB2-BD59-A6C34878D82A}">
+                    <a16:rowId xmlns:a16="http://schemas.microsoft.com/office/drawing/2014/main" val="446137462"/>
+                  </a:ext>
+                </a:extLst>
+              </a:tr>
+            </a:tbl>
+          </a:graphicData>
+        </a:graphic>
+      </p:graphicFrame>
+    </p:spTree>
+    <p:extLst>
+      <p:ext uri="{BB962C8B-B14F-4D97-AF65-F5344CB8AC3E}">
+        <p14:creationId xmlns:p14="http://schemas.microsoft.com/office/powerpoint/2010/main" val="2881907858"/>
+      </p:ext>
+    </p:extLst>
+  </p:cSld>
+  <p:clrMapOvr>
+    <a:masterClrMapping/>
+  </p:clrMapOvr>
+</p:sld>
+</file>
+
+<file path=ppt/slides/slide4.xml><?xml version="1.0" encoding="utf-8"?>
+<p:sld xmlns:a="http://schemas.openxmlformats.org/drawingml/2006/main" xmlns:r="http://schemas.openxmlformats.org/officeDocument/2006/relationships" xmlns:p="http://schemas.openxmlformats.org/presentationml/2006/main">
+  <p:cSld>
+    <p:spTree>
+      <p:nvGrpSpPr>
+        <p:cNvPr id="1" name=""/>
+        <p:cNvGrpSpPr/>
+        <p:nvPr/>
+      </p:nvGrpSpPr>
+      <p:grpSpPr>
+        <a:xfrm>
+          <a:off x="0" y="0"/>
+          <a:ext cx="0" cy="0"/>
+          <a:chOff x="0" y="0"/>
+          <a:chExt cx="0" cy="0"/>
+        </a:xfrm>
+      </p:grpSpPr>
+      <p:sp>
+        <p:nvSpPr>
+          <p:cNvPr id="2" name="Title 1">
+            <a:extLst>
+              <a:ext uri="{FF2B5EF4-FFF2-40B4-BE49-F238E27FC236}">
+                <a16:creationId xmlns:a16="http://schemas.microsoft.com/office/drawing/2014/main" id="{8994F8C8-26A8-AC0E-F6CC-BC9D61E02A34}"/>
+              </a:ext>
+            </a:extLst>
+          </p:cNvPr>
+          <p:cNvSpPr>
+            <a:spLocks noGrp="1"/>
+          </p:cNvSpPr>
+          <p:nvPr>
+            <p:ph type="title"/>
+          </p:nvPr>
+        </p:nvSpPr>
+        <p:spPr>
+          <a:xfrm>
+            <a:off x="2204815" y="-48765"/>
+            <a:ext cx="3195954" cy="617034"/>
           </a:xfrm>
           <a:prstGeom prst="rect">
             <a:avLst/>
@@ -3916,13 +11791,7 @@
           <p:cNvGraphicFramePr>
             <a:graphicFrameLocks noGrp="1"/>
           </p:cNvGraphicFramePr>
-          <p:nvPr>
-            <p:extLst>
-              <p:ext uri="{D42A27DB-BD31-4B8C-83A1-F6EECF244321}">
-                <p14:modId xmlns:p14="http://schemas.microsoft.com/office/powerpoint/2010/main" val="778660966"/>
-              </p:ext>
-            </p:extLst>
-          </p:nvPr>
+          <p:nvPr/>
         </p:nvGraphicFramePr>
         <p:xfrm>
           <a:off x="38738" y="588944"/>
@@ -4373,7 +12242,7 @@
     </p:spTree>
     <p:extLst>
       <p:ext uri="{BB962C8B-B14F-4D97-AF65-F5344CB8AC3E}">
-        <p14:creationId xmlns:p14="http://schemas.microsoft.com/office/powerpoint/2010/main" val="2976902371"/>
+        <p14:creationId xmlns:p14="http://schemas.microsoft.com/office/powerpoint/2010/main" val="77631259"/>
       </p:ext>
     </p:extLst>
   </p:cSld>

--- a/MR2.4/MR2.4_Full.pptx
+++ b/MR2.4/MR2.4_Full.pptx
@@ -4092,8 +4092,8 @@
         </p:nvSpPr>
         <p:spPr>
           <a:xfrm>
-            <a:off x="2179177" y="-48765"/>
-            <a:ext cx="3221591" cy="617034"/>
+            <a:off x="2657742" y="-48765"/>
+            <a:ext cx="2743026" cy="617034"/>
           </a:xfrm>
           <a:prstGeom prst="rect">
             <a:avLst/>
@@ -4103,7 +4103,14 @@
           <a:bodyPr/>
           <a:lstStyle/>
           <a:p>
-            <a:endParaRPr lang="hu-HU" dirty="0"/>
+            <a:r>
+              <a:rPr lang="hu-HU" dirty="0" err="1"/>
+              <a:t>Checklist</a:t>
+            </a:r>
+            <a:r>
+              <a:rPr lang="hu-HU" dirty="0"/>
+              <a:t> 1/2</a:t>
+            </a:r>
           </a:p>
         </p:txBody>
       </p:sp>
@@ -7913,39 +7920,6 @@
           <a:chExt cx="0" cy="0"/>
         </a:xfrm>
       </p:grpSpPr>
-      <p:sp>
-        <p:nvSpPr>
-          <p:cNvPr id="2" name="Title 1">
-            <a:extLst>
-              <a:ext uri="{FF2B5EF4-FFF2-40B4-BE49-F238E27FC236}">
-                <a16:creationId xmlns:a16="http://schemas.microsoft.com/office/drawing/2014/main" id="{8994F8C8-26A8-AC0E-F6CC-BC9D61E02A34}"/>
-              </a:ext>
-            </a:extLst>
-          </p:cNvPr>
-          <p:cNvSpPr>
-            <a:spLocks noGrp="1"/>
-          </p:cNvSpPr>
-          <p:nvPr>
-            <p:ph type="title"/>
-          </p:nvPr>
-        </p:nvSpPr>
-        <p:spPr>
-          <a:xfrm>
-            <a:off x="2179177" y="-48765"/>
-            <a:ext cx="3221591" cy="617034"/>
-          </a:xfrm>
-          <a:prstGeom prst="rect">
-            <a:avLst/>
-          </a:prstGeom>
-        </p:spPr>
-        <p:txBody>
-          <a:bodyPr/>
-          <a:lstStyle/>
-          <a:p>
-            <a:endParaRPr lang="hu-HU" dirty="0"/>
-          </a:p>
-        </p:txBody>
-      </p:sp>
       <p:graphicFrame>
         <p:nvGraphicFramePr>
           <p:cNvPr id="3" name="Table 4">
@@ -11716,6 +11690,46 @@
           </a:graphicData>
         </a:graphic>
       </p:graphicFrame>
+      <p:sp>
+        <p:nvSpPr>
+          <p:cNvPr id="4" name="Title 1">
+            <a:extLst>
+              <a:ext uri="{FF2B5EF4-FFF2-40B4-BE49-F238E27FC236}">
+                <a16:creationId xmlns:a16="http://schemas.microsoft.com/office/drawing/2014/main" id="{D73C5019-B50C-2156-CBA7-173E3B7D7B30}"/>
+              </a:ext>
+            </a:extLst>
+          </p:cNvPr>
+          <p:cNvSpPr>
+            <a:spLocks noGrp="1"/>
+          </p:cNvSpPr>
+          <p:nvPr>
+            <p:ph type="title"/>
+          </p:nvPr>
+        </p:nvSpPr>
+        <p:spPr>
+          <a:xfrm>
+            <a:off x="2657742" y="-48765"/>
+            <a:ext cx="2743026" cy="617034"/>
+          </a:xfrm>
+          <a:prstGeom prst="rect">
+            <a:avLst/>
+          </a:prstGeom>
+        </p:spPr>
+        <p:txBody>
+          <a:bodyPr/>
+          <a:lstStyle/>
+          <a:p>
+            <a:r>
+              <a:rPr lang="hu-HU" dirty="0" err="1"/>
+              <a:t>Checklist</a:t>
+            </a:r>
+            <a:r>
+              <a:rPr lang="hu-HU" dirty="0"/>
+              <a:t> 2/2</a:t>
+            </a:r>
+          </a:p>
+        </p:txBody>
+      </p:sp>
     </p:spTree>
     <p:extLst>
       <p:ext uri="{BB962C8B-B14F-4D97-AF65-F5344CB8AC3E}">

--- a/MR2.4/MR2.4_Full.pptx
+++ b/MR2.4/MR2.4_Full.pptx
@@ -5,13 +5,15 @@
     <p:sldMasterId id="2147483720" r:id="rId1"/>
   </p:sldMasterIdLst>
   <p:notesMasterIdLst>
-    <p:notesMasterId r:id="rId6"/>
+    <p:notesMasterId r:id="rId8"/>
   </p:notesMasterIdLst>
   <p:sldIdLst>
     <p:sldId id="268" r:id="rId2"/>
     <p:sldId id="267" r:id="rId3"/>
     <p:sldId id="270" r:id="rId4"/>
-    <p:sldId id="269" r:id="rId5"/>
+    <p:sldId id="271" r:id="rId5"/>
+    <p:sldId id="272" r:id="rId6"/>
+    <p:sldId id="269" r:id="rId7"/>
   </p:sldIdLst>
   <p:sldSz cx="5659438" cy="7543800"/>
   <p:notesSz cx="9144000" cy="6858000"/>
@@ -118,6 +120,8 @@
             <p14:sldId id="268"/>
             <p14:sldId id="267"/>
             <p14:sldId id="270"/>
+            <p14:sldId id="271"/>
+            <p14:sldId id="272"/>
             <p14:sldId id="269"/>
           </p14:sldIdLst>
         </p14:section>
@@ -743,7 +747,7 @@
           <a:p>
             <a:fld id="{91BF0FD7-3BBC-48BF-9046-F1A751293F8C}" type="slidenum">
               <a:rPr lang="hu-HU" smtClean="0"/>
-              <a:t>4</a:t>
+              <a:t>6</a:t>
             </a:fld>
             <a:endParaRPr lang="hu-HU"/>
           </a:p>
@@ -3991,31 +3995,6 @@
       </p:grpSpPr>
       <p:sp>
         <p:nvSpPr>
-          <p:cNvPr id="3" name="Content Placeholder 2">
-            <a:extLst>
-              <a:ext uri="{FF2B5EF4-FFF2-40B4-BE49-F238E27FC236}">
-                <a16:creationId xmlns:a16="http://schemas.microsoft.com/office/drawing/2014/main" id="{1AB3D355-8E0A-116D-8331-F85C244DD303}"/>
-              </a:ext>
-            </a:extLst>
-          </p:cNvPr>
-          <p:cNvSpPr>
-            <a:spLocks noGrp="1"/>
-          </p:cNvSpPr>
-          <p:nvPr>
-            <p:ph idx="1"/>
-          </p:nvPr>
-        </p:nvSpPr>
-        <p:spPr/>
-        <p:txBody>
-          <a:bodyPr/>
-          <a:lstStyle/>
-          <a:p>
-            <a:endParaRPr lang="hu-HU"/>
-          </a:p>
-        </p:txBody>
-      </p:sp>
-      <p:sp>
-        <p:nvSpPr>
           <p:cNvPr id="5" name="Title 4">
             <a:extLst>
               <a:ext uri="{FF2B5EF4-FFF2-40B4-BE49-F238E27FC236}">
@@ -4044,6 +4023,1485 @@
           </a:p>
         </p:txBody>
       </p:sp>
+      <p:sp>
+        <p:nvSpPr>
+          <p:cNvPr id="2" name="TextBox 1">
+            <a:extLst>
+              <a:ext uri="{FF2B5EF4-FFF2-40B4-BE49-F238E27FC236}">
+                <a16:creationId xmlns:a16="http://schemas.microsoft.com/office/drawing/2014/main" id="{5B25E4B6-CBEF-6B83-BE93-5A5D0C553D8E}"/>
+              </a:ext>
+            </a:extLst>
+          </p:cNvPr>
+          <p:cNvSpPr txBox="1"/>
+          <p:nvPr/>
+        </p:nvSpPr>
+        <p:spPr>
+          <a:xfrm>
+            <a:off x="-12397" y="569845"/>
+            <a:ext cx="1934817" cy="369332"/>
+          </a:xfrm>
+          <a:prstGeom prst="rect">
+            <a:avLst/>
+          </a:prstGeom>
+          <a:noFill/>
+        </p:spPr>
+        <p:txBody>
+          <a:bodyPr wrap="square" rtlCol="0">
+            <a:spAutoFit/>
+          </a:bodyPr>
+          <a:lstStyle/>
+          <a:p>
+            <a:r>
+              <a:rPr lang="en-HU" dirty="0"/>
+              <a:t>Tervezett kezdés:</a:t>
+            </a:r>
+          </a:p>
+        </p:txBody>
+      </p:sp>
+      <p:sp>
+        <p:nvSpPr>
+          <p:cNvPr id="4" name="TextBox 3">
+            <a:extLst>
+              <a:ext uri="{FF2B5EF4-FFF2-40B4-BE49-F238E27FC236}">
+                <a16:creationId xmlns:a16="http://schemas.microsoft.com/office/drawing/2014/main" id="{7CE3C82C-ABEC-7DE6-5FDC-72DEF3646B36}"/>
+              </a:ext>
+            </a:extLst>
+          </p:cNvPr>
+          <p:cNvSpPr txBox="1"/>
+          <p:nvPr/>
+        </p:nvSpPr>
+        <p:spPr>
+          <a:xfrm>
+            <a:off x="2672406" y="569845"/>
+            <a:ext cx="2029979" cy="369332"/>
+          </a:xfrm>
+          <a:prstGeom prst="rect">
+            <a:avLst/>
+          </a:prstGeom>
+          <a:noFill/>
+        </p:spPr>
+        <p:txBody>
+          <a:bodyPr wrap="none" rtlCol="0">
+            <a:spAutoFit/>
+          </a:bodyPr>
+          <a:lstStyle/>
+          <a:p>
+            <a:r>
+              <a:rPr lang="en-HU" dirty="0"/>
+              <a:t>Tervezett befejezés:</a:t>
+            </a:r>
+          </a:p>
+        </p:txBody>
+      </p:sp>
+      <p:sp>
+        <p:nvSpPr>
+          <p:cNvPr id="6" name="TextBox 5">
+            <a:extLst>
+              <a:ext uri="{FF2B5EF4-FFF2-40B4-BE49-F238E27FC236}">
+                <a16:creationId xmlns:a16="http://schemas.microsoft.com/office/drawing/2014/main" id="{335DBEEE-C274-9B0E-C92A-780DBF955AB1}"/>
+              </a:ext>
+            </a:extLst>
+          </p:cNvPr>
+          <p:cNvSpPr txBox="1"/>
+          <p:nvPr/>
+        </p:nvSpPr>
+        <p:spPr>
+          <a:xfrm>
+            <a:off x="17099" y="939177"/>
+            <a:ext cx="1341329" cy="369332"/>
+          </a:xfrm>
+          <a:prstGeom prst="rect">
+            <a:avLst/>
+          </a:prstGeom>
+          <a:noFill/>
+        </p:spPr>
+        <p:txBody>
+          <a:bodyPr wrap="none" rtlCol="0">
+            <a:spAutoFit/>
+          </a:bodyPr>
+          <a:lstStyle/>
+          <a:p>
+            <a:r>
+              <a:rPr lang="en-HU" dirty="0"/>
+              <a:t>Megjegyzés:</a:t>
+            </a:r>
+          </a:p>
+        </p:txBody>
+      </p:sp>
+      <p:sp>
+        <p:nvSpPr>
+          <p:cNvPr id="7" name="Rectangle 6">
+            <a:extLst>
+              <a:ext uri="{FF2B5EF4-FFF2-40B4-BE49-F238E27FC236}">
+                <a16:creationId xmlns:a16="http://schemas.microsoft.com/office/drawing/2014/main" id="{14A1F562-271C-40C2-2866-F41DDE4616DA}"/>
+              </a:ext>
+            </a:extLst>
+          </p:cNvPr>
+          <p:cNvSpPr/>
+          <p:nvPr/>
+        </p:nvSpPr>
+        <p:spPr>
+          <a:xfrm>
+            <a:off x="66259" y="1308509"/>
+            <a:ext cx="5526919" cy="1562510"/>
+          </a:xfrm>
+          <a:prstGeom prst="rect">
+            <a:avLst/>
+          </a:prstGeom>
+          <a:noFill/>
+        </p:spPr>
+        <p:style>
+          <a:lnRef idx="2">
+            <a:schemeClr val="accent1">
+              <a:shade val="50000"/>
+            </a:schemeClr>
+          </a:lnRef>
+          <a:fillRef idx="1">
+            <a:schemeClr val="accent1"/>
+          </a:fillRef>
+          <a:effectRef idx="0">
+            <a:schemeClr val="accent1"/>
+          </a:effectRef>
+          <a:fontRef idx="minor">
+            <a:schemeClr val="lt1"/>
+          </a:fontRef>
+        </p:style>
+        <p:txBody>
+          <a:bodyPr rtlCol="0" anchor="ctr"/>
+          <a:lstStyle/>
+          <a:p>
+            <a:pPr algn="ctr"/>
+            <a:endParaRPr lang="en-HU"/>
+          </a:p>
+        </p:txBody>
+      </p:sp>
+      <p:cxnSp>
+        <p:nvCxnSpPr>
+          <p:cNvPr id="11" name="Straight Connector 10">
+            <a:extLst>
+              <a:ext uri="{FF2B5EF4-FFF2-40B4-BE49-F238E27FC236}">
+                <a16:creationId xmlns:a16="http://schemas.microsoft.com/office/drawing/2014/main" id="{2754DF24-8C08-DD33-84F4-4A029C71EF93}"/>
+              </a:ext>
+            </a:extLst>
+          </p:cNvPr>
+          <p:cNvCxnSpPr/>
+          <p:nvPr/>
+        </p:nvCxnSpPr>
+        <p:spPr>
+          <a:xfrm>
+            <a:off x="17099" y="939177"/>
+            <a:ext cx="5576079" cy="0"/>
+          </a:xfrm>
+          <a:prstGeom prst="line">
+            <a:avLst/>
+          </a:prstGeom>
+          <a:ln w="19050"/>
+        </p:spPr>
+        <p:style>
+          <a:lnRef idx="1">
+            <a:schemeClr val="accent1"/>
+          </a:lnRef>
+          <a:fillRef idx="0">
+            <a:schemeClr val="accent1"/>
+          </a:fillRef>
+          <a:effectRef idx="0">
+            <a:schemeClr val="accent1"/>
+          </a:effectRef>
+          <a:fontRef idx="minor">
+            <a:schemeClr val="tx1"/>
+          </a:fontRef>
+        </p:style>
+      </p:cxnSp>
+      <p:sp>
+        <p:nvSpPr>
+          <p:cNvPr id="12" name="TextBox 11">
+            <a:extLst>
+              <a:ext uri="{FF2B5EF4-FFF2-40B4-BE49-F238E27FC236}">
+                <a16:creationId xmlns:a16="http://schemas.microsoft.com/office/drawing/2014/main" id="{FD1CA98C-C8E1-3431-8EFF-54CD07FD9CF0}"/>
+              </a:ext>
+            </a:extLst>
+          </p:cNvPr>
+          <p:cNvSpPr txBox="1"/>
+          <p:nvPr/>
+        </p:nvSpPr>
+        <p:spPr>
+          <a:xfrm>
+            <a:off x="-17315" y="2812222"/>
+            <a:ext cx="1696234" cy="369332"/>
+          </a:xfrm>
+          <a:prstGeom prst="rect">
+            <a:avLst/>
+          </a:prstGeom>
+          <a:noFill/>
+        </p:spPr>
+        <p:txBody>
+          <a:bodyPr wrap="none" rtlCol="0">
+            <a:spAutoFit/>
+          </a:bodyPr>
+          <a:lstStyle/>
+          <a:p>
+            <a:r>
+              <a:rPr lang="en-HU" dirty="0"/>
+              <a:t>Helyi kontaktok:</a:t>
+            </a:r>
+          </a:p>
+        </p:txBody>
+      </p:sp>
+      <p:graphicFrame>
+        <p:nvGraphicFramePr>
+          <p:cNvPr id="13" name="Table 13">
+            <a:extLst>
+              <a:ext uri="{FF2B5EF4-FFF2-40B4-BE49-F238E27FC236}">
+                <a16:creationId xmlns:a16="http://schemas.microsoft.com/office/drawing/2014/main" id="{0BD990A2-C296-5C8A-17B7-8A1DF60439FE}"/>
+              </a:ext>
+            </a:extLst>
+          </p:cNvPr>
+          <p:cNvGraphicFramePr>
+            <a:graphicFrameLocks noGrp="1"/>
+          </p:cNvGraphicFramePr>
+          <p:nvPr>
+            <p:extLst>
+              <p:ext uri="{D42A27DB-BD31-4B8C-83A1-F6EECF244321}">
+                <p14:modId xmlns:p14="http://schemas.microsoft.com/office/powerpoint/2010/main" val="682562924"/>
+              </p:ext>
+            </p:extLst>
+          </p:nvPr>
+        </p:nvGraphicFramePr>
+        <p:xfrm>
+          <a:off x="66259" y="3181553"/>
+          <a:ext cx="5526918" cy="940435"/>
+        </p:xfrm>
+        <a:graphic>
+          <a:graphicData uri="http://schemas.openxmlformats.org/drawingml/2006/table">
+            <a:tbl>
+              <a:tblPr firstRow="1" bandRow="1">
+                <a:tableStyleId>{5C22544A-7EE6-4342-B048-85BDC9FD1C3A}</a:tableStyleId>
+              </a:tblPr>
+              <a:tblGrid>
+                <a:gridCol w="2763459">
+                  <a:extLst>
+                    <a:ext uri="{9D8B030D-6E8A-4147-A177-3AD203B41FA5}">
+                      <a16:colId xmlns:a16="http://schemas.microsoft.com/office/drawing/2014/main" val="764437545"/>
+                    </a:ext>
+                  </a:extLst>
+                </a:gridCol>
+                <a:gridCol w="2763459">
+                  <a:extLst>
+                    <a:ext uri="{9D8B030D-6E8A-4147-A177-3AD203B41FA5}">
+                      <a16:colId xmlns:a16="http://schemas.microsoft.com/office/drawing/2014/main" val="836845102"/>
+                    </a:ext>
+                  </a:extLst>
+                </a:gridCol>
+              </a:tblGrid>
+              <a:tr h="370840">
+                <a:tc>
+                  <a:txBody>
+                    <a:bodyPr/>
+                    <a:lstStyle/>
+                    <a:p>
+                      <a:r>
+                        <a:rPr lang="en-HU" dirty="0">
+                          <a:solidFill>
+                            <a:schemeClr val="tx1"/>
+                          </a:solidFill>
+                        </a:rPr>
+                        <a:t>#1</a:t>
+                      </a:r>
+                    </a:p>
+                    <a:p>
+                      <a:endParaRPr lang="en-HU" dirty="0">
+                        <a:solidFill>
+                          <a:schemeClr val="tx1"/>
+                        </a:solidFill>
+                      </a:endParaRPr>
+                    </a:p>
+                    <a:p>
+                      <a:endParaRPr lang="en-HU" dirty="0">
+                        <a:solidFill>
+                          <a:schemeClr val="tx1"/>
+                        </a:solidFill>
+                      </a:endParaRPr>
+                    </a:p>
+                    <a:p>
+                      <a:endParaRPr lang="en-HU" dirty="0">
+                        <a:solidFill>
+                          <a:schemeClr val="tx1"/>
+                        </a:solidFill>
+                      </a:endParaRPr>
+                    </a:p>
+                    <a:p>
+                      <a:endParaRPr lang="en-HU" dirty="0">
+                        <a:solidFill>
+                          <a:schemeClr val="tx1"/>
+                        </a:solidFill>
+                      </a:endParaRPr>
+                    </a:p>
+                  </a:txBody>
+                  <a:tcPr>
+                    <a:lnL w="12700" cap="flat" cmpd="sng" algn="ctr">
+                      <a:solidFill>
+                        <a:schemeClr val="tx1"/>
+                      </a:solidFill>
+                      <a:prstDash val="solid"/>
+                      <a:round/>
+                      <a:headEnd type="none" w="med" len="med"/>
+                      <a:tailEnd type="none" w="med" len="med"/>
+                    </a:lnL>
+                    <a:lnR w="12700" cap="flat" cmpd="sng" algn="ctr">
+                      <a:solidFill>
+                        <a:schemeClr val="tx1"/>
+                      </a:solidFill>
+                      <a:prstDash val="solid"/>
+                      <a:round/>
+                      <a:headEnd type="none" w="med" len="med"/>
+                      <a:tailEnd type="none" w="med" len="med"/>
+                    </a:lnR>
+                    <a:lnT w="12700" cap="flat" cmpd="sng" algn="ctr">
+                      <a:solidFill>
+                        <a:schemeClr val="tx1"/>
+                      </a:solidFill>
+                      <a:prstDash val="solid"/>
+                      <a:round/>
+                      <a:headEnd type="none" w="med" len="med"/>
+                      <a:tailEnd type="none" w="med" len="med"/>
+                    </a:lnT>
+                    <a:lnB w="12700" cap="flat" cmpd="sng" algn="ctr">
+                      <a:solidFill>
+                        <a:schemeClr val="tx1"/>
+                      </a:solidFill>
+                      <a:prstDash val="solid"/>
+                      <a:round/>
+                      <a:headEnd type="none" w="med" len="med"/>
+                      <a:tailEnd type="none" w="med" len="med"/>
+                    </a:lnB>
+                    <a:noFill/>
+                  </a:tcPr>
+                </a:tc>
+                <a:tc>
+                  <a:txBody>
+                    <a:bodyPr/>
+                    <a:lstStyle/>
+                    <a:p>
+                      <a:r>
+                        <a:rPr lang="en-HU" dirty="0">
+                          <a:solidFill>
+                            <a:schemeClr val="tx1"/>
+                          </a:solidFill>
+                        </a:rPr>
+                        <a:t>#2</a:t>
+                      </a:r>
+                    </a:p>
+                  </a:txBody>
+                  <a:tcPr>
+                    <a:lnL w="12700" cap="flat" cmpd="sng" algn="ctr">
+                      <a:solidFill>
+                        <a:schemeClr val="tx1"/>
+                      </a:solidFill>
+                      <a:prstDash val="solid"/>
+                      <a:round/>
+                      <a:headEnd type="none" w="med" len="med"/>
+                      <a:tailEnd type="none" w="med" len="med"/>
+                    </a:lnL>
+                    <a:lnR w="12700" cap="flat" cmpd="sng" algn="ctr">
+                      <a:solidFill>
+                        <a:schemeClr val="tx1"/>
+                      </a:solidFill>
+                      <a:prstDash val="solid"/>
+                      <a:round/>
+                      <a:headEnd type="none" w="med" len="med"/>
+                      <a:tailEnd type="none" w="med" len="med"/>
+                    </a:lnR>
+                    <a:lnT w="12700" cap="flat" cmpd="sng" algn="ctr">
+                      <a:solidFill>
+                        <a:schemeClr val="tx1"/>
+                      </a:solidFill>
+                      <a:prstDash val="solid"/>
+                      <a:round/>
+                      <a:headEnd type="none" w="med" len="med"/>
+                      <a:tailEnd type="none" w="med" len="med"/>
+                    </a:lnT>
+                    <a:lnB w="12700" cap="flat" cmpd="sng" algn="ctr">
+                      <a:solidFill>
+                        <a:schemeClr val="tx1"/>
+                      </a:solidFill>
+                      <a:prstDash val="solid"/>
+                      <a:round/>
+                      <a:headEnd type="none" w="med" len="med"/>
+                      <a:tailEnd type="none" w="med" len="med"/>
+                    </a:lnB>
+                    <a:noFill/>
+                  </a:tcPr>
+                </a:tc>
+                <a:extLst>
+                  <a:ext uri="{0D108BD9-81ED-4DB2-BD59-A6C34878D82A}">
+                    <a16:rowId xmlns:a16="http://schemas.microsoft.com/office/drawing/2014/main" val="2011829400"/>
+                  </a:ext>
+                </a:extLst>
+              </a:tr>
+            </a:tbl>
+          </a:graphicData>
+        </a:graphic>
+      </p:graphicFrame>
+      <p:sp>
+        <p:nvSpPr>
+          <p:cNvPr id="14" name="TextBox 13">
+            <a:extLst>
+              <a:ext uri="{FF2B5EF4-FFF2-40B4-BE49-F238E27FC236}">
+                <a16:creationId xmlns:a16="http://schemas.microsoft.com/office/drawing/2014/main" id="{B531C910-6829-33D0-E9A1-CD473D6CA0C8}"/>
+              </a:ext>
+            </a:extLst>
+          </p:cNvPr>
+          <p:cNvSpPr txBox="1"/>
+          <p:nvPr/>
+        </p:nvSpPr>
+        <p:spPr>
+          <a:xfrm>
+            <a:off x="-12395" y="4124826"/>
+            <a:ext cx="1257908" cy="369332"/>
+          </a:xfrm>
+          <a:prstGeom prst="rect">
+            <a:avLst/>
+          </a:prstGeom>
+          <a:noFill/>
+        </p:spPr>
+        <p:txBody>
+          <a:bodyPr wrap="none" rtlCol="0">
+            <a:spAutoFit/>
+          </a:bodyPr>
+          <a:lstStyle/>
+          <a:p>
+            <a:r>
+              <a:rPr lang="en-HU" dirty="0"/>
+              <a:t>Előkészítés:</a:t>
+            </a:r>
+          </a:p>
+        </p:txBody>
+      </p:sp>
+      <p:graphicFrame>
+        <p:nvGraphicFramePr>
+          <p:cNvPr id="15" name="Table 15">
+            <a:extLst>
+              <a:ext uri="{FF2B5EF4-FFF2-40B4-BE49-F238E27FC236}">
+                <a16:creationId xmlns:a16="http://schemas.microsoft.com/office/drawing/2014/main" id="{EC14E76E-209F-E1C6-35A5-D48BBE85ADDF}"/>
+              </a:ext>
+            </a:extLst>
+          </p:cNvPr>
+          <p:cNvGraphicFramePr>
+            <a:graphicFrameLocks noGrp="1"/>
+          </p:cNvGraphicFramePr>
+          <p:nvPr>
+            <p:extLst>
+              <p:ext uri="{D42A27DB-BD31-4B8C-83A1-F6EECF244321}">
+                <p14:modId xmlns:p14="http://schemas.microsoft.com/office/powerpoint/2010/main" val="1326306189"/>
+              </p:ext>
+            </p:extLst>
+          </p:nvPr>
+        </p:nvGraphicFramePr>
+        <p:xfrm>
+          <a:off x="66258" y="4441373"/>
+          <a:ext cx="5526918" cy="1483360"/>
+        </p:xfrm>
+        <a:graphic>
+          <a:graphicData uri="http://schemas.openxmlformats.org/drawingml/2006/table">
+            <a:tbl>
+              <a:tblPr firstRow="1" bandRow="1">
+                <a:tableStyleId>{5C22544A-7EE6-4342-B048-85BDC9FD1C3A}</a:tableStyleId>
+              </a:tblPr>
+              <a:tblGrid>
+                <a:gridCol w="1842306">
+                  <a:extLst>
+                    <a:ext uri="{9D8B030D-6E8A-4147-A177-3AD203B41FA5}">
+                      <a16:colId xmlns:a16="http://schemas.microsoft.com/office/drawing/2014/main" val="871673816"/>
+                    </a:ext>
+                  </a:extLst>
+                </a:gridCol>
+                <a:gridCol w="1842306">
+                  <a:extLst>
+                    <a:ext uri="{9D8B030D-6E8A-4147-A177-3AD203B41FA5}">
+                      <a16:colId xmlns:a16="http://schemas.microsoft.com/office/drawing/2014/main" val="1740673461"/>
+                    </a:ext>
+                  </a:extLst>
+                </a:gridCol>
+                <a:gridCol w="1842306">
+                  <a:extLst>
+                    <a:ext uri="{9D8B030D-6E8A-4147-A177-3AD203B41FA5}">
+                      <a16:colId xmlns:a16="http://schemas.microsoft.com/office/drawing/2014/main" val="3544633166"/>
+                    </a:ext>
+                  </a:extLst>
+                </a:gridCol>
+              </a:tblGrid>
+              <a:tr h="370840">
+                <a:tc>
+                  <a:txBody>
+                    <a:bodyPr/>
+                    <a:lstStyle/>
+                    <a:p>
+                      <a:r>
+                        <a:rPr lang="en-HU" sz="1500" b="0" dirty="0">
+                          <a:solidFill>
+                            <a:schemeClr val="tx1"/>
+                          </a:solidFill>
+                        </a:rPr>
+                        <a:t>☐Beléptetés</a:t>
+                      </a:r>
+                    </a:p>
+                  </a:txBody>
+                  <a:tcPr>
+                    <a:lnL w="12700" cap="flat" cmpd="sng" algn="ctr">
+                      <a:solidFill>
+                        <a:schemeClr val="tx1"/>
+                      </a:solidFill>
+                      <a:prstDash val="solid"/>
+                      <a:round/>
+                      <a:headEnd type="none" w="med" len="med"/>
+                      <a:tailEnd type="none" w="med" len="med"/>
+                    </a:lnL>
+                    <a:lnR w="12700" cap="flat" cmpd="sng" algn="ctr">
+                      <a:solidFill>
+                        <a:schemeClr val="tx1"/>
+                      </a:solidFill>
+                      <a:prstDash val="solid"/>
+                      <a:round/>
+                      <a:headEnd type="none" w="med" len="med"/>
+                      <a:tailEnd type="none" w="med" len="med"/>
+                    </a:lnR>
+                    <a:lnT w="12700" cap="flat" cmpd="sng" algn="ctr">
+                      <a:solidFill>
+                        <a:schemeClr val="tx1"/>
+                      </a:solidFill>
+                      <a:prstDash val="solid"/>
+                      <a:round/>
+                      <a:headEnd type="none" w="med" len="med"/>
+                      <a:tailEnd type="none" w="med" len="med"/>
+                    </a:lnT>
+                    <a:lnB w="12700" cap="flat" cmpd="sng" algn="ctr">
+                      <a:solidFill>
+                        <a:schemeClr val="tx1"/>
+                      </a:solidFill>
+                      <a:prstDash val="solid"/>
+                      <a:round/>
+                      <a:headEnd type="none" w="med" len="med"/>
+                      <a:tailEnd type="none" w="med" len="med"/>
+                    </a:lnB>
+                    <a:noFill/>
+                  </a:tcPr>
+                </a:tc>
+                <a:tc>
+                  <a:txBody>
+                    <a:bodyPr/>
+                    <a:lstStyle/>
+                    <a:p>
+                      <a:r>
+                        <a:rPr lang="en-HU" sz="1500" b="0" dirty="0">
+                          <a:solidFill>
+                            <a:schemeClr val="tx1"/>
+                          </a:solidFill>
+                        </a:rPr>
+                        <a:t>☐Szállás</a:t>
+                      </a:r>
+                    </a:p>
+                  </a:txBody>
+                  <a:tcPr>
+                    <a:lnL w="12700" cap="flat" cmpd="sng" algn="ctr">
+                      <a:solidFill>
+                        <a:schemeClr val="tx1"/>
+                      </a:solidFill>
+                      <a:prstDash val="solid"/>
+                      <a:round/>
+                      <a:headEnd type="none" w="med" len="med"/>
+                      <a:tailEnd type="none" w="med" len="med"/>
+                    </a:lnL>
+                    <a:lnR w="12700" cap="flat" cmpd="sng" algn="ctr">
+                      <a:solidFill>
+                        <a:schemeClr val="tx1"/>
+                      </a:solidFill>
+                      <a:prstDash val="solid"/>
+                      <a:round/>
+                      <a:headEnd type="none" w="med" len="med"/>
+                      <a:tailEnd type="none" w="med" len="med"/>
+                    </a:lnR>
+                    <a:lnT w="12700" cap="flat" cmpd="sng" algn="ctr">
+                      <a:solidFill>
+                        <a:schemeClr val="tx1"/>
+                      </a:solidFill>
+                      <a:prstDash val="solid"/>
+                      <a:round/>
+                      <a:headEnd type="none" w="med" len="med"/>
+                      <a:tailEnd type="none" w="med" len="med"/>
+                    </a:lnT>
+                    <a:lnB w="12700" cap="flat" cmpd="sng" algn="ctr">
+                      <a:solidFill>
+                        <a:schemeClr val="tx1"/>
+                      </a:solidFill>
+                      <a:prstDash val="solid"/>
+                      <a:round/>
+                      <a:headEnd type="none" w="med" len="med"/>
+                      <a:tailEnd type="none" w="med" len="med"/>
+                    </a:lnB>
+                    <a:noFill/>
+                  </a:tcPr>
+                </a:tc>
+                <a:tc>
+                  <a:txBody>
+                    <a:bodyPr/>
+                    <a:lstStyle/>
+                    <a:p>
+                      <a:r>
+                        <a:rPr lang="en-HU" sz="1500" b="0" dirty="0">
+                          <a:solidFill>
+                            <a:schemeClr val="tx1"/>
+                          </a:solidFill>
+                        </a:rPr>
+                        <a:t>☐Kocsi</a:t>
+                      </a:r>
+                    </a:p>
+                  </a:txBody>
+                  <a:tcPr>
+                    <a:lnL w="12700" cap="flat" cmpd="sng" algn="ctr">
+                      <a:solidFill>
+                        <a:schemeClr val="tx1"/>
+                      </a:solidFill>
+                      <a:prstDash val="solid"/>
+                      <a:round/>
+                      <a:headEnd type="none" w="med" len="med"/>
+                      <a:tailEnd type="none" w="med" len="med"/>
+                    </a:lnL>
+                    <a:lnR w="12700" cap="flat" cmpd="sng" algn="ctr">
+                      <a:solidFill>
+                        <a:schemeClr val="tx1"/>
+                      </a:solidFill>
+                      <a:prstDash val="solid"/>
+                      <a:round/>
+                      <a:headEnd type="none" w="med" len="med"/>
+                      <a:tailEnd type="none" w="med" len="med"/>
+                    </a:lnR>
+                    <a:lnT w="12700" cap="flat" cmpd="sng" algn="ctr">
+                      <a:solidFill>
+                        <a:schemeClr val="tx1"/>
+                      </a:solidFill>
+                      <a:prstDash val="solid"/>
+                      <a:round/>
+                      <a:headEnd type="none" w="med" len="med"/>
+                      <a:tailEnd type="none" w="med" len="med"/>
+                    </a:lnT>
+                    <a:lnB w="12700" cap="flat" cmpd="sng" algn="ctr">
+                      <a:solidFill>
+                        <a:schemeClr val="tx1"/>
+                      </a:solidFill>
+                      <a:prstDash val="solid"/>
+                      <a:round/>
+                      <a:headEnd type="none" w="med" len="med"/>
+                      <a:tailEnd type="none" w="med" len="med"/>
+                    </a:lnB>
+                    <a:noFill/>
+                  </a:tcPr>
+                </a:tc>
+                <a:extLst>
+                  <a:ext uri="{0D108BD9-81ED-4DB2-BD59-A6C34878D82A}">
+                    <a16:rowId xmlns:a16="http://schemas.microsoft.com/office/drawing/2014/main" val="1518541437"/>
+                  </a:ext>
+                </a:extLst>
+              </a:tr>
+              <a:tr h="370840">
+                <a:tc>
+                  <a:txBody>
+                    <a:bodyPr/>
+                    <a:lstStyle/>
+                    <a:p>
+                      <a:r>
+                        <a:rPr lang="en-HU" sz="1500" b="0" dirty="0">
+                          <a:solidFill>
+                            <a:schemeClr val="tx1"/>
+                          </a:solidFill>
+                        </a:rPr>
+                        <a:t>☐Update HDD</a:t>
+                      </a:r>
+                    </a:p>
+                  </a:txBody>
+                  <a:tcPr>
+                    <a:lnL w="12700" cap="flat" cmpd="sng" algn="ctr">
+                      <a:solidFill>
+                        <a:schemeClr val="tx1"/>
+                      </a:solidFill>
+                      <a:prstDash val="solid"/>
+                      <a:round/>
+                      <a:headEnd type="none" w="med" len="med"/>
+                      <a:tailEnd type="none" w="med" len="med"/>
+                    </a:lnL>
+                    <a:lnR w="12700" cap="flat" cmpd="sng" algn="ctr">
+                      <a:solidFill>
+                        <a:schemeClr val="tx1"/>
+                      </a:solidFill>
+                      <a:prstDash val="solid"/>
+                      <a:round/>
+                      <a:headEnd type="none" w="med" len="med"/>
+                      <a:tailEnd type="none" w="med" len="med"/>
+                    </a:lnR>
+                    <a:lnT w="12700" cap="flat" cmpd="sng" algn="ctr">
+                      <a:solidFill>
+                        <a:schemeClr val="tx1"/>
+                      </a:solidFill>
+                      <a:prstDash val="solid"/>
+                      <a:round/>
+                      <a:headEnd type="none" w="med" len="med"/>
+                      <a:tailEnd type="none" w="med" len="med"/>
+                    </a:lnT>
+                    <a:lnB w="12700" cap="flat" cmpd="sng" algn="ctr">
+                      <a:solidFill>
+                        <a:schemeClr val="tx1"/>
+                      </a:solidFill>
+                      <a:prstDash val="solid"/>
+                      <a:round/>
+                      <a:headEnd type="none" w="med" len="med"/>
+                      <a:tailEnd type="none" w="med" len="med"/>
+                    </a:lnB>
+                    <a:noFill/>
+                  </a:tcPr>
+                </a:tc>
+                <a:tc>
+                  <a:txBody>
+                    <a:bodyPr/>
+                    <a:lstStyle/>
+                    <a:p>
+                      <a:r>
+                        <a:rPr lang="en-HU" sz="1500" b="0" dirty="0">
+                          <a:solidFill>
+                            <a:schemeClr val="tx1"/>
+                          </a:solidFill>
+                        </a:rPr>
+                        <a:t>☐TEMPEST Cert ell.</a:t>
+                      </a:r>
+                    </a:p>
+                  </a:txBody>
+                  <a:tcPr>
+                    <a:lnL w="12700" cap="flat" cmpd="sng" algn="ctr">
+                      <a:solidFill>
+                        <a:schemeClr val="tx1"/>
+                      </a:solidFill>
+                      <a:prstDash val="solid"/>
+                      <a:round/>
+                      <a:headEnd type="none" w="med" len="med"/>
+                      <a:tailEnd type="none" w="med" len="med"/>
+                    </a:lnL>
+                    <a:lnR w="12700" cap="flat" cmpd="sng" algn="ctr">
+                      <a:solidFill>
+                        <a:schemeClr val="tx1"/>
+                      </a:solidFill>
+                      <a:prstDash val="solid"/>
+                      <a:round/>
+                      <a:headEnd type="none" w="med" len="med"/>
+                      <a:tailEnd type="none" w="med" len="med"/>
+                    </a:lnR>
+                    <a:lnT w="12700" cap="flat" cmpd="sng" algn="ctr">
+                      <a:solidFill>
+                        <a:schemeClr val="tx1"/>
+                      </a:solidFill>
+                      <a:prstDash val="solid"/>
+                      <a:round/>
+                      <a:headEnd type="none" w="med" len="med"/>
+                      <a:tailEnd type="none" w="med" len="med"/>
+                    </a:lnT>
+                    <a:lnB w="12700" cap="flat" cmpd="sng" algn="ctr">
+                      <a:solidFill>
+                        <a:schemeClr val="tx1"/>
+                      </a:solidFill>
+                      <a:prstDash val="solid"/>
+                      <a:round/>
+                      <a:headEnd type="none" w="med" len="med"/>
+                      <a:tailEnd type="none" w="med" len="med"/>
+                    </a:lnB>
+                    <a:noFill/>
+                  </a:tcPr>
+                </a:tc>
+                <a:tc>
+                  <a:txBody>
+                    <a:bodyPr/>
+                    <a:lstStyle/>
+                    <a:p>
+                      <a:r>
+                        <a:rPr lang="en-HU" sz="1500" b="0" dirty="0">
+                          <a:solidFill>
+                            <a:schemeClr val="tx1"/>
+                          </a:solidFill>
+                        </a:rPr>
+                        <a:t>☐TEMPEST Cert jkv.</a:t>
+                      </a:r>
+                    </a:p>
+                  </a:txBody>
+                  <a:tcPr>
+                    <a:lnL w="12700" cap="flat" cmpd="sng" algn="ctr">
+                      <a:solidFill>
+                        <a:schemeClr val="tx1"/>
+                      </a:solidFill>
+                      <a:prstDash val="solid"/>
+                      <a:round/>
+                      <a:headEnd type="none" w="med" len="med"/>
+                      <a:tailEnd type="none" w="med" len="med"/>
+                    </a:lnL>
+                    <a:lnR w="12700" cap="flat" cmpd="sng" algn="ctr">
+                      <a:solidFill>
+                        <a:schemeClr val="tx1"/>
+                      </a:solidFill>
+                      <a:prstDash val="solid"/>
+                      <a:round/>
+                      <a:headEnd type="none" w="med" len="med"/>
+                      <a:tailEnd type="none" w="med" len="med"/>
+                    </a:lnR>
+                    <a:lnT w="12700" cap="flat" cmpd="sng" algn="ctr">
+                      <a:solidFill>
+                        <a:schemeClr val="tx1"/>
+                      </a:solidFill>
+                      <a:prstDash val="solid"/>
+                      <a:round/>
+                      <a:headEnd type="none" w="med" len="med"/>
+                      <a:tailEnd type="none" w="med" len="med"/>
+                    </a:lnT>
+                    <a:lnB w="12700" cap="flat" cmpd="sng" algn="ctr">
+                      <a:solidFill>
+                        <a:schemeClr val="tx1"/>
+                      </a:solidFill>
+                      <a:prstDash val="solid"/>
+                      <a:round/>
+                      <a:headEnd type="none" w="med" len="med"/>
+                      <a:tailEnd type="none" w="med" len="med"/>
+                    </a:lnB>
+                    <a:noFill/>
+                  </a:tcPr>
+                </a:tc>
+                <a:extLst>
+                  <a:ext uri="{0D108BD9-81ED-4DB2-BD59-A6C34878D82A}">
+                    <a16:rowId xmlns:a16="http://schemas.microsoft.com/office/drawing/2014/main" val="3277039451"/>
+                  </a:ext>
+                </a:extLst>
+              </a:tr>
+              <a:tr h="370840">
+                <a:tc>
+                  <a:txBody>
+                    <a:bodyPr/>
+                    <a:lstStyle/>
+                    <a:p>
+                      <a:r>
+                        <a:rPr lang="en-HU" sz="1500" b="0" dirty="0">
+                          <a:solidFill>
+                            <a:schemeClr val="tx1"/>
+                          </a:solidFill>
+                        </a:rPr>
+                        <a:t>☐Inventory Excel</a:t>
+                      </a:r>
+                    </a:p>
+                  </a:txBody>
+                  <a:tcPr>
+                    <a:lnL w="12700" cap="flat" cmpd="sng" algn="ctr">
+                      <a:solidFill>
+                        <a:schemeClr val="tx1"/>
+                      </a:solidFill>
+                      <a:prstDash val="solid"/>
+                      <a:round/>
+                      <a:headEnd type="none" w="med" len="med"/>
+                      <a:tailEnd type="none" w="med" len="med"/>
+                    </a:lnL>
+                    <a:lnR w="12700" cap="flat" cmpd="sng" algn="ctr">
+                      <a:solidFill>
+                        <a:schemeClr val="tx1"/>
+                      </a:solidFill>
+                      <a:prstDash val="solid"/>
+                      <a:round/>
+                      <a:headEnd type="none" w="med" len="med"/>
+                      <a:tailEnd type="none" w="med" len="med"/>
+                    </a:lnR>
+                    <a:lnT w="12700" cap="flat" cmpd="sng" algn="ctr">
+                      <a:solidFill>
+                        <a:schemeClr val="tx1"/>
+                      </a:solidFill>
+                      <a:prstDash val="solid"/>
+                      <a:round/>
+                      <a:headEnd type="none" w="med" len="med"/>
+                      <a:tailEnd type="none" w="med" len="med"/>
+                    </a:lnT>
+                    <a:lnB w="12700" cap="flat" cmpd="sng" algn="ctr">
+                      <a:solidFill>
+                        <a:schemeClr val="tx1"/>
+                      </a:solidFill>
+                      <a:prstDash val="solid"/>
+                      <a:round/>
+                      <a:headEnd type="none" w="med" len="med"/>
+                      <a:tailEnd type="none" w="med" len="med"/>
+                    </a:lnB>
+                    <a:noFill/>
+                  </a:tcPr>
+                </a:tc>
+                <a:tc>
+                  <a:txBody>
+                    <a:bodyPr/>
+                    <a:lstStyle/>
+                    <a:p>
+                      <a:r>
+                        <a:rPr lang="en-HU" sz="1500" b="0" dirty="0">
+                          <a:solidFill>
+                            <a:schemeClr val="tx1"/>
+                          </a:solidFill>
+                        </a:rPr>
+                        <a:t>☐Password Excel</a:t>
+                      </a:r>
+                    </a:p>
+                  </a:txBody>
+                  <a:tcPr>
+                    <a:lnL w="12700" cap="flat" cmpd="sng" algn="ctr">
+                      <a:solidFill>
+                        <a:schemeClr val="tx1"/>
+                      </a:solidFill>
+                      <a:prstDash val="solid"/>
+                      <a:round/>
+                      <a:headEnd type="none" w="med" len="med"/>
+                      <a:tailEnd type="none" w="med" len="med"/>
+                    </a:lnL>
+                    <a:lnR w="12700" cap="flat" cmpd="sng" algn="ctr">
+                      <a:solidFill>
+                        <a:schemeClr val="tx1"/>
+                      </a:solidFill>
+                      <a:prstDash val="solid"/>
+                      <a:round/>
+                      <a:headEnd type="none" w="med" len="med"/>
+                      <a:tailEnd type="none" w="med" len="med"/>
+                    </a:lnR>
+                    <a:lnT w="12700" cap="flat" cmpd="sng" algn="ctr">
+                      <a:solidFill>
+                        <a:schemeClr val="tx1"/>
+                      </a:solidFill>
+                      <a:prstDash val="solid"/>
+                      <a:round/>
+                      <a:headEnd type="none" w="med" len="med"/>
+                      <a:tailEnd type="none" w="med" len="med"/>
+                    </a:lnT>
+                    <a:lnB w="12700" cap="flat" cmpd="sng" algn="ctr">
+                      <a:solidFill>
+                        <a:schemeClr val="tx1"/>
+                      </a:solidFill>
+                      <a:prstDash val="solid"/>
+                      <a:round/>
+                      <a:headEnd type="none" w="med" len="med"/>
+                      <a:tailEnd type="none" w="med" len="med"/>
+                    </a:lnB>
+                    <a:noFill/>
+                  </a:tcPr>
+                </a:tc>
+                <a:tc>
+                  <a:txBody>
+                    <a:bodyPr/>
+                    <a:lstStyle/>
+                    <a:p>
+                      <a:endParaRPr lang="en-HU" sz="1500" b="0" dirty="0">
+                        <a:solidFill>
+                          <a:schemeClr val="tx1"/>
+                        </a:solidFill>
+                      </a:endParaRPr>
+                    </a:p>
+                  </a:txBody>
+                  <a:tcPr>
+                    <a:lnL w="12700" cap="flat" cmpd="sng" algn="ctr">
+                      <a:solidFill>
+                        <a:schemeClr val="tx1"/>
+                      </a:solidFill>
+                      <a:prstDash val="solid"/>
+                      <a:round/>
+                      <a:headEnd type="none" w="med" len="med"/>
+                      <a:tailEnd type="none" w="med" len="med"/>
+                    </a:lnL>
+                    <a:lnR w="12700" cap="flat" cmpd="sng" algn="ctr">
+                      <a:solidFill>
+                        <a:schemeClr val="tx1"/>
+                      </a:solidFill>
+                      <a:prstDash val="solid"/>
+                      <a:round/>
+                      <a:headEnd type="none" w="med" len="med"/>
+                      <a:tailEnd type="none" w="med" len="med"/>
+                    </a:lnR>
+                    <a:lnT w="12700" cap="flat" cmpd="sng" algn="ctr">
+                      <a:solidFill>
+                        <a:schemeClr val="tx1"/>
+                      </a:solidFill>
+                      <a:prstDash val="solid"/>
+                      <a:round/>
+                      <a:headEnd type="none" w="med" len="med"/>
+                      <a:tailEnd type="none" w="med" len="med"/>
+                    </a:lnT>
+                    <a:lnB w="12700" cap="flat" cmpd="sng" algn="ctr">
+                      <a:solidFill>
+                        <a:schemeClr val="tx1"/>
+                      </a:solidFill>
+                      <a:prstDash val="solid"/>
+                      <a:round/>
+                      <a:headEnd type="none" w="med" len="med"/>
+                      <a:tailEnd type="none" w="med" len="med"/>
+                    </a:lnB>
+                    <a:noFill/>
+                  </a:tcPr>
+                </a:tc>
+                <a:extLst>
+                  <a:ext uri="{0D108BD9-81ED-4DB2-BD59-A6C34878D82A}">
+                    <a16:rowId xmlns:a16="http://schemas.microsoft.com/office/drawing/2014/main" val="3437520782"/>
+                  </a:ext>
+                </a:extLst>
+              </a:tr>
+              <a:tr h="370840">
+                <a:tc>
+                  <a:txBody>
+                    <a:bodyPr/>
+                    <a:lstStyle/>
+                    <a:p>
+                      <a:r>
+                        <a:rPr lang="en-HU" sz="1500" b="0" dirty="0">
+                          <a:solidFill>
+                            <a:schemeClr val="tx1"/>
+                          </a:solidFill>
+                        </a:rPr>
+                        <a:t>☐2x Pendrive</a:t>
+                      </a:r>
+                    </a:p>
+                  </a:txBody>
+                  <a:tcPr>
+                    <a:lnL w="12700" cap="flat" cmpd="sng" algn="ctr">
+                      <a:solidFill>
+                        <a:schemeClr val="tx1"/>
+                      </a:solidFill>
+                      <a:prstDash val="solid"/>
+                      <a:round/>
+                      <a:headEnd type="none" w="med" len="med"/>
+                      <a:tailEnd type="none" w="med" len="med"/>
+                    </a:lnL>
+                    <a:lnR w="12700" cap="flat" cmpd="sng" algn="ctr">
+                      <a:solidFill>
+                        <a:schemeClr val="tx1"/>
+                      </a:solidFill>
+                      <a:prstDash val="solid"/>
+                      <a:round/>
+                      <a:headEnd type="none" w="med" len="med"/>
+                      <a:tailEnd type="none" w="med" len="med"/>
+                    </a:lnR>
+                    <a:lnT w="12700" cap="flat" cmpd="sng" algn="ctr">
+                      <a:solidFill>
+                        <a:schemeClr val="tx1"/>
+                      </a:solidFill>
+                      <a:prstDash val="solid"/>
+                      <a:round/>
+                      <a:headEnd type="none" w="med" len="med"/>
+                      <a:tailEnd type="none" w="med" len="med"/>
+                    </a:lnT>
+                    <a:lnB w="12700" cap="flat" cmpd="sng" algn="ctr">
+                      <a:solidFill>
+                        <a:schemeClr val="tx1"/>
+                      </a:solidFill>
+                      <a:prstDash val="solid"/>
+                      <a:round/>
+                      <a:headEnd type="none" w="med" len="med"/>
+                      <a:tailEnd type="none" w="med" len="med"/>
+                    </a:lnB>
+                    <a:noFill/>
+                  </a:tcPr>
+                </a:tc>
+                <a:tc>
+                  <a:txBody>
+                    <a:bodyPr/>
+                    <a:lstStyle/>
+                    <a:p>
+                      <a:r>
+                        <a:rPr lang="en-HU" sz="1500" b="0" dirty="0">
+                          <a:solidFill>
+                            <a:schemeClr val="tx1"/>
+                          </a:solidFill>
+                        </a:rPr>
+                        <a:t>☐Initial backup HDD</a:t>
+                      </a:r>
+                    </a:p>
+                  </a:txBody>
+                  <a:tcPr>
+                    <a:lnL w="12700" cap="flat" cmpd="sng" algn="ctr">
+                      <a:solidFill>
+                        <a:schemeClr val="tx1"/>
+                      </a:solidFill>
+                      <a:prstDash val="solid"/>
+                      <a:round/>
+                      <a:headEnd type="none" w="med" len="med"/>
+                      <a:tailEnd type="none" w="med" len="med"/>
+                    </a:lnL>
+                    <a:lnR w="12700" cap="flat" cmpd="sng" algn="ctr">
+                      <a:solidFill>
+                        <a:schemeClr val="tx1"/>
+                      </a:solidFill>
+                      <a:prstDash val="solid"/>
+                      <a:round/>
+                      <a:headEnd type="none" w="med" len="med"/>
+                      <a:tailEnd type="none" w="med" len="med"/>
+                    </a:lnR>
+                    <a:lnT w="12700" cap="flat" cmpd="sng" algn="ctr">
+                      <a:solidFill>
+                        <a:schemeClr val="tx1"/>
+                      </a:solidFill>
+                      <a:prstDash val="solid"/>
+                      <a:round/>
+                      <a:headEnd type="none" w="med" len="med"/>
+                      <a:tailEnd type="none" w="med" len="med"/>
+                    </a:lnT>
+                    <a:lnB w="12700" cap="flat" cmpd="sng" algn="ctr">
+                      <a:solidFill>
+                        <a:schemeClr val="tx1"/>
+                      </a:solidFill>
+                      <a:prstDash val="solid"/>
+                      <a:round/>
+                      <a:headEnd type="none" w="med" len="med"/>
+                      <a:tailEnd type="none" w="med" len="med"/>
+                    </a:lnB>
+                    <a:noFill/>
+                  </a:tcPr>
+                </a:tc>
+                <a:tc>
+                  <a:txBody>
+                    <a:bodyPr/>
+                    <a:lstStyle/>
+                    <a:p>
+                      <a:endParaRPr lang="en-HU" sz="1500" b="0" dirty="0">
+                        <a:solidFill>
+                          <a:schemeClr val="tx1"/>
+                        </a:solidFill>
+                      </a:endParaRPr>
+                    </a:p>
+                  </a:txBody>
+                  <a:tcPr>
+                    <a:lnL w="12700" cap="flat" cmpd="sng" algn="ctr">
+                      <a:solidFill>
+                        <a:schemeClr val="tx1"/>
+                      </a:solidFill>
+                      <a:prstDash val="solid"/>
+                      <a:round/>
+                      <a:headEnd type="none" w="med" len="med"/>
+                      <a:tailEnd type="none" w="med" len="med"/>
+                    </a:lnL>
+                    <a:lnR w="12700" cap="flat" cmpd="sng" algn="ctr">
+                      <a:solidFill>
+                        <a:schemeClr val="tx1"/>
+                      </a:solidFill>
+                      <a:prstDash val="solid"/>
+                      <a:round/>
+                      <a:headEnd type="none" w="med" len="med"/>
+                      <a:tailEnd type="none" w="med" len="med"/>
+                    </a:lnR>
+                    <a:lnT w="12700" cap="flat" cmpd="sng" algn="ctr">
+                      <a:solidFill>
+                        <a:schemeClr val="tx1"/>
+                      </a:solidFill>
+                      <a:prstDash val="solid"/>
+                      <a:round/>
+                      <a:headEnd type="none" w="med" len="med"/>
+                      <a:tailEnd type="none" w="med" len="med"/>
+                    </a:lnT>
+                    <a:lnB w="12700" cap="flat" cmpd="sng" algn="ctr">
+                      <a:solidFill>
+                        <a:schemeClr val="tx1"/>
+                      </a:solidFill>
+                      <a:prstDash val="solid"/>
+                      <a:round/>
+                      <a:headEnd type="none" w="med" len="med"/>
+                      <a:tailEnd type="none" w="med" len="med"/>
+                    </a:lnB>
+                    <a:noFill/>
+                  </a:tcPr>
+                </a:tc>
+                <a:extLst>
+                  <a:ext uri="{0D108BD9-81ED-4DB2-BD59-A6C34878D82A}">
+                    <a16:rowId xmlns:a16="http://schemas.microsoft.com/office/drawing/2014/main" val="3423683692"/>
+                  </a:ext>
+                </a:extLst>
+              </a:tr>
+            </a:tbl>
+          </a:graphicData>
+        </a:graphic>
+      </p:graphicFrame>
+      <p:sp>
+        <p:nvSpPr>
+          <p:cNvPr id="17" name="TextBox 16">
+            <a:extLst>
+              <a:ext uri="{FF2B5EF4-FFF2-40B4-BE49-F238E27FC236}">
+                <a16:creationId xmlns:a16="http://schemas.microsoft.com/office/drawing/2014/main" id="{021395A5-ACA7-B31B-68A5-1A4479C5D18A}"/>
+              </a:ext>
+            </a:extLst>
+          </p:cNvPr>
+          <p:cNvSpPr txBox="1"/>
+          <p:nvPr/>
+        </p:nvSpPr>
+        <p:spPr>
+          <a:xfrm>
+            <a:off x="-7476" y="5958540"/>
+            <a:ext cx="4191084" cy="369332"/>
+          </a:xfrm>
+          <a:prstGeom prst="rect">
+            <a:avLst/>
+          </a:prstGeom>
+          <a:noFill/>
+        </p:spPr>
+        <p:txBody>
+          <a:bodyPr wrap="none" rtlCol="0">
+            <a:spAutoFit/>
+          </a:bodyPr>
+          <a:lstStyle/>
+          <a:p>
+            <a:r>
+              <a:rPr lang="en-HU" dirty="0"/>
+              <a:t>Telepítő munkaállomások (</a:t>
+            </a:r>
+            <a:r>
+              <a:rPr lang="en-HU" i="1" dirty="0"/>
+              <a:t>pld.: OPR01 TL</a:t>
+            </a:r>
+            <a:r>
+              <a:rPr lang="en-HU" dirty="0"/>
+              <a:t>):</a:t>
+            </a:r>
+          </a:p>
+        </p:txBody>
+      </p:sp>
+      <p:graphicFrame>
+        <p:nvGraphicFramePr>
+          <p:cNvPr id="18" name="Table 18">
+            <a:extLst>
+              <a:ext uri="{FF2B5EF4-FFF2-40B4-BE49-F238E27FC236}">
+                <a16:creationId xmlns:a16="http://schemas.microsoft.com/office/drawing/2014/main" id="{3A8C9900-69DA-BD93-709C-527010552B88}"/>
+              </a:ext>
+            </a:extLst>
+          </p:cNvPr>
+          <p:cNvGraphicFramePr>
+            <a:graphicFrameLocks noGrp="1"/>
+          </p:cNvGraphicFramePr>
+          <p:nvPr>
+            <p:extLst>
+              <p:ext uri="{D42A27DB-BD31-4B8C-83A1-F6EECF244321}">
+                <p14:modId xmlns:p14="http://schemas.microsoft.com/office/powerpoint/2010/main" val="2329247669"/>
+              </p:ext>
+            </p:extLst>
+          </p:nvPr>
+        </p:nvGraphicFramePr>
+        <p:xfrm>
+          <a:off x="35940" y="6346233"/>
+          <a:ext cx="5526918" cy="600837"/>
+        </p:xfrm>
+        <a:graphic>
+          <a:graphicData uri="http://schemas.openxmlformats.org/drawingml/2006/table">
+            <a:tbl>
+              <a:tblPr firstRow="1" bandRow="1">
+                <a:tableStyleId>{5C22544A-7EE6-4342-B048-85BDC9FD1C3A}</a:tableStyleId>
+              </a:tblPr>
+              <a:tblGrid>
+                <a:gridCol w="1842306">
+                  <a:extLst>
+                    <a:ext uri="{9D8B030D-6E8A-4147-A177-3AD203B41FA5}">
+                      <a16:colId xmlns:a16="http://schemas.microsoft.com/office/drawing/2014/main" val="1950582533"/>
+                    </a:ext>
+                  </a:extLst>
+                </a:gridCol>
+                <a:gridCol w="1842306">
+                  <a:extLst>
+                    <a:ext uri="{9D8B030D-6E8A-4147-A177-3AD203B41FA5}">
+                      <a16:colId xmlns:a16="http://schemas.microsoft.com/office/drawing/2014/main" val="4001095997"/>
+                    </a:ext>
+                  </a:extLst>
+                </a:gridCol>
+                <a:gridCol w="1842306">
+                  <a:extLst>
+                    <a:ext uri="{9D8B030D-6E8A-4147-A177-3AD203B41FA5}">
+                      <a16:colId xmlns:a16="http://schemas.microsoft.com/office/drawing/2014/main" val="2869788140"/>
+                    </a:ext>
+                  </a:extLst>
+                </a:gridCol>
+              </a:tblGrid>
+              <a:tr h="370840">
+                <a:tc>
+                  <a:txBody>
+                    <a:bodyPr/>
+                    <a:lstStyle/>
+                    <a:p>
+                      <a:r>
+                        <a:rPr lang="en-HU" dirty="0">
+                          <a:solidFill>
+                            <a:schemeClr val="tx1"/>
+                          </a:solidFill>
+                        </a:rPr>
+                        <a:t>#1</a:t>
+                      </a:r>
+                    </a:p>
+                    <a:p>
+                      <a:endParaRPr lang="en-HU" dirty="0">
+                        <a:solidFill>
+                          <a:schemeClr val="tx1"/>
+                        </a:solidFill>
+                      </a:endParaRPr>
+                    </a:p>
+                    <a:p>
+                      <a:endParaRPr lang="en-HU" dirty="0">
+                        <a:solidFill>
+                          <a:schemeClr val="tx1"/>
+                        </a:solidFill>
+                      </a:endParaRPr>
+                    </a:p>
+                  </a:txBody>
+                  <a:tcPr>
+                    <a:lnL w="12700" cap="flat" cmpd="sng" algn="ctr">
+                      <a:solidFill>
+                        <a:schemeClr val="tx1"/>
+                      </a:solidFill>
+                      <a:prstDash val="solid"/>
+                      <a:round/>
+                      <a:headEnd type="none" w="med" len="med"/>
+                      <a:tailEnd type="none" w="med" len="med"/>
+                    </a:lnL>
+                    <a:lnR w="12700" cap="flat" cmpd="sng" algn="ctr">
+                      <a:solidFill>
+                        <a:schemeClr val="tx1"/>
+                      </a:solidFill>
+                      <a:prstDash val="solid"/>
+                      <a:round/>
+                      <a:headEnd type="none" w="med" len="med"/>
+                      <a:tailEnd type="none" w="med" len="med"/>
+                    </a:lnR>
+                    <a:lnT w="12700" cap="flat" cmpd="sng" algn="ctr">
+                      <a:solidFill>
+                        <a:schemeClr val="tx1"/>
+                      </a:solidFill>
+                      <a:prstDash val="solid"/>
+                      <a:round/>
+                      <a:headEnd type="none" w="med" len="med"/>
+                      <a:tailEnd type="none" w="med" len="med"/>
+                    </a:lnT>
+                    <a:lnB w="12700" cap="flat" cmpd="sng" algn="ctr">
+                      <a:solidFill>
+                        <a:schemeClr val="tx1"/>
+                      </a:solidFill>
+                      <a:prstDash val="solid"/>
+                      <a:round/>
+                      <a:headEnd type="none" w="med" len="med"/>
+                      <a:tailEnd type="none" w="med" len="med"/>
+                    </a:lnB>
+                    <a:noFill/>
+                  </a:tcPr>
+                </a:tc>
+                <a:tc>
+                  <a:txBody>
+                    <a:bodyPr/>
+                    <a:lstStyle/>
+                    <a:p>
+                      <a:r>
+                        <a:rPr lang="en-HU" dirty="0">
+                          <a:solidFill>
+                            <a:schemeClr val="tx1"/>
+                          </a:solidFill>
+                        </a:rPr>
+                        <a:t>#2</a:t>
+                      </a:r>
+                    </a:p>
+                  </a:txBody>
+                  <a:tcPr>
+                    <a:lnL w="12700" cap="flat" cmpd="sng" algn="ctr">
+                      <a:solidFill>
+                        <a:schemeClr val="tx1"/>
+                      </a:solidFill>
+                      <a:prstDash val="solid"/>
+                      <a:round/>
+                      <a:headEnd type="none" w="med" len="med"/>
+                      <a:tailEnd type="none" w="med" len="med"/>
+                    </a:lnL>
+                    <a:lnR w="12700" cap="flat" cmpd="sng" algn="ctr">
+                      <a:solidFill>
+                        <a:schemeClr val="tx1"/>
+                      </a:solidFill>
+                      <a:prstDash val="solid"/>
+                      <a:round/>
+                      <a:headEnd type="none" w="med" len="med"/>
+                      <a:tailEnd type="none" w="med" len="med"/>
+                    </a:lnR>
+                    <a:lnT w="12700" cap="flat" cmpd="sng" algn="ctr">
+                      <a:solidFill>
+                        <a:schemeClr val="tx1"/>
+                      </a:solidFill>
+                      <a:prstDash val="solid"/>
+                      <a:round/>
+                      <a:headEnd type="none" w="med" len="med"/>
+                      <a:tailEnd type="none" w="med" len="med"/>
+                    </a:lnT>
+                    <a:lnB w="12700" cap="flat" cmpd="sng" algn="ctr">
+                      <a:solidFill>
+                        <a:schemeClr val="tx1"/>
+                      </a:solidFill>
+                      <a:prstDash val="solid"/>
+                      <a:round/>
+                      <a:headEnd type="none" w="med" len="med"/>
+                      <a:tailEnd type="none" w="med" len="med"/>
+                    </a:lnB>
+                    <a:noFill/>
+                  </a:tcPr>
+                </a:tc>
+                <a:tc>
+                  <a:txBody>
+                    <a:bodyPr/>
+                    <a:lstStyle/>
+                    <a:p>
+                      <a:r>
+                        <a:rPr lang="en-HU" dirty="0">
+                          <a:solidFill>
+                            <a:schemeClr val="tx1"/>
+                          </a:solidFill>
+                        </a:rPr>
+                        <a:t>#3</a:t>
+                      </a:r>
+                    </a:p>
+                  </a:txBody>
+                  <a:tcPr>
+                    <a:lnL w="12700" cap="flat" cmpd="sng" algn="ctr">
+                      <a:solidFill>
+                        <a:schemeClr val="tx1"/>
+                      </a:solidFill>
+                      <a:prstDash val="solid"/>
+                      <a:round/>
+                      <a:headEnd type="none" w="med" len="med"/>
+                      <a:tailEnd type="none" w="med" len="med"/>
+                    </a:lnL>
+                    <a:lnR w="12700" cap="flat" cmpd="sng" algn="ctr">
+                      <a:solidFill>
+                        <a:schemeClr val="tx1"/>
+                      </a:solidFill>
+                      <a:prstDash val="solid"/>
+                      <a:round/>
+                      <a:headEnd type="none" w="med" len="med"/>
+                      <a:tailEnd type="none" w="med" len="med"/>
+                    </a:lnR>
+                    <a:lnT w="12700" cap="flat" cmpd="sng" algn="ctr">
+                      <a:solidFill>
+                        <a:schemeClr val="tx1"/>
+                      </a:solidFill>
+                      <a:prstDash val="solid"/>
+                      <a:round/>
+                      <a:headEnd type="none" w="med" len="med"/>
+                      <a:tailEnd type="none" w="med" len="med"/>
+                    </a:lnT>
+                    <a:lnB w="12700" cap="flat" cmpd="sng" algn="ctr">
+                      <a:solidFill>
+                        <a:schemeClr val="tx1"/>
+                      </a:solidFill>
+                      <a:prstDash val="solid"/>
+                      <a:round/>
+                      <a:headEnd type="none" w="med" len="med"/>
+                      <a:tailEnd type="none" w="med" len="med"/>
+                    </a:lnB>
+                    <a:noFill/>
+                  </a:tcPr>
+                </a:tc>
+                <a:extLst>
+                  <a:ext uri="{0D108BD9-81ED-4DB2-BD59-A6C34878D82A}">
+                    <a16:rowId xmlns:a16="http://schemas.microsoft.com/office/drawing/2014/main" val="4126973740"/>
+                  </a:ext>
+                </a:extLst>
+              </a:tr>
+            </a:tbl>
+          </a:graphicData>
+        </a:graphic>
+      </p:graphicFrame>
     </p:spTree>
     <p:extLst>
       <p:ext uri="{BB962C8B-B14F-4D97-AF65-F5344CB8AC3E}">
@@ -4129,14 +5587,14 @@
           <p:nvPr>
             <p:extLst>
               <p:ext uri="{D42A27DB-BD31-4B8C-83A1-F6EECF244321}">
-                <p14:modId xmlns:p14="http://schemas.microsoft.com/office/powerpoint/2010/main" val="148880028"/>
+                <p14:modId xmlns:p14="http://schemas.microsoft.com/office/powerpoint/2010/main" val="1598702206"/>
               </p:ext>
             </p:extLst>
           </p:nvPr>
         </p:nvGraphicFramePr>
         <p:xfrm>
           <a:off x="17011" y="568269"/>
-          <a:ext cx="5580485" cy="6975527"/>
+          <a:ext cx="5647198" cy="7039432"/>
         </p:xfrm>
         <a:graphic>
           <a:graphicData uri="http://schemas.openxmlformats.org/drawingml/2006/table">
@@ -4145,28 +5603,35 @@
                 <a:tableStyleId>{5C22544A-7EE6-4342-B048-85BDC9FD1C3A}</a:tableStyleId>
               </a:tblPr>
               <a:tblGrid>
-                <a:gridCol w="233680">
+                <a:gridCol w="208280">
                   <a:extLst>
                     <a:ext uri="{9D8B030D-6E8A-4147-A177-3AD203B41FA5}">
                       <a16:colId xmlns:a16="http://schemas.microsoft.com/office/drawing/2014/main" val="739881487"/>
                     </a:ext>
                   </a:extLst>
                 </a:gridCol>
-                <a:gridCol w="3192510">
+                <a:gridCol w="494030">
+                  <a:extLst>
+                    <a:ext uri="{9D8B030D-6E8A-4147-A177-3AD203B41FA5}">
+                      <a16:colId xmlns:a16="http://schemas.microsoft.com/office/drawing/2014/main" val="4099579745"/>
+                    </a:ext>
+                  </a:extLst>
+                </a:gridCol>
+                <a:gridCol w="2723012">
                   <a:extLst>
                     <a:ext uri="{9D8B030D-6E8A-4147-A177-3AD203B41FA5}">
                       <a16:colId xmlns:a16="http://schemas.microsoft.com/office/drawing/2014/main" val="430590996"/>
                     </a:ext>
                   </a:extLst>
                 </a:gridCol>
-                <a:gridCol w="692144">
+                <a:gridCol w="673818">
                   <a:extLst>
                     <a:ext uri="{9D8B030D-6E8A-4147-A177-3AD203B41FA5}">
                       <a16:colId xmlns:a16="http://schemas.microsoft.com/office/drawing/2014/main" val="3399180806"/>
                     </a:ext>
                   </a:extLst>
                 </a:gridCol>
-                <a:gridCol w="1462151">
+                <a:gridCol w="1548058">
                   <a:extLst>
                     <a:ext uri="{9D8B030D-6E8A-4147-A177-3AD203B41FA5}">
                       <a16:colId xmlns:a16="http://schemas.microsoft.com/office/drawing/2014/main" val="770106357"/>
@@ -4181,6 +5646,36 @@
                     <a:lstStyle/>
                     <a:p>
                       <a:endParaRPr lang="hu-HU" dirty="0"/>
+                    </a:p>
+                  </a:txBody>
+                  <a:tcPr>
+                    <a:lnB w="12700" cap="flat" cmpd="sng" algn="ctr">
+                      <a:solidFill>
+                        <a:schemeClr val="tx1"/>
+                      </a:solidFill>
+                      <a:prstDash val="solid"/>
+                      <a:round/>
+                      <a:headEnd type="none" w="med" len="med"/>
+                      <a:tailEnd type="none" w="med" len="med"/>
+                    </a:lnB>
+                    <a:solidFill>
+                      <a:srgbClr val="3F4346"/>
+                    </a:solidFill>
+                  </a:tcPr>
+                </a:tc>
+                <a:tc>
+                  <a:txBody>
+                    <a:bodyPr/>
+                    <a:lstStyle/>
+                    <a:p>
+                      <a:r>
+                        <a:rPr lang="hu-HU" dirty="0">
+                          <a:solidFill>
+                            <a:schemeClr val="bg1"/>
+                          </a:solidFill>
+                        </a:rPr>
+                        <a:t>STEP</a:t>
+                      </a:r>
                     </a:p>
                   </a:txBody>
                   <a:tcPr>
@@ -4358,7 +5853,61 @@
                     <a:bodyPr/>
                     <a:lstStyle/>
                     <a:p>
-                      <a:endParaRPr lang="hu-HU" dirty="0"/>
+                      <a:r>
+                        <a:rPr lang="hu-HU" dirty="0"/>
+                        <a:t>00</a:t>
+                      </a:r>
+                    </a:p>
+                  </a:txBody>
+                  <a:tcPr>
+                    <a:lnL w="12700" cap="flat" cmpd="sng" algn="ctr">
+                      <a:solidFill>
+                        <a:schemeClr val="tx1"/>
+                      </a:solidFill>
+                      <a:prstDash val="solid"/>
+                      <a:round/>
+                      <a:headEnd type="none" w="med" len="med"/>
+                      <a:tailEnd type="none" w="med" len="med"/>
+                    </a:lnL>
+                    <a:lnR w="12700" cap="flat" cmpd="sng" algn="ctr">
+                      <a:solidFill>
+                        <a:schemeClr val="tx1"/>
+                      </a:solidFill>
+                      <a:prstDash val="solid"/>
+                      <a:round/>
+                      <a:headEnd type="none" w="med" len="med"/>
+                      <a:tailEnd type="none" w="med" len="med"/>
+                    </a:lnR>
+                    <a:lnT w="12700" cap="flat" cmpd="sng" algn="ctr">
+                      <a:solidFill>
+                        <a:schemeClr val="tx1"/>
+                      </a:solidFill>
+                      <a:prstDash val="solid"/>
+                      <a:round/>
+                      <a:headEnd type="none" w="med" len="med"/>
+                      <a:tailEnd type="none" w="med" len="med"/>
+                    </a:lnT>
+                    <a:lnB w="12700" cap="flat" cmpd="sng" algn="ctr">
+                      <a:solidFill>
+                        <a:schemeClr val="tx1"/>
+                      </a:solidFill>
+                      <a:prstDash val="solid"/>
+                      <a:round/>
+                      <a:headEnd type="none" w="med" len="med"/>
+                      <a:tailEnd type="none" w="med" len="med"/>
+                    </a:lnB>
+                    <a:noFill/>
+                  </a:tcPr>
+                </a:tc>
+                <a:tc>
+                  <a:txBody>
+                    <a:bodyPr/>
+                    <a:lstStyle/>
+                    <a:p>
+                      <a:r>
+                        <a:rPr lang="hu-HU" dirty="0"/>
+                        <a:t>Előkészítés</a:t>
+                      </a:r>
                     </a:p>
                   </a:txBody>
                   <a:tcPr>
@@ -4605,6 +6154,57 @@
                     <a:bodyPr/>
                     <a:lstStyle/>
                     <a:p>
+                      <a:r>
+                        <a:rPr lang="hu-HU" dirty="0"/>
+                        <a:t>1 Rendszer ellenőrzés, laptopok és szerverek előkészítése</a:t>
+                      </a:r>
+                    </a:p>
+                  </a:txBody>
+                  <a:tcPr>
+                    <a:lnL w="12700" cap="flat" cmpd="sng" algn="ctr">
+                      <a:solidFill>
+                        <a:schemeClr val="tx1"/>
+                      </a:solidFill>
+                      <a:prstDash val="solid"/>
+                      <a:round/>
+                      <a:headEnd type="none" w="med" len="med"/>
+                      <a:tailEnd type="none" w="med" len="med"/>
+                    </a:lnL>
+                    <a:lnR w="12700" cap="flat" cmpd="sng" algn="ctr">
+                      <a:solidFill>
+                        <a:schemeClr val="tx1"/>
+                      </a:solidFill>
+                      <a:prstDash val="solid"/>
+                      <a:round/>
+                      <a:headEnd type="none" w="med" len="med"/>
+                      <a:tailEnd type="none" w="med" len="med"/>
+                    </a:lnR>
+                    <a:lnT w="12700" cap="flat" cmpd="sng" algn="ctr">
+                      <a:solidFill>
+                        <a:schemeClr val="tx1"/>
+                      </a:solidFill>
+                      <a:prstDash val="solid"/>
+                      <a:round/>
+                      <a:headEnd type="none" w="med" len="med"/>
+                      <a:tailEnd type="none" w="med" len="med"/>
+                    </a:lnT>
+                    <a:lnB w="12700" cap="flat" cmpd="sng" algn="ctr">
+                      <a:solidFill>
+                        <a:schemeClr val="tx1"/>
+                      </a:solidFill>
+                      <a:prstDash val="solid"/>
+                      <a:round/>
+                      <a:headEnd type="none" w="med" len="med"/>
+                      <a:tailEnd type="none" w="med" len="med"/>
+                    </a:lnB>
+                    <a:noFill/>
+                  </a:tcPr>
+                </a:tc>
+                <a:tc>
+                  <a:txBody>
+                    <a:bodyPr/>
+                    <a:lstStyle/>
+                    <a:p>
                       <a:endParaRPr lang="hu-HU" dirty="0"/>
                     </a:p>
                   </a:txBody>
@@ -4804,6 +6404,73 @@
                     <a:bodyPr/>
                     <a:lstStyle/>
                     <a:p>
+                      <a:r>
+                        <a:rPr lang="hu-HU" dirty="0"/>
+                        <a:t>2 </a:t>
+                      </a:r>
+                      <a:r>
+                        <a:rPr lang="hu-HU" dirty="0" err="1"/>
+                        <a:t>vCenter</a:t>
+                      </a:r>
+                      <a:r>
+                        <a:rPr lang="hu-HU" dirty="0"/>
+                        <a:t> </a:t>
+                      </a:r>
+                      <a:r>
+                        <a:rPr lang="hu-HU" dirty="0" err="1"/>
+                        <a:t>Certificate</a:t>
+                      </a:r>
+                      <a:r>
+                        <a:rPr lang="hu-HU" dirty="0"/>
+                        <a:t> megújítás</a:t>
+                      </a:r>
+                    </a:p>
+                  </a:txBody>
+                  <a:tcPr>
+                    <a:lnL w="12700" cap="flat" cmpd="sng" algn="ctr">
+                      <a:solidFill>
+                        <a:schemeClr val="tx1"/>
+                      </a:solidFill>
+                      <a:prstDash val="solid"/>
+                      <a:round/>
+                      <a:headEnd type="none" w="med" len="med"/>
+                      <a:tailEnd type="none" w="med" len="med"/>
+                    </a:lnL>
+                    <a:lnR w="12700" cap="flat" cmpd="sng" algn="ctr">
+                      <a:solidFill>
+                        <a:schemeClr val="tx1"/>
+                      </a:solidFill>
+                      <a:prstDash val="solid"/>
+                      <a:round/>
+                      <a:headEnd type="none" w="med" len="med"/>
+                      <a:tailEnd type="none" w="med" len="med"/>
+                    </a:lnR>
+                    <a:lnT w="12700" cap="flat" cmpd="sng" algn="ctr">
+                      <a:solidFill>
+                        <a:schemeClr val="tx1"/>
+                      </a:solidFill>
+                      <a:prstDash val="solid"/>
+                      <a:round/>
+                      <a:headEnd type="none" w="med" len="med"/>
+                      <a:tailEnd type="none" w="med" len="med"/>
+                    </a:lnT>
+                    <a:lnB w="12700" cap="flat" cmpd="sng" algn="ctr">
+                      <a:solidFill>
+                        <a:schemeClr val="tx1"/>
+                      </a:solidFill>
+                      <a:prstDash val="solid"/>
+                      <a:round/>
+                      <a:headEnd type="none" w="med" len="med"/>
+                      <a:tailEnd type="none" w="med" len="med"/>
+                    </a:lnB>
+                    <a:noFill/>
+                  </a:tcPr>
+                </a:tc>
+                <a:tc>
+                  <a:txBody>
+                    <a:bodyPr/>
+                    <a:lstStyle/>
+                    <a:p>
                       <a:endParaRPr lang="hu-HU" dirty="0"/>
                     </a:p>
                   </a:txBody>
@@ -5003,6 +6670,65 @@
                     <a:bodyPr/>
                     <a:lstStyle/>
                     <a:p>
+                      <a:r>
+                        <a:rPr lang="hu-HU" dirty="0"/>
+                        <a:t>3 </a:t>
+                      </a:r>
+                      <a:r>
+                        <a:rPr lang="hu-HU" dirty="0" err="1"/>
+                        <a:t>Admin</a:t>
+                      </a:r>
+                      <a:r>
+                        <a:rPr lang="hu-HU" dirty="0"/>
+                        <a:t> linkek előkészítése</a:t>
+                      </a:r>
+                    </a:p>
+                  </a:txBody>
+                  <a:tcPr>
+                    <a:lnL w="12700" cap="flat" cmpd="sng" algn="ctr">
+                      <a:solidFill>
+                        <a:schemeClr val="tx1"/>
+                      </a:solidFill>
+                      <a:prstDash val="solid"/>
+                      <a:round/>
+                      <a:headEnd type="none" w="med" len="med"/>
+                      <a:tailEnd type="none" w="med" len="med"/>
+                    </a:lnL>
+                    <a:lnR w="12700" cap="flat" cmpd="sng" algn="ctr">
+                      <a:solidFill>
+                        <a:schemeClr val="tx1"/>
+                      </a:solidFill>
+                      <a:prstDash val="solid"/>
+                      <a:round/>
+                      <a:headEnd type="none" w="med" len="med"/>
+                      <a:tailEnd type="none" w="med" len="med"/>
+                    </a:lnR>
+                    <a:lnT w="12700" cap="flat" cmpd="sng" algn="ctr">
+                      <a:solidFill>
+                        <a:schemeClr val="tx1"/>
+                      </a:solidFill>
+                      <a:prstDash val="solid"/>
+                      <a:round/>
+                      <a:headEnd type="none" w="med" len="med"/>
+                      <a:tailEnd type="none" w="med" len="med"/>
+                    </a:lnT>
+                    <a:lnB w="12700" cap="flat" cmpd="sng" algn="ctr">
+                      <a:solidFill>
+                        <a:schemeClr val="tx1"/>
+                      </a:solidFill>
+                      <a:prstDash val="solid"/>
+                      <a:round/>
+                      <a:headEnd type="none" w="med" len="med"/>
+                      <a:tailEnd type="none" w="med" len="med"/>
+                    </a:lnB>
+                    <a:noFill/>
+                  </a:tcPr>
+                </a:tc>
+                <a:tc>
+                  <a:txBody>
+                    <a:bodyPr/>
+                    <a:lstStyle/>
+                    <a:p>
                       <a:endParaRPr lang="hu-HU"/>
                     </a:p>
                   </a:txBody>
@@ -5202,6 +6928,65 @@
                     <a:bodyPr/>
                     <a:lstStyle/>
                     <a:p>
+                      <a:r>
+                        <a:rPr lang="hu-HU" dirty="0"/>
+                        <a:t>4 </a:t>
+                      </a:r>
+                      <a:r>
+                        <a:rPr lang="hu-HU" dirty="0" err="1"/>
+                        <a:t>Tools</a:t>
+                      </a:r>
+                      <a:r>
+                        <a:rPr lang="hu-HU" dirty="0"/>
+                        <a:t> telepítés az update laptopra</a:t>
+                      </a:r>
+                    </a:p>
+                  </a:txBody>
+                  <a:tcPr>
+                    <a:lnL w="12700" cap="flat" cmpd="sng" algn="ctr">
+                      <a:solidFill>
+                        <a:schemeClr val="tx1"/>
+                      </a:solidFill>
+                      <a:prstDash val="solid"/>
+                      <a:round/>
+                      <a:headEnd type="none" w="med" len="med"/>
+                      <a:tailEnd type="none" w="med" len="med"/>
+                    </a:lnL>
+                    <a:lnR w="12700" cap="flat" cmpd="sng" algn="ctr">
+                      <a:solidFill>
+                        <a:schemeClr val="tx1"/>
+                      </a:solidFill>
+                      <a:prstDash val="solid"/>
+                      <a:round/>
+                      <a:headEnd type="none" w="med" len="med"/>
+                      <a:tailEnd type="none" w="med" len="med"/>
+                    </a:lnR>
+                    <a:lnT w="12700" cap="flat" cmpd="sng" algn="ctr">
+                      <a:solidFill>
+                        <a:schemeClr val="tx1"/>
+                      </a:solidFill>
+                      <a:prstDash val="solid"/>
+                      <a:round/>
+                      <a:headEnd type="none" w="med" len="med"/>
+                      <a:tailEnd type="none" w="med" len="med"/>
+                    </a:lnT>
+                    <a:lnB w="12700" cap="flat" cmpd="sng" algn="ctr">
+                      <a:solidFill>
+                        <a:schemeClr val="tx1"/>
+                      </a:solidFill>
+                      <a:prstDash val="solid"/>
+                      <a:round/>
+                      <a:headEnd type="none" w="med" len="med"/>
+                      <a:tailEnd type="none" w="med" len="med"/>
+                    </a:lnB>
+                    <a:noFill/>
+                  </a:tcPr>
+                </a:tc>
+                <a:tc>
+                  <a:txBody>
+                    <a:bodyPr/>
+                    <a:lstStyle/>
+                    <a:p>
                       <a:endParaRPr lang="hu-HU"/>
                     </a:p>
                   </a:txBody>
@@ -5449,6 +7234,54 @@
                     <a:bodyPr/>
                     <a:lstStyle/>
                     <a:p>
+                      <a:endParaRPr lang="hu-HU"/>
+                    </a:p>
+                  </a:txBody>
+                  <a:tcPr>
+                    <a:lnL w="12700" cap="flat" cmpd="sng" algn="ctr">
+                      <a:solidFill>
+                        <a:schemeClr val="tx1"/>
+                      </a:solidFill>
+                      <a:prstDash val="solid"/>
+                      <a:round/>
+                      <a:headEnd type="none" w="med" len="med"/>
+                      <a:tailEnd type="none" w="med" len="med"/>
+                    </a:lnL>
+                    <a:lnR w="12700" cap="flat" cmpd="sng" algn="ctr">
+                      <a:solidFill>
+                        <a:schemeClr val="tx1"/>
+                      </a:solidFill>
+                      <a:prstDash val="solid"/>
+                      <a:round/>
+                      <a:headEnd type="none" w="med" len="med"/>
+                      <a:tailEnd type="none" w="med" len="med"/>
+                    </a:lnR>
+                    <a:lnT w="12700" cap="flat" cmpd="sng" algn="ctr">
+                      <a:solidFill>
+                        <a:schemeClr val="tx1"/>
+                      </a:solidFill>
+                      <a:prstDash val="solid"/>
+                      <a:round/>
+                      <a:headEnd type="none" w="med" len="med"/>
+                      <a:tailEnd type="none" w="med" len="med"/>
+                    </a:lnT>
+                    <a:lnB w="12700" cap="flat" cmpd="sng" algn="ctr">
+                      <a:solidFill>
+                        <a:schemeClr val="tx1"/>
+                      </a:solidFill>
+                      <a:prstDash val="solid"/>
+                      <a:round/>
+                      <a:headEnd type="none" w="med" len="med"/>
+                      <a:tailEnd type="none" w="med" len="med"/>
+                    </a:lnB>
+                    <a:noFill/>
+                  </a:tcPr>
+                </a:tc>
+                <a:tc>
+                  <a:txBody>
+                    <a:bodyPr/>
+                    <a:lstStyle/>
+                    <a:p>
                       <a:endParaRPr lang="hu-HU" dirty="0"/>
                     </a:p>
                   </a:txBody>
@@ -5648,6 +7481,54 @@
                     <a:bodyPr/>
                     <a:lstStyle/>
                     <a:p>
+                      <a:endParaRPr lang="hu-HU"/>
+                    </a:p>
+                  </a:txBody>
+                  <a:tcPr>
+                    <a:lnL w="12700" cap="flat" cmpd="sng" algn="ctr">
+                      <a:solidFill>
+                        <a:schemeClr val="tx1"/>
+                      </a:solidFill>
+                      <a:prstDash val="solid"/>
+                      <a:round/>
+                      <a:headEnd type="none" w="med" len="med"/>
+                      <a:tailEnd type="none" w="med" len="med"/>
+                    </a:lnL>
+                    <a:lnR w="12700" cap="flat" cmpd="sng" algn="ctr">
+                      <a:solidFill>
+                        <a:schemeClr val="tx1"/>
+                      </a:solidFill>
+                      <a:prstDash val="solid"/>
+                      <a:round/>
+                      <a:headEnd type="none" w="med" len="med"/>
+                      <a:tailEnd type="none" w="med" len="med"/>
+                    </a:lnR>
+                    <a:lnT w="12700" cap="flat" cmpd="sng" algn="ctr">
+                      <a:solidFill>
+                        <a:schemeClr val="tx1"/>
+                      </a:solidFill>
+                      <a:prstDash val="solid"/>
+                      <a:round/>
+                      <a:headEnd type="none" w="med" len="med"/>
+                      <a:tailEnd type="none" w="med" len="med"/>
+                    </a:lnT>
+                    <a:lnB w="12700" cap="flat" cmpd="sng" algn="ctr">
+                      <a:solidFill>
+                        <a:schemeClr val="tx1"/>
+                      </a:solidFill>
+                      <a:prstDash val="solid"/>
+                      <a:round/>
+                      <a:headEnd type="none" w="med" len="med"/>
+                      <a:tailEnd type="none" w="med" len="med"/>
+                    </a:lnB>
+                    <a:noFill/>
+                  </a:tcPr>
+                </a:tc>
+                <a:tc>
+                  <a:txBody>
+                    <a:bodyPr/>
+                    <a:lstStyle/>
+                    <a:p>
                       <a:endParaRPr lang="hu-HU" dirty="0"/>
                     </a:p>
                   </a:txBody>
@@ -5847,6 +7728,54 @@
                     <a:bodyPr/>
                     <a:lstStyle/>
                     <a:p>
+                      <a:endParaRPr lang="hu-HU"/>
+                    </a:p>
+                  </a:txBody>
+                  <a:tcPr>
+                    <a:lnL w="12700" cap="flat" cmpd="sng" algn="ctr">
+                      <a:solidFill>
+                        <a:schemeClr val="tx1"/>
+                      </a:solidFill>
+                      <a:prstDash val="solid"/>
+                      <a:round/>
+                      <a:headEnd type="none" w="med" len="med"/>
+                      <a:tailEnd type="none" w="med" len="med"/>
+                    </a:lnL>
+                    <a:lnR w="12700" cap="flat" cmpd="sng" algn="ctr">
+                      <a:solidFill>
+                        <a:schemeClr val="tx1"/>
+                      </a:solidFill>
+                      <a:prstDash val="solid"/>
+                      <a:round/>
+                      <a:headEnd type="none" w="med" len="med"/>
+                      <a:tailEnd type="none" w="med" len="med"/>
+                    </a:lnR>
+                    <a:lnT w="12700" cap="flat" cmpd="sng" algn="ctr">
+                      <a:solidFill>
+                        <a:schemeClr val="tx1"/>
+                      </a:solidFill>
+                      <a:prstDash val="solid"/>
+                      <a:round/>
+                      <a:headEnd type="none" w="med" len="med"/>
+                      <a:tailEnd type="none" w="med" len="med"/>
+                    </a:lnT>
+                    <a:lnB w="12700" cap="flat" cmpd="sng" algn="ctr">
+                      <a:solidFill>
+                        <a:schemeClr val="tx1"/>
+                      </a:solidFill>
+                      <a:prstDash val="solid"/>
+                      <a:round/>
+                      <a:headEnd type="none" w="med" len="med"/>
+                      <a:tailEnd type="none" w="med" len="med"/>
+                    </a:lnB>
+                    <a:noFill/>
+                  </a:tcPr>
+                </a:tc>
+                <a:tc>
+                  <a:txBody>
+                    <a:bodyPr/>
+                    <a:lstStyle/>
+                    <a:p>
                       <a:endParaRPr lang="hu-HU" dirty="0"/>
                     </a:p>
                   </a:txBody>
@@ -6046,6 +7975,54 @@
                     <a:bodyPr/>
                     <a:lstStyle/>
                     <a:p>
+                      <a:endParaRPr lang="hu-HU"/>
+                    </a:p>
+                  </a:txBody>
+                  <a:tcPr>
+                    <a:lnL w="12700" cap="flat" cmpd="sng" algn="ctr">
+                      <a:solidFill>
+                        <a:schemeClr val="tx1"/>
+                      </a:solidFill>
+                      <a:prstDash val="solid"/>
+                      <a:round/>
+                      <a:headEnd type="none" w="med" len="med"/>
+                      <a:tailEnd type="none" w="med" len="med"/>
+                    </a:lnL>
+                    <a:lnR w="12700" cap="flat" cmpd="sng" algn="ctr">
+                      <a:solidFill>
+                        <a:schemeClr val="tx1"/>
+                      </a:solidFill>
+                      <a:prstDash val="solid"/>
+                      <a:round/>
+                      <a:headEnd type="none" w="med" len="med"/>
+                      <a:tailEnd type="none" w="med" len="med"/>
+                    </a:lnR>
+                    <a:lnT w="12700" cap="flat" cmpd="sng" algn="ctr">
+                      <a:solidFill>
+                        <a:schemeClr val="tx1"/>
+                      </a:solidFill>
+                      <a:prstDash val="solid"/>
+                      <a:round/>
+                      <a:headEnd type="none" w="med" len="med"/>
+                      <a:tailEnd type="none" w="med" len="med"/>
+                    </a:lnT>
+                    <a:lnB w="12700" cap="flat" cmpd="sng" algn="ctr">
+                      <a:solidFill>
+                        <a:schemeClr val="tx1"/>
+                      </a:solidFill>
+                      <a:prstDash val="solid"/>
+                      <a:round/>
+                      <a:headEnd type="none" w="med" len="med"/>
+                      <a:tailEnd type="none" w="med" len="med"/>
+                    </a:lnB>
+                    <a:noFill/>
+                  </a:tcPr>
+                </a:tc>
+                <a:tc>
+                  <a:txBody>
+                    <a:bodyPr/>
+                    <a:lstStyle/>
+                    <a:p>
                       <a:endParaRPr lang="hu-HU" dirty="0"/>
                     </a:p>
                   </a:txBody>
@@ -6245,6 +8222,54 @@
                     <a:bodyPr/>
                     <a:lstStyle/>
                     <a:p>
+                      <a:endParaRPr lang="hu-HU"/>
+                    </a:p>
+                  </a:txBody>
+                  <a:tcPr>
+                    <a:lnL w="12700" cap="flat" cmpd="sng" algn="ctr">
+                      <a:solidFill>
+                        <a:schemeClr val="tx1"/>
+                      </a:solidFill>
+                      <a:prstDash val="solid"/>
+                      <a:round/>
+                      <a:headEnd type="none" w="med" len="med"/>
+                      <a:tailEnd type="none" w="med" len="med"/>
+                    </a:lnL>
+                    <a:lnR w="12700" cap="flat" cmpd="sng" algn="ctr">
+                      <a:solidFill>
+                        <a:schemeClr val="tx1"/>
+                      </a:solidFill>
+                      <a:prstDash val="solid"/>
+                      <a:round/>
+                      <a:headEnd type="none" w="med" len="med"/>
+                      <a:tailEnd type="none" w="med" len="med"/>
+                    </a:lnR>
+                    <a:lnT w="12700" cap="flat" cmpd="sng" algn="ctr">
+                      <a:solidFill>
+                        <a:schemeClr val="tx1"/>
+                      </a:solidFill>
+                      <a:prstDash val="solid"/>
+                      <a:round/>
+                      <a:headEnd type="none" w="med" len="med"/>
+                      <a:tailEnd type="none" w="med" len="med"/>
+                    </a:lnT>
+                    <a:lnB w="12700" cap="flat" cmpd="sng" algn="ctr">
+                      <a:solidFill>
+                        <a:schemeClr val="tx1"/>
+                      </a:solidFill>
+                      <a:prstDash val="solid"/>
+                      <a:round/>
+                      <a:headEnd type="none" w="med" len="med"/>
+                      <a:tailEnd type="none" w="med" len="med"/>
+                    </a:lnB>
+                    <a:noFill/>
+                  </a:tcPr>
+                </a:tc>
+                <a:tc>
+                  <a:txBody>
+                    <a:bodyPr/>
+                    <a:lstStyle/>
+                    <a:p>
                       <a:endParaRPr lang="hu-HU" dirty="0"/>
                     </a:p>
                   </a:txBody>
@@ -6444,6 +8469,54 @@
                     <a:bodyPr/>
                     <a:lstStyle/>
                     <a:p>
+                      <a:endParaRPr lang="hu-HU"/>
+                    </a:p>
+                  </a:txBody>
+                  <a:tcPr>
+                    <a:lnL w="12700" cap="flat" cmpd="sng" algn="ctr">
+                      <a:solidFill>
+                        <a:schemeClr val="tx1"/>
+                      </a:solidFill>
+                      <a:prstDash val="solid"/>
+                      <a:round/>
+                      <a:headEnd type="none" w="med" len="med"/>
+                      <a:tailEnd type="none" w="med" len="med"/>
+                    </a:lnL>
+                    <a:lnR w="12700" cap="flat" cmpd="sng" algn="ctr">
+                      <a:solidFill>
+                        <a:schemeClr val="tx1"/>
+                      </a:solidFill>
+                      <a:prstDash val="solid"/>
+                      <a:round/>
+                      <a:headEnd type="none" w="med" len="med"/>
+                      <a:tailEnd type="none" w="med" len="med"/>
+                    </a:lnR>
+                    <a:lnT w="12700" cap="flat" cmpd="sng" algn="ctr">
+                      <a:solidFill>
+                        <a:schemeClr val="tx1"/>
+                      </a:solidFill>
+                      <a:prstDash val="solid"/>
+                      <a:round/>
+                      <a:headEnd type="none" w="med" len="med"/>
+                      <a:tailEnd type="none" w="med" len="med"/>
+                    </a:lnT>
+                    <a:lnB w="12700" cap="flat" cmpd="sng" algn="ctr">
+                      <a:solidFill>
+                        <a:schemeClr val="tx1"/>
+                      </a:solidFill>
+                      <a:prstDash val="solid"/>
+                      <a:round/>
+                      <a:headEnd type="none" w="med" len="med"/>
+                      <a:tailEnd type="none" w="med" len="med"/>
+                    </a:lnB>
+                    <a:noFill/>
+                  </a:tcPr>
+                </a:tc>
+                <a:tc>
+                  <a:txBody>
+                    <a:bodyPr/>
+                    <a:lstStyle/>
+                    <a:p>
                       <a:endParaRPr lang="hu-HU" dirty="0"/>
                     </a:p>
                   </a:txBody>
@@ -6643,6 +8716,54 @@
                     <a:bodyPr/>
                     <a:lstStyle/>
                     <a:p>
+                      <a:endParaRPr lang="hu-HU"/>
+                    </a:p>
+                  </a:txBody>
+                  <a:tcPr>
+                    <a:lnL w="12700" cap="flat" cmpd="sng" algn="ctr">
+                      <a:solidFill>
+                        <a:schemeClr val="tx1"/>
+                      </a:solidFill>
+                      <a:prstDash val="solid"/>
+                      <a:round/>
+                      <a:headEnd type="none" w="med" len="med"/>
+                      <a:tailEnd type="none" w="med" len="med"/>
+                    </a:lnL>
+                    <a:lnR w="12700" cap="flat" cmpd="sng" algn="ctr">
+                      <a:solidFill>
+                        <a:schemeClr val="tx1"/>
+                      </a:solidFill>
+                      <a:prstDash val="solid"/>
+                      <a:round/>
+                      <a:headEnd type="none" w="med" len="med"/>
+                      <a:tailEnd type="none" w="med" len="med"/>
+                    </a:lnR>
+                    <a:lnT w="12700" cap="flat" cmpd="sng" algn="ctr">
+                      <a:solidFill>
+                        <a:schemeClr val="tx1"/>
+                      </a:solidFill>
+                      <a:prstDash val="solid"/>
+                      <a:round/>
+                      <a:headEnd type="none" w="med" len="med"/>
+                      <a:tailEnd type="none" w="med" len="med"/>
+                    </a:lnT>
+                    <a:lnB w="12700" cap="flat" cmpd="sng" algn="ctr">
+                      <a:solidFill>
+                        <a:schemeClr val="tx1"/>
+                      </a:solidFill>
+                      <a:prstDash val="solid"/>
+                      <a:round/>
+                      <a:headEnd type="none" w="med" len="med"/>
+                      <a:tailEnd type="none" w="med" len="med"/>
+                    </a:lnB>
+                    <a:noFill/>
+                  </a:tcPr>
+                </a:tc>
+                <a:tc>
+                  <a:txBody>
+                    <a:bodyPr/>
+                    <a:lstStyle/>
+                    <a:p>
                       <a:endParaRPr lang="hu-HU" dirty="0"/>
                     </a:p>
                   </a:txBody>
@@ -6842,6 +8963,54 @@
                     <a:bodyPr/>
                     <a:lstStyle/>
                     <a:p>
+                      <a:endParaRPr lang="hu-HU"/>
+                    </a:p>
+                  </a:txBody>
+                  <a:tcPr>
+                    <a:lnL w="12700" cap="flat" cmpd="sng" algn="ctr">
+                      <a:solidFill>
+                        <a:schemeClr val="tx1"/>
+                      </a:solidFill>
+                      <a:prstDash val="solid"/>
+                      <a:round/>
+                      <a:headEnd type="none" w="med" len="med"/>
+                      <a:tailEnd type="none" w="med" len="med"/>
+                    </a:lnL>
+                    <a:lnR w="12700" cap="flat" cmpd="sng" algn="ctr">
+                      <a:solidFill>
+                        <a:schemeClr val="tx1"/>
+                      </a:solidFill>
+                      <a:prstDash val="solid"/>
+                      <a:round/>
+                      <a:headEnd type="none" w="med" len="med"/>
+                      <a:tailEnd type="none" w="med" len="med"/>
+                    </a:lnR>
+                    <a:lnT w="12700" cap="flat" cmpd="sng" algn="ctr">
+                      <a:solidFill>
+                        <a:schemeClr val="tx1"/>
+                      </a:solidFill>
+                      <a:prstDash val="solid"/>
+                      <a:round/>
+                      <a:headEnd type="none" w="med" len="med"/>
+                      <a:tailEnd type="none" w="med" len="med"/>
+                    </a:lnT>
+                    <a:lnB w="12700" cap="flat" cmpd="sng" algn="ctr">
+                      <a:solidFill>
+                        <a:schemeClr val="tx1"/>
+                      </a:solidFill>
+                      <a:prstDash val="solid"/>
+                      <a:round/>
+                      <a:headEnd type="none" w="med" len="med"/>
+                      <a:tailEnd type="none" w="med" len="med"/>
+                    </a:lnB>
+                    <a:noFill/>
+                  </a:tcPr>
+                </a:tc>
+                <a:tc>
+                  <a:txBody>
+                    <a:bodyPr/>
+                    <a:lstStyle/>
+                    <a:p>
                       <a:endParaRPr lang="hu-HU" dirty="0"/>
                     </a:p>
                   </a:txBody>
@@ -7041,6 +9210,54 @@
                     <a:bodyPr/>
                     <a:lstStyle/>
                     <a:p>
+                      <a:endParaRPr lang="hu-HU"/>
+                    </a:p>
+                  </a:txBody>
+                  <a:tcPr>
+                    <a:lnL w="12700" cap="flat" cmpd="sng" algn="ctr">
+                      <a:solidFill>
+                        <a:schemeClr val="tx1"/>
+                      </a:solidFill>
+                      <a:prstDash val="solid"/>
+                      <a:round/>
+                      <a:headEnd type="none" w="med" len="med"/>
+                      <a:tailEnd type="none" w="med" len="med"/>
+                    </a:lnL>
+                    <a:lnR w="12700" cap="flat" cmpd="sng" algn="ctr">
+                      <a:solidFill>
+                        <a:schemeClr val="tx1"/>
+                      </a:solidFill>
+                      <a:prstDash val="solid"/>
+                      <a:round/>
+                      <a:headEnd type="none" w="med" len="med"/>
+                      <a:tailEnd type="none" w="med" len="med"/>
+                    </a:lnR>
+                    <a:lnT w="12700" cap="flat" cmpd="sng" algn="ctr">
+                      <a:solidFill>
+                        <a:schemeClr val="tx1"/>
+                      </a:solidFill>
+                      <a:prstDash val="solid"/>
+                      <a:round/>
+                      <a:headEnd type="none" w="med" len="med"/>
+                      <a:tailEnd type="none" w="med" len="med"/>
+                    </a:lnT>
+                    <a:lnB w="12700" cap="flat" cmpd="sng" algn="ctr">
+                      <a:solidFill>
+                        <a:schemeClr val="tx1"/>
+                      </a:solidFill>
+                      <a:prstDash val="solid"/>
+                      <a:round/>
+                      <a:headEnd type="none" w="med" len="med"/>
+                      <a:tailEnd type="none" w="med" len="med"/>
+                    </a:lnB>
+                    <a:noFill/>
+                  </a:tcPr>
+                </a:tc>
+                <a:tc>
+                  <a:txBody>
+                    <a:bodyPr/>
+                    <a:lstStyle/>
+                    <a:p>
                       <a:endParaRPr lang="hu-HU" dirty="0"/>
                     </a:p>
                   </a:txBody>
@@ -7240,6 +9457,54 @@
                     <a:bodyPr/>
                     <a:lstStyle/>
                     <a:p>
+                      <a:endParaRPr lang="hu-HU"/>
+                    </a:p>
+                  </a:txBody>
+                  <a:tcPr>
+                    <a:lnL w="12700" cap="flat" cmpd="sng" algn="ctr">
+                      <a:solidFill>
+                        <a:schemeClr val="tx1"/>
+                      </a:solidFill>
+                      <a:prstDash val="solid"/>
+                      <a:round/>
+                      <a:headEnd type="none" w="med" len="med"/>
+                      <a:tailEnd type="none" w="med" len="med"/>
+                    </a:lnL>
+                    <a:lnR w="12700" cap="flat" cmpd="sng" algn="ctr">
+                      <a:solidFill>
+                        <a:schemeClr val="tx1"/>
+                      </a:solidFill>
+                      <a:prstDash val="solid"/>
+                      <a:round/>
+                      <a:headEnd type="none" w="med" len="med"/>
+                      <a:tailEnd type="none" w="med" len="med"/>
+                    </a:lnR>
+                    <a:lnT w="12700" cap="flat" cmpd="sng" algn="ctr">
+                      <a:solidFill>
+                        <a:schemeClr val="tx1"/>
+                      </a:solidFill>
+                      <a:prstDash val="solid"/>
+                      <a:round/>
+                      <a:headEnd type="none" w="med" len="med"/>
+                      <a:tailEnd type="none" w="med" len="med"/>
+                    </a:lnT>
+                    <a:lnB w="12700" cap="flat" cmpd="sng" algn="ctr">
+                      <a:solidFill>
+                        <a:schemeClr val="tx1"/>
+                      </a:solidFill>
+                      <a:prstDash val="solid"/>
+                      <a:round/>
+                      <a:headEnd type="none" w="med" len="med"/>
+                      <a:tailEnd type="none" w="med" len="med"/>
+                    </a:lnB>
+                    <a:noFill/>
+                  </a:tcPr>
+                </a:tc>
+                <a:tc>
+                  <a:txBody>
+                    <a:bodyPr/>
+                    <a:lstStyle/>
+                    <a:p>
                       <a:endParaRPr lang="hu-HU" dirty="0"/>
                     </a:p>
                   </a:txBody>
@@ -7439,6 +9704,54 @@
                     <a:bodyPr/>
                     <a:lstStyle/>
                     <a:p>
+                      <a:endParaRPr lang="hu-HU"/>
+                    </a:p>
+                  </a:txBody>
+                  <a:tcPr>
+                    <a:lnL w="12700" cap="flat" cmpd="sng" algn="ctr">
+                      <a:solidFill>
+                        <a:schemeClr val="tx1"/>
+                      </a:solidFill>
+                      <a:prstDash val="solid"/>
+                      <a:round/>
+                      <a:headEnd type="none" w="med" len="med"/>
+                      <a:tailEnd type="none" w="med" len="med"/>
+                    </a:lnL>
+                    <a:lnR w="12700" cap="flat" cmpd="sng" algn="ctr">
+                      <a:solidFill>
+                        <a:schemeClr val="tx1"/>
+                      </a:solidFill>
+                      <a:prstDash val="solid"/>
+                      <a:round/>
+                      <a:headEnd type="none" w="med" len="med"/>
+                      <a:tailEnd type="none" w="med" len="med"/>
+                    </a:lnR>
+                    <a:lnT w="12700" cap="flat" cmpd="sng" algn="ctr">
+                      <a:solidFill>
+                        <a:schemeClr val="tx1"/>
+                      </a:solidFill>
+                      <a:prstDash val="solid"/>
+                      <a:round/>
+                      <a:headEnd type="none" w="med" len="med"/>
+                      <a:tailEnd type="none" w="med" len="med"/>
+                    </a:lnT>
+                    <a:lnB w="12700" cap="flat" cmpd="sng" algn="ctr">
+                      <a:solidFill>
+                        <a:schemeClr val="tx1"/>
+                      </a:solidFill>
+                      <a:prstDash val="solid"/>
+                      <a:round/>
+                      <a:headEnd type="none" w="med" len="med"/>
+                      <a:tailEnd type="none" w="med" len="med"/>
+                    </a:lnB>
+                    <a:noFill/>
+                  </a:tcPr>
+                </a:tc>
+                <a:tc>
+                  <a:txBody>
+                    <a:bodyPr/>
+                    <a:lstStyle/>
+                    <a:p>
                       <a:endParaRPr lang="hu-HU" dirty="0"/>
                     </a:p>
                   </a:txBody>
@@ -7638,6 +9951,54 @@
                     <a:bodyPr/>
                     <a:lstStyle/>
                     <a:p>
+                      <a:endParaRPr lang="hu-HU"/>
+                    </a:p>
+                  </a:txBody>
+                  <a:tcPr>
+                    <a:lnL w="12700" cap="flat" cmpd="sng" algn="ctr">
+                      <a:solidFill>
+                        <a:schemeClr val="tx1"/>
+                      </a:solidFill>
+                      <a:prstDash val="solid"/>
+                      <a:round/>
+                      <a:headEnd type="none" w="med" len="med"/>
+                      <a:tailEnd type="none" w="med" len="med"/>
+                    </a:lnL>
+                    <a:lnR w="12700" cap="flat" cmpd="sng" algn="ctr">
+                      <a:solidFill>
+                        <a:schemeClr val="tx1"/>
+                      </a:solidFill>
+                      <a:prstDash val="solid"/>
+                      <a:round/>
+                      <a:headEnd type="none" w="med" len="med"/>
+                      <a:tailEnd type="none" w="med" len="med"/>
+                    </a:lnR>
+                    <a:lnT w="12700" cap="flat" cmpd="sng" algn="ctr">
+                      <a:solidFill>
+                        <a:schemeClr val="tx1"/>
+                      </a:solidFill>
+                      <a:prstDash val="solid"/>
+                      <a:round/>
+                      <a:headEnd type="none" w="med" len="med"/>
+                      <a:tailEnd type="none" w="med" len="med"/>
+                    </a:lnT>
+                    <a:lnB w="12700" cap="flat" cmpd="sng" algn="ctr">
+                      <a:solidFill>
+                        <a:schemeClr val="tx1"/>
+                      </a:solidFill>
+                      <a:prstDash val="solid"/>
+                      <a:round/>
+                      <a:headEnd type="none" w="med" len="med"/>
+                      <a:tailEnd type="none" w="med" len="med"/>
+                    </a:lnB>
+                    <a:noFill/>
+                  </a:tcPr>
+                </a:tc>
+                <a:tc>
+                  <a:txBody>
+                    <a:bodyPr/>
+                    <a:lstStyle/>
+                    <a:p>
                       <a:endParaRPr lang="hu-HU" dirty="0"/>
                     </a:p>
                   </a:txBody>
@@ -7694,6 +10055,54 @@
                     <a:lstStyle/>
                     <a:p>
                       <a:endParaRPr lang="hu-HU"/>
+                    </a:p>
+                  </a:txBody>
+                  <a:tcPr>
+                    <a:lnL w="12700" cap="flat" cmpd="sng" algn="ctr">
+                      <a:solidFill>
+                        <a:schemeClr val="tx1"/>
+                      </a:solidFill>
+                      <a:prstDash val="solid"/>
+                      <a:round/>
+                      <a:headEnd type="none" w="med" len="med"/>
+                      <a:tailEnd type="none" w="med" len="med"/>
+                    </a:lnL>
+                    <a:lnR w="12700" cap="flat" cmpd="sng" algn="ctr">
+                      <a:solidFill>
+                        <a:schemeClr val="tx1"/>
+                      </a:solidFill>
+                      <a:prstDash val="solid"/>
+                      <a:round/>
+                      <a:headEnd type="none" w="med" len="med"/>
+                      <a:tailEnd type="none" w="med" len="med"/>
+                    </a:lnR>
+                    <a:lnT w="12700" cap="flat" cmpd="sng" algn="ctr">
+                      <a:solidFill>
+                        <a:schemeClr val="tx1"/>
+                      </a:solidFill>
+                      <a:prstDash val="solid"/>
+                      <a:round/>
+                      <a:headEnd type="none" w="med" len="med"/>
+                      <a:tailEnd type="none" w="med" len="med"/>
+                    </a:lnT>
+                    <a:lnB w="12700" cap="flat" cmpd="sng" algn="ctr">
+                      <a:solidFill>
+                        <a:schemeClr val="tx1"/>
+                      </a:solidFill>
+                      <a:prstDash val="solid"/>
+                      <a:round/>
+                      <a:headEnd type="none" w="med" len="med"/>
+                      <a:tailEnd type="none" w="med" len="med"/>
+                    </a:lnB>
+                    <a:noFill/>
+                  </a:tcPr>
+                </a:tc>
+                <a:tc>
+                  <a:txBody>
+                    <a:bodyPr/>
+                    <a:lstStyle/>
+                    <a:p>
+                      <a:endParaRPr lang="hu-HU" dirty="0"/>
                     </a:p>
                   </a:txBody>
                   <a:tcPr>
@@ -11744,6 +14153,2103 @@
 </file>
 
 <file path=ppt/slides/slide4.xml><?xml version="1.0" encoding="utf-8"?>
+<p:sld xmlns:a="http://schemas.openxmlformats.org/drawingml/2006/main" xmlns:r="http://schemas.openxmlformats.org/officeDocument/2006/relationships" xmlns:p="http://schemas.openxmlformats.org/presentationml/2006/main">
+  <p:cSld>
+    <p:spTree>
+      <p:nvGrpSpPr>
+        <p:cNvPr id="1" name=""/>
+        <p:cNvGrpSpPr/>
+        <p:nvPr/>
+      </p:nvGrpSpPr>
+      <p:grpSpPr>
+        <a:xfrm>
+          <a:off x="0" y="0"/>
+          <a:ext cx="0" cy="0"/>
+          <a:chOff x="0" y="0"/>
+          <a:chExt cx="0" cy="0"/>
+        </a:xfrm>
+      </p:grpSpPr>
+      <p:sp>
+        <p:nvSpPr>
+          <p:cNvPr id="5" name="Title 4">
+            <a:extLst>
+              <a:ext uri="{FF2B5EF4-FFF2-40B4-BE49-F238E27FC236}">
+                <a16:creationId xmlns:a16="http://schemas.microsoft.com/office/drawing/2014/main" id="{5F9D5649-7DFE-3110-C092-DF7F659FE28D}"/>
+              </a:ext>
+            </a:extLst>
+          </p:cNvPr>
+          <p:cNvSpPr>
+            <a:spLocks noGrp="1"/>
+          </p:cNvSpPr>
+          <p:nvPr>
+            <p:ph type="title"/>
+          </p:nvPr>
+        </p:nvSpPr>
+        <p:spPr>
+          <a:xfrm>
+            <a:off x="2213361" y="-48765"/>
+            <a:ext cx="3187408" cy="617034"/>
+          </a:xfrm>
+        </p:spPr>
+        <p:txBody>
+          <a:bodyPr/>
+          <a:lstStyle/>
+          <a:p>
+            <a:endParaRPr lang="hu-HU"/>
+          </a:p>
+        </p:txBody>
+      </p:sp>
+      <p:graphicFrame>
+        <p:nvGraphicFramePr>
+          <p:cNvPr id="9" name="Table 8">
+            <a:extLst>
+              <a:ext uri="{FF2B5EF4-FFF2-40B4-BE49-F238E27FC236}">
+                <a16:creationId xmlns:a16="http://schemas.microsoft.com/office/drawing/2014/main" id="{C74BE2CD-60C1-D652-6234-7E4B613DEE8A}"/>
+              </a:ext>
+            </a:extLst>
+          </p:cNvPr>
+          <p:cNvGraphicFramePr>
+            <a:graphicFrameLocks noGrp="1"/>
+          </p:cNvGraphicFramePr>
+          <p:nvPr>
+            <p:extLst>
+              <p:ext uri="{D42A27DB-BD31-4B8C-83A1-F6EECF244321}">
+                <p14:modId xmlns:p14="http://schemas.microsoft.com/office/powerpoint/2010/main" val="1859573221"/>
+              </p:ext>
+            </p:extLst>
+          </p:nvPr>
+        </p:nvGraphicFramePr>
+        <p:xfrm>
+          <a:off x="94176" y="568269"/>
+          <a:ext cx="5490547" cy="1416495"/>
+        </p:xfrm>
+        <a:graphic>
+          <a:graphicData uri="http://schemas.openxmlformats.org/drawingml/2006/table">
+            <a:tbl>
+              <a:tblPr>
+                <a:tableStyleId>{5C22544A-7EE6-4342-B048-85BDC9FD1C3A}</a:tableStyleId>
+              </a:tblPr>
+              <a:tblGrid>
+                <a:gridCol w="323890">
+                  <a:extLst>
+                    <a:ext uri="{9D8B030D-6E8A-4147-A177-3AD203B41FA5}">
+                      <a16:colId xmlns:a16="http://schemas.microsoft.com/office/drawing/2014/main" val="2208089504"/>
+                    </a:ext>
+                  </a:extLst>
+                </a:gridCol>
+                <a:gridCol w="615449">
+                  <a:extLst>
+                    <a:ext uri="{9D8B030D-6E8A-4147-A177-3AD203B41FA5}">
+                      <a16:colId xmlns:a16="http://schemas.microsoft.com/office/drawing/2014/main" val="3867554980"/>
+                    </a:ext>
+                  </a:extLst>
+                </a:gridCol>
+                <a:gridCol w="3653725">
+                  <a:extLst>
+                    <a:ext uri="{9D8B030D-6E8A-4147-A177-3AD203B41FA5}">
+                      <a16:colId xmlns:a16="http://schemas.microsoft.com/office/drawing/2014/main" val="2160085315"/>
+                    </a:ext>
+                  </a:extLst>
+                </a:gridCol>
+                <a:gridCol w="897483">
+                  <a:extLst>
+                    <a:ext uri="{9D8B030D-6E8A-4147-A177-3AD203B41FA5}">
+                      <a16:colId xmlns:a16="http://schemas.microsoft.com/office/drawing/2014/main" val="3936561098"/>
+                    </a:ext>
+                  </a:extLst>
+                </a:gridCol>
+              </a:tblGrid>
+              <a:tr h="273831">
+                <a:tc>
+                  <a:txBody>
+                    <a:bodyPr/>
+                    <a:lstStyle/>
+                    <a:p>
+                      <a:pPr algn="l" fontAlgn="b"/>
+                      <a:endParaRPr lang="en-HU" sz="1050" b="0" i="0" u="none" strike="noStrike" dirty="0">
+                        <a:solidFill>
+                          <a:srgbClr val="000000"/>
+                        </a:solidFill>
+                        <a:effectLst/>
+                        <a:latin typeface="Calibri" panose="020F0502020204030204" pitchFamily="34" charset="0"/>
+                      </a:endParaRPr>
+                    </a:p>
+                  </a:txBody>
+                  <a:tcPr marL="7564" marR="7564" marT="7564" marB="0" anchor="b">
+                    <a:lnL w="12700" cap="flat" cmpd="sng" algn="ctr">
+                      <a:solidFill>
+                        <a:schemeClr val="tx1"/>
+                      </a:solidFill>
+                      <a:prstDash val="solid"/>
+                      <a:round/>
+                      <a:headEnd type="none" w="med" len="med"/>
+                      <a:tailEnd type="none" w="med" len="med"/>
+                    </a:lnL>
+                    <a:lnR w="12700" cap="flat" cmpd="sng" algn="ctr">
+                      <a:solidFill>
+                        <a:schemeClr val="tx1"/>
+                      </a:solidFill>
+                      <a:prstDash val="solid"/>
+                      <a:round/>
+                      <a:headEnd type="none" w="med" len="med"/>
+                      <a:tailEnd type="none" w="med" len="med"/>
+                    </a:lnR>
+                    <a:lnT w="12700" cap="flat" cmpd="sng" algn="ctr">
+                      <a:solidFill>
+                        <a:schemeClr val="tx1"/>
+                      </a:solidFill>
+                      <a:prstDash val="solid"/>
+                      <a:round/>
+                      <a:headEnd type="none" w="med" len="med"/>
+                      <a:tailEnd type="none" w="med" len="med"/>
+                    </a:lnT>
+                    <a:lnB w="12700" cap="flat" cmpd="sng" algn="ctr">
+                      <a:solidFill>
+                        <a:schemeClr val="tx1"/>
+                      </a:solidFill>
+                      <a:prstDash val="solid"/>
+                      <a:round/>
+                      <a:headEnd type="none" w="med" len="med"/>
+                      <a:tailEnd type="none" w="med" len="med"/>
+                    </a:lnB>
+                  </a:tcPr>
+                </a:tc>
+                <a:tc>
+                  <a:txBody>
+                    <a:bodyPr/>
+                    <a:lstStyle/>
+                    <a:p>
+                      <a:pPr algn="l" fontAlgn="b"/>
+                      <a:r>
+                        <a:rPr lang="en-GB" sz="1600" b="1" u="none" strike="noStrike" dirty="0">
+                          <a:effectLst/>
+                        </a:rPr>
+                        <a:t>STEP</a:t>
+                      </a:r>
+                      <a:endParaRPr lang="en-GB" sz="1600" b="1" i="0" u="none" strike="noStrike" dirty="0">
+                        <a:solidFill>
+                          <a:srgbClr val="000000"/>
+                        </a:solidFill>
+                        <a:effectLst/>
+                        <a:latin typeface="Calibri" panose="020F0502020204030204" pitchFamily="34" charset="0"/>
+                      </a:endParaRPr>
+                    </a:p>
+                  </a:txBody>
+                  <a:tcPr marL="7564" marR="7564" marT="7564" marB="0" anchor="b">
+                    <a:lnL w="12700" cap="flat" cmpd="sng" algn="ctr">
+                      <a:solidFill>
+                        <a:schemeClr val="tx1"/>
+                      </a:solidFill>
+                      <a:prstDash val="solid"/>
+                      <a:round/>
+                      <a:headEnd type="none" w="med" len="med"/>
+                      <a:tailEnd type="none" w="med" len="med"/>
+                    </a:lnL>
+                    <a:lnR w="12700" cap="flat" cmpd="sng" algn="ctr">
+                      <a:solidFill>
+                        <a:schemeClr val="tx1"/>
+                      </a:solidFill>
+                      <a:prstDash val="solid"/>
+                      <a:round/>
+                      <a:headEnd type="none" w="med" len="med"/>
+                      <a:tailEnd type="none" w="med" len="med"/>
+                    </a:lnR>
+                    <a:lnT w="12700" cap="flat" cmpd="sng" algn="ctr">
+                      <a:solidFill>
+                        <a:schemeClr val="tx1"/>
+                      </a:solidFill>
+                      <a:prstDash val="solid"/>
+                      <a:round/>
+                      <a:headEnd type="none" w="med" len="med"/>
+                      <a:tailEnd type="none" w="med" len="med"/>
+                    </a:lnT>
+                    <a:lnB w="12700" cap="flat" cmpd="sng" algn="ctr">
+                      <a:solidFill>
+                        <a:schemeClr val="tx1"/>
+                      </a:solidFill>
+                      <a:prstDash val="solid"/>
+                      <a:round/>
+                      <a:headEnd type="none" w="med" len="med"/>
+                      <a:tailEnd type="none" w="med" len="med"/>
+                    </a:lnB>
+                  </a:tcPr>
+                </a:tc>
+                <a:tc>
+                  <a:txBody>
+                    <a:bodyPr/>
+                    <a:lstStyle/>
+                    <a:p>
+                      <a:pPr algn="l" fontAlgn="b"/>
+                      <a:r>
+                        <a:rPr lang="hu-HU" sz="1600" b="1" u="none" strike="noStrike" dirty="0">
+                          <a:effectLst/>
+                        </a:rPr>
+                        <a:t>Művelet</a:t>
+                      </a:r>
+                      <a:endParaRPr lang="hu-HU" sz="1600" b="1" i="0" u="none" strike="noStrike" dirty="0">
+                        <a:solidFill>
+                          <a:srgbClr val="000000"/>
+                        </a:solidFill>
+                        <a:effectLst/>
+                        <a:latin typeface="Calibri" panose="020F0502020204030204" pitchFamily="34" charset="0"/>
+                      </a:endParaRPr>
+                    </a:p>
+                  </a:txBody>
+                  <a:tcPr marL="7564" marR="7564" marT="7564" marB="0" anchor="b">
+                    <a:lnL w="12700" cap="flat" cmpd="sng" algn="ctr">
+                      <a:solidFill>
+                        <a:schemeClr val="tx1"/>
+                      </a:solidFill>
+                      <a:prstDash val="solid"/>
+                      <a:round/>
+                      <a:headEnd type="none" w="med" len="med"/>
+                      <a:tailEnd type="none" w="med" len="med"/>
+                    </a:lnL>
+                    <a:lnR w="12700" cap="flat" cmpd="sng" algn="ctr">
+                      <a:solidFill>
+                        <a:schemeClr val="tx1"/>
+                      </a:solidFill>
+                      <a:prstDash val="solid"/>
+                      <a:round/>
+                      <a:headEnd type="none" w="med" len="med"/>
+                      <a:tailEnd type="none" w="med" len="med"/>
+                    </a:lnR>
+                    <a:lnT w="12700" cap="flat" cmpd="sng" algn="ctr">
+                      <a:solidFill>
+                        <a:schemeClr val="tx1"/>
+                      </a:solidFill>
+                      <a:prstDash val="solid"/>
+                      <a:round/>
+                      <a:headEnd type="none" w="med" len="med"/>
+                      <a:tailEnd type="none" w="med" len="med"/>
+                    </a:lnT>
+                    <a:lnB w="12700" cap="flat" cmpd="sng" algn="ctr">
+                      <a:solidFill>
+                        <a:schemeClr val="tx1"/>
+                      </a:solidFill>
+                      <a:prstDash val="solid"/>
+                      <a:round/>
+                      <a:headEnd type="none" w="med" len="med"/>
+                      <a:tailEnd type="none" w="med" len="med"/>
+                    </a:lnB>
+                  </a:tcPr>
+                </a:tc>
+                <a:tc>
+                  <a:txBody>
+                    <a:bodyPr/>
+                    <a:lstStyle/>
+                    <a:p>
+                      <a:pPr algn="l" fontAlgn="b"/>
+                      <a:r>
+                        <a:rPr lang="en-GB" sz="1600" b="1" u="none" strike="noStrike" dirty="0" err="1">
+                          <a:effectLst/>
+                        </a:rPr>
+                        <a:t>Megj</a:t>
+                      </a:r>
+                      <a:r>
+                        <a:rPr lang="en-GB" sz="1600" b="1" u="none" strike="noStrike" dirty="0">
+                          <a:effectLst/>
+                        </a:rPr>
+                        <a:t>.</a:t>
+                      </a:r>
+                      <a:endParaRPr lang="en-GB" sz="1600" b="1" i="0" u="none" strike="noStrike" dirty="0">
+                        <a:solidFill>
+                          <a:srgbClr val="000000"/>
+                        </a:solidFill>
+                        <a:effectLst/>
+                        <a:latin typeface="Calibri" panose="020F0502020204030204" pitchFamily="34" charset="0"/>
+                      </a:endParaRPr>
+                    </a:p>
+                  </a:txBody>
+                  <a:tcPr marL="7564" marR="7564" marT="7564" marB="0" anchor="b">
+                    <a:lnL w="12700" cap="flat" cmpd="sng" algn="ctr">
+                      <a:solidFill>
+                        <a:schemeClr val="tx1"/>
+                      </a:solidFill>
+                      <a:prstDash val="solid"/>
+                      <a:round/>
+                      <a:headEnd type="none" w="med" len="med"/>
+                      <a:tailEnd type="none" w="med" len="med"/>
+                    </a:lnL>
+                    <a:lnR w="12700" cap="flat" cmpd="sng" algn="ctr">
+                      <a:solidFill>
+                        <a:schemeClr val="tx1"/>
+                      </a:solidFill>
+                      <a:prstDash val="solid"/>
+                      <a:round/>
+                      <a:headEnd type="none" w="med" len="med"/>
+                      <a:tailEnd type="none" w="med" len="med"/>
+                    </a:lnR>
+                    <a:lnT w="12700" cap="flat" cmpd="sng" algn="ctr">
+                      <a:solidFill>
+                        <a:schemeClr val="tx1"/>
+                      </a:solidFill>
+                      <a:prstDash val="solid"/>
+                      <a:round/>
+                      <a:headEnd type="none" w="med" len="med"/>
+                      <a:tailEnd type="none" w="med" len="med"/>
+                    </a:lnT>
+                    <a:lnB w="12700" cap="flat" cmpd="sng" algn="ctr">
+                      <a:solidFill>
+                        <a:schemeClr val="tx1"/>
+                      </a:solidFill>
+                      <a:prstDash val="solid"/>
+                      <a:round/>
+                      <a:headEnd type="none" w="med" len="med"/>
+                      <a:tailEnd type="none" w="med" len="med"/>
+                    </a:lnB>
+                  </a:tcPr>
+                </a:tc>
+                <a:extLst>
+                  <a:ext uri="{0D108BD9-81ED-4DB2-BD59-A6C34878D82A}">
+                    <a16:rowId xmlns:a16="http://schemas.microsoft.com/office/drawing/2014/main" val="3843679991"/>
+                  </a:ext>
+                </a:extLst>
+              </a:tr>
+              <a:tr h="151288">
+                <a:tc>
+                  <a:txBody>
+                    <a:bodyPr/>
+                    <a:lstStyle/>
+                    <a:p>
+                      <a:pPr algn="l" fontAlgn="b"/>
+                      <a:endParaRPr lang="en-HU" sz="1200" b="0" i="0" u="none" strike="noStrike">
+                        <a:solidFill>
+                          <a:srgbClr val="000000"/>
+                        </a:solidFill>
+                        <a:effectLst/>
+                        <a:latin typeface="Calibri" panose="020F0502020204030204" pitchFamily="34" charset="0"/>
+                      </a:endParaRPr>
+                    </a:p>
+                  </a:txBody>
+                  <a:tcPr marL="7564" marR="7564" marT="7564" marB="0" anchor="b">
+                    <a:lnL w="12700" cap="flat" cmpd="sng" algn="ctr">
+                      <a:solidFill>
+                        <a:schemeClr val="tx1"/>
+                      </a:solidFill>
+                      <a:prstDash val="solid"/>
+                      <a:round/>
+                      <a:headEnd type="none" w="med" len="med"/>
+                      <a:tailEnd type="none" w="med" len="med"/>
+                    </a:lnL>
+                    <a:lnR w="12700" cap="flat" cmpd="sng" algn="ctr">
+                      <a:solidFill>
+                        <a:schemeClr val="tx1"/>
+                      </a:solidFill>
+                      <a:prstDash val="solid"/>
+                      <a:round/>
+                      <a:headEnd type="none" w="med" len="med"/>
+                      <a:tailEnd type="none" w="med" len="med"/>
+                    </a:lnR>
+                    <a:lnT w="12700" cap="flat" cmpd="sng" algn="ctr">
+                      <a:solidFill>
+                        <a:schemeClr val="tx1"/>
+                      </a:solidFill>
+                      <a:prstDash val="solid"/>
+                      <a:round/>
+                      <a:headEnd type="none" w="med" len="med"/>
+                      <a:tailEnd type="none" w="med" len="med"/>
+                    </a:lnT>
+                    <a:lnB w="12700" cap="flat" cmpd="sng" algn="ctr">
+                      <a:solidFill>
+                        <a:schemeClr val="tx1"/>
+                      </a:solidFill>
+                      <a:prstDash val="solid"/>
+                      <a:round/>
+                      <a:headEnd type="none" w="med" len="med"/>
+                      <a:tailEnd type="none" w="med" len="med"/>
+                    </a:lnB>
+                  </a:tcPr>
+                </a:tc>
+                <a:tc>
+                  <a:txBody>
+                    <a:bodyPr/>
+                    <a:lstStyle/>
+                    <a:p>
+                      <a:pPr algn="l" fontAlgn="b"/>
+                      <a:r>
+                        <a:rPr lang="en-GB" sz="1200" u="none" strike="noStrike">
+                          <a:effectLst/>
+                        </a:rPr>
+                        <a:t>Step 00.</a:t>
+                      </a:r>
+                      <a:endParaRPr lang="en-GB" sz="1200" b="0" i="0" u="none" strike="noStrike">
+                        <a:solidFill>
+                          <a:srgbClr val="000000"/>
+                        </a:solidFill>
+                        <a:effectLst/>
+                        <a:latin typeface="Calibri" panose="020F0502020204030204" pitchFamily="34" charset="0"/>
+                      </a:endParaRPr>
+                    </a:p>
+                  </a:txBody>
+                  <a:tcPr marL="7564" marR="7564" marT="7564" marB="0" anchor="b">
+                    <a:lnL w="12700" cap="flat" cmpd="sng" algn="ctr">
+                      <a:solidFill>
+                        <a:schemeClr val="tx1"/>
+                      </a:solidFill>
+                      <a:prstDash val="solid"/>
+                      <a:round/>
+                      <a:headEnd type="none" w="med" len="med"/>
+                      <a:tailEnd type="none" w="med" len="med"/>
+                    </a:lnL>
+                    <a:lnR w="12700" cap="flat" cmpd="sng" algn="ctr">
+                      <a:solidFill>
+                        <a:schemeClr val="tx1"/>
+                      </a:solidFill>
+                      <a:prstDash val="solid"/>
+                      <a:round/>
+                      <a:headEnd type="none" w="med" len="med"/>
+                      <a:tailEnd type="none" w="med" len="med"/>
+                    </a:lnR>
+                    <a:lnT w="12700" cap="flat" cmpd="sng" algn="ctr">
+                      <a:solidFill>
+                        <a:schemeClr val="tx1"/>
+                      </a:solidFill>
+                      <a:prstDash val="solid"/>
+                      <a:round/>
+                      <a:headEnd type="none" w="med" len="med"/>
+                      <a:tailEnd type="none" w="med" len="med"/>
+                    </a:lnT>
+                    <a:lnB w="12700" cap="flat" cmpd="sng" algn="ctr">
+                      <a:solidFill>
+                        <a:schemeClr val="tx1"/>
+                      </a:solidFill>
+                      <a:prstDash val="solid"/>
+                      <a:round/>
+                      <a:headEnd type="none" w="med" len="med"/>
+                      <a:tailEnd type="none" w="med" len="med"/>
+                    </a:lnB>
+                  </a:tcPr>
+                </a:tc>
+                <a:tc>
+                  <a:txBody>
+                    <a:bodyPr/>
+                    <a:lstStyle/>
+                    <a:p>
+                      <a:pPr algn="l" fontAlgn="b"/>
+                      <a:r>
+                        <a:rPr lang="en-GB" sz="1200" u="none" strike="noStrike" dirty="0" err="1">
+                          <a:effectLst/>
+                        </a:rPr>
+                        <a:t>Előkészítés</a:t>
+                      </a:r>
+                      <a:endParaRPr lang="en-GB" sz="1200" b="0" i="0" u="none" strike="noStrike" dirty="0">
+                        <a:solidFill>
+                          <a:srgbClr val="000000"/>
+                        </a:solidFill>
+                        <a:effectLst/>
+                        <a:latin typeface="Calibri" panose="020F0502020204030204" pitchFamily="34" charset="0"/>
+                      </a:endParaRPr>
+                    </a:p>
+                  </a:txBody>
+                  <a:tcPr marL="7564" marR="7564" marT="7564" marB="0" anchor="b">
+                    <a:lnL w="12700" cap="flat" cmpd="sng" algn="ctr">
+                      <a:solidFill>
+                        <a:schemeClr val="tx1"/>
+                      </a:solidFill>
+                      <a:prstDash val="solid"/>
+                      <a:round/>
+                      <a:headEnd type="none" w="med" len="med"/>
+                      <a:tailEnd type="none" w="med" len="med"/>
+                    </a:lnL>
+                    <a:lnR w="12700" cap="flat" cmpd="sng" algn="ctr">
+                      <a:solidFill>
+                        <a:schemeClr val="tx1"/>
+                      </a:solidFill>
+                      <a:prstDash val="solid"/>
+                      <a:round/>
+                      <a:headEnd type="none" w="med" len="med"/>
+                      <a:tailEnd type="none" w="med" len="med"/>
+                    </a:lnR>
+                    <a:lnT w="12700" cap="flat" cmpd="sng" algn="ctr">
+                      <a:solidFill>
+                        <a:schemeClr val="tx1"/>
+                      </a:solidFill>
+                      <a:prstDash val="solid"/>
+                      <a:round/>
+                      <a:headEnd type="none" w="med" len="med"/>
+                      <a:tailEnd type="none" w="med" len="med"/>
+                    </a:lnT>
+                    <a:lnB w="12700" cap="flat" cmpd="sng" algn="ctr">
+                      <a:solidFill>
+                        <a:schemeClr val="tx1"/>
+                      </a:solidFill>
+                      <a:prstDash val="solid"/>
+                      <a:round/>
+                      <a:headEnd type="none" w="med" len="med"/>
+                      <a:tailEnd type="none" w="med" len="med"/>
+                    </a:lnB>
+                  </a:tcPr>
+                </a:tc>
+                <a:tc>
+                  <a:txBody>
+                    <a:bodyPr/>
+                    <a:lstStyle/>
+                    <a:p>
+                      <a:pPr algn="l" fontAlgn="b"/>
+                      <a:endParaRPr lang="en-HU" sz="1200" b="0" i="0" u="none" strike="noStrike" dirty="0">
+                        <a:solidFill>
+                          <a:srgbClr val="000000"/>
+                        </a:solidFill>
+                        <a:effectLst/>
+                        <a:latin typeface="Calibri" panose="020F0502020204030204" pitchFamily="34" charset="0"/>
+                      </a:endParaRPr>
+                    </a:p>
+                  </a:txBody>
+                  <a:tcPr marL="7564" marR="7564" marT="7564" marB="0" anchor="b">
+                    <a:lnL w="12700" cap="flat" cmpd="sng" algn="ctr">
+                      <a:solidFill>
+                        <a:schemeClr val="tx1"/>
+                      </a:solidFill>
+                      <a:prstDash val="solid"/>
+                      <a:round/>
+                      <a:headEnd type="none" w="med" len="med"/>
+                      <a:tailEnd type="none" w="med" len="med"/>
+                    </a:lnL>
+                    <a:lnR w="12700" cap="flat" cmpd="sng" algn="ctr">
+                      <a:solidFill>
+                        <a:schemeClr val="tx1"/>
+                      </a:solidFill>
+                      <a:prstDash val="solid"/>
+                      <a:round/>
+                      <a:headEnd type="none" w="med" len="med"/>
+                      <a:tailEnd type="none" w="med" len="med"/>
+                    </a:lnR>
+                    <a:lnT w="12700" cap="flat" cmpd="sng" algn="ctr">
+                      <a:solidFill>
+                        <a:schemeClr val="tx1"/>
+                      </a:solidFill>
+                      <a:prstDash val="solid"/>
+                      <a:round/>
+                      <a:headEnd type="none" w="med" len="med"/>
+                      <a:tailEnd type="none" w="med" len="med"/>
+                    </a:lnT>
+                    <a:lnB w="12700" cap="flat" cmpd="sng" algn="ctr">
+                      <a:solidFill>
+                        <a:schemeClr val="tx1"/>
+                      </a:solidFill>
+                      <a:prstDash val="solid"/>
+                      <a:round/>
+                      <a:headEnd type="none" w="med" len="med"/>
+                      <a:tailEnd type="none" w="med" len="med"/>
+                    </a:lnB>
+                  </a:tcPr>
+                </a:tc>
+                <a:extLst>
+                  <a:ext uri="{0D108BD9-81ED-4DB2-BD59-A6C34878D82A}">
+                    <a16:rowId xmlns:a16="http://schemas.microsoft.com/office/drawing/2014/main" val="1579394054"/>
+                  </a:ext>
+                </a:extLst>
+              </a:tr>
+              <a:tr h="151288">
+                <a:tc>
+                  <a:txBody>
+                    <a:bodyPr/>
+                    <a:lstStyle/>
+                    <a:p>
+                      <a:pPr algn="l" fontAlgn="b"/>
+                      <a:endParaRPr lang="en-HU" sz="1200" b="0" i="0" u="none" strike="noStrike">
+                        <a:solidFill>
+                          <a:srgbClr val="000000"/>
+                        </a:solidFill>
+                        <a:effectLst/>
+                        <a:latin typeface="Calibri" panose="020F0502020204030204" pitchFamily="34" charset="0"/>
+                      </a:endParaRPr>
+                    </a:p>
+                  </a:txBody>
+                  <a:tcPr marL="7564" marR="7564" marT="7564" marB="0" anchor="b">
+                    <a:lnL w="12700" cap="flat" cmpd="sng" algn="ctr">
+                      <a:solidFill>
+                        <a:schemeClr val="tx1"/>
+                      </a:solidFill>
+                      <a:prstDash val="solid"/>
+                      <a:round/>
+                      <a:headEnd type="none" w="med" len="med"/>
+                      <a:tailEnd type="none" w="med" len="med"/>
+                    </a:lnL>
+                    <a:lnR w="12700" cap="flat" cmpd="sng" algn="ctr">
+                      <a:solidFill>
+                        <a:schemeClr val="tx1"/>
+                      </a:solidFill>
+                      <a:prstDash val="solid"/>
+                      <a:round/>
+                      <a:headEnd type="none" w="med" len="med"/>
+                      <a:tailEnd type="none" w="med" len="med"/>
+                    </a:lnR>
+                    <a:lnT w="12700" cap="flat" cmpd="sng" algn="ctr">
+                      <a:solidFill>
+                        <a:schemeClr val="tx1"/>
+                      </a:solidFill>
+                      <a:prstDash val="solid"/>
+                      <a:round/>
+                      <a:headEnd type="none" w="med" len="med"/>
+                      <a:tailEnd type="none" w="med" len="med"/>
+                    </a:lnT>
+                    <a:lnB w="12700" cap="flat" cmpd="sng" algn="ctr">
+                      <a:solidFill>
+                        <a:schemeClr val="tx1"/>
+                      </a:solidFill>
+                      <a:prstDash val="solid"/>
+                      <a:round/>
+                      <a:headEnd type="none" w="med" len="med"/>
+                      <a:tailEnd type="none" w="med" len="med"/>
+                    </a:lnB>
+                  </a:tcPr>
+                </a:tc>
+                <a:tc>
+                  <a:txBody>
+                    <a:bodyPr/>
+                    <a:lstStyle/>
+                    <a:p>
+                      <a:pPr algn="l" fontAlgn="b"/>
+                      <a:r>
+                        <a:rPr lang="en-HU" sz="1200" u="none" strike="noStrike">
+                          <a:effectLst/>
+                        </a:rPr>
+                        <a:t>00.1</a:t>
+                      </a:r>
+                      <a:endParaRPr lang="en-HU" sz="1200" b="0" i="0" u="none" strike="noStrike">
+                        <a:solidFill>
+                          <a:srgbClr val="000000"/>
+                        </a:solidFill>
+                        <a:effectLst/>
+                        <a:latin typeface="Calibri" panose="020F0502020204030204" pitchFamily="34" charset="0"/>
+                      </a:endParaRPr>
+                    </a:p>
+                  </a:txBody>
+                  <a:tcPr marL="7564" marR="7564" marT="7564" marB="0" anchor="b">
+                    <a:lnL w="12700" cap="flat" cmpd="sng" algn="ctr">
+                      <a:solidFill>
+                        <a:schemeClr val="tx1"/>
+                      </a:solidFill>
+                      <a:prstDash val="solid"/>
+                      <a:round/>
+                      <a:headEnd type="none" w="med" len="med"/>
+                      <a:tailEnd type="none" w="med" len="med"/>
+                    </a:lnL>
+                    <a:lnR w="12700" cap="flat" cmpd="sng" algn="ctr">
+                      <a:solidFill>
+                        <a:schemeClr val="tx1"/>
+                      </a:solidFill>
+                      <a:prstDash val="solid"/>
+                      <a:round/>
+                      <a:headEnd type="none" w="med" len="med"/>
+                      <a:tailEnd type="none" w="med" len="med"/>
+                    </a:lnR>
+                    <a:lnT w="12700" cap="flat" cmpd="sng" algn="ctr">
+                      <a:solidFill>
+                        <a:schemeClr val="tx1"/>
+                      </a:solidFill>
+                      <a:prstDash val="solid"/>
+                      <a:round/>
+                      <a:headEnd type="none" w="med" len="med"/>
+                      <a:tailEnd type="none" w="med" len="med"/>
+                    </a:lnT>
+                    <a:lnB w="12700" cap="flat" cmpd="sng" algn="ctr">
+                      <a:solidFill>
+                        <a:schemeClr val="tx1"/>
+                      </a:solidFill>
+                      <a:prstDash val="solid"/>
+                      <a:round/>
+                      <a:headEnd type="none" w="med" len="med"/>
+                      <a:tailEnd type="none" w="med" len="med"/>
+                    </a:lnB>
+                  </a:tcPr>
+                </a:tc>
+                <a:tc>
+                  <a:txBody>
+                    <a:bodyPr/>
+                    <a:lstStyle/>
+                    <a:p>
+                      <a:pPr algn="l" fontAlgn="b"/>
+                      <a:r>
+                        <a:rPr lang="en-GB" sz="1200" u="none" strike="noStrike">
+                          <a:effectLst/>
+                        </a:rPr>
+                        <a:t>Rendszer ellenőrzés és laptopok és szerverek előkészítése</a:t>
+                      </a:r>
+                      <a:endParaRPr lang="en-GB" sz="1200" b="0" i="0" u="none" strike="noStrike">
+                        <a:solidFill>
+                          <a:srgbClr val="000000"/>
+                        </a:solidFill>
+                        <a:effectLst/>
+                        <a:latin typeface="Calibri" panose="020F0502020204030204" pitchFamily="34" charset="0"/>
+                      </a:endParaRPr>
+                    </a:p>
+                  </a:txBody>
+                  <a:tcPr marL="7564" marR="7564" marT="7564" marB="0" anchor="b">
+                    <a:lnL w="12700" cap="flat" cmpd="sng" algn="ctr">
+                      <a:solidFill>
+                        <a:schemeClr val="tx1"/>
+                      </a:solidFill>
+                      <a:prstDash val="solid"/>
+                      <a:round/>
+                      <a:headEnd type="none" w="med" len="med"/>
+                      <a:tailEnd type="none" w="med" len="med"/>
+                    </a:lnL>
+                    <a:lnR w="12700" cap="flat" cmpd="sng" algn="ctr">
+                      <a:solidFill>
+                        <a:schemeClr val="tx1"/>
+                      </a:solidFill>
+                      <a:prstDash val="solid"/>
+                      <a:round/>
+                      <a:headEnd type="none" w="med" len="med"/>
+                      <a:tailEnd type="none" w="med" len="med"/>
+                    </a:lnR>
+                    <a:lnT w="12700" cap="flat" cmpd="sng" algn="ctr">
+                      <a:solidFill>
+                        <a:schemeClr val="tx1"/>
+                      </a:solidFill>
+                      <a:prstDash val="solid"/>
+                      <a:round/>
+                      <a:headEnd type="none" w="med" len="med"/>
+                      <a:tailEnd type="none" w="med" len="med"/>
+                    </a:lnT>
+                    <a:lnB w="12700" cap="flat" cmpd="sng" algn="ctr">
+                      <a:solidFill>
+                        <a:schemeClr val="tx1"/>
+                      </a:solidFill>
+                      <a:prstDash val="solid"/>
+                      <a:round/>
+                      <a:headEnd type="none" w="med" len="med"/>
+                      <a:tailEnd type="none" w="med" len="med"/>
+                    </a:lnB>
+                  </a:tcPr>
+                </a:tc>
+                <a:tc>
+                  <a:txBody>
+                    <a:bodyPr/>
+                    <a:lstStyle/>
+                    <a:p>
+                      <a:pPr algn="l" fontAlgn="b"/>
+                      <a:endParaRPr lang="en-HU" sz="1200" b="0" i="0" u="none" strike="noStrike">
+                        <a:solidFill>
+                          <a:srgbClr val="000000"/>
+                        </a:solidFill>
+                        <a:effectLst/>
+                        <a:latin typeface="Calibri" panose="020F0502020204030204" pitchFamily="34" charset="0"/>
+                      </a:endParaRPr>
+                    </a:p>
+                  </a:txBody>
+                  <a:tcPr marL="7564" marR="7564" marT="7564" marB="0" anchor="b">
+                    <a:lnL w="12700" cap="flat" cmpd="sng" algn="ctr">
+                      <a:solidFill>
+                        <a:schemeClr val="tx1"/>
+                      </a:solidFill>
+                      <a:prstDash val="solid"/>
+                      <a:round/>
+                      <a:headEnd type="none" w="med" len="med"/>
+                      <a:tailEnd type="none" w="med" len="med"/>
+                    </a:lnL>
+                    <a:lnR w="12700" cap="flat" cmpd="sng" algn="ctr">
+                      <a:solidFill>
+                        <a:schemeClr val="tx1"/>
+                      </a:solidFill>
+                      <a:prstDash val="solid"/>
+                      <a:round/>
+                      <a:headEnd type="none" w="med" len="med"/>
+                      <a:tailEnd type="none" w="med" len="med"/>
+                    </a:lnR>
+                    <a:lnT w="12700" cap="flat" cmpd="sng" algn="ctr">
+                      <a:solidFill>
+                        <a:schemeClr val="tx1"/>
+                      </a:solidFill>
+                      <a:prstDash val="solid"/>
+                      <a:round/>
+                      <a:headEnd type="none" w="med" len="med"/>
+                      <a:tailEnd type="none" w="med" len="med"/>
+                    </a:lnT>
+                    <a:lnB w="12700" cap="flat" cmpd="sng" algn="ctr">
+                      <a:solidFill>
+                        <a:schemeClr val="tx1"/>
+                      </a:solidFill>
+                      <a:prstDash val="solid"/>
+                      <a:round/>
+                      <a:headEnd type="none" w="med" len="med"/>
+                      <a:tailEnd type="none" w="med" len="med"/>
+                    </a:lnB>
+                  </a:tcPr>
+                </a:tc>
+                <a:extLst>
+                  <a:ext uri="{0D108BD9-81ED-4DB2-BD59-A6C34878D82A}">
+                    <a16:rowId xmlns:a16="http://schemas.microsoft.com/office/drawing/2014/main" val="3000916830"/>
+                  </a:ext>
+                </a:extLst>
+              </a:tr>
+              <a:tr h="151288">
+                <a:tc>
+                  <a:txBody>
+                    <a:bodyPr/>
+                    <a:lstStyle/>
+                    <a:p>
+                      <a:pPr algn="l" fontAlgn="b"/>
+                      <a:endParaRPr lang="en-HU" sz="1200" b="0" i="0" u="none" strike="noStrike">
+                        <a:solidFill>
+                          <a:srgbClr val="000000"/>
+                        </a:solidFill>
+                        <a:effectLst/>
+                        <a:latin typeface="Calibri" panose="020F0502020204030204" pitchFamily="34" charset="0"/>
+                      </a:endParaRPr>
+                    </a:p>
+                  </a:txBody>
+                  <a:tcPr marL="7564" marR="7564" marT="7564" marB="0" anchor="b">
+                    <a:lnL w="12700" cap="flat" cmpd="sng" algn="ctr">
+                      <a:solidFill>
+                        <a:schemeClr val="tx1"/>
+                      </a:solidFill>
+                      <a:prstDash val="solid"/>
+                      <a:round/>
+                      <a:headEnd type="none" w="med" len="med"/>
+                      <a:tailEnd type="none" w="med" len="med"/>
+                    </a:lnL>
+                    <a:lnR w="12700" cap="flat" cmpd="sng" algn="ctr">
+                      <a:solidFill>
+                        <a:schemeClr val="tx1"/>
+                      </a:solidFill>
+                      <a:prstDash val="solid"/>
+                      <a:round/>
+                      <a:headEnd type="none" w="med" len="med"/>
+                      <a:tailEnd type="none" w="med" len="med"/>
+                    </a:lnR>
+                    <a:lnT w="12700" cap="flat" cmpd="sng" algn="ctr">
+                      <a:solidFill>
+                        <a:schemeClr val="tx1"/>
+                      </a:solidFill>
+                      <a:prstDash val="solid"/>
+                      <a:round/>
+                      <a:headEnd type="none" w="med" len="med"/>
+                      <a:tailEnd type="none" w="med" len="med"/>
+                    </a:lnT>
+                    <a:lnB w="12700" cap="flat" cmpd="sng" algn="ctr">
+                      <a:solidFill>
+                        <a:schemeClr val="tx1"/>
+                      </a:solidFill>
+                      <a:prstDash val="solid"/>
+                      <a:round/>
+                      <a:headEnd type="none" w="med" len="med"/>
+                      <a:tailEnd type="none" w="med" len="med"/>
+                    </a:lnB>
+                  </a:tcPr>
+                </a:tc>
+                <a:tc>
+                  <a:txBody>
+                    <a:bodyPr/>
+                    <a:lstStyle/>
+                    <a:p>
+                      <a:pPr algn="l" fontAlgn="b"/>
+                      <a:r>
+                        <a:rPr lang="en-HU" sz="1200" u="none" strike="noStrike">
+                          <a:effectLst/>
+                        </a:rPr>
+                        <a:t>00.2</a:t>
+                      </a:r>
+                      <a:endParaRPr lang="en-HU" sz="1200" b="0" i="0" u="none" strike="noStrike">
+                        <a:solidFill>
+                          <a:srgbClr val="000000"/>
+                        </a:solidFill>
+                        <a:effectLst/>
+                        <a:latin typeface="Calibri" panose="020F0502020204030204" pitchFamily="34" charset="0"/>
+                      </a:endParaRPr>
+                    </a:p>
+                  </a:txBody>
+                  <a:tcPr marL="7564" marR="7564" marT="7564" marB="0" anchor="b">
+                    <a:lnL w="12700" cap="flat" cmpd="sng" algn="ctr">
+                      <a:solidFill>
+                        <a:schemeClr val="tx1"/>
+                      </a:solidFill>
+                      <a:prstDash val="solid"/>
+                      <a:round/>
+                      <a:headEnd type="none" w="med" len="med"/>
+                      <a:tailEnd type="none" w="med" len="med"/>
+                    </a:lnL>
+                    <a:lnR w="12700" cap="flat" cmpd="sng" algn="ctr">
+                      <a:solidFill>
+                        <a:schemeClr val="tx1"/>
+                      </a:solidFill>
+                      <a:prstDash val="solid"/>
+                      <a:round/>
+                      <a:headEnd type="none" w="med" len="med"/>
+                      <a:tailEnd type="none" w="med" len="med"/>
+                    </a:lnR>
+                    <a:lnT w="12700" cap="flat" cmpd="sng" algn="ctr">
+                      <a:solidFill>
+                        <a:schemeClr val="tx1"/>
+                      </a:solidFill>
+                      <a:prstDash val="solid"/>
+                      <a:round/>
+                      <a:headEnd type="none" w="med" len="med"/>
+                      <a:tailEnd type="none" w="med" len="med"/>
+                    </a:lnT>
+                    <a:lnB w="12700" cap="flat" cmpd="sng" algn="ctr">
+                      <a:solidFill>
+                        <a:schemeClr val="tx1"/>
+                      </a:solidFill>
+                      <a:prstDash val="solid"/>
+                      <a:round/>
+                      <a:headEnd type="none" w="med" len="med"/>
+                      <a:tailEnd type="none" w="med" len="med"/>
+                    </a:lnB>
+                  </a:tcPr>
+                </a:tc>
+                <a:tc>
+                  <a:txBody>
+                    <a:bodyPr/>
+                    <a:lstStyle/>
+                    <a:p>
+                      <a:pPr algn="l" fontAlgn="b"/>
+                      <a:r>
+                        <a:rPr lang="en-GB" sz="1200" u="none" strike="noStrike">
+                          <a:effectLst/>
+                        </a:rPr>
+                        <a:t>vCenter Certificate megújítás</a:t>
+                      </a:r>
+                      <a:endParaRPr lang="en-GB" sz="1200" b="0" i="0" u="none" strike="noStrike">
+                        <a:solidFill>
+                          <a:srgbClr val="000000"/>
+                        </a:solidFill>
+                        <a:effectLst/>
+                        <a:latin typeface="Calibri" panose="020F0502020204030204" pitchFamily="34" charset="0"/>
+                      </a:endParaRPr>
+                    </a:p>
+                  </a:txBody>
+                  <a:tcPr marL="7564" marR="7564" marT="7564" marB="0" anchor="b">
+                    <a:lnL w="12700" cap="flat" cmpd="sng" algn="ctr">
+                      <a:solidFill>
+                        <a:schemeClr val="tx1"/>
+                      </a:solidFill>
+                      <a:prstDash val="solid"/>
+                      <a:round/>
+                      <a:headEnd type="none" w="med" len="med"/>
+                      <a:tailEnd type="none" w="med" len="med"/>
+                    </a:lnL>
+                    <a:lnR w="12700" cap="flat" cmpd="sng" algn="ctr">
+                      <a:solidFill>
+                        <a:schemeClr val="tx1"/>
+                      </a:solidFill>
+                      <a:prstDash val="solid"/>
+                      <a:round/>
+                      <a:headEnd type="none" w="med" len="med"/>
+                      <a:tailEnd type="none" w="med" len="med"/>
+                    </a:lnR>
+                    <a:lnT w="12700" cap="flat" cmpd="sng" algn="ctr">
+                      <a:solidFill>
+                        <a:schemeClr val="tx1"/>
+                      </a:solidFill>
+                      <a:prstDash val="solid"/>
+                      <a:round/>
+                      <a:headEnd type="none" w="med" len="med"/>
+                      <a:tailEnd type="none" w="med" len="med"/>
+                    </a:lnT>
+                    <a:lnB w="12700" cap="flat" cmpd="sng" algn="ctr">
+                      <a:solidFill>
+                        <a:schemeClr val="tx1"/>
+                      </a:solidFill>
+                      <a:prstDash val="solid"/>
+                      <a:round/>
+                      <a:headEnd type="none" w="med" len="med"/>
+                      <a:tailEnd type="none" w="med" len="med"/>
+                    </a:lnB>
+                  </a:tcPr>
+                </a:tc>
+                <a:tc>
+                  <a:txBody>
+                    <a:bodyPr/>
+                    <a:lstStyle/>
+                    <a:p>
+                      <a:pPr algn="l" fontAlgn="b"/>
+                      <a:endParaRPr lang="en-HU" sz="1200" b="0" i="0" u="none" strike="noStrike">
+                        <a:solidFill>
+                          <a:srgbClr val="000000"/>
+                        </a:solidFill>
+                        <a:effectLst/>
+                        <a:latin typeface="Calibri" panose="020F0502020204030204" pitchFamily="34" charset="0"/>
+                      </a:endParaRPr>
+                    </a:p>
+                  </a:txBody>
+                  <a:tcPr marL="7564" marR="7564" marT="7564" marB="0" anchor="b">
+                    <a:lnL w="12700" cap="flat" cmpd="sng" algn="ctr">
+                      <a:solidFill>
+                        <a:schemeClr val="tx1"/>
+                      </a:solidFill>
+                      <a:prstDash val="solid"/>
+                      <a:round/>
+                      <a:headEnd type="none" w="med" len="med"/>
+                      <a:tailEnd type="none" w="med" len="med"/>
+                    </a:lnL>
+                    <a:lnR w="12700" cap="flat" cmpd="sng" algn="ctr">
+                      <a:solidFill>
+                        <a:schemeClr val="tx1"/>
+                      </a:solidFill>
+                      <a:prstDash val="solid"/>
+                      <a:round/>
+                      <a:headEnd type="none" w="med" len="med"/>
+                      <a:tailEnd type="none" w="med" len="med"/>
+                    </a:lnR>
+                    <a:lnT w="12700" cap="flat" cmpd="sng" algn="ctr">
+                      <a:solidFill>
+                        <a:schemeClr val="tx1"/>
+                      </a:solidFill>
+                      <a:prstDash val="solid"/>
+                      <a:round/>
+                      <a:headEnd type="none" w="med" len="med"/>
+                      <a:tailEnd type="none" w="med" len="med"/>
+                    </a:lnT>
+                    <a:lnB w="12700" cap="flat" cmpd="sng" algn="ctr">
+                      <a:solidFill>
+                        <a:schemeClr val="tx1"/>
+                      </a:solidFill>
+                      <a:prstDash val="solid"/>
+                      <a:round/>
+                      <a:headEnd type="none" w="med" len="med"/>
+                      <a:tailEnd type="none" w="med" len="med"/>
+                    </a:lnB>
+                  </a:tcPr>
+                </a:tc>
+                <a:extLst>
+                  <a:ext uri="{0D108BD9-81ED-4DB2-BD59-A6C34878D82A}">
+                    <a16:rowId xmlns:a16="http://schemas.microsoft.com/office/drawing/2014/main" val="4253975552"/>
+                  </a:ext>
+                </a:extLst>
+              </a:tr>
+              <a:tr h="151288">
+                <a:tc>
+                  <a:txBody>
+                    <a:bodyPr/>
+                    <a:lstStyle/>
+                    <a:p>
+                      <a:pPr algn="l" fontAlgn="b"/>
+                      <a:endParaRPr lang="en-HU" sz="1200" b="0" i="0" u="none" strike="noStrike">
+                        <a:solidFill>
+                          <a:srgbClr val="000000"/>
+                        </a:solidFill>
+                        <a:effectLst/>
+                        <a:latin typeface="Calibri" panose="020F0502020204030204" pitchFamily="34" charset="0"/>
+                      </a:endParaRPr>
+                    </a:p>
+                  </a:txBody>
+                  <a:tcPr marL="7564" marR="7564" marT="7564" marB="0" anchor="b">
+                    <a:lnL w="12700" cap="flat" cmpd="sng" algn="ctr">
+                      <a:solidFill>
+                        <a:schemeClr val="tx1"/>
+                      </a:solidFill>
+                      <a:prstDash val="solid"/>
+                      <a:round/>
+                      <a:headEnd type="none" w="med" len="med"/>
+                      <a:tailEnd type="none" w="med" len="med"/>
+                    </a:lnL>
+                    <a:lnR w="12700" cap="flat" cmpd="sng" algn="ctr">
+                      <a:solidFill>
+                        <a:schemeClr val="tx1"/>
+                      </a:solidFill>
+                      <a:prstDash val="solid"/>
+                      <a:round/>
+                      <a:headEnd type="none" w="med" len="med"/>
+                      <a:tailEnd type="none" w="med" len="med"/>
+                    </a:lnR>
+                    <a:lnT w="12700" cap="flat" cmpd="sng" algn="ctr">
+                      <a:solidFill>
+                        <a:schemeClr val="tx1"/>
+                      </a:solidFill>
+                      <a:prstDash val="solid"/>
+                      <a:round/>
+                      <a:headEnd type="none" w="med" len="med"/>
+                      <a:tailEnd type="none" w="med" len="med"/>
+                    </a:lnT>
+                    <a:lnB w="12700" cap="flat" cmpd="sng" algn="ctr">
+                      <a:solidFill>
+                        <a:schemeClr val="tx1"/>
+                      </a:solidFill>
+                      <a:prstDash val="solid"/>
+                      <a:round/>
+                      <a:headEnd type="none" w="med" len="med"/>
+                      <a:tailEnd type="none" w="med" len="med"/>
+                    </a:lnB>
+                  </a:tcPr>
+                </a:tc>
+                <a:tc>
+                  <a:txBody>
+                    <a:bodyPr/>
+                    <a:lstStyle/>
+                    <a:p>
+                      <a:pPr algn="l" fontAlgn="b"/>
+                      <a:r>
+                        <a:rPr lang="en-HU" sz="1200" u="none" strike="noStrike">
+                          <a:effectLst/>
+                        </a:rPr>
+                        <a:t>00.3</a:t>
+                      </a:r>
+                      <a:endParaRPr lang="en-HU" sz="1200" b="0" i="0" u="none" strike="noStrike">
+                        <a:solidFill>
+                          <a:srgbClr val="000000"/>
+                        </a:solidFill>
+                        <a:effectLst/>
+                        <a:latin typeface="Calibri" panose="020F0502020204030204" pitchFamily="34" charset="0"/>
+                      </a:endParaRPr>
+                    </a:p>
+                  </a:txBody>
+                  <a:tcPr marL="7564" marR="7564" marT="7564" marB="0" anchor="b">
+                    <a:lnL w="12700" cap="flat" cmpd="sng" algn="ctr">
+                      <a:solidFill>
+                        <a:schemeClr val="tx1"/>
+                      </a:solidFill>
+                      <a:prstDash val="solid"/>
+                      <a:round/>
+                      <a:headEnd type="none" w="med" len="med"/>
+                      <a:tailEnd type="none" w="med" len="med"/>
+                    </a:lnL>
+                    <a:lnR w="12700" cap="flat" cmpd="sng" algn="ctr">
+                      <a:solidFill>
+                        <a:schemeClr val="tx1"/>
+                      </a:solidFill>
+                      <a:prstDash val="solid"/>
+                      <a:round/>
+                      <a:headEnd type="none" w="med" len="med"/>
+                      <a:tailEnd type="none" w="med" len="med"/>
+                    </a:lnR>
+                    <a:lnT w="12700" cap="flat" cmpd="sng" algn="ctr">
+                      <a:solidFill>
+                        <a:schemeClr val="tx1"/>
+                      </a:solidFill>
+                      <a:prstDash val="solid"/>
+                      <a:round/>
+                      <a:headEnd type="none" w="med" len="med"/>
+                      <a:tailEnd type="none" w="med" len="med"/>
+                    </a:lnT>
+                    <a:lnB w="12700" cap="flat" cmpd="sng" algn="ctr">
+                      <a:solidFill>
+                        <a:schemeClr val="tx1"/>
+                      </a:solidFill>
+                      <a:prstDash val="solid"/>
+                      <a:round/>
+                      <a:headEnd type="none" w="med" len="med"/>
+                      <a:tailEnd type="none" w="med" len="med"/>
+                    </a:lnB>
+                  </a:tcPr>
+                </a:tc>
+                <a:tc>
+                  <a:txBody>
+                    <a:bodyPr/>
+                    <a:lstStyle/>
+                    <a:p>
+                      <a:pPr algn="l" fontAlgn="b"/>
+                      <a:r>
+                        <a:rPr lang="en-GB" sz="1200" u="none" strike="noStrike">
+                          <a:effectLst/>
+                        </a:rPr>
+                        <a:t>Admin linkek előkészítése</a:t>
+                      </a:r>
+                      <a:endParaRPr lang="en-GB" sz="1200" b="0" i="0" u="none" strike="noStrike">
+                        <a:solidFill>
+                          <a:srgbClr val="000000"/>
+                        </a:solidFill>
+                        <a:effectLst/>
+                        <a:latin typeface="Calibri" panose="020F0502020204030204" pitchFamily="34" charset="0"/>
+                      </a:endParaRPr>
+                    </a:p>
+                  </a:txBody>
+                  <a:tcPr marL="7564" marR="7564" marT="7564" marB="0" anchor="b">
+                    <a:lnL w="12700" cap="flat" cmpd="sng" algn="ctr">
+                      <a:solidFill>
+                        <a:schemeClr val="tx1"/>
+                      </a:solidFill>
+                      <a:prstDash val="solid"/>
+                      <a:round/>
+                      <a:headEnd type="none" w="med" len="med"/>
+                      <a:tailEnd type="none" w="med" len="med"/>
+                    </a:lnL>
+                    <a:lnR w="12700" cap="flat" cmpd="sng" algn="ctr">
+                      <a:solidFill>
+                        <a:schemeClr val="tx1"/>
+                      </a:solidFill>
+                      <a:prstDash val="solid"/>
+                      <a:round/>
+                      <a:headEnd type="none" w="med" len="med"/>
+                      <a:tailEnd type="none" w="med" len="med"/>
+                    </a:lnR>
+                    <a:lnT w="12700" cap="flat" cmpd="sng" algn="ctr">
+                      <a:solidFill>
+                        <a:schemeClr val="tx1"/>
+                      </a:solidFill>
+                      <a:prstDash val="solid"/>
+                      <a:round/>
+                      <a:headEnd type="none" w="med" len="med"/>
+                      <a:tailEnd type="none" w="med" len="med"/>
+                    </a:lnT>
+                    <a:lnB w="12700" cap="flat" cmpd="sng" algn="ctr">
+                      <a:solidFill>
+                        <a:schemeClr val="tx1"/>
+                      </a:solidFill>
+                      <a:prstDash val="solid"/>
+                      <a:round/>
+                      <a:headEnd type="none" w="med" len="med"/>
+                      <a:tailEnd type="none" w="med" len="med"/>
+                    </a:lnB>
+                  </a:tcPr>
+                </a:tc>
+                <a:tc>
+                  <a:txBody>
+                    <a:bodyPr/>
+                    <a:lstStyle/>
+                    <a:p>
+                      <a:pPr algn="l" fontAlgn="b"/>
+                      <a:endParaRPr lang="en-HU" sz="1200" b="0" i="0" u="none" strike="noStrike">
+                        <a:solidFill>
+                          <a:srgbClr val="000000"/>
+                        </a:solidFill>
+                        <a:effectLst/>
+                        <a:latin typeface="Calibri" panose="020F0502020204030204" pitchFamily="34" charset="0"/>
+                      </a:endParaRPr>
+                    </a:p>
+                  </a:txBody>
+                  <a:tcPr marL="7564" marR="7564" marT="7564" marB="0" anchor="b">
+                    <a:lnL w="12700" cap="flat" cmpd="sng" algn="ctr">
+                      <a:solidFill>
+                        <a:schemeClr val="tx1"/>
+                      </a:solidFill>
+                      <a:prstDash val="solid"/>
+                      <a:round/>
+                      <a:headEnd type="none" w="med" len="med"/>
+                      <a:tailEnd type="none" w="med" len="med"/>
+                    </a:lnL>
+                    <a:lnR w="12700" cap="flat" cmpd="sng" algn="ctr">
+                      <a:solidFill>
+                        <a:schemeClr val="tx1"/>
+                      </a:solidFill>
+                      <a:prstDash val="solid"/>
+                      <a:round/>
+                      <a:headEnd type="none" w="med" len="med"/>
+                      <a:tailEnd type="none" w="med" len="med"/>
+                    </a:lnR>
+                    <a:lnT w="12700" cap="flat" cmpd="sng" algn="ctr">
+                      <a:solidFill>
+                        <a:schemeClr val="tx1"/>
+                      </a:solidFill>
+                      <a:prstDash val="solid"/>
+                      <a:round/>
+                      <a:headEnd type="none" w="med" len="med"/>
+                      <a:tailEnd type="none" w="med" len="med"/>
+                    </a:lnT>
+                    <a:lnB w="12700" cap="flat" cmpd="sng" algn="ctr">
+                      <a:solidFill>
+                        <a:schemeClr val="tx1"/>
+                      </a:solidFill>
+                      <a:prstDash val="solid"/>
+                      <a:round/>
+                      <a:headEnd type="none" w="med" len="med"/>
+                      <a:tailEnd type="none" w="med" len="med"/>
+                    </a:lnB>
+                  </a:tcPr>
+                </a:tc>
+                <a:extLst>
+                  <a:ext uri="{0D108BD9-81ED-4DB2-BD59-A6C34878D82A}">
+                    <a16:rowId xmlns:a16="http://schemas.microsoft.com/office/drawing/2014/main" val="3609514012"/>
+                  </a:ext>
+                </a:extLst>
+              </a:tr>
+              <a:tr h="151288">
+                <a:tc>
+                  <a:txBody>
+                    <a:bodyPr/>
+                    <a:lstStyle/>
+                    <a:p>
+                      <a:pPr algn="l" fontAlgn="b"/>
+                      <a:endParaRPr lang="en-HU" sz="1200" b="0" i="0" u="none" strike="noStrike">
+                        <a:solidFill>
+                          <a:srgbClr val="000000"/>
+                        </a:solidFill>
+                        <a:effectLst/>
+                        <a:latin typeface="Calibri" panose="020F0502020204030204" pitchFamily="34" charset="0"/>
+                      </a:endParaRPr>
+                    </a:p>
+                  </a:txBody>
+                  <a:tcPr marL="7564" marR="7564" marT="7564" marB="0" anchor="b">
+                    <a:lnL w="12700" cap="flat" cmpd="sng" algn="ctr">
+                      <a:solidFill>
+                        <a:schemeClr val="tx1"/>
+                      </a:solidFill>
+                      <a:prstDash val="solid"/>
+                      <a:round/>
+                      <a:headEnd type="none" w="med" len="med"/>
+                      <a:tailEnd type="none" w="med" len="med"/>
+                    </a:lnL>
+                    <a:lnR w="12700" cap="flat" cmpd="sng" algn="ctr">
+                      <a:solidFill>
+                        <a:schemeClr val="tx1"/>
+                      </a:solidFill>
+                      <a:prstDash val="solid"/>
+                      <a:round/>
+                      <a:headEnd type="none" w="med" len="med"/>
+                      <a:tailEnd type="none" w="med" len="med"/>
+                    </a:lnR>
+                    <a:lnT w="12700" cap="flat" cmpd="sng" algn="ctr">
+                      <a:solidFill>
+                        <a:schemeClr val="tx1"/>
+                      </a:solidFill>
+                      <a:prstDash val="solid"/>
+                      <a:round/>
+                      <a:headEnd type="none" w="med" len="med"/>
+                      <a:tailEnd type="none" w="med" len="med"/>
+                    </a:lnT>
+                    <a:lnB w="12700" cap="flat" cmpd="sng" algn="ctr">
+                      <a:solidFill>
+                        <a:schemeClr val="tx1"/>
+                      </a:solidFill>
+                      <a:prstDash val="solid"/>
+                      <a:round/>
+                      <a:headEnd type="none" w="med" len="med"/>
+                      <a:tailEnd type="none" w="med" len="med"/>
+                    </a:lnB>
+                  </a:tcPr>
+                </a:tc>
+                <a:tc>
+                  <a:txBody>
+                    <a:bodyPr/>
+                    <a:lstStyle/>
+                    <a:p>
+                      <a:pPr algn="l" fontAlgn="b"/>
+                      <a:r>
+                        <a:rPr lang="en-HU" sz="1200" u="none" strike="noStrike">
+                          <a:effectLst/>
+                        </a:rPr>
+                        <a:t>00.4</a:t>
+                      </a:r>
+                      <a:endParaRPr lang="en-HU" sz="1200" b="0" i="0" u="none" strike="noStrike">
+                        <a:solidFill>
+                          <a:srgbClr val="000000"/>
+                        </a:solidFill>
+                        <a:effectLst/>
+                        <a:latin typeface="Calibri" panose="020F0502020204030204" pitchFamily="34" charset="0"/>
+                      </a:endParaRPr>
+                    </a:p>
+                  </a:txBody>
+                  <a:tcPr marL="7564" marR="7564" marT="7564" marB="0" anchor="b">
+                    <a:lnL w="12700" cap="flat" cmpd="sng" algn="ctr">
+                      <a:solidFill>
+                        <a:schemeClr val="tx1"/>
+                      </a:solidFill>
+                      <a:prstDash val="solid"/>
+                      <a:round/>
+                      <a:headEnd type="none" w="med" len="med"/>
+                      <a:tailEnd type="none" w="med" len="med"/>
+                    </a:lnL>
+                    <a:lnR w="12700" cap="flat" cmpd="sng" algn="ctr">
+                      <a:solidFill>
+                        <a:schemeClr val="tx1"/>
+                      </a:solidFill>
+                      <a:prstDash val="solid"/>
+                      <a:round/>
+                      <a:headEnd type="none" w="med" len="med"/>
+                      <a:tailEnd type="none" w="med" len="med"/>
+                    </a:lnR>
+                    <a:lnT w="12700" cap="flat" cmpd="sng" algn="ctr">
+                      <a:solidFill>
+                        <a:schemeClr val="tx1"/>
+                      </a:solidFill>
+                      <a:prstDash val="solid"/>
+                      <a:round/>
+                      <a:headEnd type="none" w="med" len="med"/>
+                      <a:tailEnd type="none" w="med" len="med"/>
+                    </a:lnT>
+                    <a:lnB w="12700" cap="flat" cmpd="sng" algn="ctr">
+                      <a:solidFill>
+                        <a:schemeClr val="tx1"/>
+                      </a:solidFill>
+                      <a:prstDash val="solid"/>
+                      <a:round/>
+                      <a:headEnd type="none" w="med" len="med"/>
+                      <a:tailEnd type="none" w="med" len="med"/>
+                    </a:lnB>
+                  </a:tcPr>
+                </a:tc>
+                <a:tc>
+                  <a:txBody>
+                    <a:bodyPr/>
+                    <a:lstStyle/>
+                    <a:p>
+                      <a:pPr algn="l" fontAlgn="b"/>
+                      <a:r>
+                        <a:rPr lang="en-GB" sz="1200" u="none" strike="noStrike">
+                          <a:effectLst/>
+                        </a:rPr>
+                        <a:t>Tools telepítés az update laptopra</a:t>
+                      </a:r>
+                      <a:endParaRPr lang="en-GB" sz="1200" b="0" i="0" u="none" strike="noStrike">
+                        <a:solidFill>
+                          <a:srgbClr val="000000"/>
+                        </a:solidFill>
+                        <a:effectLst/>
+                        <a:latin typeface="Calibri" panose="020F0502020204030204" pitchFamily="34" charset="0"/>
+                      </a:endParaRPr>
+                    </a:p>
+                  </a:txBody>
+                  <a:tcPr marL="7564" marR="7564" marT="7564" marB="0" anchor="b">
+                    <a:lnL w="12700" cap="flat" cmpd="sng" algn="ctr">
+                      <a:solidFill>
+                        <a:schemeClr val="tx1"/>
+                      </a:solidFill>
+                      <a:prstDash val="solid"/>
+                      <a:round/>
+                      <a:headEnd type="none" w="med" len="med"/>
+                      <a:tailEnd type="none" w="med" len="med"/>
+                    </a:lnL>
+                    <a:lnR w="12700" cap="flat" cmpd="sng" algn="ctr">
+                      <a:solidFill>
+                        <a:schemeClr val="tx1"/>
+                      </a:solidFill>
+                      <a:prstDash val="solid"/>
+                      <a:round/>
+                      <a:headEnd type="none" w="med" len="med"/>
+                      <a:tailEnd type="none" w="med" len="med"/>
+                    </a:lnR>
+                    <a:lnT w="12700" cap="flat" cmpd="sng" algn="ctr">
+                      <a:solidFill>
+                        <a:schemeClr val="tx1"/>
+                      </a:solidFill>
+                      <a:prstDash val="solid"/>
+                      <a:round/>
+                      <a:headEnd type="none" w="med" len="med"/>
+                      <a:tailEnd type="none" w="med" len="med"/>
+                    </a:lnT>
+                    <a:lnB w="12700" cap="flat" cmpd="sng" algn="ctr">
+                      <a:solidFill>
+                        <a:schemeClr val="tx1"/>
+                      </a:solidFill>
+                      <a:prstDash val="solid"/>
+                      <a:round/>
+                      <a:headEnd type="none" w="med" len="med"/>
+                      <a:tailEnd type="none" w="med" len="med"/>
+                    </a:lnB>
+                  </a:tcPr>
+                </a:tc>
+                <a:tc>
+                  <a:txBody>
+                    <a:bodyPr/>
+                    <a:lstStyle/>
+                    <a:p>
+                      <a:pPr algn="l" fontAlgn="b"/>
+                      <a:endParaRPr lang="en-HU" sz="1200" b="0" i="0" u="none" strike="noStrike">
+                        <a:solidFill>
+                          <a:srgbClr val="000000"/>
+                        </a:solidFill>
+                        <a:effectLst/>
+                        <a:latin typeface="Calibri" panose="020F0502020204030204" pitchFamily="34" charset="0"/>
+                      </a:endParaRPr>
+                    </a:p>
+                  </a:txBody>
+                  <a:tcPr marL="7564" marR="7564" marT="7564" marB="0" anchor="b">
+                    <a:lnL w="12700" cap="flat" cmpd="sng" algn="ctr">
+                      <a:solidFill>
+                        <a:schemeClr val="tx1"/>
+                      </a:solidFill>
+                      <a:prstDash val="solid"/>
+                      <a:round/>
+                      <a:headEnd type="none" w="med" len="med"/>
+                      <a:tailEnd type="none" w="med" len="med"/>
+                    </a:lnL>
+                    <a:lnR w="12700" cap="flat" cmpd="sng" algn="ctr">
+                      <a:solidFill>
+                        <a:schemeClr val="tx1"/>
+                      </a:solidFill>
+                      <a:prstDash val="solid"/>
+                      <a:round/>
+                      <a:headEnd type="none" w="med" len="med"/>
+                      <a:tailEnd type="none" w="med" len="med"/>
+                    </a:lnR>
+                    <a:lnT w="12700" cap="flat" cmpd="sng" algn="ctr">
+                      <a:solidFill>
+                        <a:schemeClr val="tx1"/>
+                      </a:solidFill>
+                      <a:prstDash val="solid"/>
+                      <a:round/>
+                      <a:headEnd type="none" w="med" len="med"/>
+                      <a:tailEnd type="none" w="med" len="med"/>
+                    </a:lnT>
+                    <a:lnB w="12700" cap="flat" cmpd="sng" algn="ctr">
+                      <a:solidFill>
+                        <a:schemeClr val="tx1"/>
+                      </a:solidFill>
+                      <a:prstDash val="solid"/>
+                      <a:round/>
+                      <a:headEnd type="none" w="med" len="med"/>
+                      <a:tailEnd type="none" w="med" len="med"/>
+                    </a:lnB>
+                  </a:tcPr>
+                </a:tc>
+                <a:extLst>
+                  <a:ext uri="{0D108BD9-81ED-4DB2-BD59-A6C34878D82A}">
+                    <a16:rowId xmlns:a16="http://schemas.microsoft.com/office/drawing/2014/main" val="3253745546"/>
+                  </a:ext>
+                </a:extLst>
+              </a:tr>
+              <a:tr h="151288">
+                <a:tc>
+                  <a:txBody>
+                    <a:bodyPr/>
+                    <a:lstStyle/>
+                    <a:p>
+                      <a:pPr algn="l" fontAlgn="b"/>
+                      <a:endParaRPr lang="en-HU" sz="1200" b="0" i="0" u="none" strike="noStrike">
+                        <a:solidFill>
+                          <a:srgbClr val="000000"/>
+                        </a:solidFill>
+                        <a:effectLst/>
+                        <a:latin typeface="Calibri" panose="020F0502020204030204" pitchFamily="34" charset="0"/>
+                      </a:endParaRPr>
+                    </a:p>
+                  </a:txBody>
+                  <a:tcPr marL="7564" marR="7564" marT="7564" marB="0" anchor="b">
+                    <a:lnL w="12700" cap="flat" cmpd="sng" algn="ctr">
+                      <a:solidFill>
+                        <a:schemeClr val="tx1"/>
+                      </a:solidFill>
+                      <a:prstDash val="solid"/>
+                      <a:round/>
+                      <a:headEnd type="none" w="med" len="med"/>
+                      <a:tailEnd type="none" w="med" len="med"/>
+                    </a:lnL>
+                    <a:lnR w="12700" cap="flat" cmpd="sng" algn="ctr">
+                      <a:solidFill>
+                        <a:schemeClr val="tx1"/>
+                      </a:solidFill>
+                      <a:prstDash val="solid"/>
+                      <a:round/>
+                      <a:headEnd type="none" w="med" len="med"/>
+                      <a:tailEnd type="none" w="med" len="med"/>
+                    </a:lnR>
+                    <a:lnT w="12700" cap="flat" cmpd="sng" algn="ctr">
+                      <a:solidFill>
+                        <a:schemeClr val="tx1"/>
+                      </a:solidFill>
+                      <a:prstDash val="solid"/>
+                      <a:round/>
+                      <a:headEnd type="none" w="med" len="med"/>
+                      <a:tailEnd type="none" w="med" len="med"/>
+                    </a:lnT>
+                    <a:lnB w="12700" cap="flat" cmpd="sng" algn="ctr">
+                      <a:solidFill>
+                        <a:schemeClr val="tx1"/>
+                      </a:solidFill>
+                      <a:prstDash val="solid"/>
+                      <a:round/>
+                      <a:headEnd type="none" w="med" len="med"/>
+                      <a:tailEnd type="none" w="med" len="med"/>
+                    </a:lnB>
+                  </a:tcPr>
+                </a:tc>
+                <a:tc>
+                  <a:txBody>
+                    <a:bodyPr/>
+                    <a:lstStyle/>
+                    <a:p>
+                      <a:pPr algn="l" fontAlgn="b"/>
+                      <a:r>
+                        <a:rPr lang="en-HU" sz="1200" u="none" strike="noStrike">
+                          <a:effectLst/>
+                        </a:rPr>
+                        <a:t>00.5</a:t>
+                      </a:r>
+                      <a:endParaRPr lang="en-HU" sz="1200" b="0" i="0" u="none" strike="noStrike">
+                        <a:solidFill>
+                          <a:srgbClr val="000000"/>
+                        </a:solidFill>
+                        <a:effectLst/>
+                        <a:latin typeface="Calibri" panose="020F0502020204030204" pitchFamily="34" charset="0"/>
+                      </a:endParaRPr>
+                    </a:p>
+                  </a:txBody>
+                  <a:tcPr marL="7564" marR="7564" marT="7564" marB="0" anchor="b">
+                    <a:lnL w="12700" cap="flat" cmpd="sng" algn="ctr">
+                      <a:solidFill>
+                        <a:schemeClr val="tx1"/>
+                      </a:solidFill>
+                      <a:prstDash val="solid"/>
+                      <a:round/>
+                      <a:headEnd type="none" w="med" len="med"/>
+                      <a:tailEnd type="none" w="med" len="med"/>
+                    </a:lnL>
+                    <a:lnR w="12700" cap="flat" cmpd="sng" algn="ctr">
+                      <a:solidFill>
+                        <a:schemeClr val="tx1"/>
+                      </a:solidFill>
+                      <a:prstDash val="solid"/>
+                      <a:round/>
+                      <a:headEnd type="none" w="med" len="med"/>
+                      <a:tailEnd type="none" w="med" len="med"/>
+                    </a:lnR>
+                    <a:lnT w="12700" cap="flat" cmpd="sng" algn="ctr">
+                      <a:solidFill>
+                        <a:schemeClr val="tx1"/>
+                      </a:solidFill>
+                      <a:prstDash val="solid"/>
+                      <a:round/>
+                      <a:headEnd type="none" w="med" len="med"/>
+                      <a:tailEnd type="none" w="med" len="med"/>
+                    </a:lnT>
+                    <a:lnB w="12700" cap="flat" cmpd="sng" algn="ctr">
+                      <a:solidFill>
+                        <a:schemeClr val="tx1"/>
+                      </a:solidFill>
+                      <a:prstDash val="solid"/>
+                      <a:round/>
+                      <a:headEnd type="none" w="med" len="med"/>
+                      <a:tailEnd type="none" w="med" len="med"/>
+                    </a:lnB>
+                  </a:tcPr>
+                </a:tc>
+                <a:tc>
+                  <a:txBody>
+                    <a:bodyPr/>
+                    <a:lstStyle/>
+                    <a:p>
+                      <a:pPr algn="l" fontAlgn="b"/>
+                      <a:r>
+                        <a:rPr lang="en-GB" sz="1200" u="none" strike="noStrike" dirty="0" err="1">
+                          <a:effectLst/>
+                        </a:rPr>
+                        <a:t>ESXi</a:t>
+                      </a:r>
+                      <a:r>
+                        <a:rPr lang="en-GB" sz="1200" u="none" strike="noStrike" dirty="0">
+                          <a:effectLst/>
+                        </a:rPr>
+                        <a:t> SSH </a:t>
+                      </a:r>
+                      <a:r>
+                        <a:rPr lang="en-GB" sz="1200" u="none" strike="noStrike" dirty="0" err="1">
+                          <a:effectLst/>
+                        </a:rPr>
+                        <a:t>engedélyezés</a:t>
+                      </a:r>
+                      <a:endParaRPr lang="en-GB" sz="1200" b="0" i="0" u="none" strike="noStrike" dirty="0">
+                        <a:solidFill>
+                          <a:srgbClr val="000000"/>
+                        </a:solidFill>
+                        <a:effectLst/>
+                        <a:latin typeface="Calibri" panose="020F0502020204030204" pitchFamily="34" charset="0"/>
+                      </a:endParaRPr>
+                    </a:p>
+                  </a:txBody>
+                  <a:tcPr marL="7564" marR="7564" marT="7564" marB="0" anchor="b">
+                    <a:lnL w="12700" cap="flat" cmpd="sng" algn="ctr">
+                      <a:solidFill>
+                        <a:schemeClr val="tx1"/>
+                      </a:solidFill>
+                      <a:prstDash val="solid"/>
+                      <a:round/>
+                      <a:headEnd type="none" w="med" len="med"/>
+                      <a:tailEnd type="none" w="med" len="med"/>
+                    </a:lnL>
+                    <a:lnR w="12700" cap="flat" cmpd="sng" algn="ctr">
+                      <a:solidFill>
+                        <a:schemeClr val="tx1"/>
+                      </a:solidFill>
+                      <a:prstDash val="solid"/>
+                      <a:round/>
+                      <a:headEnd type="none" w="med" len="med"/>
+                      <a:tailEnd type="none" w="med" len="med"/>
+                    </a:lnR>
+                    <a:lnT w="12700" cap="flat" cmpd="sng" algn="ctr">
+                      <a:solidFill>
+                        <a:schemeClr val="tx1"/>
+                      </a:solidFill>
+                      <a:prstDash val="solid"/>
+                      <a:round/>
+                      <a:headEnd type="none" w="med" len="med"/>
+                      <a:tailEnd type="none" w="med" len="med"/>
+                    </a:lnT>
+                    <a:lnB w="12700" cap="flat" cmpd="sng" algn="ctr">
+                      <a:solidFill>
+                        <a:schemeClr val="tx1"/>
+                      </a:solidFill>
+                      <a:prstDash val="solid"/>
+                      <a:round/>
+                      <a:headEnd type="none" w="med" len="med"/>
+                      <a:tailEnd type="none" w="med" len="med"/>
+                    </a:lnB>
+                  </a:tcPr>
+                </a:tc>
+                <a:tc>
+                  <a:txBody>
+                    <a:bodyPr/>
+                    <a:lstStyle/>
+                    <a:p>
+                      <a:pPr algn="l" fontAlgn="b"/>
+                      <a:endParaRPr lang="en-HU" sz="1200" b="0" i="0" u="none" strike="noStrike" dirty="0">
+                        <a:solidFill>
+                          <a:srgbClr val="000000"/>
+                        </a:solidFill>
+                        <a:effectLst/>
+                        <a:latin typeface="Calibri" panose="020F0502020204030204" pitchFamily="34" charset="0"/>
+                      </a:endParaRPr>
+                    </a:p>
+                  </a:txBody>
+                  <a:tcPr marL="7564" marR="7564" marT="7564" marB="0" anchor="b">
+                    <a:lnL w="12700" cap="flat" cmpd="sng" algn="ctr">
+                      <a:solidFill>
+                        <a:schemeClr val="tx1"/>
+                      </a:solidFill>
+                      <a:prstDash val="solid"/>
+                      <a:round/>
+                      <a:headEnd type="none" w="med" len="med"/>
+                      <a:tailEnd type="none" w="med" len="med"/>
+                    </a:lnL>
+                    <a:lnR w="12700" cap="flat" cmpd="sng" algn="ctr">
+                      <a:solidFill>
+                        <a:schemeClr val="tx1"/>
+                      </a:solidFill>
+                      <a:prstDash val="solid"/>
+                      <a:round/>
+                      <a:headEnd type="none" w="med" len="med"/>
+                      <a:tailEnd type="none" w="med" len="med"/>
+                    </a:lnR>
+                    <a:lnT w="12700" cap="flat" cmpd="sng" algn="ctr">
+                      <a:solidFill>
+                        <a:schemeClr val="tx1"/>
+                      </a:solidFill>
+                      <a:prstDash val="solid"/>
+                      <a:round/>
+                      <a:headEnd type="none" w="med" len="med"/>
+                      <a:tailEnd type="none" w="med" len="med"/>
+                    </a:lnT>
+                    <a:lnB w="12700" cap="flat" cmpd="sng" algn="ctr">
+                      <a:solidFill>
+                        <a:schemeClr val="tx1"/>
+                      </a:solidFill>
+                      <a:prstDash val="solid"/>
+                      <a:round/>
+                      <a:headEnd type="none" w="med" len="med"/>
+                      <a:tailEnd type="none" w="med" len="med"/>
+                    </a:lnB>
+                  </a:tcPr>
+                </a:tc>
+                <a:extLst>
+                  <a:ext uri="{0D108BD9-81ED-4DB2-BD59-A6C34878D82A}">
+                    <a16:rowId xmlns:a16="http://schemas.microsoft.com/office/drawing/2014/main" val="2773121025"/>
+                  </a:ext>
+                </a:extLst>
+              </a:tr>
+            </a:tbl>
+          </a:graphicData>
+        </a:graphic>
+      </p:graphicFrame>
+      <p:graphicFrame>
+        <p:nvGraphicFramePr>
+          <p:cNvPr id="10" name="Table 9">
+            <a:extLst>
+              <a:ext uri="{FF2B5EF4-FFF2-40B4-BE49-F238E27FC236}">
+                <a16:creationId xmlns:a16="http://schemas.microsoft.com/office/drawing/2014/main" id="{45BACD55-864E-D36E-4EB8-49C977DC15AF}"/>
+              </a:ext>
+            </a:extLst>
+          </p:cNvPr>
+          <p:cNvGraphicFramePr>
+            <a:graphicFrameLocks noGrp="1"/>
+          </p:cNvGraphicFramePr>
+          <p:nvPr>
+            <p:extLst>
+              <p:ext uri="{D42A27DB-BD31-4B8C-83A1-F6EECF244321}">
+                <p14:modId xmlns:p14="http://schemas.microsoft.com/office/powerpoint/2010/main" val="1144559253"/>
+              </p:ext>
+            </p:extLst>
+          </p:nvPr>
+        </p:nvGraphicFramePr>
+        <p:xfrm>
+          <a:off x="94176" y="2136058"/>
+          <a:ext cx="3302000" cy="381000"/>
+        </p:xfrm>
+        <a:graphic>
+          <a:graphicData uri="http://schemas.openxmlformats.org/drawingml/2006/table">
+            <a:tbl>
+              <a:tblPr>
+                <a:tableStyleId>{5C22544A-7EE6-4342-B048-85BDC9FD1C3A}</a:tableStyleId>
+              </a:tblPr>
+              <a:tblGrid>
+                <a:gridCol w="825500">
+                  <a:extLst>
+                    <a:ext uri="{9D8B030D-6E8A-4147-A177-3AD203B41FA5}">
+                      <a16:colId xmlns:a16="http://schemas.microsoft.com/office/drawing/2014/main" val="2015268269"/>
+                    </a:ext>
+                  </a:extLst>
+                </a:gridCol>
+                <a:gridCol w="825500">
+                  <a:extLst>
+                    <a:ext uri="{9D8B030D-6E8A-4147-A177-3AD203B41FA5}">
+                      <a16:colId xmlns:a16="http://schemas.microsoft.com/office/drawing/2014/main" val="1451442342"/>
+                    </a:ext>
+                  </a:extLst>
+                </a:gridCol>
+                <a:gridCol w="825500">
+                  <a:extLst>
+                    <a:ext uri="{9D8B030D-6E8A-4147-A177-3AD203B41FA5}">
+                      <a16:colId xmlns:a16="http://schemas.microsoft.com/office/drawing/2014/main" val="3086909920"/>
+                    </a:ext>
+                  </a:extLst>
+                </a:gridCol>
+                <a:gridCol w="825500">
+                  <a:extLst>
+                    <a:ext uri="{9D8B030D-6E8A-4147-A177-3AD203B41FA5}">
+                      <a16:colId xmlns:a16="http://schemas.microsoft.com/office/drawing/2014/main" val="1082552199"/>
+                    </a:ext>
+                  </a:extLst>
+                </a:gridCol>
+              </a:tblGrid>
+              <a:tr h="190500">
+                <a:tc>
+                  <a:txBody>
+                    <a:bodyPr/>
+                    <a:lstStyle/>
+                    <a:p>
+                      <a:pPr algn="l" fontAlgn="b"/>
+                      <a:endParaRPr lang="en-HU" sz="1100" b="0" i="0" u="none" strike="noStrike">
+                        <a:solidFill>
+                          <a:srgbClr val="000000"/>
+                        </a:solidFill>
+                        <a:effectLst/>
+                        <a:latin typeface="Calibri" panose="020F0502020204030204" pitchFamily="34" charset="0"/>
+                      </a:endParaRPr>
+                    </a:p>
+                  </a:txBody>
+                  <a:tcPr marL="9525" marR="9525" marT="9525" marB="0" anchor="b"/>
+                </a:tc>
+                <a:tc>
+                  <a:txBody>
+                    <a:bodyPr/>
+                    <a:lstStyle/>
+                    <a:p>
+                      <a:pPr algn="l" fontAlgn="b"/>
+                      <a:r>
+                        <a:rPr lang="en-GB" sz="1100" u="none" strike="noStrike">
+                          <a:effectLst/>
+                        </a:rPr>
+                        <a:t>STEP</a:t>
+                      </a:r>
+                      <a:endParaRPr lang="en-GB" sz="1100" b="0" i="0" u="none" strike="noStrike">
+                        <a:solidFill>
+                          <a:srgbClr val="000000"/>
+                        </a:solidFill>
+                        <a:effectLst/>
+                        <a:latin typeface="Calibri" panose="020F0502020204030204" pitchFamily="34" charset="0"/>
+                      </a:endParaRPr>
+                    </a:p>
+                  </a:txBody>
+                  <a:tcPr marL="9525" marR="9525" marT="9525" marB="0" anchor="b"/>
+                </a:tc>
+                <a:tc>
+                  <a:txBody>
+                    <a:bodyPr/>
+                    <a:lstStyle/>
+                    <a:p>
+                      <a:pPr algn="l" fontAlgn="b"/>
+                      <a:r>
+                        <a:rPr lang="hu-HU" sz="1100" u="none" strike="noStrike">
+                          <a:effectLst/>
+                        </a:rPr>
+                        <a:t>Művelet</a:t>
+                      </a:r>
+                      <a:endParaRPr lang="hu-HU" sz="1100" b="0" i="0" u="none" strike="noStrike">
+                        <a:solidFill>
+                          <a:srgbClr val="000000"/>
+                        </a:solidFill>
+                        <a:effectLst/>
+                        <a:latin typeface="Calibri" panose="020F0502020204030204" pitchFamily="34" charset="0"/>
+                      </a:endParaRPr>
+                    </a:p>
+                  </a:txBody>
+                  <a:tcPr marL="9525" marR="9525" marT="9525" marB="0" anchor="b"/>
+                </a:tc>
+                <a:tc>
+                  <a:txBody>
+                    <a:bodyPr/>
+                    <a:lstStyle/>
+                    <a:p>
+                      <a:pPr algn="l" fontAlgn="b"/>
+                      <a:r>
+                        <a:rPr lang="en-GB" sz="1100" u="none" strike="noStrike">
+                          <a:effectLst/>
+                        </a:rPr>
+                        <a:t>Megj.</a:t>
+                      </a:r>
+                      <a:endParaRPr lang="en-GB" sz="1100" b="0" i="0" u="none" strike="noStrike">
+                        <a:solidFill>
+                          <a:srgbClr val="000000"/>
+                        </a:solidFill>
+                        <a:effectLst/>
+                        <a:latin typeface="Calibri" panose="020F0502020204030204" pitchFamily="34" charset="0"/>
+                      </a:endParaRPr>
+                    </a:p>
+                  </a:txBody>
+                  <a:tcPr marL="9525" marR="9525" marT="9525" marB="0" anchor="b"/>
+                </a:tc>
+                <a:extLst>
+                  <a:ext uri="{0D108BD9-81ED-4DB2-BD59-A6C34878D82A}">
+                    <a16:rowId xmlns:a16="http://schemas.microsoft.com/office/drawing/2014/main" val="2937661981"/>
+                  </a:ext>
+                </a:extLst>
+              </a:tr>
+              <a:tr h="190500">
+                <a:tc>
+                  <a:txBody>
+                    <a:bodyPr/>
+                    <a:lstStyle/>
+                    <a:p>
+                      <a:pPr algn="l" fontAlgn="b"/>
+                      <a:endParaRPr lang="en-HU" sz="1100" b="0" i="0" u="none" strike="noStrike">
+                        <a:solidFill>
+                          <a:srgbClr val="000000"/>
+                        </a:solidFill>
+                        <a:effectLst/>
+                        <a:latin typeface="Calibri" panose="020F0502020204030204" pitchFamily="34" charset="0"/>
+                      </a:endParaRPr>
+                    </a:p>
+                  </a:txBody>
+                  <a:tcPr marL="9525" marR="9525" marT="9525" marB="0" anchor="b"/>
+                </a:tc>
+                <a:tc>
+                  <a:txBody>
+                    <a:bodyPr/>
+                    <a:lstStyle/>
+                    <a:p>
+                      <a:pPr algn="l" fontAlgn="b"/>
+                      <a:r>
+                        <a:rPr lang="en-GB" sz="1100" u="none" strike="noStrike">
+                          <a:effectLst/>
+                        </a:rPr>
+                        <a:t>Step 01.</a:t>
+                      </a:r>
+                      <a:endParaRPr lang="en-GB" sz="1100" b="0" i="0" u="none" strike="noStrike">
+                        <a:solidFill>
+                          <a:srgbClr val="000000"/>
+                        </a:solidFill>
+                        <a:effectLst/>
+                        <a:latin typeface="Calibri" panose="020F0502020204030204" pitchFamily="34" charset="0"/>
+                      </a:endParaRPr>
+                    </a:p>
+                  </a:txBody>
+                  <a:tcPr marL="9525" marR="9525" marT="9525" marB="0" anchor="b"/>
+                </a:tc>
+                <a:tc>
+                  <a:txBody>
+                    <a:bodyPr/>
+                    <a:lstStyle/>
+                    <a:p>
+                      <a:pPr algn="l" fontAlgn="b"/>
+                      <a:r>
+                        <a:rPr lang="en-GB" sz="1100" u="none" strike="noStrike">
+                          <a:effectLst/>
+                        </a:rPr>
+                        <a:t>MSA</a:t>
+                      </a:r>
+                      <a:endParaRPr lang="en-GB" sz="1100" b="0" i="0" u="none" strike="noStrike">
+                        <a:solidFill>
+                          <a:srgbClr val="000000"/>
+                        </a:solidFill>
+                        <a:effectLst/>
+                        <a:latin typeface="Calibri" panose="020F0502020204030204" pitchFamily="34" charset="0"/>
+                      </a:endParaRPr>
+                    </a:p>
+                  </a:txBody>
+                  <a:tcPr marL="9525" marR="9525" marT="9525" marB="0" anchor="b"/>
+                </a:tc>
+                <a:tc>
+                  <a:txBody>
+                    <a:bodyPr/>
+                    <a:lstStyle/>
+                    <a:p>
+                      <a:pPr algn="l" fontAlgn="b"/>
+                      <a:endParaRPr lang="en-HU" sz="1100" b="0" i="0" u="none" strike="noStrike" dirty="0">
+                        <a:solidFill>
+                          <a:srgbClr val="000000"/>
+                        </a:solidFill>
+                        <a:effectLst/>
+                        <a:latin typeface="Calibri" panose="020F0502020204030204" pitchFamily="34" charset="0"/>
+                      </a:endParaRPr>
+                    </a:p>
+                  </a:txBody>
+                  <a:tcPr marL="9525" marR="9525" marT="9525" marB="0" anchor="b"/>
+                </a:tc>
+                <a:extLst>
+                  <a:ext uri="{0D108BD9-81ED-4DB2-BD59-A6C34878D82A}">
+                    <a16:rowId xmlns:a16="http://schemas.microsoft.com/office/drawing/2014/main" val="3686975855"/>
+                  </a:ext>
+                </a:extLst>
+              </a:tr>
+            </a:tbl>
+          </a:graphicData>
+        </a:graphic>
+      </p:graphicFrame>
+    </p:spTree>
+    <p:extLst>
+      <p:ext uri="{BB962C8B-B14F-4D97-AF65-F5344CB8AC3E}">
+        <p14:creationId xmlns:p14="http://schemas.microsoft.com/office/powerpoint/2010/main" val="3705823305"/>
+      </p:ext>
+    </p:extLst>
+  </p:cSld>
+  <p:clrMapOvr>
+    <a:masterClrMapping/>
+  </p:clrMapOvr>
+</p:sld>
+</file>
+
+<file path=ppt/slides/slide5.xml><?xml version="1.0" encoding="utf-8"?>
+<p:sld xmlns:a="http://schemas.openxmlformats.org/drawingml/2006/main" xmlns:r="http://schemas.openxmlformats.org/officeDocument/2006/relationships" xmlns:p="http://schemas.openxmlformats.org/presentationml/2006/main">
+  <p:cSld>
+    <p:spTree>
+      <p:nvGrpSpPr>
+        <p:cNvPr id="1" name=""/>
+        <p:cNvGrpSpPr/>
+        <p:nvPr/>
+      </p:nvGrpSpPr>
+      <p:grpSpPr>
+        <a:xfrm>
+          <a:off x="0" y="0"/>
+          <a:ext cx="0" cy="0"/>
+          <a:chOff x="0" y="0"/>
+          <a:chExt cx="0" cy="0"/>
+        </a:xfrm>
+      </p:grpSpPr>
+      <p:sp>
+        <p:nvSpPr>
+          <p:cNvPr id="5" name="Title 4">
+            <a:extLst>
+              <a:ext uri="{FF2B5EF4-FFF2-40B4-BE49-F238E27FC236}">
+                <a16:creationId xmlns:a16="http://schemas.microsoft.com/office/drawing/2014/main" id="{5F9D5649-7DFE-3110-C092-DF7F659FE28D}"/>
+              </a:ext>
+            </a:extLst>
+          </p:cNvPr>
+          <p:cNvSpPr>
+            <a:spLocks noGrp="1"/>
+          </p:cNvSpPr>
+          <p:nvPr>
+            <p:ph type="title"/>
+          </p:nvPr>
+        </p:nvSpPr>
+        <p:spPr>
+          <a:xfrm>
+            <a:off x="2213361" y="-48765"/>
+            <a:ext cx="3187408" cy="617034"/>
+          </a:xfrm>
+        </p:spPr>
+        <p:txBody>
+          <a:bodyPr/>
+          <a:lstStyle/>
+          <a:p>
+            <a:endParaRPr lang="hu-HU"/>
+          </a:p>
+        </p:txBody>
+      </p:sp>
+    </p:spTree>
+    <p:extLst>
+      <p:ext uri="{BB962C8B-B14F-4D97-AF65-F5344CB8AC3E}">
+        <p14:creationId xmlns:p14="http://schemas.microsoft.com/office/powerpoint/2010/main" val="3208278765"/>
+      </p:ext>
+    </p:extLst>
+  </p:cSld>
+  <p:clrMapOvr>
+    <a:masterClrMapping/>
+  </p:clrMapOvr>
+</p:sld>
+</file>
+
+<file path=ppt/slides/slide6.xml><?xml version="1.0" encoding="utf-8"?>
 <p:sld xmlns:a="http://schemas.openxmlformats.org/drawingml/2006/main" xmlns:r="http://schemas.openxmlformats.org/officeDocument/2006/relationships" xmlns:p="http://schemas.openxmlformats.org/presentationml/2006/main">
   <p:cSld>
     <p:spTree>
